--- a/doc/RESTful API Design.pptx
+++ b/doc/RESTful API Design.pptx
@@ -8,9 +8,11 @@
     <p:sldId id="256" r:id="rId2"/>
     <p:sldId id="257" r:id="rId3"/>
     <p:sldId id="261" r:id="rId4"/>
-    <p:sldId id="260" r:id="rId5"/>
-    <p:sldId id="262" r:id="rId6"/>
-    <p:sldId id="259" r:id="rId7"/>
+    <p:sldId id="265" r:id="rId5"/>
+    <p:sldId id="260" r:id="rId6"/>
+    <p:sldId id="262" r:id="rId7"/>
+    <p:sldId id="259" r:id="rId8"/>
+    <p:sldId id="263" r:id="rId9"/>
   </p:sldIdLst>
   <p:sldSz cx="9144000" cy="6858000" type="screen4x3"/>
   <p:notesSz cx="6858000" cy="9144000"/>
@@ -306,7 +308,7 @@
           <a:p>
             <a:fld id="{8F790D7D-CD7D-4D5E-9011-97B269F6C972}" type="datetimeFigureOut">
               <a:rPr lang="en-US" smtClean="0"/>
-              <a:t>11/26/2014</a:t>
+              <a:t>11/27/2014</a:t>
             </a:fld>
             <a:endParaRPr lang="en-US"/>
           </a:p>
@@ -471,7 +473,7 @@
           <a:p>
             <a:fld id="{8F790D7D-CD7D-4D5E-9011-97B269F6C972}" type="datetimeFigureOut">
               <a:rPr lang="en-US" smtClean="0"/>
-              <a:t>11/26/2014</a:t>
+              <a:t>11/27/2014</a:t>
             </a:fld>
             <a:endParaRPr lang="en-US"/>
           </a:p>
@@ -646,7 +648,7 @@
           <a:p>
             <a:fld id="{8F790D7D-CD7D-4D5E-9011-97B269F6C972}" type="datetimeFigureOut">
               <a:rPr lang="en-US" smtClean="0"/>
-              <a:t>11/26/2014</a:t>
+              <a:t>11/27/2014</a:t>
             </a:fld>
             <a:endParaRPr lang="en-US"/>
           </a:p>
@@ -811,7 +813,7 @@
           <a:p>
             <a:fld id="{8F790D7D-CD7D-4D5E-9011-97B269F6C972}" type="datetimeFigureOut">
               <a:rPr lang="en-US" smtClean="0"/>
-              <a:t>11/26/2014</a:t>
+              <a:t>11/27/2014</a:t>
             </a:fld>
             <a:endParaRPr lang="en-US"/>
           </a:p>
@@ -1052,7 +1054,7 @@
           <a:p>
             <a:fld id="{8F790D7D-CD7D-4D5E-9011-97B269F6C972}" type="datetimeFigureOut">
               <a:rPr lang="en-US" smtClean="0"/>
-              <a:t>11/26/2014</a:t>
+              <a:t>11/27/2014</a:t>
             </a:fld>
             <a:endParaRPr lang="en-US"/>
           </a:p>
@@ -1335,7 +1337,7 @@
           <a:p>
             <a:fld id="{8F790D7D-CD7D-4D5E-9011-97B269F6C972}" type="datetimeFigureOut">
               <a:rPr lang="en-US" smtClean="0"/>
-              <a:t>11/26/2014</a:t>
+              <a:t>11/27/2014</a:t>
             </a:fld>
             <a:endParaRPr lang="en-US"/>
           </a:p>
@@ -1764,7 +1766,7 @@
           <a:p>
             <a:fld id="{8F790D7D-CD7D-4D5E-9011-97B269F6C972}" type="datetimeFigureOut">
               <a:rPr lang="en-US" smtClean="0"/>
-              <a:t>11/26/2014</a:t>
+              <a:t>11/27/2014</a:t>
             </a:fld>
             <a:endParaRPr lang="en-US"/>
           </a:p>
@@ -1877,7 +1879,7 @@
           <a:p>
             <a:fld id="{8F790D7D-CD7D-4D5E-9011-97B269F6C972}" type="datetimeFigureOut">
               <a:rPr lang="en-US" smtClean="0"/>
-              <a:t>11/26/2014</a:t>
+              <a:t>11/27/2014</a:t>
             </a:fld>
             <a:endParaRPr lang="en-US"/>
           </a:p>
@@ -1967,7 +1969,7 @@
           <a:p>
             <a:fld id="{8F790D7D-CD7D-4D5E-9011-97B269F6C972}" type="datetimeFigureOut">
               <a:rPr lang="en-US" smtClean="0"/>
-              <a:t>11/26/2014</a:t>
+              <a:t>11/27/2014</a:t>
             </a:fld>
             <a:endParaRPr lang="en-US"/>
           </a:p>
@@ -2156,7 +2158,7 @@
           <a:p>
             <a:fld id="{8F790D7D-CD7D-4D5E-9011-97B269F6C972}" type="datetimeFigureOut">
               <a:rPr lang="en-US" smtClean="0"/>
-              <a:t>11/26/2014</a:t>
+              <a:t>11/27/2014</a:t>
             </a:fld>
             <a:endParaRPr lang="en-US"/>
           </a:p>
@@ -2386,7 +2388,7 @@
               <a:rPr lang="en-US" smtClean="0"/>
               <a:t>Click icon to add picture</a:t>
             </a:r>
-            <a:endParaRPr lang="en-US" dirty="0"/>
+            <a:endParaRPr lang="en-US"/>
           </a:p>
         </p:txBody>
       </p:sp>
@@ -2474,7 +2476,7 @@
           <a:p>
             <a:fld id="{8F790D7D-CD7D-4D5E-9011-97B269F6C972}" type="datetimeFigureOut">
               <a:rPr lang="en-US" smtClean="0"/>
-              <a:t>11/26/2014</a:t>
+              <a:t>11/27/2014</a:t>
             </a:fld>
             <a:endParaRPr lang="en-US"/>
           </a:p>
@@ -2853,7 +2855,7 @@
           <a:p>
             <a:fld id="{8F790D7D-CD7D-4D5E-9011-97B269F6C972}" type="datetimeFigureOut">
               <a:rPr lang="en-US" smtClean="0"/>
-              <a:t>11/26/2014</a:t>
+              <a:t>11/27/2014</a:t>
             </a:fld>
             <a:endParaRPr lang="en-US"/>
           </a:p>
@@ -3194,7 +3196,7 @@
           <a:lstStyle/>
           <a:p>
             <a:r>
-              <a:rPr lang="hu-HU" dirty="0" smtClean="0"/>
+              <a:rPr lang="hu-HU" smtClean="0"/>
               <a:t>RESTful API Design</a:t>
             </a:r>
             <a:endParaRPr lang="en-US" dirty="0"/>
@@ -3217,7 +3219,7 @@
           <a:lstStyle/>
           <a:p>
             <a:r>
-              <a:rPr lang="hu-HU" dirty="0" smtClean="0"/>
+              <a:rPr lang="hu-HU" smtClean="0"/>
               <a:t>Design pricipals, demo example implementation</a:t>
             </a:r>
             <a:endParaRPr lang="en-US" dirty="0"/>
@@ -3264,11 +3266,11 @@
   <p:clrMapOvr>
     <a:masterClrMapping/>
   </p:clrMapOvr>
-  <mc:AlternateContent xmlns:mc="http://schemas.openxmlformats.org/markup-compatibility/2006">
-    <mc:Choice xmlns:p14="http://schemas.microsoft.com/office/powerpoint/2010/main" Requires="p14">
+  <mc:AlternateContent xmlns:mc="http://schemas.openxmlformats.org/markup-compatibility/2006" xmlns:p14="http://schemas.microsoft.com/office/powerpoint/2010/main">
+    <mc:Choice Requires="p14">
       <p:transition spd="slow" p14:dur="2000"/>
     </mc:Choice>
-    <mc:Fallback>
+    <mc:Fallback xmlns="">
       <p:transition spd="slow"/>
     </mc:Fallback>
   </mc:AlternateContent>
@@ -3315,7 +3317,7 @@
           <a:lstStyle/>
           <a:p>
             <a:r>
-              <a:rPr lang="hu-HU" dirty="0" smtClean="0"/>
+              <a:rPr lang="hu-HU" smtClean="0"/>
               <a:t>AS-IS</a:t>
             </a:r>
             <a:endParaRPr lang="en-US" dirty="0"/>
@@ -3387,7 +3389,7 @@
           <a:p>
             <a:pPr algn="ctr"/>
             <a:r>
-              <a:rPr lang="hu-HU" dirty="0" smtClean="0"/>
+              <a:rPr lang="hu-HU" smtClean="0"/>
               <a:t>Standard Provisioning</a:t>
             </a:r>
             <a:endParaRPr lang="en-US" dirty="0"/>
@@ -3429,7 +3431,7 @@
           <a:p>
             <a:pPr algn="ctr"/>
             <a:r>
-              <a:rPr lang="hu-HU" dirty="0">
+              <a:rPr lang="hu-HU">
                 <a:solidFill>
                   <a:schemeClr val="dk1"/>
                 </a:solidFill>
@@ -3484,7 +3486,7 @@
           <a:p>
             <a:pPr algn="ctr"/>
             <a:r>
-              <a:rPr lang="hu-HU" sz="1400" dirty="0" smtClean="0"/>
+              <a:rPr lang="hu-HU" sz="1400" smtClean="0"/>
               <a:t>Frontend</a:t>
             </a:r>
             <a:endParaRPr lang="en-US" sz="1400" dirty="0"/>
@@ -3531,7 +3533,7 @@
           <a:p>
             <a:pPr algn="ctr"/>
             <a:r>
-              <a:rPr lang="hu-HU" sz="1400" dirty="0" smtClean="0"/>
+              <a:rPr lang="hu-HU" sz="1400" smtClean="0"/>
               <a:t>Backend</a:t>
             </a:r>
             <a:endParaRPr lang="en-US" sz="1400" dirty="0"/>
@@ -3578,7 +3580,7 @@
           <a:p>
             <a:pPr algn="ctr"/>
             <a:r>
-              <a:rPr lang="hu-HU" sz="1400" dirty="0" smtClean="0"/>
+              <a:rPr lang="hu-HU" sz="1400" smtClean="0"/>
               <a:t>CUCM</a:t>
             </a:r>
             <a:endParaRPr lang="en-US" sz="1400" dirty="0"/>
@@ -3625,7 +3627,7 @@
           <a:p>
             <a:pPr algn="ctr"/>
             <a:r>
-              <a:rPr lang="hu-HU" sz="1400" dirty="0" smtClean="0"/>
+              <a:rPr lang="hu-HU" sz="1400" smtClean="0"/>
               <a:t>Unity</a:t>
             </a:r>
             <a:endParaRPr lang="en-US" sz="1400" dirty="0"/>
@@ -3672,7 +3674,7 @@
           <a:p>
             <a:pPr algn="ctr"/>
             <a:r>
-              <a:rPr lang="hu-HU" sz="1400" dirty="0" smtClean="0"/>
+              <a:rPr lang="hu-HU" sz="1400" smtClean="0"/>
               <a:t>Active Directory</a:t>
             </a:r>
             <a:endParaRPr lang="en-US" sz="1400" dirty="0"/>
@@ -3859,7 +3861,7 @@
           <a:p>
             <a:pPr algn="ctr"/>
             <a:r>
-              <a:rPr lang="hu-HU" sz="1400" dirty="0">
+              <a:rPr lang="hu-HU" sz="1400">
                 <a:solidFill>
                   <a:schemeClr val="dk1"/>
                 </a:solidFill>
@@ -3898,7 +3900,7 @@
           <a:p>
             <a:pPr algn="ctr"/>
             <a:r>
-              <a:rPr lang="hu-HU" sz="1400" dirty="0" smtClean="0">
+              <a:rPr lang="hu-HU" sz="1400" smtClean="0">
                 <a:solidFill>
                   <a:schemeClr val="dk1"/>
                 </a:solidFill>
@@ -3937,7 +3939,7 @@
           <a:p>
             <a:pPr algn="ctr"/>
             <a:r>
-              <a:rPr lang="hu-HU" sz="1400" dirty="0">
+              <a:rPr lang="hu-HU" sz="1400">
                 <a:solidFill>
                   <a:schemeClr val="dk1"/>
                 </a:solidFill>
@@ -3976,7 +3978,7 @@
           <a:p>
             <a:pPr algn="ctr"/>
             <a:r>
-              <a:rPr lang="hu-HU" sz="1400" dirty="0" smtClean="0">
+              <a:rPr lang="hu-HU" sz="1400" smtClean="0">
                 <a:solidFill>
                   <a:schemeClr val="dk1"/>
                 </a:solidFill>
@@ -4001,11 +4003,11 @@
   <p:clrMapOvr>
     <a:masterClrMapping/>
   </p:clrMapOvr>
-  <mc:AlternateContent xmlns:mc="http://schemas.openxmlformats.org/markup-compatibility/2006">
-    <mc:Choice xmlns:p14="http://schemas.microsoft.com/office/powerpoint/2010/main" Requires="p14">
+  <mc:AlternateContent xmlns:mc="http://schemas.openxmlformats.org/markup-compatibility/2006" xmlns:p14="http://schemas.microsoft.com/office/powerpoint/2010/main">
+    <mc:Choice Requires="p14">
       <p:transition spd="slow" p14:dur="2000"/>
     </mc:Choice>
-    <mc:Fallback>
+    <mc:Fallback xmlns="">
       <p:transition spd="slow"/>
     </mc:Fallback>
   </mc:AlternateContent>
@@ -4057,7 +4059,7 @@
           <a:lstStyle/>
           <a:p>
             <a:r>
-              <a:rPr lang="hu-HU" dirty="0" smtClean="0"/>
+              <a:rPr lang="hu-HU" smtClean="0"/>
               <a:t>TO-BE</a:t>
             </a:r>
             <a:endParaRPr lang="en-US" dirty="0"/>
@@ -4129,7 +4131,7 @@
           <a:p>
             <a:pPr algn="ctr"/>
             <a:r>
-              <a:rPr lang="hu-HU" dirty="0" smtClean="0"/>
+              <a:rPr lang="hu-HU" smtClean="0"/>
               <a:t>Standard Provisioning</a:t>
             </a:r>
             <a:endParaRPr lang="en-US" dirty="0"/>
@@ -4171,7 +4173,7 @@
           <a:p>
             <a:pPr algn="ctr"/>
             <a:r>
-              <a:rPr lang="hu-HU" dirty="0">
+              <a:rPr lang="hu-HU">
                 <a:solidFill>
                   <a:schemeClr val="dk1"/>
                 </a:solidFill>
@@ -4226,7 +4228,7 @@
           <a:p>
             <a:pPr algn="ctr"/>
             <a:r>
-              <a:rPr lang="hu-HU" sz="1400" dirty="0" smtClean="0"/>
+              <a:rPr lang="hu-HU" sz="1400" smtClean="0"/>
               <a:t>Frontend</a:t>
             </a:r>
             <a:endParaRPr lang="en-US" sz="1400" dirty="0"/>
@@ -4273,7 +4275,7 @@
           <a:p>
             <a:pPr algn="ctr"/>
             <a:r>
-              <a:rPr lang="hu-HU" sz="1400" dirty="0" smtClean="0"/>
+              <a:rPr lang="hu-HU" sz="1400" smtClean="0"/>
               <a:t>Backend</a:t>
             </a:r>
             <a:endParaRPr lang="en-US" sz="1400" dirty="0"/>
@@ -4320,7 +4322,7 @@
           <a:p>
             <a:pPr algn="ctr"/>
             <a:r>
-              <a:rPr lang="hu-HU" sz="1400" dirty="0" smtClean="0"/>
+              <a:rPr lang="hu-HU" sz="1400" smtClean="0"/>
               <a:t>CUCM</a:t>
             </a:r>
             <a:endParaRPr lang="en-US" sz="1400" dirty="0"/>
@@ -4367,7 +4369,7 @@
           <a:p>
             <a:pPr algn="ctr"/>
             <a:r>
-              <a:rPr lang="hu-HU" sz="1400" dirty="0" smtClean="0"/>
+              <a:rPr lang="hu-HU" sz="1400" smtClean="0"/>
               <a:t>Unity</a:t>
             </a:r>
             <a:endParaRPr lang="en-US" sz="1400" dirty="0"/>
@@ -4414,7 +4416,7 @@
           <a:p>
             <a:pPr algn="ctr"/>
             <a:r>
-              <a:rPr lang="hu-HU" sz="1400" dirty="0" smtClean="0"/>
+              <a:rPr lang="hu-HU" sz="1400" smtClean="0"/>
               <a:t>Active Directory</a:t>
             </a:r>
             <a:endParaRPr lang="en-US" sz="1400" dirty="0"/>
@@ -4601,7 +4603,7 @@
           <a:p>
             <a:pPr algn="ctr"/>
             <a:r>
-              <a:rPr lang="hu-HU" sz="1400" dirty="0">
+              <a:rPr lang="hu-HU" sz="1400">
                 <a:solidFill>
                   <a:schemeClr val="dk1"/>
                 </a:solidFill>
@@ -4640,7 +4642,7 @@
           <a:p>
             <a:pPr algn="ctr"/>
             <a:r>
-              <a:rPr lang="hu-HU" sz="1400" dirty="0" smtClean="0">
+              <a:rPr lang="hu-HU" sz="1400" smtClean="0">
                 <a:solidFill>
                   <a:schemeClr val="dk1"/>
                 </a:solidFill>
@@ -4679,7 +4681,7 @@
           <a:p>
             <a:pPr algn="ctr"/>
             <a:r>
-              <a:rPr lang="hu-HU" sz="1400" dirty="0">
+              <a:rPr lang="hu-HU" sz="1400">
                 <a:solidFill>
                   <a:schemeClr val="dk1"/>
                 </a:solidFill>
@@ -4718,7 +4720,7 @@
           <a:p>
             <a:pPr algn="ctr"/>
             <a:r>
-              <a:rPr lang="hu-HU" sz="1400" dirty="0" smtClean="0">
+              <a:rPr lang="hu-HU" sz="1400" smtClean="0">
                 <a:solidFill>
                   <a:schemeClr val="dk1"/>
                 </a:solidFill>
@@ -4774,7 +4776,7 @@
           <a:p>
             <a:pPr algn="ctr"/>
             <a:r>
-              <a:rPr lang="hu-HU" sz="1400" dirty="0"/>
+              <a:rPr lang="hu-HU" sz="1400"/>
               <a:t>APAS</a:t>
             </a:r>
             <a:endParaRPr lang="en-US" sz="1400" dirty="0"/>
@@ -4822,7 +4824,7 @@
           <a:p>
             <a:pPr algn="ctr"/>
             <a:r>
-              <a:rPr lang="hu-HU" sz="1400" dirty="0"/>
+              <a:rPr lang="hu-HU" sz="1400"/>
               <a:t>...</a:t>
             </a:r>
             <a:endParaRPr lang="en-US" sz="1400" dirty="0"/>
@@ -4870,7 +4872,7 @@
           <a:p>
             <a:pPr algn="ctr"/>
             <a:r>
-              <a:rPr lang="hu-HU" sz="1400" dirty="0"/>
+              <a:rPr lang="hu-HU" sz="1400"/>
               <a:t>...</a:t>
             </a:r>
             <a:endParaRPr lang="en-US" sz="1400" dirty="0"/>
@@ -4918,7 +4920,7 @@
           <a:p>
             <a:pPr algn="ctr"/>
             <a:r>
-              <a:rPr lang="hu-HU" sz="1400" dirty="0"/>
+              <a:rPr lang="hu-HU" sz="1400"/>
               <a:t>...</a:t>
             </a:r>
             <a:endParaRPr lang="en-US" sz="1400" dirty="0"/>
@@ -4966,7 +4968,7 @@
           <a:p>
             <a:pPr algn="ctr"/>
             <a:r>
-              <a:rPr lang="hu-HU" sz="1400" dirty="0"/>
+              <a:rPr lang="hu-HU" sz="1400"/>
               <a:t>...</a:t>
             </a:r>
             <a:endParaRPr lang="en-US" sz="1400" dirty="0"/>
@@ -5014,7 +5016,7 @@
           <a:p>
             <a:pPr algn="ctr"/>
             <a:r>
-              <a:rPr lang="hu-HU" sz="1400" dirty="0"/>
+              <a:rPr lang="hu-HU" sz="1400"/>
               <a:t>...</a:t>
             </a:r>
             <a:endParaRPr lang="en-US" sz="1400" dirty="0"/>
@@ -5062,7 +5064,7 @@
           <a:p>
             <a:pPr algn="ctr"/>
             <a:r>
-              <a:rPr lang="hu-HU" sz="1400" dirty="0"/>
+              <a:rPr lang="hu-HU" sz="1400"/>
               <a:t>...</a:t>
             </a:r>
             <a:endParaRPr lang="en-US" sz="1400" dirty="0"/>
@@ -5212,7 +5214,7 @@
           <a:p>
             <a:pPr algn="ctr"/>
             <a:r>
-              <a:rPr lang="hu-HU" sz="1400" b="1" dirty="0" smtClean="0">
+              <a:rPr lang="hu-HU" sz="1400" b="1" smtClean="0">
                 <a:solidFill>
                   <a:schemeClr val="dk1"/>
                 </a:solidFill>
@@ -5251,7 +5253,7 @@
           <a:p>
             <a:pPr algn="ctr"/>
             <a:r>
-              <a:rPr lang="hu-HU" sz="1400" b="1" dirty="0" smtClean="0">
+              <a:rPr lang="hu-HU" sz="1400" b="1" smtClean="0">
                 <a:solidFill>
                   <a:schemeClr val="dk1"/>
                 </a:solidFill>
@@ -5290,7 +5292,7 @@
           <a:p>
             <a:pPr algn="ctr"/>
             <a:r>
-              <a:rPr lang="hu-HU" sz="1400" b="1" dirty="0" smtClean="0">
+              <a:rPr lang="hu-HU" sz="1400" b="1" smtClean="0">
                 <a:solidFill>
                   <a:schemeClr val="dk1"/>
                 </a:solidFill>
@@ -5315,11 +5317,11 @@
   <p:clrMapOvr>
     <a:masterClrMapping/>
   </p:clrMapOvr>
-  <mc:AlternateContent xmlns:mc="http://schemas.openxmlformats.org/markup-compatibility/2006">
-    <mc:Choice xmlns:p14="http://schemas.microsoft.com/office/powerpoint/2010/main" Requires="p14">
+  <mc:AlternateContent xmlns:mc="http://schemas.openxmlformats.org/markup-compatibility/2006" xmlns:p14="http://schemas.microsoft.com/office/powerpoint/2010/main">
+    <mc:Choice Requires="p14">
       <p:transition spd="slow" p14:dur="2000"/>
     </mc:Choice>
-    <mc:Fallback>
+    <mc:Fallback xmlns="">
       <p:transition spd="slow"/>
     </mc:Fallback>
   </mc:AlternateContent>
@@ -5366,672 +5368,8 @@
           <a:lstStyle/>
           <a:p>
             <a:r>
-              <a:rPr lang="hu-HU" dirty="0" smtClean="0"/>
-              <a:t>RESTful Maturity Model </a:t>
-            </a:r>
-            <a:endParaRPr lang="en-US" dirty="0"/>
-          </a:p>
-        </p:txBody>
-      </p:sp>
-      <p:pic>
-        <p:nvPicPr>
-          <p:cNvPr id="4" name="Picture 3"/>
-          <p:cNvPicPr>
-            <a:picLocks noChangeAspect="1"/>
-          </p:cNvPicPr>
-          <p:nvPr/>
-        </p:nvPicPr>
-        <p:blipFill>
-          <a:blip r:embed="rId2" cstate="print">
-            <a:extLst>
-              <a:ext uri="{28A0092B-C50C-407E-A947-70E740481C1C}">
-                <a14:useLocalDpi xmlns:a14="http://schemas.microsoft.com/office/drawing/2010/main" val="0"/>
-              </a:ext>
-            </a:extLst>
-          </a:blip>
-          <a:stretch>
-            <a:fillRect/>
-          </a:stretch>
-        </p:blipFill>
-        <p:spPr>
-          <a:xfrm>
-            <a:off x="6876256" y="603053"/>
-            <a:ext cx="1440160" cy="480150"/>
-          </a:xfrm>
-          <a:prstGeom prst="rect">
-            <a:avLst/>
-          </a:prstGeom>
-        </p:spPr>
-      </p:pic>
-      <p:pic>
-        <p:nvPicPr>
-          <p:cNvPr id="6" name="Content Placeholder 5"/>
-          <p:cNvPicPr>
-            <a:picLocks noGrp="1" noChangeAspect="1"/>
-          </p:cNvPicPr>
-          <p:nvPr>
-            <p:ph idx="1"/>
-          </p:nvPr>
-        </p:nvPicPr>
-        <p:blipFill>
-          <a:blip r:embed="rId3">
-            <a:extLst>
-              <a:ext uri="{28A0092B-C50C-407E-A947-70E740481C1C}">
-                <a14:useLocalDpi xmlns:a14="http://schemas.microsoft.com/office/drawing/2010/main" val="0"/>
-              </a:ext>
-            </a:extLst>
-          </a:blip>
-          <a:stretch>
-            <a:fillRect/>
-          </a:stretch>
-        </p:blipFill>
-        <p:spPr>
-          <a:xfrm>
-            <a:off x="457200" y="1747335"/>
-            <a:ext cx="7620000" cy="4506330"/>
-          </a:xfrm>
-        </p:spPr>
-      </p:pic>
-    </p:spTree>
-    <p:extLst>
-      <p:ext uri="{BB962C8B-B14F-4D97-AF65-F5344CB8AC3E}">
-        <p14:creationId xmlns:p14="http://schemas.microsoft.com/office/powerpoint/2010/main" val="603466147"/>
-      </p:ext>
-    </p:extLst>
-  </p:cSld>
-  <p:clrMapOvr>
-    <a:masterClrMapping/>
-  </p:clrMapOvr>
-  <mc:AlternateContent xmlns:mc="http://schemas.openxmlformats.org/markup-compatibility/2006">
-    <mc:Choice xmlns:p14="http://schemas.microsoft.com/office/powerpoint/2010/main" Requires="p14">
-      <p:transition spd="slow" p14:dur="2000"/>
-    </mc:Choice>
-    <mc:Fallback>
-      <p:transition spd="slow"/>
-    </mc:Fallback>
-  </mc:AlternateContent>
-  <p:timing>
-    <p:tnLst>
-      <p:par>
-        <p:cTn id="1" dur="indefinite" restart="never" nodeType="tmRoot"/>
-      </p:par>
-    </p:tnLst>
-  </p:timing>
-</p:sld>
-</file>
-
-<file path=ppt/slides/slide5.xml><?xml version="1.0" encoding="utf-8"?>
-<p:sld xmlns:a="http://schemas.openxmlformats.org/drawingml/2006/main" xmlns:r="http://schemas.openxmlformats.org/officeDocument/2006/relationships" xmlns:p="http://schemas.openxmlformats.org/presentationml/2006/main">
-  <p:cSld>
-    <p:spTree>
-      <p:nvGrpSpPr>
-        <p:cNvPr id="1" name=""/>
-        <p:cNvGrpSpPr/>
-        <p:nvPr/>
-      </p:nvGrpSpPr>
-      <p:grpSpPr>
-        <a:xfrm>
-          <a:off x="0" y="0"/>
-          <a:ext cx="0" cy="0"/>
-          <a:chOff x="0" y="0"/>
-          <a:chExt cx="0" cy="0"/>
-        </a:xfrm>
-      </p:grpSpPr>
-      <p:sp>
-        <p:nvSpPr>
-          <p:cNvPr id="2" name="Title 1"/>
-          <p:cNvSpPr>
-            <a:spLocks noGrp="1"/>
-          </p:cNvSpPr>
-          <p:nvPr>
-            <p:ph type="title"/>
-          </p:nvPr>
-        </p:nvSpPr>
-        <p:spPr/>
-        <p:txBody>
-          <a:bodyPr/>
-          <a:lstStyle/>
-          <a:p>
-            <a:r>
-              <a:rPr lang="hu-HU" dirty="0" smtClean="0"/>
-              <a:t>Demo Scenario </a:t>
-            </a:r>
-            <a:endParaRPr lang="en-US" dirty="0"/>
-          </a:p>
-        </p:txBody>
-      </p:sp>
-      <p:pic>
-        <p:nvPicPr>
-          <p:cNvPr id="4" name="Picture 3"/>
-          <p:cNvPicPr>
-            <a:picLocks noChangeAspect="1"/>
-          </p:cNvPicPr>
-          <p:nvPr/>
-        </p:nvPicPr>
-        <p:blipFill>
-          <a:blip r:embed="rId2" cstate="print">
-            <a:extLst>
-              <a:ext uri="{28A0092B-C50C-407E-A947-70E740481C1C}">
-                <a14:useLocalDpi xmlns:a14="http://schemas.microsoft.com/office/drawing/2010/main" val="0"/>
-              </a:ext>
-            </a:extLst>
-          </a:blip>
-          <a:stretch>
-            <a:fillRect/>
-          </a:stretch>
-        </p:blipFill>
-        <p:spPr>
-          <a:xfrm>
-            <a:off x="6876256" y="603053"/>
-            <a:ext cx="1440160" cy="480150"/>
-          </a:xfrm>
-          <a:prstGeom prst="rect">
-            <a:avLst/>
-          </a:prstGeom>
-        </p:spPr>
-      </p:pic>
-      <p:pic>
-        <p:nvPicPr>
-          <p:cNvPr id="9" name="Picture 8"/>
-          <p:cNvPicPr>
-            <a:picLocks noChangeAspect="1"/>
-          </p:cNvPicPr>
-          <p:nvPr/>
-        </p:nvPicPr>
-        <p:blipFill>
-          <a:blip r:embed="rId3">
-            <a:extLst>
-              <a:ext uri="{28A0092B-C50C-407E-A947-70E740481C1C}">
-                <a14:useLocalDpi xmlns:a14="http://schemas.microsoft.com/office/drawing/2010/main" val="0"/>
-              </a:ext>
-            </a:extLst>
-          </a:blip>
-          <a:stretch>
-            <a:fillRect/>
-          </a:stretch>
-        </p:blipFill>
-        <p:spPr>
-          <a:xfrm>
-            <a:off x="659721" y="1517888"/>
-            <a:ext cx="2184087" cy="1407056"/>
-          </a:xfrm>
-          <a:prstGeom prst="rect">
-            <a:avLst/>
-          </a:prstGeom>
-        </p:spPr>
-      </p:pic>
-      <p:pic>
-        <p:nvPicPr>
-          <p:cNvPr id="10" name="Picture 9"/>
-          <p:cNvPicPr>
-            <a:picLocks noChangeAspect="1"/>
-          </p:cNvPicPr>
-          <p:nvPr/>
-        </p:nvPicPr>
-        <p:blipFill>
-          <a:blip r:embed="rId4" cstate="print">
-            <a:extLst>
-              <a:ext uri="{28A0092B-C50C-407E-A947-70E740481C1C}">
-                <a14:useLocalDpi xmlns:a14="http://schemas.microsoft.com/office/drawing/2010/main" val="0"/>
-              </a:ext>
-            </a:extLst>
-          </a:blip>
-          <a:stretch>
-            <a:fillRect/>
-          </a:stretch>
-        </p:blipFill>
-        <p:spPr>
-          <a:xfrm>
-            <a:off x="5800506" y="1517888"/>
-            <a:ext cx="2371894" cy="1407056"/>
-          </a:xfrm>
-          <a:prstGeom prst="rect">
-            <a:avLst/>
-          </a:prstGeom>
-        </p:spPr>
-      </p:pic>
-      <p:pic>
-        <p:nvPicPr>
-          <p:cNvPr id="11" name="Picture 10"/>
-          <p:cNvPicPr>
-            <a:picLocks noChangeAspect="1"/>
-          </p:cNvPicPr>
-          <p:nvPr/>
-        </p:nvPicPr>
-        <p:blipFill>
-          <a:blip r:embed="rId5" cstate="print">
-            <a:extLst>
-              <a:ext uri="{28A0092B-C50C-407E-A947-70E740481C1C}">
-                <a14:useLocalDpi xmlns:a14="http://schemas.microsoft.com/office/drawing/2010/main" val="0"/>
-              </a:ext>
-            </a:extLst>
-          </a:blip>
-          <a:stretch>
-            <a:fillRect/>
-          </a:stretch>
-        </p:blipFill>
-        <p:spPr>
-          <a:xfrm>
-            <a:off x="3268759" y="1529085"/>
-            <a:ext cx="2239345" cy="1395859"/>
-          </a:xfrm>
-          <a:prstGeom prst="rect">
-            <a:avLst/>
-          </a:prstGeom>
-        </p:spPr>
-      </p:pic>
-      <p:pic>
-        <p:nvPicPr>
-          <p:cNvPr id="14" name="Picture 13"/>
-          <p:cNvPicPr>
-            <a:picLocks noChangeAspect="1"/>
-          </p:cNvPicPr>
-          <p:nvPr/>
-        </p:nvPicPr>
-        <p:blipFill>
-          <a:blip r:embed="rId6" cstate="print">
-            <a:extLst>
-              <a:ext uri="{28A0092B-C50C-407E-A947-70E740481C1C}">
-                <a14:useLocalDpi xmlns:a14="http://schemas.microsoft.com/office/drawing/2010/main" val="0"/>
-              </a:ext>
-            </a:extLst>
-          </a:blip>
-          <a:stretch>
-            <a:fillRect/>
-          </a:stretch>
-        </p:blipFill>
-        <p:spPr>
-          <a:xfrm>
-            <a:off x="35496" y="3771548"/>
-            <a:ext cx="1008111" cy="1701187"/>
-          </a:xfrm>
-          <a:prstGeom prst="rect">
-            <a:avLst/>
-          </a:prstGeom>
-        </p:spPr>
-      </p:pic>
-      <p:pic>
-        <p:nvPicPr>
-          <p:cNvPr id="16" name="Picture 15"/>
-          <p:cNvPicPr>
-            <a:picLocks noChangeAspect="1"/>
-          </p:cNvPicPr>
-          <p:nvPr/>
-        </p:nvPicPr>
-        <p:blipFill rotWithShape="1">
-          <a:blip r:embed="rId7">
-            <a:extLst>
-              <a:ext uri="{28A0092B-C50C-407E-A947-70E740481C1C}">
-                <a14:useLocalDpi xmlns:a14="http://schemas.microsoft.com/office/drawing/2010/main" val="0"/>
-              </a:ext>
-            </a:extLst>
-          </a:blip>
-          <a:srcRect l="15237" r="7599"/>
-          <a:stretch/>
-        </p:blipFill>
-        <p:spPr>
-          <a:xfrm>
-            <a:off x="7308304" y="3772654"/>
-            <a:ext cx="1012371" cy="1700083"/>
-          </a:xfrm>
-          <a:prstGeom prst="rect">
-            <a:avLst/>
-          </a:prstGeom>
-        </p:spPr>
-      </p:pic>
-      <p:pic>
-        <p:nvPicPr>
-          <p:cNvPr id="18" name="Picture 17"/>
-          <p:cNvPicPr>
-            <a:picLocks noChangeAspect="1"/>
-          </p:cNvPicPr>
-          <p:nvPr/>
-        </p:nvPicPr>
-        <p:blipFill rotWithShape="1">
-          <a:blip r:embed="rId8">
-            <a:extLst>
-              <a:ext uri="{28A0092B-C50C-407E-A947-70E740481C1C}">
-                <a14:useLocalDpi xmlns:a14="http://schemas.microsoft.com/office/drawing/2010/main" val="0"/>
-              </a:ext>
-            </a:extLst>
-          </a:blip>
-          <a:srcRect l="18644" r="13570"/>
-          <a:stretch/>
-        </p:blipFill>
-        <p:spPr>
-          <a:xfrm>
-            <a:off x="5338277" y="3771549"/>
-            <a:ext cx="889907" cy="1701188"/>
-          </a:xfrm>
-          <a:prstGeom prst="rect">
-            <a:avLst/>
-          </a:prstGeom>
-        </p:spPr>
-      </p:pic>
-      <p:pic>
-        <p:nvPicPr>
-          <p:cNvPr id="19" name="Picture 18"/>
-          <p:cNvPicPr>
-            <a:picLocks noChangeAspect="1"/>
-          </p:cNvPicPr>
-          <p:nvPr/>
-        </p:nvPicPr>
-        <p:blipFill rotWithShape="1">
-          <a:blip r:embed="rId9">
-            <a:extLst>
-              <a:ext uri="{28A0092B-C50C-407E-A947-70E740481C1C}">
-                <a14:useLocalDpi xmlns:a14="http://schemas.microsoft.com/office/drawing/2010/main" val="0"/>
-              </a:ext>
-            </a:extLst>
-          </a:blip>
-          <a:srcRect l="10912" r="16779"/>
-          <a:stretch/>
-        </p:blipFill>
-        <p:spPr>
-          <a:xfrm>
-            <a:off x="6498770" y="3771549"/>
-            <a:ext cx="949291" cy="1701188"/>
-          </a:xfrm>
-          <a:prstGeom prst="rect">
-            <a:avLst/>
-          </a:prstGeom>
-        </p:spPr>
-      </p:pic>
-      <p:pic>
-        <p:nvPicPr>
-          <p:cNvPr id="20" name="Picture 19"/>
-          <p:cNvPicPr>
-            <a:picLocks noChangeAspect="1"/>
-          </p:cNvPicPr>
-          <p:nvPr/>
-        </p:nvPicPr>
-        <p:blipFill>
-          <a:blip r:embed="rId10" cstate="print">
-            <a:extLst>
-              <a:ext uri="{28A0092B-C50C-407E-A947-70E740481C1C}">
-                <a14:useLocalDpi xmlns:a14="http://schemas.microsoft.com/office/drawing/2010/main" val="0"/>
-              </a:ext>
-            </a:extLst>
-          </a:blip>
-          <a:stretch>
-            <a:fillRect/>
-          </a:stretch>
-        </p:blipFill>
-        <p:spPr>
-          <a:xfrm>
-            <a:off x="3708438" y="3771547"/>
-            <a:ext cx="1439466" cy="1701187"/>
-          </a:xfrm>
-          <a:prstGeom prst="rect">
-            <a:avLst/>
-          </a:prstGeom>
-        </p:spPr>
-      </p:pic>
-      <p:pic>
-        <p:nvPicPr>
-          <p:cNvPr id="13" name="Picture 12"/>
-          <p:cNvPicPr>
-            <a:picLocks noChangeAspect="1"/>
-          </p:cNvPicPr>
-          <p:nvPr/>
-        </p:nvPicPr>
-        <p:blipFill>
-          <a:blip r:embed="rId11" cstate="print">
-            <a:extLst>
-              <a:ext uri="{28A0092B-C50C-407E-A947-70E740481C1C}">
-                <a14:useLocalDpi xmlns:a14="http://schemas.microsoft.com/office/drawing/2010/main" val="0"/>
-              </a:ext>
-            </a:extLst>
-          </a:blip>
-          <a:stretch>
-            <a:fillRect/>
-          </a:stretch>
-        </p:blipFill>
-        <p:spPr>
-          <a:xfrm>
-            <a:off x="827584" y="3771548"/>
-            <a:ext cx="1008111" cy="1701187"/>
-          </a:xfrm>
-          <a:prstGeom prst="rect">
-            <a:avLst/>
-          </a:prstGeom>
-        </p:spPr>
-      </p:pic>
-      <p:pic>
-        <p:nvPicPr>
-          <p:cNvPr id="15" name="Picture 14"/>
-          <p:cNvPicPr>
-            <a:picLocks noChangeAspect="1"/>
-          </p:cNvPicPr>
-          <p:nvPr/>
-        </p:nvPicPr>
-        <p:blipFill>
-          <a:blip r:embed="rId12" cstate="print">
-            <a:extLst>
-              <a:ext uri="{28A0092B-C50C-407E-A947-70E740481C1C}">
-                <a14:useLocalDpi xmlns:a14="http://schemas.microsoft.com/office/drawing/2010/main" val="0"/>
-              </a:ext>
-            </a:extLst>
-          </a:blip>
-          <a:stretch>
-            <a:fillRect/>
-          </a:stretch>
-        </p:blipFill>
-        <p:spPr>
-          <a:xfrm>
-            <a:off x="1403647" y="3771548"/>
-            <a:ext cx="1008111" cy="1701187"/>
-          </a:xfrm>
-          <a:prstGeom prst="rect">
-            <a:avLst/>
-          </a:prstGeom>
-        </p:spPr>
-      </p:pic>
-      <p:pic>
-        <p:nvPicPr>
-          <p:cNvPr id="12" name="Picture 11"/>
-          <p:cNvPicPr>
-            <a:picLocks noChangeAspect="1"/>
-          </p:cNvPicPr>
-          <p:nvPr/>
-        </p:nvPicPr>
-        <p:blipFill>
-          <a:blip r:embed="rId13" cstate="print">
-            <a:extLst>
-              <a:ext uri="{28A0092B-C50C-407E-A947-70E740481C1C}">
-                <a14:useLocalDpi xmlns:a14="http://schemas.microsoft.com/office/drawing/2010/main" val="0"/>
-              </a:ext>
-            </a:extLst>
-          </a:blip>
-          <a:stretch>
-            <a:fillRect/>
-          </a:stretch>
-        </p:blipFill>
-        <p:spPr>
-          <a:xfrm flipH="1">
-            <a:off x="1835695" y="3771548"/>
-            <a:ext cx="1008111" cy="1701187"/>
-          </a:xfrm>
-          <a:prstGeom prst="rect">
-            <a:avLst/>
-          </a:prstGeom>
-        </p:spPr>
-      </p:pic>
-      <p:pic>
-        <p:nvPicPr>
-          <p:cNvPr id="17" name="Picture 16"/>
-          <p:cNvPicPr>
-            <a:picLocks noChangeAspect="1"/>
-          </p:cNvPicPr>
-          <p:nvPr/>
-        </p:nvPicPr>
-        <p:blipFill>
-          <a:blip r:embed="rId14" cstate="print">
-            <a:extLst>
-              <a:ext uri="{28A0092B-C50C-407E-A947-70E740481C1C}">
-                <a14:useLocalDpi xmlns:a14="http://schemas.microsoft.com/office/drawing/2010/main" val="0"/>
-              </a:ext>
-            </a:extLst>
-          </a:blip>
-          <a:stretch>
-            <a:fillRect/>
-          </a:stretch>
-        </p:blipFill>
-        <p:spPr>
-          <a:xfrm>
-            <a:off x="3131840" y="3772655"/>
-            <a:ext cx="1440000" cy="1701819"/>
-          </a:xfrm>
-          <a:prstGeom prst="rect">
-            <a:avLst/>
-          </a:prstGeom>
-        </p:spPr>
-      </p:pic>
-      <p:cxnSp>
-        <p:nvCxnSpPr>
-          <p:cNvPr id="21" name="Elbow Connector 20"/>
-          <p:cNvCxnSpPr>
-            <a:stCxn id="11" idx="2"/>
-            <a:endCxn id="18" idx="0"/>
-          </p:cNvCxnSpPr>
-          <p:nvPr/>
-        </p:nvCxnSpPr>
-        <p:spPr>
-          <a:xfrm rot="16200000" flipH="1">
-            <a:off x="4662529" y="2650846"/>
-            <a:ext cx="846605" cy="1394799"/>
-          </a:xfrm>
-          <a:prstGeom prst="bentConnector3">
-            <a:avLst>
-              <a:gd name="adj1" fmla="val 50000"/>
-            </a:avLst>
-          </a:prstGeom>
-          <a:ln w="12700">
-            <a:solidFill>
-              <a:schemeClr val="tx2"/>
-            </a:solidFill>
-            <a:prstDash val="dash"/>
-          </a:ln>
-        </p:spPr>
-        <p:style>
-          <a:lnRef idx="1">
-            <a:schemeClr val="accent5"/>
-          </a:lnRef>
-          <a:fillRef idx="2">
-            <a:schemeClr val="accent5"/>
-          </a:fillRef>
-          <a:effectRef idx="1">
-            <a:schemeClr val="accent5"/>
-          </a:effectRef>
-          <a:fontRef idx="minor">
-            <a:schemeClr val="dk1"/>
-          </a:fontRef>
-        </p:style>
-      </p:cxnSp>
-      <p:cxnSp>
-        <p:nvCxnSpPr>
-          <p:cNvPr id="24" name="Elbow Connector 23"/>
-          <p:cNvCxnSpPr>
-            <a:stCxn id="10" idx="2"/>
-            <a:endCxn id="18" idx="0"/>
-          </p:cNvCxnSpPr>
-          <p:nvPr/>
-        </p:nvCxnSpPr>
-        <p:spPr>
-          <a:xfrm rot="5400000">
-            <a:off x="5961540" y="2746635"/>
-            <a:ext cx="846605" cy="1203222"/>
-          </a:xfrm>
-          <a:prstGeom prst="bentConnector3">
-            <a:avLst>
-              <a:gd name="adj1" fmla="val 50000"/>
-            </a:avLst>
-          </a:prstGeom>
-          <a:ln w="12700">
-            <a:solidFill>
-              <a:schemeClr val="tx2"/>
-            </a:solidFill>
-            <a:prstDash val="dash"/>
-          </a:ln>
-        </p:spPr>
-        <p:style>
-          <a:lnRef idx="1">
-            <a:schemeClr val="accent5"/>
-          </a:lnRef>
-          <a:fillRef idx="2">
-            <a:schemeClr val="accent5"/>
-          </a:fillRef>
-          <a:effectRef idx="1">
-            <a:schemeClr val="accent5"/>
-          </a:effectRef>
-          <a:fontRef idx="minor">
-            <a:schemeClr val="dk1"/>
-          </a:fontRef>
-        </p:style>
-      </p:cxnSp>
-    </p:spTree>
-    <p:extLst>
-      <p:ext uri="{BB962C8B-B14F-4D97-AF65-F5344CB8AC3E}">
-        <p14:creationId xmlns:p14="http://schemas.microsoft.com/office/powerpoint/2010/main" val="1333647771"/>
-      </p:ext>
-    </p:extLst>
-  </p:cSld>
-  <p:clrMapOvr>
-    <a:masterClrMapping/>
-  </p:clrMapOvr>
-  <mc:AlternateContent xmlns:mc="http://schemas.openxmlformats.org/markup-compatibility/2006">
-    <mc:Choice xmlns:p14="http://schemas.microsoft.com/office/powerpoint/2010/main" Requires="p14">
-      <p:transition spd="slow" p14:dur="2000"/>
-    </mc:Choice>
-    <mc:Fallback>
-      <p:transition spd="slow"/>
-    </mc:Fallback>
-  </mc:AlternateContent>
-  <p:timing>
-    <p:tnLst>
-      <p:par>
-        <p:cTn id="1" dur="indefinite" restart="never" nodeType="tmRoot"/>
-      </p:par>
-    </p:tnLst>
-  </p:timing>
-</p:sld>
-</file>
-
-<file path=ppt/slides/slide6.xml><?xml version="1.0" encoding="utf-8"?>
-<p:sld xmlns:a="http://schemas.openxmlformats.org/drawingml/2006/main" xmlns:r="http://schemas.openxmlformats.org/officeDocument/2006/relationships" xmlns:p="http://schemas.openxmlformats.org/presentationml/2006/main">
-  <p:cSld>
-    <p:spTree>
-      <p:nvGrpSpPr>
-        <p:cNvPr id="1" name=""/>
-        <p:cNvGrpSpPr/>
-        <p:nvPr/>
-      </p:nvGrpSpPr>
-      <p:grpSpPr>
-        <a:xfrm>
-          <a:off x="0" y="0"/>
-          <a:ext cx="0" cy="0"/>
-          <a:chOff x="0" y="0"/>
-          <a:chExt cx="0" cy="0"/>
-        </a:xfrm>
-      </p:grpSpPr>
-      <p:sp>
-        <p:nvSpPr>
-          <p:cNvPr id="2" name="Title 1"/>
-          <p:cNvSpPr>
-            <a:spLocks noGrp="1"/>
-          </p:cNvSpPr>
-          <p:nvPr>
-            <p:ph type="title"/>
-          </p:nvPr>
-        </p:nvSpPr>
-        <p:spPr/>
-        <p:txBody>
-          <a:bodyPr/>
-          <a:lstStyle/>
-          <a:p>
-            <a:r>
-              <a:rPr lang="hu-HU" dirty="0" smtClean="0"/>
-              <a:t>#1 – Resources</a:t>
+              <a:rPr lang="hu-HU" smtClean="0"/>
+              <a:t>Why REST?</a:t>
             </a:r>
             <a:endParaRPr lang="en-US" dirty="0"/>
           </a:p>
@@ -6253,7 +5591,7 @@
             </a:lvl9pPr>
           </a:lstStyle>
           <a:p>
-            <a:endParaRPr lang="hu-HU" dirty="0" smtClean="0"/>
+            <a:endParaRPr lang="hu-HU" smtClean="0"/>
           </a:p>
           <a:p>
             <a:pPr marL="114300" indent="0">
@@ -6266,86 +5604,1141 @@
       </p:sp>
       <p:sp>
         <p:nvSpPr>
+          <p:cNvPr id="3" name="Content Placeholder 2"/>
+          <p:cNvSpPr>
+            <a:spLocks noGrp="1"/>
+          </p:cNvSpPr>
+          <p:nvPr>
+            <p:ph idx="1"/>
+          </p:nvPr>
+        </p:nvSpPr>
+        <p:spPr/>
+        <p:txBody>
+          <a:bodyPr/>
+          <a:lstStyle/>
+          <a:p>
+            <a:r>
+              <a:rPr lang="en-US" smtClean="0"/>
+              <a:t>Lightweight</a:t>
+            </a:r>
+            <a:endParaRPr lang="en-US" dirty="0" smtClean="0"/>
+          </a:p>
+          <a:p>
+            <a:r>
+              <a:rPr lang="en-US" dirty="0" smtClean="0"/>
+              <a:t>Simple </a:t>
+            </a:r>
+            <a:r>
+              <a:rPr lang="en-US" smtClean="0"/>
+              <a:t>to use</a:t>
+            </a:r>
+            <a:endParaRPr lang="hu-HU" smtClean="0"/>
+          </a:p>
+          <a:p>
+            <a:r>
+              <a:rPr lang="hu-HU" smtClean="0"/>
+              <a:t>S</a:t>
+            </a:r>
+            <a:r>
+              <a:rPr lang="en-US" smtClean="0"/>
+              <a:t>tandardize</a:t>
+            </a:r>
+            <a:r>
+              <a:rPr lang="hu-HU" smtClean="0"/>
+              <a:t>d</a:t>
+            </a:r>
+            <a:r>
+              <a:rPr lang="en-US" smtClean="0"/>
+              <a:t> operations </a:t>
+            </a:r>
+            <a:r>
+              <a:rPr lang="en-US"/>
+              <a:t>such as add, delete, </a:t>
+            </a:r>
+            <a:r>
+              <a:rPr lang="en-US"/>
+              <a:t>and </a:t>
+            </a:r>
+            <a:r>
+              <a:rPr lang="en-US" smtClean="0"/>
+              <a:t>modify</a:t>
+            </a:r>
+            <a:endParaRPr lang="hu-HU" smtClean="0"/>
+          </a:p>
+          <a:p>
+            <a:r>
+              <a:rPr lang="hu-HU" smtClean="0"/>
+              <a:t>I</a:t>
+            </a:r>
+            <a:r>
+              <a:rPr lang="en-US" smtClean="0"/>
+              <a:t>ndependent </a:t>
+            </a:r>
+            <a:r>
+              <a:rPr lang="en-US"/>
+              <a:t>of </a:t>
+            </a:r>
+            <a:r>
+              <a:rPr lang="hu-HU" smtClean="0"/>
+              <a:t>OS</a:t>
+            </a:r>
+            <a:r>
+              <a:rPr lang="en-US" smtClean="0"/>
+              <a:t> </a:t>
+            </a:r>
+            <a:r>
+              <a:rPr lang="en-US"/>
+              <a:t>and </a:t>
+            </a:r>
+            <a:r>
+              <a:rPr lang="en-US"/>
+              <a:t>programming </a:t>
+            </a:r>
+            <a:r>
+              <a:rPr lang="en-US" smtClean="0"/>
+              <a:t>language</a:t>
+            </a:r>
+            <a:endParaRPr lang="hu-HU" smtClean="0"/>
+          </a:p>
+          <a:p>
+            <a:endParaRPr lang="en-US" dirty="0" smtClean="0"/>
+          </a:p>
+        </p:txBody>
+      </p:sp>
+    </p:spTree>
+    <p:extLst>
+      <p:ext uri="{BB962C8B-B14F-4D97-AF65-F5344CB8AC3E}">
+        <p14:creationId xmlns:p14="http://schemas.microsoft.com/office/powerpoint/2010/main" val="460849232"/>
+      </p:ext>
+    </p:extLst>
+  </p:cSld>
+  <p:clrMapOvr>
+    <a:masterClrMapping/>
+  </p:clrMapOvr>
+  <mc:AlternateContent xmlns:mc="http://schemas.openxmlformats.org/markup-compatibility/2006" xmlns:p14="http://schemas.microsoft.com/office/powerpoint/2010/main">
+    <mc:Choice Requires="p14">
+      <p:transition spd="slow" p14:dur="2000"/>
+    </mc:Choice>
+    <mc:Fallback xmlns="">
+      <p:transition spd="slow"/>
+    </mc:Fallback>
+  </mc:AlternateContent>
+  <p:timing>
+    <p:tnLst>
+      <p:par>
+        <p:cTn id="1" dur="indefinite" restart="never" nodeType="tmRoot"/>
+      </p:par>
+    </p:tnLst>
+  </p:timing>
+</p:sld>
+</file>
+
+<file path=ppt/slides/slide5.xml><?xml version="1.0" encoding="utf-8"?>
+<p:sld xmlns:a="http://schemas.openxmlformats.org/drawingml/2006/main" xmlns:r="http://schemas.openxmlformats.org/officeDocument/2006/relationships" xmlns:p="http://schemas.openxmlformats.org/presentationml/2006/main">
+  <p:cSld>
+    <p:spTree>
+      <p:nvGrpSpPr>
+        <p:cNvPr id="1" name=""/>
+        <p:cNvGrpSpPr/>
+        <p:nvPr/>
+      </p:nvGrpSpPr>
+      <p:grpSpPr>
+        <a:xfrm>
+          <a:off x="0" y="0"/>
+          <a:ext cx="0" cy="0"/>
+          <a:chOff x="0" y="0"/>
+          <a:chExt cx="0" cy="0"/>
+        </a:xfrm>
+      </p:grpSpPr>
+      <p:sp>
+        <p:nvSpPr>
+          <p:cNvPr id="2" name="Title 1"/>
+          <p:cNvSpPr>
+            <a:spLocks noGrp="1"/>
+          </p:cNvSpPr>
+          <p:nvPr>
+            <p:ph type="title"/>
+          </p:nvPr>
+        </p:nvSpPr>
+        <p:spPr/>
+        <p:txBody>
+          <a:bodyPr/>
+          <a:lstStyle/>
+          <a:p>
+            <a:r>
+              <a:rPr lang="hu-HU" smtClean="0"/>
+              <a:t>RESTful Maturity Model </a:t>
+            </a:r>
+            <a:endParaRPr lang="en-US" dirty="0"/>
+          </a:p>
+        </p:txBody>
+      </p:sp>
+      <p:pic>
+        <p:nvPicPr>
+          <p:cNvPr id="4" name="Picture 3"/>
+          <p:cNvPicPr>
+            <a:picLocks noChangeAspect="1"/>
+          </p:cNvPicPr>
+          <p:nvPr/>
+        </p:nvPicPr>
+        <p:blipFill>
+          <a:blip r:embed="rId2" cstate="print">
+            <a:extLst>
+              <a:ext uri="{28A0092B-C50C-407E-A947-70E740481C1C}">
+                <a14:useLocalDpi xmlns:a14="http://schemas.microsoft.com/office/drawing/2010/main" val="0"/>
+              </a:ext>
+            </a:extLst>
+          </a:blip>
+          <a:stretch>
+            <a:fillRect/>
+          </a:stretch>
+        </p:blipFill>
+        <p:spPr>
+          <a:xfrm>
+            <a:off x="6876256" y="603053"/>
+            <a:ext cx="1440160" cy="480150"/>
+          </a:xfrm>
+          <a:prstGeom prst="rect">
+            <a:avLst/>
+          </a:prstGeom>
+        </p:spPr>
+      </p:pic>
+      <p:pic>
+        <p:nvPicPr>
           <p:cNvPr id="6" name="Content Placeholder 5"/>
-          <p:cNvSpPr>
-            <a:spLocks noGrp="1"/>
-          </p:cNvSpPr>
+          <p:cNvPicPr>
+            <a:picLocks noGrp="1" noChangeAspect="1"/>
+          </p:cNvPicPr>
           <p:nvPr>
             <p:ph idx="1"/>
           </p:nvPr>
+        </p:nvPicPr>
+        <p:blipFill>
+          <a:blip r:embed="rId3">
+            <a:extLst>
+              <a:ext uri="{28A0092B-C50C-407E-A947-70E740481C1C}">
+                <a14:useLocalDpi xmlns:a14="http://schemas.microsoft.com/office/drawing/2010/main" val="0"/>
+              </a:ext>
+            </a:extLst>
+          </a:blip>
+          <a:stretch>
+            <a:fillRect/>
+          </a:stretch>
+        </p:blipFill>
+        <p:spPr>
+          <a:xfrm>
+            <a:off x="457200" y="1747335"/>
+            <a:ext cx="7620000" cy="4506330"/>
+          </a:xfrm>
+        </p:spPr>
+      </p:pic>
+    </p:spTree>
+    <p:extLst>
+      <p:ext uri="{BB962C8B-B14F-4D97-AF65-F5344CB8AC3E}">
+        <p14:creationId xmlns:p14="http://schemas.microsoft.com/office/powerpoint/2010/main" val="603466147"/>
+      </p:ext>
+    </p:extLst>
+  </p:cSld>
+  <p:clrMapOvr>
+    <a:masterClrMapping/>
+  </p:clrMapOvr>
+  <mc:AlternateContent xmlns:mc="http://schemas.openxmlformats.org/markup-compatibility/2006" xmlns:p14="http://schemas.microsoft.com/office/powerpoint/2010/main">
+    <mc:Choice Requires="p14">
+      <p:transition spd="slow" p14:dur="2000"/>
+    </mc:Choice>
+    <mc:Fallback xmlns="">
+      <p:transition spd="slow"/>
+    </mc:Fallback>
+  </mc:AlternateContent>
+  <p:timing>
+    <p:tnLst>
+      <p:par>
+        <p:cTn id="1" dur="indefinite" restart="never" nodeType="tmRoot"/>
+      </p:par>
+    </p:tnLst>
+  </p:timing>
+</p:sld>
+</file>
+
+<file path=ppt/slides/slide6.xml><?xml version="1.0" encoding="utf-8"?>
+<p:sld xmlns:a="http://schemas.openxmlformats.org/drawingml/2006/main" xmlns:r="http://schemas.openxmlformats.org/officeDocument/2006/relationships" xmlns:p="http://schemas.openxmlformats.org/presentationml/2006/main">
+  <p:cSld>
+    <p:spTree>
+      <p:nvGrpSpPr>
+        <p:cNvPr id="1" name=""/>
+        <p:cNvGrpSpPr/>
+        <p:nvPr/>
+      </p:nvGrpSpPr>
+      <p:grpSpPr>
+        <a:xfrm>
+          <a:off x="0" y="0"/>
+          <a:ext cx="0" cy="0"/>
+          <a:chOff x="0" y="0"/>
+          <a:chExt cx="0" cy="0"/>
+        </a:xfrm>
+      </p:grpSpPr>
+      <p:sp>
+        <p:nvSpPr>
+          <p:cNvPr id="2" name="Title 1"/>
+          <p:cNvSpPr>
+            <a:spLocks noGrp="1"/>
+          </p:cNvSpPr>
+          <p:nvPr>
+            <p:ph type="title"/>
+          </p:nvPr>
         </p:nvSpPr>
         <p:spPr/>
         <p:txBody>
           <a:bodyPr/>
           <a:lstStyle/>
           <a:p>
+            <a:r>
+              <a:rPr lang="en-US" dirty="0" smtClean="0"/>
+              <a:t>Demo Scenario </a:t>
+            </a:r>
+            <a:endParaRPr lang="en-US" dirty="0"/>
+          </a:p>
+        </p:txBody>
+      </p:sp>
+      <p:pic>
+        <p:nvPicPr>
+          <p:cNvPr id="4" name="Picture 3"/>
+          <p:cNvPicPr>
+            <a:picLocks noChangeAspect="1"/>
+          </p:cNvPicPr>
+          <p:nvPr/>
+        </p:nvPicPr>
+        <p:blipFill>
+          <a:blip r:embed="rId2" cstate="print">
+            <a:extLst>
+              <a:ext uri="{28A0092B-C50C-407E-A947-70E740481C1C}">
+                <a14:useLocalDpi xmlns:a14="http://schemas.microsoft.com/office/drawing/2010/main" val="0"/>
+              </a:ext>
+            </a:extLst>
+          </a:blip>
+          <a:stretch>
+            <a:fillRect/>
+          </a:stretch>
+        </p:blipFill>
+        <p:spPr>
+          <a:xfrm>
+            <a:off x="6876256" y="603053"/>
+            <a:ext cx="1440160" cy="480150"/>
+          </a:xfrm>
+          <a:prstGeom prst="rect">
+            <a:avLst/>
+          </a:prstGeom>
+        </p:spPr>
+      </p:pic>
+      <p:pic>
+        <p:nvPicPr>
+          <p:cNvPr id="9" name="Picture 8"/>
+          <p:cNvPicPr>
+            <a:picLocks noChangeAspect="1"/>
+          </p:cNvPicPr>
+          <p:nvPr/>
+        </p:nvPicPr>
+        <p:blipFill>
+          <a:blip r:embed="rId3">
+            <a:extLst>
+              <a:ext uri="{28A0092B-C50C-407E-A947-70E740481C1C}">
+                <a14:useLocalDpi xmlns:a14="http://schemas.microsoft.com/office/drawing/2010/main" val="0"/>
+              </a:ext>
+            </a:extLst>
+          </a:blip>
+          <a:stretch>
+            <a:fillRect/>
+          </a:stretch>
+        </p:blipFill>
+        <p:spPr>
+          <a:xfrm>
+            <a:off x="659721" y="1517888"/>
+            <a:ext cx="2184087" cy="1407056"/>
+          </a:xfrm>
+          <a:prstGeom prst="rect">
+            <a:avLst/>
+          </a:prstGeom>
+        </p:spPr>
+      </p:pic>
+      <p:pic>
+        <p:nvPicPr>
+          <p:cNvPr id="10" name="Picture 9"/>
+          <p:cNvPicPr>
+            <a:picLocks noChangeAspect="1"/>
+          </p:cNvPicPr>
+          <p:nvPr/>
+        </p:nvPicPr>
+        <p:blipFill>
+          <a:blip r:embed="rId4" cstate="print">
+            <a:extLst>
+              <a:ext uri="{28A0092B-C50C-407E-A947-70E740481C1C}">
+                <a14:useLocalDpi xmlns:a14="http://schemas.microsoft.com/office/drawing/2010/main" val="0"/>
+              </a:ext>
+            </a:extLst>
+          </a:blip>
+          <a:stretch>
+            <a:fillRect/>
+          </a:stretch>
+        </p:blipFill>
+        <p:spPr>
+          <a:xfrm>
+            <a:off x="5800506" y="1517888"/>
+            <a:ext cx="2371894" cy="1407056"/>
+          </a:xfrm>
+          <a:prstGeom prst="rect">
+            <a:avLst/>
+          </a:prstGeom>
+        </p:spPr>
+      </p:pic>
+      <p:pic>
+        <p:nvPicPr>
+          <p:cNvPr id="11" name="Picture 10"/>
+          <p:cNvPicPr>
+            <a:picLocks noChangeAspect="1"/>
+          </p:cNvPicPr>
+          <p:nvPr/>
+        </p:nvPicPr>
+        <p:blipFill>
+          <a:blip r:embed="rId5" cstate="print">
+            <a:extLst>
+              <a:ext uri="{28A0092B-C50C-407E-A947-70E740481C1C}">
+                <a14:useLocalDpi xmlns:a14="http://schemas.microsoft.com/office/drawing/2010/main" val="0"/>
+              </a:ext>
+            </a:extLst>
+          </a:blip>
+          <a:stretch>
+            <a:fillRect/>
+          </a:stretch>
+        </p:blipFill>
+        <p:spPr>
+          <a:xfrm>
+            <a:off x="3268759" y="1529085"/>
+            <a:ext cx="2239345" cy="1395859"/>
+          </a:xfrm>
+          <a:prstGeom prst="rect">
+            <a:avLst/>
+          </a:prstGeom>
+        </p:spPr>
+      </p:pic>
+      <p:pic>
+        <p:nvPicPr>
+          <p:cNvPr id="14" name="Picture 13"/>
+          <p:cNvPicPr>
+            <a:picLocks noChangeAspect="1"/>
+          </p:cNvPicPr>
+          <p:nvPr/>
+        </p:nvPicPr>
+        <p:blipFill>
+          <a:blip r:embed="rId6" cstate="print">
+            <a:extLst>
+              <a:ext uri="{28A0092B-C50C-407E-A947-70E740481C1C}">
+                <a14:useLocalDpi xmlns:a14="http://schemas.microsoft.com/office/drawing/2010/main" val="0"/>
+              </a:ext>
+            </a:extLst>
+          </a:blip>
+          <a:stretch>
+            <a:fillRect/>
+          </a:stretch>
+        </p:blipFill>
+        <p:spPr>
+          <a:xfrm>
+            <a:off x="35496" y="3771548"/>
+            <a:ext cx="1008111" cy="1701187"/>
+          </a:xfrm>
+          <a:prstGeom prst="rect">
+            <a:avLst/>
+          </a:prstGeom>
+        </p:spPr>
+      </p:pic>
+      <p:pic>
+        <p:nvPicPr>
+          <p:cNvPr id="16" name="Picture 15"/>
+          <p:cNvPicPr>
+            <a:picLocks noChangeAspect="1"/>
+          </p:cNvPicPr>
+          <p:nvPr/>
+        </p:nvPicPr>
+        <p:blipFill rotWithShape="1">
+          <a:blip r:embed="rId7">
+            <a:extLst>
+              <a:ext uri="{28A0092B-C50C-407E-A947-70E740481C1C}">
+                <a14:useLocalDpi xmlns:a14="http://schemas.microsoft.com/office/drawing/2010/main" val="0"/>
+              </a:ext>
+            </a:extLst>
+          </a:blip>
+          <a:srcRect l="15237" r="7599"/>
+          <a:stretch/>
+        </p:blipFill>
+        <p:spPr>
+          <a:xfrm>
+            <a:off x="7308304" y="3772654"/>
+            <a:ext cx="1012371" cy="1700083"/>
+          </a:xfrm>
+          <a:prstGeom prst="rect">
+            <a:avLst/>
+          </a:prstGeom>
+        </p:spPr>
+      </p:pic>
+      <p:pic>
+        <p:nvPicPr>
+          <p:cNvPr id="18" name="Picture 17"/>
+          <p:cNvPicPr>
+            <a:picLocks noChangeAspect="1"/>
+          </p:cNvPicPr>
+          <p:nvPr/>
+        </p:nvPicPr>
+        <p:blipFill rotWithShape="1">
+          <a:blip r:embed="rId8">
+            <a:extLst>
+              <a:ext uri="{28A0092B-C50C-407E-A947-70E740481C1C}">
+                <a14:useLocalDpi xmlns:a14="http://schemas.microsoft.com/office/drawing/2010/main" val="0"/>
+              </a:ext>
+            </a:extLst>
+          </a:blip>
+          <a:srcRect l="18644" r="13570"/>
+          <a:stretch/>
+        </p:blipFill>
+        <p:spPr>
+          <a:xfrm>
+            <a:off x="5338277" y="3771549"/>
+            <a:ext cx="889907" cy="1701188"/>
+          </a:xfrm>
+          <a:prstGeom prst="rect">
+            <a:avLst/>
+          </a:prstGeom>
+        </p:spPr>
+      </p:pic>
+      <p:pic>
+        <p:nvPicPr>
+          <p:cNvPr id="19" name="Picture 18"/>
+          <p:cNvPicPr>
+            <a:picLocks noChangeAspect="1"/>
+          </p:cNvPicPr>
+          <p:nvPr/>
+        </p:nvPicPr>
+        <p:blipFill rotWithShape="1">
+          <a:blip r:embed="rId9">
+            <a:extLst>
+              <a:ext uri="{28A0092B-C50C-407E-A947-70E740481C1C}">
+                <a14:useLocalDpi xmlns:a14="http://schemas.microsoft.com/office/drawing/2010/main" val="0"/>
+              </a:ext>
+            </a:extLst>
+          </a:blip>
+          <a:srcRect l="10912" r="16779"/>
+          <a:stretch/>
+        </p:blipFill>
+        <p:spPr>
+          <a:xfrm>
+            <a:off x="6498770" y="3771549"/>
+            <a:ext cx="949291" cy="1701188"/>
+          </a:xfrm>
+          <a:prstGeom prst="rect">
+            <a:avLst/>
+          </a:prstGeom>
+        </p:spPr>
+      </p:pic>
+      <p:pic>
+        <p:nvPicPr>
+          <p:cNvPr id="20" name="Picture 19"/>
+          <p:cNvPicPr>
+            <a:picLocks noChangeAspect="1"/>
+          </p:cNvPicPr>
+          <p:nvPr/>
+        </p:nvPicPr>
+        <p:blipFill>
+          <a:blip r:embed="rId10" cstate="print">
+            <a:extLst>
+              <a:ext uri="{28A0092B-C50C-407E-A947-70E740481C1C}">
+                <a14:useLocalDpi xmlns:a14="http://schemas.microsoft.com/office/drawing/2010/main" val="0"/>
+              </a:ext>
+            </a:extLst>
+          </a:blip>
+          <a:stretch>
+            <a:fillRect/>
+          </a:stretch>
+        </p:blipFill>
+        <p:spPr>
+          <a:xfrm>
+            <a:off x="3708438" y="3771547"/>
+            <a:ext cx="1439466" cy="1701187"/>
+          </a:xfrm>
+          <a:prstGeom prst="rect">
+            <a:avLst/>
+          </a:prstGeom>
+        </p:spPr>
+      </p:pic>
+      <p:pic>
+        <p:nvPicPr>
+          <p:cNvPr id="13" name="Picture 12"/>
+          <p:cNvPicPr>
+            <a:picLocks noChangeAspect="1"/>
+          </p:cNvPicPr>
+          <p:nvPr/>
+        </p:nvPicPr>
+        <p:blipFill>
+          <a:blip r:embed="rId11" cstate="print">
+            <a:extLst>
+              <a:ext uri="{28A0092B-C50C-407E-A947-70E740481C1C}">
+                <a14:useLocalDpi xmlns:a14="http://schemas.microsoft.com/office/drawing/2010/main" val="0"/>
+              </a:ext>
+            </a:extLst>
+          </a:blip>
+          <a:stretch>
+            <a:fillRect/>
+          </a:stretch>
+        </p:blipFill>
+        <p:spPr>
+          <a:xfrm>
+            <a:off x="827584" y="3771548"/>
+            <a:ext cx="1008111" cy="1701187"/>
+          </a:xfrm>
+          <a:prstGeom prst="rect">
+            <a:avLst/>
+          </a:prstGeom>
+        </p:spPr>
+      </p:pic>
+      <p:pic>
+        <p:nvPicPr>
+          <p:cNvPr id="15" name="Picture 14"/>
+          <p:cNvPicPr>
+            <a:picLocks noChangeAspect="1"/>
+          </p:cNvPicPr>
+          <p:nvPr/>
+        </p:nvPicPr>
+        <p:blipFill>
+          <a:blip r:embed="rId12" cstate="print">
+            <a:extLst>
+              <a:ext uri="{28A0092B-C50C-407E-A947-70E740481C1C}">
+                <a14:useLocalDpi xmlns:a14="http://schemas.microsoft.com/office/drawing/2010/main" val="0"/>
+              </a:ext>
+            </a:extLst>
+          </a:blip>
+          <a:stretch>
+            <a:fillRect/>
+          </a:stretch>
+        </p:blipFill>
+        <p:spPr>
+          <a:xfrm>
+            <a:off x="1403647" y="3771548"/>
+            <a:ext cx="1008111" cy="1701187"/>
+          </a:xfrm>
+          <a:prstGeom prst="rect">
+            <a:avLst/>
+          </a:prstGeom>
+        </p:spPr>
+      </p:pic>
+      <p:pic>
+        <p:nvPicPr>
+          <p:cNvPr id="12" name="Picture 11"/>
+          <p:cNvPicPr>
+            <a:picLocks noChangeAspect="1"/>
+          </p:cNvPicPr>
+          <p:nvPr/>
+        </p:nvPicPr>
+        <p:blipFill>
+          <a:blip r:embed="rId13" cstate="print">
+            <a:extLst>
+              <a:ext uri="{28A0092B-C50C-407E-A947-70E740481C1C}">
+                <a14:useLocalDpi xmlns:a14="http://schemas.microsoft.com/office/drawing/2010/main" val="0"/>
+              </a:ext>
+            </a:extLst>
+          </a:blip>
+          <a:stretch>
+            <a:fillRect/>
+          </a:stretch>
+        </p:blipFill>
+        <p:spPr>
+          <a:xfrm flipH="1">
+            <a:off x="1835695" y="3771548"/>
+            <a:ext cx="1008111" cy="1701187"/>
+          </a:xfrm>
+          <a:prstGeom prst="rect">
+            <a:avLst/>
+          </a:prstGeom>
+        </p:spPr>
+      </p:pic>
+      <p:pic>
+        <p:nvPicPr>
+          <p:cNvPr id="17" name="Picture 16"/>
+          <p:cNvPicPr>
+            <a:picLocks noChangeAspect="1"/>
+          </p:cNvPicPr>
+          <p:nvPr/>
+        </p:nvPicPr>
+        <p:blipFill>
+          <a:blip r:embed="rId14" cstate="print">
+            <a:extLst>
+              <a:ext uri="{28A0092B-C50C-407E-A947-70E740481C1C}">
+                <a14:useLocalDpi xmlns:a14="http://schemas.microsoft.com/office/drawing/2010/main" val="0"/>
+              </a:ext>
+            </a:extLst>
+          </a:blip>
+          <a:stretch>
+            <a:fillRect/>
+          </a:stretch>
+        </p:blipFill>
+        <p:spPr>
+          <a:xfrm>
+            <a:off x="3131840" y="3772655"/>
+            <a:ext cx="1440000" cy="1701819"/>
+          </a:xfrm>
+          <a:prstGeom prst="rect">
+            <a:avLst/>
+          </a:prstGeom>
+        </p:spPr>
+      </p:pic>
+      <p:cxnSp>
+        <p:nvCxnSpPr>
+          <p:cNvPr id="21" name="Elbow Connector 20"/>
+          <p:cNvCxnSpPr>
+            <a:stCxn id="11" idx="2"/>
+            <a:endCxn id="18" idx="0"/>
+          </p:cNvCxnSpPr>
+          <p:nvPr/>
+        </p:nvCxnSpPr>
+        <p:spPr>
+          <a:xfrm rot="16200000" flipH="1">
+            <a:off x="4662529" y="2650846"/>
+            <a:ext cx="846605" cy="1394799"/>
+          </a:xfrm>
+          <a:prstGeom prst="bentConnector3">
+            <a:avLst>
+              <a:gd name="adj1" fmla="val 50000"/>
+            </a:avLst>
+          </a:prstGeom>
+          <a:ln w="12700">
+            <a:solidFill>
+              <a:schemeClr val="tx2"/>
+            </a:solidFill>
+            <a:prstDash val="dash"/>
+          </a:ln>
+        </p:spPr>
+        <p:style>
+          <a:lnRef idx="1">
+            <a:schemeClr val="accent5"/>
+          </a:lnRef>
+          <a:fillRef idx="2">
+            <a:schemeClr val="accent5"/>
+          </a:fillRef>
+          <a:effectRef idx="1">
+            <a:schemeClr val="accent5"/>
+          </a:effectRef>
+          <a:fontRef idx="minor">
+            <a:schemeClr val="dk1"/>
+          </a:fontRef>
+        </p:style>
+      </p:cxnSp>
+      <p:cxnSp>
+        <p:nvCxnSpPr>
+          <p:cNvPr id="24" name="Elbow Connector 23"/>
+          <p:cNvCxnSpPr>
+            <a:stCxn id="10" idx="2"/>
+            <a:endCxn id="18" idx="0"/>
+          </p:cNvCxnSpPr>
+          <p:nvPr/>
+        </p:nvCxnSpPr>
+        <p:spPr>
+          <a:xfrm rot="5400000">
+            <a:off x="5961540" y="2746635"/>
+            <a:ext cx="846605" cy="1203222"/>
+          </a:xfrm>
+          <a:prstGeom prst="bentConnector3">
+            <a:avLst>
+              <a:gd name="adj1" fmla="val 50000"/>
+            </a:avLst>
+          </a:prstGeom>
+          <a:ln w="12700">
+            <a:solidFill>
+              <a:schemeClr val="tx2"/>
+            </a:solidFill>
+            <a:prstDash val="dash"/>
+          </a:ln>
+        </p:spPr>
+        <p:style>
+          <a:lnRef idx="1">
+            <a:schemeClr val="accent5"/>
+          </a:lnRef>
+          <a:fillRef idx="2">
+            <a:schemeClr val="accent5"/>
+          </a:fillRef>
+          <a:effectRef idx="1">
+            <a:schemeClr val="accent5"/>
+          </a:effectRef>
+          <a:fontRef idx="minor">
+            <a:schemeClr val="dk1"/>
+          </a:fontRef>
+        </p:style>
+      </p:cxnSp>
+    </p:spTree>
+    <p:extLst>
+      <p:ext uri="{BB962C8B-B14F-4D97-AF65-F5344CB8AC3E}">
+        <p14:creationId xmlns:p14="http://schemas.microsoft.com/office/powerpoint/2010/main" val="1333647771"/>
+      </p:ext>
+    </p:extLst>
+  </p:cSld>
+  <p:clrMapOvr>
+    <a:masterClrMapping/>
+  </p:clrMapOvr>
+  <mc:AlternateContent xmlns:mc="http://schemas.openxmlformats.org/markup-compatibility/2006" xmlns:p14="http://schemas.microsoft.com/office/powerpoint/2010/main">
+    <mc:Choice Requires="p14">
+      <p:transition spd="slow" p14:dur="2000"/>
+    </mc:Choice>
+    <mc:Fallback xmlns="">
+      <p:transition spd="slow"/>
+    </mc:Fallback>
+  </mc:AlternateContent>
+  <p:timing>
+    <p:tnLst>
+      <p:par>
+        <p:cTn id="1" dur="indefinite" restart="never" nodeType="tmRoot"/>
+      </p:par>
+    </p:tnLst>
+  </p:timing>
+</p:sld>
+</file>
+
+<file path=ppt/slides/slide7.xml><?xml version="1.0" encoding="utf-8"?>
+<p:sld xmlns:a="http://schemas.openxmlformats.org/drawingml/2006/main" xmlns:r="http://schemas.openxmlformats.org/officeDocument/2006/relationships" xmlns:p="http://schemas.openxmlformats.org/presentationml/2006/main">
+  <p:cSld>
+    <p:spTree>
+      <p:nvGrpSpPr>
+        <p:cNvPr id="1" name=""/>
+        <p:cNvGrpSpPr/>
+        <p:nvPr/>
+      </p:nvGrpSpPr>
+      <p:grpSpPr>
+        <a:xfrm>
+          <a:off x="0" y="0"/>
+          <a:ext cx="0" cy="0"/>
+          <a:chOff x="0" y="0"/>
+          <a:chExt cx="0" cy="0"/>
+        </a:xfrm>
+      </p:grpSpPr>
+      <p:sp>
+        <p:nvSpPr>
+          <p:cNvPr id="2" name="Title 1"/>
+          <p:cNvSpPr>
+            <a:spLocks noGrp="1"/>
+          </p:cNvSpPr>
+          <p:nvPr>
+            <p:ph type="title"/>
+          </p:nvPr>
+        </p:nvSpPr>
+        <p:spPr/>
+        <p:txBody>
+          <a:bodyPr/>
+          <a:lstStyle/>
+          <a:p>
+            <a:r>
+              <a:rPr lang="hu-HU" smtClean="0"/>
+              <a:t>#1 – Resources</a:t>
+            </a:r>
+            <a:endParaRPr lang="en-US" dirty="0"/>
+          </a:p>
+        </p:txBody>
+      </p:sp>
+      <p:pic>
+        <p:nvPicPr>
+          <p:cNvPr id="4" name="Picture 3"/>
+          <p:cNvPicPr>
+            <a:picLocks noChangeAspect="1"/>
+          </p:cNvPicPr>
+          <p:nvPr/>
+        </p:nvPicPr>
+        <p:blipFill>
+          <a:blip r:embed="rId2" cstate="print">
+            <a:extLst>
+              <a:ext uri="{28A0092B-C50C-407E-A947-70E740481C1C}">
+                <a14:useLocalDpi xmlns:a14="http://schemas.microsoft.com/office/drawing/2010/main" val="0"/>
+              </a:ext>
+            </a:extLst>
+          </a:blip>
+          <a:stretch>
+            <a:fillRect/>
+          </a:stretch>
+        </p:blipFill>
+        <p:spPr>
+          <a:xfrm>
+            <a:off x="6876256" y="603053"/>
+            <a:ext cx="1440160" cy="480150"/>
+          </a:xfrm>
+          <a:prstGeom prst="rect">
+            <a:avLst/>
+          </a:prstGeom>
+        </p:spPr>
+      </p:pic>
+      <p:sp>
+        <p:nvSpPr>
+          <p:cNvPr id="5" name="Content Placeholder 2"/>
+          <p:cNvSpPr txBox="1">
+            <a:spLocks/>
+          </p:cNvSpPr>
+          <p:nvPr/>
+        </p:nvSpPr>
+        <p:spPr>
+          <a:xfrm>
+            <a:off x="609600" y="1752600"/>
+            <a:ext cx="7620000" cy="4800600"/>
+          </a:xfrm>
+          <a:prstGeom prst="rect">
+            <a:avLst/>
+          </a:prstGeom>
+        </p:spPr>
+        <p:txBody>
+          <a:bodyPr vert="horz" lIns="91440" tIns="45720" rIns="91440" bIns="45720" rtlCol="0">
+            <a:normAutofit/>
+          </a:bodyPr>
+          <a:lstStyle>
+            <a:lvl1pPr marL="342900" indent="-228600" algn="l" defTabSz="914400" rtl="0" eaLnBrk="1" latinLnBrk="0" hangingPunct="1">
+              <a:spcBef>
+                <a:spcPct val="20000"/>
+              </a:spcBef>
+              <a:buClr>
+                <a:schemeClr val="accent1"/>
+              </a:buClr>
+              <a:buFont typeface="Arial" pitchFamily="34" charset="0"/>
+              <a:buChar char="•"/>
+              <a:defRPr sz="2200" kern="1200">
+                <a:solidFill>
+                  <a:schemeClr val="tx1"/>
+                </a:solidFill>
+                <a:latin typeface="+mn-lt"/>
+                <a:ea typeface="+mn-ea"/>
+                <a:cs typeface="+mn-cs"/>
+              </a:defRPr>
+            </a:lvl1pPr>
+            <a:lvl2pPr marL="640080" indent="-228600" algn="l" defTabSz="914400" rtl="0" eaLnBrk="1" latinLnBrk="0" hangingPunct="1">
+              <a:spcBef>
+                <a:spcPct val="20000"/>
+              </a:spcBef>
+              <a:buClr>
+                <a:schemeClr val="accent2"/>
+              </a:buClr>
+              <a:buFont typeface="Arial" pitchFamily="34" charset="0"/>
+              <a:buChar char="•"/>
+              <a:defRPr sz="2000" kern="1200">
+                <a:solidFill>
+                  <a:schemeClr val="tx1"/>
+                </a:solidFill>
+                <a:latin typeface="+mn-lt"/>
+                <a:ea typeface="+mn-ea"/>
+                <a:cs typeface="+mn-cs"/>
+              </a:defRPr>
+            </a:lvl2pPr>
+            <a:lvl3pPr marL="1005840" indent="-228600" algn="l" defTabSz="914400" rtl="0" eaLnBrk="1" latinLnBrk="0" hangingPunct="1">
+              <a:spcBef>
+                <a:spcPct val="20000"/>
+              </a:spcBef>
+              <a:buClr>
+                <a:schemeClr val="accent3"/>
+              </a:buClr>
+              <a:buFont typeface="Arial" pitchFamily="34" charset="0"/>
+              <a:buChar char="•"/>
+              <a:defRPr sz="1800" kern="1200">
+                <a:solidFill>
+                  <a:schemeClr val="tx1"/>
+                </a:solidFill>
+                <a:latin typeface="+mn-lt"/>
+                <a:ea typeface="+mn-ea"/>
+                <a:cs typeface="+mn-cs"/>
+              </a:defRPr>
+            </a:lvl3pPr>
+            <a:lvl4pPr marL="1280160" indent="-228600" algn="l" defTabSz="914400" rtl="0" eaLnBrk="1" latinLnBrk="0" hangingPunct="1">
+              <a:spcBef>
+                <a:spcPct val="20000"/>
+              </a:spcBef>
+              <a:buClr>
+                <a:schemeClr val="accent4"/>
+              </a:buClr>
+              <a:buFont typeface="Arial" pitchFamily="34" charset="0"/>
+              <a:buChar char="•"/>
+              <a:defRPr sz="1600" kern="1200">
+                <a:solidFill>
+                  <a:schemeClr val="tx1"/>
+                </a:solidFill>
+                <a:latin typeface="+mn-lt"/>
+                <a:ea typeface="+mn-ea"/>
+                <a:cs typeface="+mn-cs"/>
+              </a:defRPr>
+            </a:lvl4pPr>
+            <a:lvl5pPr marL="1554480" indent="-228600" algn="l" defTabSz="914400" rtl="0" eaLnBrk="1" latinLnBrk="0" hangingPunct="1">
+              <a:spcBef>
+                <a:spcPct val="20000"/>
+              </a:spcBef>
+              <a:buClr>
+                <a:schemeClr val="accent5"/>
+              </a:buClr>
+              <a:buFont typeface="Arial" pitchFamily="34" charset="0"/>
+              <a:buChar char="•"/>
+              <a:defRPr sz="1400" kern="1200" baseline="0">
+                <a:solidFill>
+                  <a:schemeClr val="tx1"/>
+                </a:solidFill>
+                <a:latin typeface="+mn-lt"/>
+                <a:ea typeface="+mn-ea"/>
+                <a:cs typeface="+mn-cs"/>
+              </a:defRPr>
+            </a:lvl5pPr>
+            <a:lvl6pPr marL="1737360" indent="-182880" algn="l" defTabSz="914400" rtl="0" eaLnBrk="1" latinLnBrk="0" hangingPunct="1">
+              <a:spcBef>
+                <a:spcPct val="20000"/>
+              </a:spcBef>
+              <a:buClr>
+                <a:schemeClr val="accent1"/>
+              </a:buClr>
+              <a:buFont typeface="Arial" pitchFamily="34" charset="0"/>
+              <a:buChar char="•"/>
+              <a:defRPr sz="1400" kern="1200" baseline="0">
+                <a:solidFill>
+                  <a:schemeClr val="tx1"/>
+                </a:solidFill>
+                <a:latin typeface="+mn-lt"/>
+                <a:ea typeface="+mn-ea"/>
+                <a:cs typeface="+mn-cs"/>
+              </a:defRPr>
+            </a:lvl6pPr>
+            <a:lvl7pPr marL="1920240" indent="-182880" algn="l" defTabSz="914400" rtl="0" eaLnBrk="1" latinLnBrk="0" hangingPunct="1">
+              <a:spcBef>
+                <a:spcPct val="20000"/>
+              </a:spcBef>
+              <a:buClr>
+                <a:schemeClr val="accent2"/>
+              </a:buClr>
+              <a:buFont typeface="Arial" pitchFamily="34" charset="0"/>
+              <a:buChar char="•"/>
+              <a:defRPr sz="1400" kern="1200">
+                <a:solidFill>
+                  <a:schemeClr val="tx1"/>
+                </a:solidFill>
+                <a:latin typeface="+mn-lt"/>
+                <a:ea typeface="+mn-ea"/>
+                <a:cs typeface="+mn-cs"/>
+              </a:defRPr>
+            </a:lvl7pPr>
+            <a:lvl8pPr marL="2103120" indent="-182880" algn="l" defTabSz="914400" rtl="0" eaLnBrk="1" latinLnBrk="0" hangingPunct="1">
+              <a:spcBef>
+                <a:spcPct val="20000"/>
+              </a:spcBef>
+              <a:buClr>
+                <a:schemeClr val="accent3"/>
+              </a:buClr>
+              <a:buFont typeface="Arial" pitchFamily="34" charset="0"/>
+              <a:buChar char="•"/>
+              <a:defRPr sz="1400" kern="1200">
+                <a:solidFill>
+                  <a:schemeClr val="tx1"/>
+                </a:solidFill>
+                <a:latin typeface="+mn-lt"/>
+                <a:ea typeface="+mn-ea"/>
+                <a:cs typeface="+mn-cs"/>
+              </a:defRPr>
+            </a:lvl8pPr>
+            <a:lvl9pPr marL="2286000" indent="-182880" algn="l" defTabSz="914400" rtl="0" eaLnBrk="1" latinLnBrk="0" hangingPunct="1">
+              <a:spcBef>
+                <a:spcPct val="20000"/>
+              </a:spcBef>
+              <a:buClr>
+                <a:schemeClr val="accent4"/>
+              </a:buClr>
+              <a:buFont typeface="Arial" pitchFamily="34" charset="0"/>
+              <a:buChar char="•"/>
+              <a:defRPr sz="1400" kern="1200">
+                <a:solidFill>
+                  <a:schemeClr val="tx1"/>
+                </a:solidFill>
+                <a:latin typeface="+mn-lt"/>
+                <a:ea typeface="+mn-ea"/>
+                <a:cs typeface="+mn-cs"/>
+              </a:defRPr>
+            </a:lvl9pPr>
+          </a:lstStyle>
+          <a:p>
+            <a:endParaRPr lang="hu-HU" smtClean="0"/>
+          </a:p>
+          <a:p>
             <a:pPr marL="114300" indent="0">
+              <a:buFont typeface="Arial" pitchFamily="34" charset="0"/>
               <a:buNone/>
             </a:pPr>
-            <a:endParaRPr lang="hu-HU" dirty="0" smtClean="0"/>
-          </a:p>
-          <a:p>
-            <a:r>
-              <a:rPr lang="hu-HU" dirty="0" smtClean="0"/>
+            <a:endParaRPr lang="en-US" dirty="0"/>
+          </a:p>
+        </p:txBody>
+      </p:sp>
+      <p:sp>
+        <p:nvSpPr>
+          <p:cNvPr id="6" name="Content Placeholder 5"/>
+          <p:cNvSpPr>
+            <a:spLocks noGrp="1"/>
+          </p:cNvSpPr>
+          <p:nvPr>
+            <p:ph idx="1"/>
+          </p:nvPr>
+        </p:nvSpPr>
+        <p:spPr/>
+        <p:txBody>
+          <a:bodyPr/>
+          <a:lstStyle/>
+          <a:p>
+            <a:r>
+              <a:rPr lang="en-US" dirty="0" smtClean="0"/>
               <a:t>REST level 1: Resources</a:t>
             </a:r>
           </a:p>
           <a:p>
-            <a:endParaRPr lang="hu-HU" dirty="0"/>
-          </a:p>
-          <a:p>
-            <a:r>
-              <a:rPr lang="hu-HU" dirty="0" smtClean="0"/>
+            <a:endParaRPr lang="en-US" dirty="0" smtClean="0"/>
+          </a:p>
+          <a:p>
+            <a:r>
+              <a:rPr lang="en-US" dirty="0" smtClean="0"/>
               <a:t>Examples:</a:t>
             </a:r>
           </a:p>
           <a:p>
             <a:pPr lvl="1"/>
             <a:r>
-              <a:rPr lang="hu-HU" dirty="0" smtClean="0"/>
-              <a:t>myrest/1/managers</a:t>
+              <a:rPr lang="en-US" dirty="0" err="1" smtClean="0"/>
+              <a:t>myrest</a:t>
+            </a:r>
+            <a:r>
+              <a:rPr lang="en-US" smtClean="0"/>
+              <a:t>/1/managers</a:t>
             </a:r>
           </a:p>
           <a:p>
             <a:pPr lvl="1"/>
             <a:r>
-              <a:rPr lang="hu-HU" dirty="0" smtClean="0"/>
-              <a:t>myrest/1/assistants</a:t>
+              <a:rPr lang="en-US" err="1" smtClean="0"/>
+              <a:t>myrest</a:t>
+            </a:r>
+            <a:r>
+              <a:rPr lang="en-US" smtClean="0"/>
+              <a:t>/1/assistants</a:t>
             </a:r>
           </a:p>
           <a:p>
             <a:pPr lvl="1"/>
             <a:r>
-              <a:rPr lang="hu-HU" dirty="0" smtClean="0"/>
-              <a:t>myrest/1/manager/2</a:t>
+              <a:rPr lang="en-US" err="1" smtClean="0"/>
+              <a:t>myrest</a:t>
+            </a:r>
+            <a:r>
+              <a:rPr lang="en-US" smtClean="0"/>
+              <a:t>/1/manager/2</a:t>
             </a:r>
           </a:p>
           <a:p>
             <a:pPr lvl="1"/>
             <a:r>
-              <a:rPr lang="hu-HU" dirty="0" smtClean="0"/>
-              <a:t>myrest/1/assistant/5</a:t>
-            </a:r>
-            <a:endParaRPr lang="hu-HU" dirty="0"/>
-          </a:p>
-          <a:p>
-            <a:pPr lvl="1"/>
-            <a:endParaRPr lang="hu-HU" dirty="0" smtClean="0"/>
-          </a:p>
-          <a:p>
-            <a:pPr marL="114300" indent="0">
-              <a:buNone/>
-            </a:pPr>
-            <a:endParaRPr lang="hu-HU" dirty="0"/>
-          </a:p>
-          <a:p>
-            <a:pPr marL="114300" indent="0">
-              <a:buNone/>
-            </a:pPr>
-            <a:endParaRPr lang="hu-HU" dirty="0"/>
-          </a:p>
-          <a:p>
-            <a:endParaRPr lang="en-US" dirty="0"/>
+              <a:rPr lang="en-US" err="1" smtClean="0"/>
+              <a:t>myrest</a:t>
+            </a:r>
+            <a:r>
+              <a:rPr lang="en-US" smtClean="0"/>
+              <a:t>/1/assistant/5</a:t>
+            </a:r>
+          </a:p>
+          <a:p>
+            <a:endParaRPr lang="en-US"/>
           </a:p>
         </p:txBody>
       </p:sp>
@@ -6359,11 +6752,400 @@
   <p:clrMapOvr>
     <a:masterClrMapping/>
   </p:clrMapOvr>
-  <mc:AlternateContent xmlns:mc="http://schemas.openxmlformats.org/markup-compatibility/2006">
-    <mc:Choice xmlns:p14="http://schemas.microsoft.com/office/powerpoint/2010/main" Requires="p14">
+  <mc:AlternateContent xmlns:mc="http://schemas.openxmlformats.org/markup-compatibility/2006" xmlns:p14="http://schemas.microsoft.com/office/powerpoint/2010/main">
+    <mc:Choice Requires="p14">
       <p:transition spd="slow" p14:dur="2000"/>
     </mc:Choice>
-    <mc:Fallback>
+    <mc:Fallback xmlns="">
+      <p:transition spd="slow"/>
+    </mc:Fallback>
+  </mc:AlternateContent>
+  <p:timing>
+    <p:tnLst>
+      <p:par>
+        <p:cTn id="1" dur="indefinite" restart="never" nodeType="tmRoot"/>
+      </p:par>
+    </p:tnLst>
+  </p:timing>
+</p:sld>
+</file>
+
+<file path=ppt/slides/slide8.xml><?xml version="1.0" encoding="utf-8"?>
+<p:sld xmlns:a="http://schemas.openxmlformats.org/drawingml/2006/main" xmlns:r="http://schemas.openxmlformats.org/officeDocument/2006/relationships" xmlns:p="http://schemas.openxmlformats.org/presentationml/2006/main">
+  <p:cSld>
+    <p:spTree>
+      <p:nvGrpSpPr>
+        <p:cNvPr id="1" name=""/>
+        <p:cNvGrpSpPr/>
+        <p:nvPr/>
+      </p:nvGrpSpPr>
+      <p:grpSpPr>
+        <a:xfrm>
+          <a:off x="0" y="0"/>
+          <a:ext cx="0" cy="0"/>
+          <a:chOff x="0" y="0"/>
+          <a:chExt cx="0" cy="0"/>
+        </a:xfrm>
+      </p:grpSpPr>
+      <p:sp>
+        <p:nvSpPr>
+          <p:cNvPr id="2" name="Title 1"/>
+          <p:cNvSpPr>
+            <a:spLocks noGrp="1"/>
+          </p:cNvSpPr>
+          <p:nvPr>
+            <p:ph type="title"/>
+          </p:nvPr>
+        </p:nvSpPr>
+        <p:spPr/>
+        <p:txBody>
+          <a:bodyPr/>
+          <a:lstStyle/>
+          <a:p>
+            <a:r>
+              <a:rPr lang="hu-HU" smtClean="0"/>
+              <a:t>#2 – HTTP Verbs</a:t>
+            </a:r>
+            <a:endParaRPr lang="en-US"/>
+          </a:p>
+        </p:txBody>
+      </p:sp>
+      <p:pic>
+        <p:nvPicPr>
+          <p:cNvPr id="4" name="Picture 3"/>
+          <p:cNvPicPr>
+            <a:picLocks noChangeAspect="1"/>
+          </p:cNvPicPr>
+          <p:nvPr/>
+        </p:nvPicPr>
+        <p:blipFill>
+          <a:blip r:embed="rId2" cstate="print">
+            <a:extLst>
+              <a:ext uri="{28A0092B-C50C-407E-A947-70E740481C1C}">
+                <a14:useLocalDpi xmlns:a14="http://schemas.microsoft.com/office/drawing/2010/main" val="0"/>
+              </a:ext>
+            </a:extLst>
+          </a:blip>
+          <a:stretch>
+            <a:fillRect/>
+          </a:stretch>
+        </p:blipFill>
+        <p:spPr>
+          <a:xfrm>
+            <a:off x="6876256" y="603053"/>
+            <a:ext cx="1440160" cy="480150"/>
+          </a:xfrm>
+          <a:prstGeom prst="rect">
+            <a:avLst/>
+          </a:prstGeom>
+        </p:spPr>
+      </p:pic>
+      <p:sp>
+        <p:nvSpPr>
+          <p:cNvPr id="5" name="Content Placeholder 2"/>
+          <p:cNvSpPr txBox="1">
+            <a:spLocks/>
+          </p:cNvSpPr>
+          <p:nvPr/>
+        </p:nvSpPr>
+        <p:spPr>
+          <a:xfrm>
+            <a:off x="609600" y="1752600"/>
+            <a:ext cx="7620000" cy="4800600"/>
+          </a:xfrm>
+          <a:prstGeom prst="rect">
+            <a:avLst/>
+          </a:prstGeom>
+        </p:spPr>
+        <p:txBody>
+          <a:bodyPr vert="horz" lIns="91440" tIns="45720" rIns="91440" bIns="45720" rtlCol="0">
+            <a:normAutofit/>
+          </a:bodyPr>
+          <a:lstStyle>
+            <a:lvl1pPr marL="342900" indent="-228600" algn="l" defTabSz="914400" rtl="0" eaLnBrk="1" latinLnBrk="0" hangingPunct="1">
+              <a:spcBef>
+                <a:spcPct val="20000"/>
+              </a:spcBef>
+              <a:buClr>
+                <a:schemeClr val="accent1"/>
+              </a:buClr>
+              <a:buFont typeface="Arial" pitchFamily="34" charset="0"/>
+              <a:buChar char="•"/>
+              <a:defRPr sz="2200" kern="1200">
+                <a:solidFill>
+                  <a:schemeClr val="tx1"/>
+                </a:solidFill>
+                <a:latin typeface="+mn-lt"/>
+                <a:ea typeface="+mn-ea"/>
+                <a:cs typeface="+mn-cs"/>
+              </a:defRPr>
+            </a:lvl1pPr>
+            <a:lvl2pPr marL="640080" indent="-228600" algn="l" defTabSz="914400" rtl="0" eaLnBrk="1" latinLnBrk="0" hangingPunct="1">
+              <a:spcBef>
+                <a:spcPct val="20000"/>
+              </a:spcBef>
+              <a:buClr>
+                <a:schemeClr val="accent2"/>
+              </a:buClr>
+              <a:buFont typeface="Arial" pitchFamily="34" charset="0"/>
+              <a:buChar char="•"/>
+              <a:defRPr sz="2000" kern="1200">
+                <a:solidFill>
+                  <a:schemeClr val="tx1"/>
+                </a:solidFill>
+                <a:latin typeface="+mn-lt"/>
+                <a:ea typeface="+mn-ea"/>
+                <a:cs typeface="+mn-cs"/>
+              </a:defRPr>
+            </a:lvl2pPr>
+            <a:lvl3pPr marL="1005840" indent="-228600" algn="l" defTabSz="914400" rtl="0" eaLnBrk="1" latinLnBrk="0" hangingPunct="1">
+              <a:spcBef>
+                <a:spcPct val="20000"/>
+              </a:spcBef>
+              <a:buClr>
+                <a:schemeClr val="accent3"/>
+              </a:buClr>
+              <a:buFont typeface="Arial" pitchFamily="34" charset="0"/>
+              <a:buChar char="•"/>
+              <a:defRPr sz="1800" kern="1200">
+                <a:solidFill>
+                  <a:schemeClr val="tx1"/>
+                </a:solidFill>
+                <a:latin typeface="+mn-lt"/>
+                <a:ea typeface="+mn-ea"/>
+                <a:cs typeface="+mn-cs"/>
+              </a:defRPr>
+            </a:lvl3pPr>
+            <a:lvl4pPr marL="1280160" indent="-228600" algn="l" defTabSz="914400" rtl="0" eaLnBrk="1" latinLnBrk="0" hangingPunct="1">
+              <a:spcBef>
+                <a:spcPct val="20000"/>
+              </a:spcBef>
+              <a:buClr>
+                <a:schemeClr val="accent4"/>
+              </a:buClr>
+              <a:buFont typeface="Arial" pitchFamily="34" charset="0"/>
+              <a:buChar char="•"/>
+              <a:defRPr sz="1600" kern="1200">
+                <a:solidFill>
+                  <a:schemeClr val="tx1"/>
+                </a:solidFill>
+                <a:latin typeface="+mn-lt"/>
+                <a:ea typeface="+mn-ea"/>
+                <a:cs typeface="+mn-cs"/>
+              </a:defRPr>
+            </a:lvl4pPr>
+            <a:lvl5pPr marL="1554480" indent="-228600" algn="l" defTabSz="914400" rtl="0" eaLnBrk="1" latinLnBrk="0" hangingPunct="1">
+              <a:spcBef>
+                <a:spcPct val="20000"/>
+              </a:spcBef>
+              <a:buClr>
+                <a:schemeClr val="accent5"/>
+              </a:buClr>
+              <a:buFont typeface="Arial" pitchFamily="34" charset="0"/>
+              <a:buChar char="•"/>
+              <a:defRPr sz="1400" kern="1200" baseline="0">
+                <a:solidFill>
+                  <a:schemeClr val="tx1"/>
+                </a:solidFill>
+                <a:latin typeface="+mn-lt"/>
+                <a:ea typeface="+mn-ea"/>
+                <a:cs typeface="+mn-cs"/>
+              </a:defRPr>
+            </a:lvl5pPr>
+            <a:lvl6pPr marL="1737360" indent="-182880" algn="l" defTabSz="914400" rtl="0" eaLnBrk="1" latinLnBrk="0" hangingPunct="1">
+              <a:spcBef>
+                <a:spcPct val="20000"/>
+              </a:spcBef>
+              <a:buClr>
+                <a:schemeClr val="accent1"/>
+              </a:buClr>
+              <a:buFont typeface="Arial" pitchFamily="34" charset="0"/>
+              <a:buChar char="•"/>
+              <a:defRPr sz="1400" kern="1200" baseline="0">
+                <a:solidFill>
+                  <a:schemeClr val="tx1"/>
+                </a:solidFill>
+                <a:latin typeface="+mn-lt"/>
+                <a:ea typeface="+mn-ea"/>
+                <a:cs typeface="+mn-cs"/>
+              </a:defRPr>
+            </a:lvl6pPr>
+            <a:lvl7pPr marL="1920240" indent="-182880" algn="l" defTabSz="914400" rtl="0" eaLnBrk="1" latinLnBrk="0" hangingPunct="1">
+              <a:spcBef>
+                <a:spcPct val="20000"/>
+              </a:spcBef>
+              <a:buClr>
+                <a:schemeClr val="accent2"/>
+              </a:buClr>
+              <a:buFont typeface="Arial" pitchFamily="34" charset="0"/>
+              <a:buChar char="•"/>
+              <a:defRPr sz="1400" kern="1200">
+                <a:solidFill>
+                  <a:schemeClr val="tx1"/>
+                </a:solidFill>
+                <a:latin typeface="+mn-lt"/>
+                <a:ea typeface="+mn-ea"/>
+                <a:cs typeface="+mn-cs"/>
+              </a:defRPr>
+            </a:lvl7pPr>
+            <a:lvl8pPr marL="2103120" indent="-182880" algn="l" defTabSz="914400" rtl="0" eaLnBrk="1" latinLnBrk="0" hangingPunct="1">
+              <a:spcBef>
+                <a:spcPct val="20000"/>
+              </a:spcBef>
+              <a:buClr>
+                <a:schemeClr val="accent3"/>
+              </a:buClr>
+              <a:buFont typeface="Arial" pitchFamily="34" charset="0"/>
+              <a:buChar char="•"/>
+              <a:defRPr sz="1400" kern="1200">
+                <a:solidFill>
+                  <a:schemeClr val="tx1"/>
+                </a:solidFill>
+                <a:latin typeface="+mn-lt"/>
+                <a:ea typeface="+mn-ea"/>
+                <a:cs typeface="+mn-cs"/>
+              </a:defRPr>
+            </a:lvl8pPr>
+            <a:lvl9pPr marL="2286000" indent="-182880" algn="l" defTabSz="914400" rtl="0" eaLnBrk="1" latinLnBrk="0" hangingPunct="1">
+              <a:spcBef>
+                <a:spcPct val="20000"/>
+              </a:spcBef>
+              <a:buClr>
+                <a:schemeClr val="accent4"/>
+              </a:buClr>
+              <a:buFont typeface="Arial" pitchFamily="34" charset="0"/>
+              <a:buChar char="•"/>
+              <a:defRPr sz="1400" kern="1200">
+                <a:solidFill>
+                  <a:schemeClr val="tx1"/>
+                </a:solidFill>
+                <a:latin typeface="+mn-lt"/>
+                <a:ea typeface="+mn-ea"/>
+                <a:cs typeface="+mn-cs"/>
+              </a:defRPr>
+            </a:lvl9pPr>
+          </a:lstStyle>
+          <a:p>
+            <a:endParaRPr lang="hu-HU" smtClean="0"/>
+          </a:p>
+          <a:p>
+            <a:pPr marL="114300" indent="0">
+              <a:buFont typeface="Arial" pitchFamily="34" charset="0"/>
+              <a:buNone/>
+            </a:pPr>
+            <a:endParaRPr lang="en-US"/>
+          </a:p>
+        </p:txBody>
+      </p:sp>
+      <p:sp>
+        <p:nvSpPr>
+          <p:cNvPr id="6" name="Content Placeholder 5"/>
+          <p:cNvSpPr>
+            <a:spLocks noGrp="1"/>
+          </p:cNvSpPr>
+          <p:nvPr>
+            <p:ph idx="1"/>
+          </p:nvPr>
+        </p:nvSpPr>
+        <p:spPr/>
+        <p:txBody>
+          <a:bodyPr>
+            <a:normAutofit/>
+          </a:bodyPr>
+          <a:lstStyle/>
+          <a:p>
+            <a:r>
+              <a:rPr lang="en-US" smtClean="0"/>
+              <a:t>REST level 2: HTTP Verbs</a:t>
+            </a:r>
+          </a:p>
+          <a:p>
+            <a:pPr lvl="1"/>
+            <a:r>
+              <a:rPr lang="en-US" smtClean="0"/>
+              <a:t>GET</a:t>
+            </a:r>
+          </a:p>
+          <a:p>
+            <a:pPr lvl="1"/>
+            <a:r>
+              <a:rPr lang="en-US" smtClean="0"/>
+              <a:t>POST</a:t>
+            </a:r>
+          </a:p>
+          <a:p>
+            <a:pPr lvl="1"/>
+            <a:r>
+              <a:rPr lang="en-US" smtClean="0"/>
+              <a:t>PUT</a:t>
+            </a:r>
+          </a:p>
+          <a:p>
+            <a:pPr lvl="1"/>
+            <a:r>
+              <a:rPr lang="en-US" smtClean="0"/>
+              <a:t>DELETE</a:t>
+            </a:r>
+          </a:p>
+          <a:p>
+            <a:pPr lvl="1"/>
+            <a:endParaRPr lang="en-US" smtClean="0"/>
+          </a:p>
+          <a:p>
+            <a:r>
+              <a:rPr lang="en-US" smtClean="0"/>
+              <a:t>Other useful operations</a:t>
+            </a:r>
+          </a:p>
+          <a:p>
+            <a:pPr lvl="1"/>
+            <a:r>
+              <a:rPr lang="en-US" smtClean="0"/>
+              <a:t>PATCH (partial update)</a:t>
+            </a:r>
+          </a:p>
+          <a:p>
+            <a:pPr lvl="1"/>
+            <a:r>
+              <a:rPr lang="en-US" smtClean="0"/>
+              <a:t>HEAD</a:t>
+            </a:r>
+          </a:p>
+          <a:p>
+            <a:pPr lvl="1"/>
+            <a:r>
+              <a:rPr lang="en-US" smtClean="0"/>
+              <a:t>OPTIONS</a:t>
+            </a:r>
+          </a:p>
+          <a:p>
+            <a:pPr lvl="1"/>
+            <a:endParaRPr lang="en-US" smtClean="0"/>
+          </a:p>
+          <a:p>
+            <a:r>
+              <a:rPr lang="en-US" smtClean="0"/>
+              <a:t>Concept: Safe operation / Idempotent operation</a:t>
+            </a:r>
+            <a:endParaRPr lang="en-US"/>
+          </a:p>
+        </p:txBody>
+      </p:sp>
+    </p:spTree>
+    <p:extLst>
+      <p:ext uri="{BB962C8B-B14F-4D97-AF65-F5344CB8AC3E}">
+        <p14:creationId xmlns:p14="http://schemas.microsoft.com/office/powerpoint/2010/main" val="3254927925"/>
+      </p:ext>
+    </p:extLst>
+  </p:cSld>
+  <p:clrMapOvr>
+    <a:masterClrMapping/>
+  </p:clrMapOvr>
+  <mc:AlternateContent xmlns:mc="http://schemas.openxmlformats.org/markup-compatibility/2006" xmlns:p14="http://schemas.microsoft.com/office/powerpoint/2010/main">
+    <mc:Choice Requires="p14">
+      <p:transition spd="slow" p14:dur="2000"/>
+    </mc:Choice>
+    <mc:Fallback xmlns="">
       <p:transition spd="slow"/>
     </mc:Fallback>
   </mc:AlternateContent>

--- a/doc/RESTful API Design.pptx
+++ b/doc/RESTful API Design.pptx
@@ -13,6 +13,8 @@
     <p:sldId id="262" r:id="rId7"/>
     <p:sldId id="259" r:id="rId8"/>
     <p:sldId id="263" r:id="rId9"/>
+    <p:sldId id="266" r:id="rId10"/>
+    <p:sldId id="267" r:id="rId11"/>
   </p:sldIdLst>
   <p:sldSz cx="9144000" cy="6858000" type="screen4x3"/>
   <p:notesSz cx="6858000" cy="9144000"/>
@@ -308,7 +310,7 @@
           <a:p>
             <a:fld id="{8F790D7D-CD7D-4D5E-9011-97B269F6C972}" type="datetimeFigureOut">
               <a:rPr lang="en-US" smtClean="0"/>
-              <a:t>11/27/2014</a:t>
+              <a:t>11/28/2014</a:t>
             </a:fld>
             <a:endParaRPr lang="en-US"/>
           </a:p>
@@ -473,7 +475,7 @@
           <a:p>
             <a:fld id="{8F790D7D-CD7D-4D5E-9011-97B269F6C972}" type="datetimeFigureOut">
               <a:rPr lang="en-US" smtClean="0"/>
-              <a:t>11/27/2014</a:t>
+              <a:t>11/28/2014</a:t>
             </a:fld>
             <a:endParaRPr lang="en-US"/>
           </a:p>
@@ -648,7 +650,7 @@
           <a:p>
             <a:fld id="{8F790D7D-CD7D-4D5E-9011-97B269F6C972}" type="datetimeFigureOut">
               <a:rPr lang="en-US" smtClean="0"/>
-              <a:t>11/27/2014</a:t>
+              <a:t>11/28/2014</a:t>
             </a:fld>
             <a:endParaRPr lang="en-US"/>
           </a:p>
@@ -813,7 +815,7 @@
           <a:p>
             <a:fld id="{8F790D7D-CD7D-4D5E-9011-97B269F6C972}" type="datetimeFigureOut">
               <a:rPr lang="en-US" smtClean="0"/>
-              <a:t>11/27/2014</a:t>
+              <a:t>11/28/2014</a:t>
             </a:fld>
             <a:endParaRPr lang="en-US"/>
           </a:p>
@@ -1054,7 +1056,7 @@
           <a:p>
             <a:fld id="{8F790D7D-CD7D-4D5E-9011-97B269F6C972}" type="datetimeFigureOut">
               <a:rPr lang="en-US" smtClean="0"/>
-              <a:t>11/27/2014</a:t>
+              <a:t>11/28/2014</a:t>
             </a:fld>
             <a:endParaRPr lang="en-US"/>
           </a:p>
@@ -1337,7 +1339,7 @@
           <a:p>
             <a:fld id="{8F790D7D-CD7D-4D5E-9011-97B269F6C972}" type="datetimeFigureOut">
               <a:rPr lang="en-US" smtClean="0"/>
-              <a:t>11/27/2014</a:t>
+              <a:t>11/28/2014</a:t>
             </a:fld>
             <a:endParaRPr lang="en-US"/>
           </a:p>
@@ -1766,7 +1768,7 @@
           <a:p>
             <a:fld id="{8F790D7D-CD7D-4D5E-9011-97B269F6C972}" type="datetimeFigureOut">
               <a:rPr lang="en-US" smtClean="0"/>
-              <a:t>11/27/2014</a:t>
+              <a:t>11/28/2014</a:t>
             </a:fld>
             <a:endParaRPr lang="en-US"/>
           </a:p>
@@ -1879,7 +1881,7 @@
           <a:p>
             <a:fld id="{8F790D7D-CD7D-4D5E-9011-97B269F6C972}" type="datetimeFigureOut">
               <a:rPr lang="en-US" smtClean="0"/>
-              <a:t>11/27/2014</a:t>
+              <a:t>11/28/2014</a:t>
             </a:fld>
             <a:endParaRPr lang="en-US"/>
           </a:p>
@@ -1969,7 +1971,7 @@
           <a:p>
             <a:fld id="{8F790D7D-CD7D-4D5E-9011-97B269F6C972}" type="datetimeFigureOut">
               <a:rPr lang="en-US" smtClean="0"/>
-              <a:t>11/27/2014</a:t>
+              <a:t>11/28/2014</a:t>
             </a:fld>
             <a:endParaRPr lang="en-US"/>
           </a:p>
@@ -2158,7 +2160,7 @@
           <a:p>
             <a:fld id="{8F790D7D-CD7D-4D5E-9011-97B269F6C972}" type="datetimeFigureOut">
               <a:rPr lang="en-US" smtClean="0"/>
-              <a:t>11/27/2014</a:t>
+              <a:t>11/28/2014</a:t>
             </a:fld>
             <a:endParaRPr lang="en-US"/>
           </a:p>
@@ -2476,7 +2478,7 @@
           <a:p>
             <a:fld id="{8F790D7D-CD7D-4D5E-9011-97B269F6C972}" type="datetimeFigureOut">
               <a:rPr lang="en-US" smtClean="0"/>
-              <a:t>11/27/2014</a:t>
+              <a:t>11/28/2014</a:t>
             </a:fld>
             <a:endParaRPr lang="en-US"/>
           </a:p>
@@ -2855,7 +2857,7 @@
           <a:p>
             <a:fld id="{8F790D7D-CD7D-4D5E-9011-97B269F6C972}" type="datetimeFigureOut">
               <a:rPr lang="en-US" smtClean="0"/>
-              <a:t>11/27/2014</a:t>
+              <a:t>11/28/2014</a:t>
             </a:fld>
             <a:endParaRPr lang="en-US"/>
           </a:p>
@@ -3284,6 +3286,326 @@
 </p:sld>
 </file>
 
+<file path=ppt/slides/slide10.xml><?xml version="1.0" encoding="utf-8"?>
+<p:sld xmlns:a="http://schemas.openxmlformats.org/drawingml/2006/main" xmlns:r="http://schemas.openxmlformats.org/officeDocument/2006/relationships" xmlns:p="http://schemas.openxmlformats.org/presentationml/2006/main">
+  <p:cSld>
+    <p:spTree>
+      <p:nvGrpSpPr>
+        <p:cNvPr id="1" name=""/>
+        <p:cNvGrpSpPr/>
+        <p:nvPr/>
+      </p:nvGrpSpPr>
+      <p:grpSpPr>
+        <a:xfrm>
+          <a:off x="0" y="0"/>
+          <a:ext cx="0" cy="0"/>
+          <a:chOff x="0" y="0"/>
+          <a:chExt cx="0" cy="0"/>
+        </a:xfrm>
+      </p:grpSpPr>
+      <p:sp>
+        <p:nvSpPr>
+          <p:cNvPr id="2" name="Title 1"/>
+          <p:cNvSpPr>
+            <a:spLocks noGrp="1"/>
+          </p:cNvSpPr>
+          <p:nvPr>
+            <p:ph type="title"/>
+          </p:nvPr>
+        </p:nvSpPr>
+        <p:spPr/>
+        <p:txBody>
+          <a:bodyPr/>
+          <a:lstStyle/>
+          <a:p>
+            <a:r>
+              <a:rPr lang="hu-HU" smtClean="0"/>
+              <a:t>#3 – Hypermedia</a:t>
+            </a:r>
+            <a:endParaRPr lang="en-US"/>
+          </a:p>
+        </p:txBody>
+      </p:sp>
+      <p:pic>
+        <p:nvPicPr>
+          <p:cNvPr id="4" name="Picture 3"/>
+          <p:cNvPicPr>
+            <a:picLocks noChangeAspect="1"/>
+          </p:cNvPicPr>
+          <p:nvPr/>
+        </p:nvPicPr>
+        <p:blipFill>
+          <a:blip r:embed="rId2" cstate="print">
+            <a:extLst>
+              <a:ext uri="{28A0092B-C50C-407E-A947-70E740481C1C}">
+                <a14:useLocalDpi xmlns:a14="http://schemas.microsoft.com/office/drawing/2010/main" val="0"/>
+              </a:ext>
+            </a:extLst>
+          </a:blip>
+          <a:stretch>
+            <a:fillRect/>
+          </a:stretch>
+        </p:blipFill>
+        <p:spPr>
+          <a:xfrm>
+            <a:off x="6876256" y="603053"/>
+            <a:ext cx="1440160" cy="480150"/>
+          </a:xfrm>
+          <a:prstGeom prst="rect">
+            <a:avLst/>
+          </a:prstGeom>
+        </p:spPr>
+      </p:pic>
+      <p:sp>
+        <p:nvSpPr>
+          <p:cNvPr id="5" name="Content Placeholder 2"/>
+          <p:cNvSpPr txBox="1">
+            <a:spLocks/>
+          </p:cNvSpPr>
+          <p:nvPr/>
+        </p:nvSpPr>
+        <p:spPr>
+          <a:xfrm>
+            <a:off x="609600" y="1752600"/>
+            <a:ext cx="7620000" cy="4800600"/>
+          </a:xfrm>
+          <a:prstGeom prst="rect">
+            <a:avLst/>
+          </a:prstGeom>
+        </p:spPr>
+        <p:txBody>
+          <a:bodyPr vert="horz" lIns="91440" tIns="45720" rIns="91440" bIns="45720" rtlCol="0">
+            <a:normAutofit/>
+          </a:bodyPr>
+          <a:lstStyle>
+            <a:lvl1pPr marL="342900" indent="-228600" algn="l" defTabSz="914400" rtl="0" eaLnBrk="1" latinLnBrk="0" hangingPunct="1">
+              <a:spcBef>
+                <a:spcPct val="20000"/>
+              </a:spcBef>
+              <a:buClr>
+                <a:schemeClr val="accent1"/>
+              </a:buClr>
+              <a:buFont typeface="Arial" pitchFamily="34" charset="0"/>
+              <a:buChar char="•"/>
+              <a:defRPr sz="2200" kern="1200">
+                <a:solidFill>
+                  <a:schemeClr val="tx1"/>
+                </a:solidFill>
+                <a:latin typeface="+mn-lt"/>
+                <a:ea typeface="+mn-ea"/>
+                <a:cs typeface="+mn-cs"/>
+              </a:defRPr>
+            </a:lvl1pPr>
+            <a:lvl2pPr marL="640080" indent="-228600" algn="l" defTabSz="914400" rtl="0" eaLnBrk="1" latinLnBrk="0" hangingPunct="1">
+              <a:spcBef>
+                <a:spcPct val="20000"/>
+              </a:spcBef>
+              <a:buClr>
+                <a:schemeClr val="accent2"/>
+              </a:buClr>
+              <a:buFont typeface="Arial" pitchFamily="34" charset="0"/>
+              <a:buChar char="•"/>
+              <a:defRPr sz="2000" kern="1200">
+                <a:solidFill>
+                  <a:schemeClr val="tx1"/>
+                </a:solidFill>
+                <a:latin typeface="+mn-lt"/>
+                <a:ea typeface="+mn-ea"/>
+                <a:cs typeface="+mn-cs"/>
+              </a:defRPr>
+            </a:lvl2pPr>
+            <a:lvl3pPr marL="1005840" indent="-228600" algn="l" defTabSz="914400" rtl="0" eaLnBrk="1" latinLnBrk="0" hangingPunct="1">
+              <a:spcBef>
+                <a:spcPct val="20000"/>
+              </a:spcBef>
+              <a:buClr>
+                <a:schemeClr val="accent3"/>
+              </a:buClr>
+              <a:buFont typeface="Arial" pitchFamily="34" charset="0"/>
+              <a:buChar char="•"/>
+              <a:defRPr sz="1800" kern="1200">
+                <a:solidFill>
+                  <a:schemeClr val="tx1"/>
+                </a:solidFill>
+                <a:latin typeface="+mn-lt"/>
+                <a:ea typeface="+mn-ea"/>
+                <a:cs typeface="+mn-cs"/>
+              </a:defRPr>
+            </a:lvl3pPr>
+            <a:lvl4pPr marL="1280160" indent="-228600" algn="l" defTabSz="914400" rtl="0" eaLnBrk="1" latinLnBrk="0" hangingPunct="1">
+              <a:spcBef>
+                <a:spcPct val="20000"/>
+              </a:spcBef>
+              <a:buClr>
+                <a:schemeClr val="accent4"/>
+              </a:buClr>
+              <a:buFont typeface="Arial" pitchFamily="34" charset="0"/>
+              <a:buChar char="•"/>
+              <a:defRPr sz="1600" kern="1200">
+                <a:solidFill>
+                  <a:schemeClr val="tx1"/>
+                </a:solidFill>
+                <a:latin typeface="+mn-lt"/>
+                <a:ea typeface="+mn-ea"/>
+                <a:cs typeface="+mn-cs"/>
+              </a:defRPr>
+            </a:lvl4pPr>
+            <a:lvl5pPr marL="1554480" indent="-228600" algn="l" defTabSz="914400" rtl="0" eaLnBrk="1" latinLnBrk="0" hangingPunct="1">
+              <a:spcBef>
+                <a:spcPct val="20000"/>
+              </a:spcBef>
+              <a:buClr>
+                <a:schemeClr val="accent5"/>
+              </a:buClr>
+              <a:buFont typeface="Arial" pitchFamily="34" charset="0"/>
+              <a:buChar char="•"/>
+              <a:defRPr sz="1400" kern="1200" baseline="0">
+                <a:solidFill>
+                  <a:schemeClr val="tx1"/>
+                </a:solidFill>
+                <a:latin typeface="+mn-lt"/>
+                <a:ea typeface="+mn-ea"/>
+                <a:cs typeface="+mn-cs"/>
+              </a:defRPr>
+            </a:lvl5pPr>
+            <a:lvl6pPr marL="1737360" indent="-182880" algn="l" defTabSz="914400" rtl="0" eaLnBrk="1" latinLnBrk="0" hangingPunct="1">
+              <a:spcBef>
+                <a:spcPct val="20000"/>
+              </a:spcBef>
+              <a:buClr>
+                <a:schemeClr val="accent1"/>
+              </a:buClr>
+              <a:buFont typeface="Arial" pitchFamily="34" charset="0"/>
+              <a:buChar char="•"/>
+              <a:defRPr sz="1400" kern="1200" baseline="0">
+                <a:solidFill>
+                  <a:schemeClr val="tx1"/>
+                </a:solidFill>
+                <a:latin typeface="+mn-lt"/>
+                <a:ea typeface="+mn-ea"/>
+                <a:cs typeface="+mn-cs"/>
+              </a:defRPr>
+            </a:lvl6pPr>
+            <a:lvl7pPr marL="1920240" indent="-182880" algn="l" defTabSz="914400" rtl="0" eaLnBrk="1" latinLnBrk="0" hangingPunct="1">
+              <a:spcBef>
+                <a:spcPct val="20000"/>
+              </a:spcBef>
+              <a:buClr>
+                <a:schemeClr val="accent2"/>
+              </a:buClr>
+              <a:buFont typeface="Arial" pitchFamily="34" charset="0"/>
+              <a:buChar char="•"/>
+              <a:defRPr sz="1400" kern="1200">
+                <a:solidFill>
+                  <a:schemeClr val="tx1"/>
+                </a:solidFill>
+                <a:latin typeface="+mn-lt"/>
+                <a:ea typeface="+mn-ea"/>
+                <a:cs typeface="+mn-cs"/>
+              </a:defRPr>
+            </a:lvl7pPr>
+            <a:lvl8pPr marL="2103120" indent="-182880" algn="l" defTabSz="914400" rtl="0" eaLnBrk="1" latinLnBrk="0" hangingPunct="1">
+              <a:spcBef>
+                <a:spcPct val="20000"/>
+              </a:spcBef>
+              <a:buClr>
+                <a:schemeClr val="accent3"/>
+              </a:buClr>
+              <a:buFont typeface="Arial" pitchFamily="34" charset="0"/>
+              <a:buChar char="•"/>
+              <a:defRPr sz="1400" kern="1200">
+                <a:solidFill>
+                  <a:schemeClr val="tx1"/>
+                </a:solidFill>
+                <a:latin typeface="+mn-lt"/>
+                <a:ea typeface="+mn-ea"/>
+                <a:cs typeface="+mn-cs"/>
+              </a:defRPr>
+            </a:lvl8pPr>
+            <a:lvl9pPr marL="2286000" indent="-182880" algn="l" defTabSz="914400" rtl="0" eaLnBrk="1" latinLnBrk="0" hangingPunct="1">
+              <a:spcBef>
+                <a:spcPct val="20000"/>
+              </a:spcBef>
+              <a:buClr>
+                <a:schemeClr val="accent4"/>
+              </a:buClr>
+              <a:buFont typeface="Arial" pitchFamily="34" charset="0"/>
+              <a:buChar char="•"/>
+              <a:defRPr sz="1400" kern="1200">
+                <a:solidFill>
+                  <a:schemeClr val="tx1"/>
+                </a:solidFill>
+                <a:latin typeface="+mn-lt"/>
+                <a:ea typeface="+mn-ea"/>
+                <a:cs typeface="+mn-cs"/>
+              </a:defRPr>
+            </a:lvl9pPr>
+          </a:lstStyle>
+          <a:p>
+            <a:endParaRPr lang="hu-HU" smtClean="0"/>
+          </a:p>
+          <a:p>
+            <a:pPr marL="114300" indent="0">
+              <a:buFont typeface="Arial" pitchFamily="34" charset="0"/>
+              <a:buNone/>
+            </a:pPr>
+            <a:endParaRPr lang="en-US"/>
+          </a:p>
+        </p:txBody>
+      </p:sp>
+      <p:sp>
+        <p:nvSpPr>
+          <p:cNvPr id="6" name="Content Placeholder 5"/>
+          <p:cNvSpPr>
+            <a:spLocks noGrp="1"/>
+          </p:cNvSpPr>
+          <p:nvPr>
+            <p:ph idx="1"/>
+          </p:nvPr>
+        </p:nvSpPr>
+        <p:spPr/>
+        <p:txBody>
+          <a:bodyPr>
+            <a:normAutofit/>
+          </a:bodyPr>
+          <a:lstStyle/>
+          <a:p>
+            <a:r>
+              <a:rPr lang="hu-HU" smtClean="0"/>
+              <a:t>...</a:t>
+            </a:r>
+            <a:endParaRPr lang="en-US" dirty="0" smtClean="0"/>
+          </a:p>
+        </p:txBody>
+      </p:sp>
+    </p:spTree>
+    <p:extLst>
+      <p:ext uri="{BB962C8B-B14F-4D97-AF65-F5344CB8AC3E}">
+        <p14:creationId xmlns:p14="http://schemas.microsoft.com/office/powerpoint/2010/main" val="2506917633"/>
+      </p:ext>
+    </p:extLst>
+  </p:cSld>
+  <p:clrMapOvr>
+    <a:masterClrMapping/>
+  </p:clrMapOvr>
+  <mc:AlternateContent xmlns:mc="http://schemas.openxmlformats.org/markup-compatibility/2006" xmlns:p14="http://schemas.microsoft.com/office/powerpoint/2010/main">
+    <mc:Choice Requires="p14">
+      <p:transition spd="slow" p14:dur="2000"/>
+    </mc:Choice>
+    <mc:Fallback xmlns="">
+      <p:transition spd="slow"/>
+    </mc:Fallback>
+  </mc:AlternateContent>
+  <p:timing>
+    <p:tnLst>
+      <p:par>
+        <p:cTn id="1" dur="indefinite" restart="never" nodeType="tmRoot"/>
+      </p:par>
+    </p:tnLst>
+  </p:timing>
+</p:sld>
+</file>
+
 <file path=ppt/slides/slide2.xml><?xml version="1.0" encoding="utf-8"?>
 <p:sld xmlns:a="http://schemas.openxmlformats.org/drawingml/2006/main" xmlns:r="http://schemas.openxmlformats.org/officeDocument/2006/relationships" xmlns:p="http://schemas.openxmlformats.org/presentationml/2006/main">
   <p:cSld>
@@ -4060,7 +4382,11 @@
           <a:p>
             <a:r>
               <a:rPr lang="hu-HU" smtClean="0"/>
-              <a:t>TO-BE</a:t>
+              <a:t>TO-BE </a:t>
+            </a:r>
+            <a:r>
+              <a:rPr lang="hu-HU" sz="2400" smtClean="0"/>
+              <a:t>(many REST, but not the same...)</a:t>
             </a:r>
             <a:endParaRPr lang="en-US" dirty="0"/>
           </a:p>
@@ -5653,11 +5979,7 @@
             </a:r>
             <a:r>
               <a:rPr lang="en-US"/>
-              <a:t>such as add, delete, </a:t>
-            </a:r>
-            <a:r>
-              <a:rPr lang="en-US"/>
-              <a:t>and </a:t>
+              <a:t>such as add, delete, and </a:t>
             </a:r>
             <a:r>
               <a:rPr lang="en-US" smtClean="0"/>
@@ -5688,11 +6010,7 @@
             </a:r>
             <a:r>
               <a:rPr lang="en-US"/>
-              <a:t>and </a:t>
-            </a:r>
-            <a:r>
-              <a:rPr lang="en-US"/>
-              <a:t>programming </a:t>
+              <a:t>and programming </a:t>
             </a:r>
             <a:r>
               <a:rPr lang="en-US" smtClean="0"/>
@@ -6081,7 +6399,7 @@
       </p:pic>
       <p:pic>
         <p:nvPicPr>
-          <p:cNvPr id="18" name="Picture 17"/>
+          <p:cNvPr id="19" name="Picture 18"/>
           <p:cNvPicPr>
             <a:picLocks noChangeAspect="1"/>
           </p:cNvPicPr>
@@ -6095,13 +6413,13 @@
               </a:ext>
             </a:extLst>
           </a:blip>
-          <a:srcRect l="18644" r="13570"/>
+          <a:srcRect l="10912" r="16779"/>
           <a:stretch/>
         </p:blipFill>
         <p:spPr>
           <a:xfrm>
-            <a:off x="5338277" y="3771549"/>
-            <a:ext cx="889907" cy="1701188"/>
+            <a:off x="6498770" y="3771549"/>
+            <a:ext cx="949291" cy="1701188"/>
           </a:xfrm>
           <a:prstGeom prst="rect">
             <a:avLst/>
@@ -6110,27 +6428,28 @@
       </p:pic>
       <p:pic>
         <p:nvPicPr>
-          <p:cNvPr id="19" name="Picture 18"/>
+          <p:cNvPr id="20" name="Picture 19"/>
           <p:cNvPicPr>
             <a:picLocks noChangeAspect="1"/>
           </p:cNvPicPr>
           <p:nvPr/>
         </p:nvPicPr>
-        <p:blipFill rotWithShape="1">
-          <a:blip r:embed="rId9">
+        <p:blipFill>
+          <a:blip r:embed="rId9" cstate="print">
             <a:extLst>
               <a:ext uri="{28A0092B-C50C-407E-A947-70E740481C1C}">
                 <a14:useLocalDpi xmlns:a14="http://schemas.microsoft.com/office/drawing/2010/main" val="0"/>
               </a:ext>
             </a:extLst>
           </a:blip>
-          <a:srcRect l="10912" r="16779"/>
-          <a:stretch/>
+          <a:stretch>
+            <a:fillRect/>
+          </a:stretch>
         </p:blipFill>
         <p:spPr>
           <a:xfrm>
-            <a:off x="6498770" y="3771549"/>
-            <a:ext cx="949291" cy="1701188"/>
+            <a:off x="3708438" y="3771547"/>
+            <a:ext cx="1439466" cy="1701187"/>
           </a:xfrm>
           <a:prstGeom prst="rect">
             <a:avLst/>
@@ -6139,7 +6458,7 @@
       </p:pic>
       <p:pic>
         <p:nvPicPr>
-          <p:cNvPr id="20" name="Picture 19"/>
+          <p:cNvPr id="13" name="Picture 12"/>
           <p:cNvPicPr>
             <a:picLocks noChangeAspect="1"/>
           </p:cNvPicPr>
@@ -6159,8 +6478,8 @@
         </p:blipFill>
         <p:spPr>
           <a:xfrm>
-            <a:off x="3708438" y="3771547"/>
-            <a:ext cx="1439466" cy="1701187"/>
+            <a:off x="827584" y="3771548"/>
+            <a:ext cx="1008111" cy="1701187"/>
           </a:xfrm>
           <a:prstGeom prst="rect">
             <a:avLst/>
@@ -6169,7 +6488,7 @@
       </p:pic>
       <p:pic>
         <p:nvPicPr>
-          <p:cNvPr id="13" name="Picture 12"/>
+          <p:cNvPr id="15" name="Picture 14"/>
           <p:cNvPicPr>
             <a:picLocks noChangeAspect="1"/>
           </p:cNvPicPr>
@@ -6189,7 +6508,7 @@
         </p:blipFill>
         <p:spPr>
           <a:xfrm>
-            <a:off x="827584" y="3771548"/>
+            <a:off x="1403647" y="3771548"/>
             <a:ext cx="1008111" cy="1701187"/>
           </a:xfrm>
           <a:prstGeom prst="rect">
@@ -6199,7 +6518,7 @@
       </p:pic>
       <p:pic>
         <p:nvPicPr>
-          <p:cNvPr id="15" name="Picture 14"/>
+          <p:cNvPr id="12" name="Picture 11"/>
           <p:cNvPicPr>
             <a:picLocks noChangeAspect="1"/>
           </p:cNvPicPr>
@@ -6218,8 +6537,8 @@
           </a:stretch>
         </p:blipFill>
         <p:spPr>
-          <a:xfrm>
-            <a:off x="1403647" y="3771548"/>
+          <a:xfrm flipH="1">
+            <a:off x="1835695" y="3771548"/>
             <a:ext cx="1008111" cy="1701187"/>
           </a:xfrm>
           <a:prstGeom prst="rect">
@@ -6229,7 +6548,7 @@
       </p:pic>
       <p:pic>
         <p:nvPicPr>
-          <p:cNvPr id="12" name="Picture 11"/>
+          <p:cNvPr id="17" name="Picture 16"/>
           <p:cNvPicPr>
             <a:picLocks noChangeAspect="1"/>
           </p:cNvPicPr>
@@ -6248,18 +6567,100 @@
           </a:stretch>
         </p:blipFill>
         <p:spPr>
-          <a:xfrm flipH="1">
-            <a:off x="1835695" y="3771548"/>
-            <a:ext cx="1008111" cy="1701187"/>
+          <a:xfrm>
+            <a:off x="3131840" y="3772655"/>
+            <a:ext cx="1440000" cy="1701819"/>
           </a:xfrm>
           <a:prstGeom prst="rect">
             <a:avLst/>
           </a:prstGeom>
         </p:spPr>
       </p:pic>
+      <p:cxnSp>
+        <p:nvCxnSpPr>
+          <p:cNvPr id="21" name="Elbow Connector 20"/>
+          <p:cNvCxnSpPr>
+            <a:stCxn id="11" idx="2"/>
+            <a:endCxn id="3" idx="0"/>
+          </p:cNvCxnSpPr>
+          <p:nvPr/>
+        </p:nvCxnSpPr>
+        <p:spPr>
+          <a:xfrm rot="16200000" flipH="1">
+            <a:off x="4596141" y="2717234"/>
+            <a:ext cx="849451" cy="1264869"/>
+          </a:xfrm>
+          <a:prstGeom prst="bentConnector3">
+            <a:avLst>
+              <a:gd name="adj1" fmla="val 50000"/>
+            </a:avLst>
+          </a:prstGeom>
+          <a:ln w="12700">
+            <a:solidFill>
+              <a:schemeClr val="tx2"/>
+            </a:solidFill>
+            <a:prstDash val="dash"/>
+          </a:ln>
+        </p:spPr>
+        <p:style>
+          <a:lnRef idx="1">
+            <a:schemeClr val="accent5"/>
+          </a:lnRef>
+          <a:fillRef idx="2">
+            <a:schemeClr val="accent5"/>
+          </a:fillRef>
+          <a:effectRef idx="1">
+            <a:schemeClr val="accent5"/>
+          </a:effectRef>
+          <a:fontRef idx="minor">
+            <a:schemeClr val="dk1"/>
+          </a:fontRef>
+        </p:style>
+      </p:cxnSp>
+      <p:cxnSp>
+        <p:nvCxnSpPr>
+          <p:cNvPr id="24" name="Elbow Connector 23"/>
+          <p:cNvCxnSpPr>
+            <a:stCxn id="10" idx="2"/>
+            <a:endCxn id="3" idx="0"/>
+          </p:cNvCxnSpPr>
+          <p:nvPr/>
+        </p:nvCxnSpPr>
+        <p:spPr>
+          <a:xfrm rot="5400000">
+            <a:off x="5895152" y="2683093"/>
+            <a:ext cx="849451" cy="1333152"/>
+          </a:xfrm>
+          <a:prstGeom prst="bentConnector3">
+            <a:avLst>
+              <a:gd name="adj1" fmla="val 50000"/>
+            </a:avLst>
+          </a:prstGeom>
+          <a:ln w="12700">
+            <a:solidFill>
+              <a:schemeClr val="tx2"/>
+            </a:solidFill>
+            <a:prstDash val="dash"/>
+          </a:ln>
+        </p:spPr>
+        <p:style>
+          <a:lnRef idx="1">
+            <a:schemeClr val="accent5"/>
+          </a:lnRef>
+          <a:fillRef idx="2">
+            <a:schemeClr val="accent5"/>
+          </a:fillRef>
+          <a:effectRef idx="1">
+            <a:schemeClr val="accent5"/>
+          </a:effectRef>
+          <a:fontRef idx="minor">
+            <a:schemeClr val="dk1"/>
+          </a:fontRef>
+        </p:style>
+      </p:cxnSp>
       <p:pic>
         <p:nvPicPr>
-          <p:cNvPr id="17" name="Picture 16"/>
+          <p:cNvPr id="3" name="Picture 2"/>
           <p:cNvPicPr>
             <a:picLocks noChangeAspect="1"/>
           </p:cNvPicPr>
@@ -6279,96 +6680,14 @@
         </p:blipFill>
         <p:spPr>
           <a:xfrm>
-            <a:off x="3131840" y="3772655"/>
-            <a:ext cx="1440000" cy="1701819"/>
+            <a:off x="5076056" y="3774395"/>
+            <a:ext cx="1154490" cy="1700079"/>
           </a:xfrm>
           <a:prstGeom prst="rect">
             <a:avLst/>
           </a:prstGeom>
         </p:spPr>
       </p:pic>
-      <p:cxnSp>
-        <p:nvCxnSpPr>
-          <p:cNvPr id="21" name="Elbow Connector 20"/>
-          <p:cNvCxnSpPr>
-            <a:stCxn id="11" idx="2"/>
-            <a:endCxn id="18" idx="0"/>
-          </p:cNvCxnSpPr>
-          <p:nvPr/>
-        </p:nvCxnSpPr>
-        <p:spPr>
-          <a:xfrm rot="16200000" flipH="1">
-            <a:off x="4662529" y="2650846"/>
-            <a:ext cx="846605" cy="1394799"/>
-          </a:xfrm>
-          <a:prstGeom prst="bentConnector3">
-            <a:avLst>
-              <a:gd name="adj1" fmla="val 50000"/>
-            </a:avLst>
-          </a:prstGeom>
-          <a:ln w="12700">
-            <a:solidFill>
-              <a:schemeClr val="tx2"/>
-            </a:solidFill>
-            <a:prstDash val="dash"/>
-          </a:ln>
-        </p:spPr>
-        <p:style>
-          <a:lnRef idx="1">
-            <a:schemeClr val="accent5"/>
-          </a:lnRef>
-          <a:fillRef idx="2">
-            <a:schemeClr val="accent5"/>
-          </a:fillRef>
-          <a:effectRef idx="1">
-            <a:schemeClr val="accent5"/>
-          </a:effectRef>
-          <a:fontRef idx="minor">
-            <a:schemeClr val="dk1"/>
-          </a:fontRef>
-        </p:style>
-      </p:cxnSp>
-      <p:cxnSp>
-        <p:nvCxnSpPr>
-          <p:cNvPr id="24" name="Elbow Connector 23"/>
-          <p:cNvCxnSpPr>
-            <a:stCxn id="10" idx="2"/>
-            <a:endCxn id="18" idx="0"/>
-          </p:cNvCxnSpPr>
-          <p:nvPr/>
-        </p:nvCxnSpPr>
-        <p:spPr>
-          <a:xfrm rot="5400000">
-            <a:off x="5961540" y="2746635"/>
-            <a:ext cx="846605" cy="1203222"/>
-          </a:xfrm>
-          <a:prstGeom prst="bentConnector3">
-            <a:avLst>
-              <a:gd name="adj1" fmla="val 50000"/>
-            </a:avLst>
-          </a:prstGeom>
-          <a:ln w="12700">
-            <a:solidFill>
-              <a:schemeClr val="tx2"/>
-            </a:solidFill>
-            <a:prstDash val="dash"/>
-          </a:ln>
-        </p:spPr>
-        <p:style>
-          <a:lnRef idx="1">
-            <a:schemeClr val="accent5"/>
-          </a:lnRef>
-          <a:fillRef idx="2">
-            <a:schemeClr val="accent5"/>
-          </a:fillRef>
-          <a:effectRef idx="1">
-            <a:schemeClr val="accent5"/>
-          </a:effectRef>
-          <a:fontRef idx="minor">
-            <a:schemeClr val="dk1"/>
-          </a:fontRef>
-        </p:style>
-      </p:cxnSp>
     </p:spTree>
     <p:extLst>
       <p:ext uri="{BB962C8B-B14F-4D97-AF65-F5344CB8AC3E}">
@@ -7135,6 +7454,432 @@
     <p:extLst>
       <p:ext uri="{BB962C8B-B14F-4D97-AF65-F5344CB8AC3E}">
         <p14:creationId xmlns:p14="http://schemas.microsoft.com/office/powerpoint/2010/main" val="3254927925"/>
+      </p:ext>
+    </p:extLst>
+  </p:cSld>
+  <p:clrMapOvr>
+    <a:masterClrMapping/>
+  </p:clrMapOvr>
+  <mc:AlternateContent xmlns:mc="http://schemas.openxmlformats.org/markup-compatibility/2006" xmlns:p14="http://schemas.microsoft.com/office/powerpoint/2010/main">
+    <mc:Choice Requires="p14">
+      <p:transition spd="slow" p14:dur="2000"/>
+    </mc:Choice>
+    <mc:Fallback xmlns="">
+      <p:transition spd="slow"/>
+    </mc:Fallback>
+  </mc:AlternateContent>
+  <p:timing>
+    <p:tnLst>
+      <p:par>
+        <p:cTn id="1" dur="indefinite" restart="never" nodeType="tmRoot"/>
+      </p:par>
+    </p:tnLst>
+  </p:timing>
+</p:sld>
+</file>
+
+<file path=ppt/slides/slide9.xml><?xml version="1.0" encoding="utf-8"?>
+<p:sld xmlns:a="http://schemas.openxmlformats.org/drawingml/2006/main" xmlns:r="http://schemas.openxmlformats.org/officeDocument/2006/relationships" xmlns:p="http://schemas.openxmlformats.org/presentationml/2006/main">
+  <p:cSld>
+    <p:spTree>
+      <p:nvGrpSpPr>
+        <p:cNvPr id="1" name=""/>
+        <p:cNvGrpSpPr/>
+        <p:nvPr/>
+      </p:nvGrpSpPr>
+      <p:grpSpPr>
+        <a:xfrm>
+          <a:off x="0" y="0"/>
+          <a:ext cx="0" cy="0"/>
+          <a:chOff x="0" y="0"/>
+          <a:chExt cx="0" cy="0"/>
+        </a:xfrm>
+      </p:grpSpPr>
+      <p:sp>
+        <p:nvSpPr>
+          <p:cNvPr id="2" name="Title 1"/>
+          <p:cNvSpPr>
+            <a:spLocks noGrp="1"/>
+          </p:cNvSpPr>
+          <p:nvPr>
+            <p:ph type="title"/>
+          </p:nvPr>
+        </p:nvSpPr>
+        <p:spPr/>
+        <p:txBody>
+          <a:bodyPr/>
+          <a:lstStyle/>
+          <a:p>
+            <a:r>
+              <a:rPr lang="hu-HU" smtClean="0"/>
+              <a:t>#2 – HTTP Verbs</a:t>
+            </a:r>
+            <a:endParaRPr lang="en-US"/>
+          </a:p>
+        </p:txBody>
+      </p:sp>
+      <p:pic>
+        <p:nvPicPr>
+          <p:cNvPr id="4" name="Picture 3"/>
+          <p:cNvPicPr>
+            <a:picLocks noChangeAspect="1"/>
+          </p:cNvPicPr>
+          <p:nvPr/>
+        </p:nvPicPr>
+        <p:blipFill>
+          <a:blip r:embed="rId2" cstate="print">
+            <a:extLst>
+              <a:ext uri="{28A0092B-C50C-407E-A947-70E740481C1C}">
+                <a14:useLocalDpi xmlns:a14="http://schemas.microsoft.com/office/drawing/2010/main" val="0"/>
+              </a:ext>
+            </a:extLst>
+          </a:blip>
+          <a:stretch>
+            <a:fillRect/>
+          </a:stretch>
+        </p:blipFill>
+        <p:spPr>
+          <a:xfrm>
+            <a:off x="6876256" y="603053"/>
+            <a:ext cx="1440160" cy="480150"/>
+          </a:xfrm>
+          <a:prstGeom prst="rect">
+            <a:avLst/>
+          </a:prstGeom>
+        </p:spPr>
+      </p:pic>
+      <p:sp>
+        <p:nvSpPr>
+          <p:cNvPr id="5" name="Content Placeholder 2"/>
+          <p:cNvSpPr txBox="1">
+            <a:spLocks/>
+          </p:cNvSpPr>
+          <p:nvPr/>
+        </p:nvSpPr>
+        <p:spPr>
+          <a:xfrm>
+            <a:off x="609600" y="1752600"/>
+            <a:ext cx="7620000" cy="4800600"/>
+          </a:xfrm>
+          <a:prstGeom prst="rect">
+            <a:avLst/>
+          </a:prstGeom>
+        </p:spPr>
+        <p:txBody>
+          <a:bodyPr vert="horz" lIns="91440" tIns="45720" rIns="91440" bIns="45720" rtlCol="0">
+            <a:normAutofit/>
+          </a:bodyPr>
+          <a:lstStyle>
+            <a:lvl1pPr marL="342900" indent="-228600" algn="l" defTabSz="914400" rtl="0" eaLnBrk="1" latinLnBrk="0" hangingPunct="1">
+              <a:spcBef>
+                <a:spcPct val="20000"/>
+              </a:spcBef>
+              <a:buClr>
+                <a:schemeClr val="accent1"/>
+              </a:buClr>
+              <a:buFont typeface="Arial" pitchFamily="34" charset="0"/>
+              <a:buChar char="•"/>
+              <a:defRPr sz="2200" kern="1200">
+                <a:solidFill>
+                  <a:schemeClr val="tx1"/>
+                </a:solidFill>
+                <a:latin typeface="+mn-lt"/>
+                <a:ea typeface="+mn-ea"/>
+                <a:cs typeface="+mn-cs"/>
+              </a:defRPr>
+            </a:lvl1pPr>
+            <a:lvl2pPr marL="640080" indent="-228600" algn="l" defTabSz="914400" rtl="0" eaLnBrk="1" latinLnBrk="0" hangingPunct="1">
+              <a:spcBef>
+                <a:spcPct val="20000"/>
+              </a:spcBef>
+              <a:buClr>
+                <a:schemeClr val="accent2"/>
+              </a:buClr>
+              <a:buFont typeface="Arial" pitchFamily="34" charset="0"/>
+              <a:buChar char="•"/>
+              <a:defRPr sz="2000" kern="1200">
+                <a:solidFill>
+                  <a:schemeClr val="tx1"/>
+                </a:solidFill>
+                <a:latin typeface="+mn-lt"/>
+                <a:ea typeface="+mn-ea"/>
+                <a:cs typeface="+mn-cs"/>
+              </a:defRPr>
+            </a:lvl2pPr>
+            <a:lvl3pPr marL="1005840" indent="-228600" algn="l" defTabSz="914400" rtl="0" eaLnBrk="1" latinLnBrk="0" hangingPunct="1">
+              <a:spcBef>
+                <a:spcPct val="20000"/>
+              </a:spcBef>
+              <a:buClr>
+                <a:schemeClr val="accent3"/>
+              </a:buClr>
+              <a:buFont typeface="Arial" pitchFamily="34" charset="0"/>
+              <a:buChar char="•"/>
+              <a:defRPr sz="1800" kern="1200">
+                <a:solidFill>
+                  <a:schemeClr val="tx1"/>
+                </a:solidFill>
+                <a:latin typeface="+mn-lt"/>
+                <a:ea typeface="+mn-ea"/>
+                <a:cs typeface="+mn-cs"/>
+              </a:defRPr>
+            </a:lvl3pPr>
+            <a:lvl4pPr marL="1280160" indent="-228600" algn="l" defTabSz="914400" rtl="0" eaLnBrk="1" latinLnBrk="0" hangingPunct="1">
+              <a:spcBef>
+                <a:spcPct val="20000"/>
+              </a:spcBef>
+              <a:buClr>
+                <a:schemeClr val="accent4"/>
+              </a:buClr>
+              <a:buFont typeface="Arial" pitchFamily="34" charset="0"/>
+              <a:buChar char="•"/>
+              <a:defRPr sz="1600" kern="1200">
+                <a:solidFill>
+                  <a:schemeClr val="tx1"/>
+                </a:solidFill>
+                <a:latin typeface="+mn-lt"/>
+                <a:ea typeface="+mn-ea"/>
+                <a:cs typeface="+mn-cs"/>
+              </a:defRPr>
+            </a:lvl4pPr>
+            <a:lvl5pPr marL="1554480" indent="-228600" algn="l" defTabSz="914400" rtl="0" eaLnBrk="1" latinLnBrk="0" hangingPunct="1">
+              <a:spcBef>
+                <a:spcPct val="20000"/>
+              </a:spcBef>
+              <a:buClr>
+                <a:schemeClr val="accent5"/>
+              </a:buClr>
+              <a:buFont typeface="Arial" pitchFamily="34" charset="0"/>
+              <a:buChar char="•"/>
+              <a:defRPr sz="1400" kern="1200" baseline="0">
+                <a:solidFill>
+                  <a:schemeClr val="tx1"/>
+                </a:solidFill>
+                <a:latin typeface="+mn-lt"/>
+                <a:ea typeface="+mn-ea"/>
+                <a:cs typeface="+mn-cs"/>
+              </a:defRPr>
+            </a:lvl5pPr>
+            <a:lvl6pPr marL="1737360" indent="-182880" algn="l" defTabSz="914400" rtl="0" eaLnBrk="1" latinLnBrk="0" hangingPunct="1">
+              <a:spcBef>
+                <a:spcPct val="20000"/>
+              </a:spcBef>
+              <a:buClr>
+                <a:schemeClr val="accent1"/>
+              </a:buClr>
+              <a:buFont typeface="Arial" pitchFamily="34" charset="0"/>
+              <a:buChar char="•"/>
+              <a:defRPr sz="1400" kern="1200" baseline="0">
+                <a:solidFill>
+                  <a:schemeClr val="tx1"/>
+                </a:solidFill>
+                <a:latin typeface="+mn-lt"/>
+                <a:ea typeface="+mn-ea"/>
+                <a:cs typeface="+mn-cs"/>
+              </a:defRPr>
+            </a:lvl6pPr>
+            <a:lvl7pPr marL="1920240" indent="-182880" algn="l" defTabSz="914400" rtl="0" eaLnBrk="1" latinLnBrk="0" hangingPunct="1">
+              <a:spcBef>
+                <a:spcPct val="20000"/>
+              </a:spcBef>
+              <a:buClr>
+                <a:schemeClr val="accent2"/>
+              </a:buClr>
+              <a:buFont typeface="Arial" pitchFamily="34" charset="0"/>
+              <a:buChar char="•"/>
+              <a:defRPr sz="1400" kern="1200">
+                <a:solidFill>
+                  <a:schemeClr val="tx1"/>
+                </a:solidFill>
+                <a:latin typeface="+mn-lt"/>
+                <a:ea typeface="+mn-ea"/>
+                <a:cs typeface="+mn-cs"/>
+              </a:defRPr>
+            </a:lvl7pPr>
+            <a:lvl8pPr marL="2103120" indent="-182880" algn="l" defTabSz="914400" rtl="0" eaLnBrk="1" latinLnBrk="0" hangingPunct="1">
+              <a:spcBef>
+                <a:spcPct val="20000"/>
+              </a:spcBef>
+              <a:buClr>
+                <a:schemeClr val="accent3"/>
+              </a:buClr>
+              <a:buFont typeface="Arial" pitchFamily="34" charset="0"/>
+              <a:buChar char="•"/>
+              <a:defRPr sz="1400" kern="1200">
+                <a:solidFill>
+                  <a:schemeClr val="tx1"/>
+                </a:solidFill>
+                <a:latin typeface="+mn-lt"/>
+                <a:ea typeface="+mn-ea"/>
+                <a:cs typeface="+mn-cs"/>
+              </a:defRPr>
+            </a:lvl8pPr>
+            <a:lvl9pPr marL="2286000" indent="-182880" algn="l" defTabSz="914400" rtl="0" eaLnBrk="1" latinLnBrk="0" hangingPunct="1">
+              <a:spcBef>
+                <a:spcPct val="20000"/>
+              </a:spcBef>
+              <a:buClr>
+                <a:schemeClr val="accent4"/>
+              </a:buClr>
+              <a:buFont typeface="Arial" pitchFamily="34" charset="0"/>
+              <a:buChar char="•"/>
+              <a:defRPr sz="1400" kern="1200">
+                <a:solidFill>
+                  <a:schemeClr val="tx1"/>
+                </a:solidFill>
+                <a:latin typeface="+mn-lt"/>
+                <a:ea typeface="+mn-ea"/>
+                <a:cs typeface="+mn-cs"/>
+              </a:defRPr>
+            </a:lvl9pPr>
+          </a:lstStyle>
+          <a:p>
+            <a:endParaRPr lang="hu-HU" smtClean="0"/>
+          </a:p>
+          <a:p>
+            <a:pPr marL="114300" indent="0">
+              <a:buFont typeface="Arial" pitchFamily="34" charset="0"/>
+              <a:buNone/>
+            </a:pPr>
+            <a:endParaRPr lang="en-US"/>
+          </a:p>
+        </p:txBody>
+      </p:sp>
+      <p:sp>
+        <p:nvSpPr>
+          <p:cNvPr id="6" name="Content Placeholder 5"/>
+          <p:cNvSpPr>
+            <a:spLocks noGrp="1"/>
+          </p:cNvSpPr>
+          <p:nvPr>
+            <p:ph idx="1"/>
+          </p:nvPr>
+        </p:nvSpPr>
+        <p:spPr/>
+        <p:txBody>
+          <a:bodyPr>
+            <a:normAutofit/>
+          </a:bodyPr>
+          <a:lstStyle/>
+          <a:p>
+            <a:r>
+              <a:rPr lang="hu-HU" smtClean="0"/>
+              <a:t>Header</a:t>
+            </a:r>
+          </a:p>
+          <a:p>
+            <a:pPr lvl="1"/>
+            <a:r>
+              <a:rPr lang="hu-HU" smtClean="0"/>
+              <a:t>Accept : application/xml</a:t>
+            </a:r>
+          </a:p>
+          <a:p>
+            <a:pPr lvl="1"/>
+            <a:r>
+              <a:rPr lang="hu-HU" smtClean="0"/>
+              <a:t>Accept : application/json</a:t>
+            </a:r>
+            <a:endParaRPr lang="hu-HU" smtClean="0"/>
+          </a:p>
+          <a:p>
+            <a:r>
+              <a:rPr lang="en-US" smtClean="0"/>
+              <a:t>XML</a:t>
+            </a:r>
+            <a:r>
+              <a:rPr lang="hu-HU" smtClean="0"/>
+              <a:t> drawbacks</a:t>
+            </a:r>
+            <a:endParaRPr lang="en-US" dirty="0" smtClean="0"/>
+          </a:p>
+          <a:p>
+            <a:pPr lvl="1"/>
+            <a:r>
+              <a:rPr lang="en-US" dirty="0" smtClean="0"/>
+              <a:t>Additional annotations for JAXB:</a:t>
+            </a:r>
+          </a:p>
+          <a:p>
+            <a:pPr lvl="2"/>
+            <a:r>
+              <a:rPr lang="en-US" dirty="0" smtClean="0"/>
+              <a:t>@</a:t>
+            </a:r>
+            <a:r>
+              <a:rPr lang="en-US" dirty="0" err="1" smtClean="0"/>
+              <a:t>XmlRootElement</a:t>
+            </a:r>
+            <a:endParaRPr lang="en-US" dirty="0" smtClean="0"/>
+          </a:p>
+          <a:p>
+            <a:pPr lvl="2"/>
+            <a:r>
+              <a:rPr lang="en-US" dirty="0" smtClean="0"/>
+              <a:t>@</a:t>
+            </a:r>
+            <a:r>
+              <a:rPr lang="en-US" dirty="0" err="1" smtClean="0"/>
+              <a:t>XmlAttribute</a:t>
+            </a:r>
+            <a:endParaRPr lang="en-US" dirty="0" smtClean="0"/>
+          </a:p>
+          <a:p>
+            <a:pPr lvl="2"/>
+            <a:r>
+              <a:rPr lang="en-US" dirty="0" smtClean="0"/>
+              <a:t>@</a:t>
+            </a:r>
+            <a:r>
+              <a:rPr lang="en-US" dirty="0" err="1" smtClean="0"/>
+              <a:t>XmlElement</a:t>
+            </a:r>
+            <a:endParaRPr lang="en-US" dirty="0" smtClean="0"/>
+          </a:p>
+          <a:p>
+            <a:pPr lvl="1"/>
+            <a:r>
+              <a:rPr lang="en-US" dirty="0" smtClean="0"/>
+              <a:t>Element or attribute?</a:t>
+            </a:r>
+          </a:p>
+          <a:p>
+            <a:pPr lvl="1"/>
+            <a:r>
+              <a:rPr lang="en-US" dirty="0" smtClean="0"/>
+              <a:t>Empty default constructor required</a:t>
+            </a:r>
+          </a:p>
+          <a:p>
+            <a:pPr lvl="1"/>
+            <a:r>
+              <a:rPr lang="en-US" dirty="0" smtClean="0"/>
+              <a:t>Wrapper for returning </a:t>
+            </a:r>
+            <a:r>
+              <a:rPr lang="en-US" smtClean="0"/>
+              <a:t>lists required</a:t>
+            </a:r>
+            <a:endParaRPr lang="en-US" dirty="0" smtClean="0"/>
+          </a:p>
+          <a:p>
+            <a:pPr lvl="1"/>
+            <a:endParaRPr lang="en-US" dirty="0" smtClean="0"/>
+          </a:p>
+          <a:p>
+            <a:pPr lvl="2"/>
+            <a:endParaRPr lang="en-US" dirty="0" smtClean="0"/>
+          </a:p>
+          <a:p>
+            <a:pPr lvl="2"/>
+            <a:endParaRPr lang="en-US" dirty="0" smtClean="0"/>
+          </a:p>
+        </p:txBody>
+      </p:sp>
+    </p:spTree>
+    <p:extLst>
+      <p:ext uri="{BB962C8B-B14F-4D97-AF65-F5344CB8AC3E}">
+        <p14:creationId xmlns:p14="http://schemas.microsoft.com/office/powerpoint/2010/main" val="2502434713"/>
       </p:ext>
     </p:extLst>
   </p:cSld>

--- a/doc/RESTful API Design.pptx
+++ b/doc/RESTful API Design.pptx
@@ -10,11 +10,15 @@
     <p:sldId id="261" r:id="rId4"/>
     <p:sldId id="265" r:id="rId5"/>
     <p:sldId id="260" r:id="rId6"/>
-    <p:sldId id="262" r:id="rId7"/>
-    <p:sldId id="259" r:id="rId8"/>
+    <p:sldId id="259" r:id="rId7"/>
+    <p:sldId id="262" r:id="rId8"/>
     <p:sldId id="263" r:id="rId9"/>
     <p:sldId id="266" r:id="rId10"/>
-    <p:sldId id="267" r:id="rId11"/>
+    <p:sldId id="270" r:id="rId11"/>
+    <p:sldId id="269" r:id="rId12"/>
+    <p:sldId id="271" r:id="rId13"/>
+    <p:sldId id="267" r:id="rId14"/>
+    <p:sldId id="268" r:id="rId15"/>
   </p:sldIdLst>
   <p:sldSz cx="9144000" cy="6858000" type="screen4x3"/>
   <p:notesSz cx="6858000" cy="9144000"/>
@@ -310,7 +314,7 @@
           <a:p>
             <a:fld id="{8F790D7D-CD7D-4D5E-9011-97B269F6C972}" type="datetimeFigureOut">
               <a:rPr lang="en-US" smtClean="0"/>
-              <a:t>11/28/2014</a:t>
+              <a:t>12/1/2014</a:t>
             </a:fld>
             <a:endParaRPr lang="en-US"/>
           </a:p>
@@ -475,7 +479,7 @@
           <a:p>
             <a:fld id="{8F790D7D-CD7D-4D5E-9011-97B269F6C972}" type="datetimeFigureOut">
               <a:rPr lang="en-US" smtClean="0"/>
-              <a:t>11/28/2014</a:t>
+              <a:t>12/1/2014</a:t>
             </a:fld>
             <a:endParaRPr lang="en-US"/>
           </a:p>
@@ -650,7 +654,7 @@
           <a:p>
             <a:fld id="{8F790D7D-CD7D-4D5E-9011-97B269F6C972}" type="datetimeFigureOut">
               <a:rPr lang="en-US" smtClean="0"/>
-              <a:t>11/28/2014</a:t>
+              <a:t>12/1/2014</a:t>
             </a:fld>
             <a:endParaRPr lang="en-US"/>
           </a:p>
@@ -815,7 +819,7 @@
           <a:p>
             <a:fld id="{8F790D7D-CD7D-4D5E-9011-97B269F6C972}" type="datetimeFigureOut">
               <a:rPr lang="en-US" smtClean="0"/>
-              <a:t>11/28/2014</a:t>
+              <a:t>12/1/2014</a:t>
             </a:fld>
             <a:endParaRPr lang="en-US"/>
           </a:p>
@@ -1056,7 +1060,7 @@
           <a:p>
             <a:fld id="{8F790D7D-CD7D-4D5E-9011-97B269F6C972}" type="datetimeFigureOut">
               <a:rPr lang="en-US" smtClean="0"/>
-              <a:t>11/28/2014</a:t>
+              <a:t>12/1/2014</a:t>
             </a:fld>
             <a:endParaRPr lang="en-US"/>
           </a:p>
@@ -1339,7 +1343,7 @@
           <a:p>
             <a:fld id="{8F790D7D-CD7D-4D5E-9011-97B269F6C972}" type="datetimeFigureOut">
               <a:rPr lang="en-US" smtClean="0"/>
-              <a:t>11/28/2014</a:t>
+              <a:t>12/1/2014</a:t>
             </a:fld>
             <a:endParaRPr lang="en-US"/>
           </a:p>
@@ -1768,7 +1772,7 @@
           <a:p>
             <a:fld id="{8F790D7D-CD7D-4D5E-9011-97B269F6C972}" type="datetimeFigureOut">
               <a:rPr lang="en-US" smtClean="0"/>
-              <a:t>11/28/2014</a:t>
+              <a:t>12/1/2014</a:t>
             </a:fld>
             <a:endParaRPr lang="en-US"/>
           </a:p>
@@ -1881,7 +1885,7 @@
           <a:p>
             <a:fld id="{8F790D7D-CD7D-4D5E-9011-97B269F6C972}" type="datetimeFigureOut">
               <a:rPr lang="en-US" smtClean="0"/>
-              <a:t>11/28/2014</a:t>
+              <a:t>12/1/2014</a:t>
             </a:fld>
             <a:endParaRPr lang="en-US"/>
           </a:p>
@@ -1971,7 +1975,7 @@
           <a:p>
             <a:fld id="{8F790D7D-CD7D-4D5E-9011-97B269F6C972}" type="datetimeFigureOut">
               <a:rPr lang="en-US" smtClean="0"/>
-              <a:t>11/28/2014</a:t>
+              <a:t>12/1/2014</a:t>
             </a:fld>
             <a:endParaRPr lang="en-US"/>
           </a:p>
@@ -2160,7 +2164,7 @@
           <a:p>
             <a:fld id="{8F790D7D-CD7D-4D5E-9011-97B269F6C972}" type="datetimeFigureOut">
               <a:rPr lang="en-US" smtClean="0"/>
-              <a:t>11/28/2014</a:t>
+              <a:t>12/1/2014</a:t>
             </a:fld>
             <a:endParaRPr lang="en-US"/>
           </a:p>
@@ -2478,7 +2482,7 @@
           <a:p>
             <a:fld id="{8F790D7D-CD7D-4D5E-9011-97B269F6C972}" type="datetimeFigureOut">
               <a:rPr lang="en-US" smtClean="0"/>
-              <a:t>11/28/2014</a:t>
+              <a:t>12/1/2014</a:t>
             </a:fld>
             <a:endParaRPr lang="en-US"/>
           </a:p>
@@ -2857,7 +2861,7 @@
           <a:p>
             <a:fld id="{8F790D7D-CD7D-4D5E-9011-97B269F6C972}" type="datetimeFigureOut">
               <a:rPr lang="en-US" smtClean="0"/>
-              <a:t>11/28/2014</a:t>
+              <a:t>12/1/2014</a:t>
             </a:fld>
             <a:endParaRPr lang="en-US"/>
           </a:p>
@@ -3320,9 +3324,155 @@
           <a:p>
             <a:r>
               <a:rPr lang="hu-HU" smtClean="0"/>
-              <a:t>#3 – Hypermedia</a:t>
+              <a:t>#2 – HTTP Verbs</a:t>
             </a:r>
             <a:endParaRPr lang="en-US"/>
+          </a:p>
+        </p:txBody>
+      </p:sp>
+      <p:sp>
+        <p:nvSpPr>
+          <p:cNvPr id="8" name="Content Placeholder 7"/>
+          <p:cNvSpPr>
+            <a:spLocks noGrp="1"/>
+          </p:cNvSpPr>
+          <p:nvPr>
+            <p:ph sz="half" idx="1"/>
+          </p:nvPr>
+        </p:nvSpPr>
+        <p:spPr/>
+        <p:txBody>
+          <a:bodyPr/>
+          <a:lstStyle/>
+          <a:p>
+            <a:r>
+              <a:rPr lang="en-US" sz="2000" smtClean="0"/>
+              <a:t>/myrest/v2/manager/1</a:t>
+            </a:r>
+          </a:p>
+          <a:p>
+            <a:endParaRPr lang="en-US"/>
+          </a:p>
+        </p:txBody>
+      </p:sp>
+      <p:sp>
+        <p:nvSpPr>
+          <p:cNvPr id="9" name="Content Placeholder 8"/>
+          <p:cNvSpPr>
+            <a:spLocks noGrp="1"/>
+          </p:cNvSpPr>
+          <p:nvPr>
+            <p:ph sz="half" idx="2"/>
+          </p:nvPr>
+        </p:nvSpPr>
+        <p:spPr/>
+        <p:txBody>
+          <a:bodyPr/>
+          <a:lstStyle/>
+          <a:p>
+            <a:pPr marL="114300" indent="0">
+              <a:buNone/>
+            </a:pPr>
+            <a:endParaRPr lang="hu-HU" sz="1600" smtClean="0"/>
+          </a:p>
+          <a:p>
+            <a:r>
+              <a:rPr lang="en-US" sz="1600" b="1" smtClean="0"/>
+              <a:t>Manager resource</a:t>
+            </a:r>
+            <a:endParaRPr lang="hu-HU" sz="1600" b="1" smtClean="0"/>
+          </a:p>
+          <a:p>
+            <a:endParaRPr lang="en-US" sz="1600" smtClean="0"/>
+          </a:p>
+          <a:p>
+            <a:r>
+              <a:rPr lang="en-US" sz="1600" smtClean="0"/>
+              <a:t>What is the id</a:t>
+            </a:r>
+            <a:r>
+              <a:rPr lang="hu-HU" sz="1600" smtClean="0"/>
+              <a:t>?</a:t>
+            </a:r>
+            <a:r>
+              <a:rPr lang="en-US" sz="1600" smtClean="0"/>
+              <a:t> </a:t>
+            </a:r>
+            <a:r>
+              <a:rPr lang="hu-HU" sz="1600" smtClean="0"/>
+              <a:t>(</a:t>
+            </a:r>
+            <a:r>
+              <a:rPr lang="en-US" sz="1600" smtClean="0"/>
+              <a:t>id</a:t>
+            </a:r>
+            <a:r>
+              <a:rPr lang="hu-HU" sz="1600" smtClean="0"/>
+              <a:t>, name, extension?) </a:t>
+            </a:r>
+          </a:p>
+          <a:p>
+            <a:r>
+              <a:rPr lang="hu-HU" sz="1600" smtClean="0"/>
+              <a:t>Looks like an Assistant </a:t>
+            </a:r>
+            <a:r>
+              <a:rPr lang="hu-HU" sz="1600"/>
+              <a:t>resource?</a:t>
+            </a:r>
+            <a:endParaRPr lang="hu-HU" sz="1600" smtClean="0"/>
+          </a:p>
+          <a:p>
+            <a:r>
+              <a:rPr lang="hu-HU" sz="1600" smtClean="0"/>
+              <a:t>What is the relation between manager and assistant?</a:t>
+            </a:r>
+          </a:p>
+          <a:p>
+            <a:r>
+              <a:rPr lang="hu-HU" sz="1600" smtClean="0"/>
+              <a:t>How to nevigate to assistants?</a:t>
+            </a:r>
+          </a:p>
+          <a:p>
+            <a:pPr lvl="1"/>
+            <a:r>
+              <a:rPr lang="hu-HU" sz="1200" smtClean="0"/>
+              <a:t>myrest/v2/manager/2/assistants</a:t>
+            </a:r>
+          </a:p>
+          <a:p>
+            <a:pPr lvl="1"/>
+            <a:r>
+              <a:rPr lang="hu-HU" sz="1200" smtClean="0"/>
+              <a:t>myrest/v2/assistants/?manager=1</a:t>
+            </a:r>
+          </a:p>
+          <a:p>
+            <a:endParaRPr lang="hu-HU" sz="1600" smtClean="0"/>
+          </a:p>
+          <a:p>
+            <a:r>
+              <a:rPr lang="hu-HU" sz="1600" smtClean="0"/>
+              <a:t>Level 2 solution </a:t>
+            </a:r>
+          </a:p>
+          <a:p>
+            <a:pPr lvl="1"/>
+            <a:r>
+              <a:rPr lang="hu-HU" sz="1200" smtClean="0"/>
+              <a:t>User Documentation</a:t>
+            </a:r>
+          </a:p>
+          <a:p>
+            <a:pPr lvl="1"/>
+            <a:r>
+              <a:rPr lang="hu-HU" sz="1200" smtClean="0"/>
+              <a:t>WADL (SOAP-WSDL style architecture)</a:t>
+            </a:r>
+          </a:p>
+          <a:p>
+            <a:endParaRPr lang="en-US" sz="1600"/>
           </a:p>
         </p:txBody>
       </p:sp>
@@ -3553,6 +3703,371 @@
           </a:p>
         </p:txBody>
       </p:sp>
+      <p:pic>
+        <p:nvPicPr>
+          <p:cNvPr id="13" name="Picture 4"/>
+          <p:cNvPicPr>
+            <a:picLocks noChangeAspect="1" noChangeArrowheads="1"/>
+          </p:cNvPicPr>
+          <p:nvPr/>
+        </p:nvPicPr>
+        <p:blipFill>
+          <a:blip r:embed="rId3">
+            <a:extLst>
+              <a:ext uri="{28A0092B-C50C-407E-A947-70E740481C1C}">
+                <a14:useLocalDpi xmlns:a14="http://schemas.microsoft.com/office/drawing/2010/main" val="0"/>
+              </a:ext>
+            </a:extLst>
+          </a:blip>
+          <a:srcRect/>
+          <a:stretch>
+            <a:fillRect/>
+          </a:stretch>
+        </p:blipFill>
+        <p:spPr bwMode="auto">
+          <a:xfrm>
+            <a:off x="609600" y="2127613"/>
+            <a:ext cx="2858754" cy="4050573"/>
+          </a:xfrm>
+          <a:prstGeom prst="rect">
+            <a:avLst/>
+          </a:prstGeom>
+          <a:noFill/>
+          <a:ln>
+            <a:noFill/>
+          </a:ln>
+          <a:extLst>
+            <a:ext uri="{909E8E84-426E-40DD-AFC4-6F175D3DCCD1}">
+              <a14:hiddenFill xmlns:a14="http://schemas.microsoft.com/office/drawing/2010/main">
+                <a:solidFill>
+                  <a:schemeClr val="accent1"/>
+                </a:solidFill>
+              </a14:hiddenFill>
+            </a:ext>
+            <a:ext uri="{91240B29-F687-4F45-9708-019B960494DF}">
+              <a14:hiddenLine xmlns:a14="http://schemas.microsoft.com/office/drawing/2010/main" w="9525">
+                <a:solidFill>
+                  <a:schemeClr val="tx1"/>
+                </a:solidFill>
+                <a:miter lim="800000"/>
+                <a:headEnd/>
+                <a:tailEnd/>
+              </a14:hiddenLine>
+            </a:ext>
+          </a:extLst>
+        </p:spPr>
+      </p:pic>
+    </p:spTree>
+    <p:extLst>
+      <p:ext uri="{BB962C8B-B14F-4D97-AF65-F5344CB8AC3E}">
+        <p14:creationId xmlns:p14="http://schemas.microsoft.com/office/powerpoint/2010/main" val="1807565866"/>
+      </p:ext>
+    </p:extLst>
+  </p:cSld>
+  <p:clrMapOvr>
+    <a:masterClrMapping/>
+  </p:clrMapOvr>
+  <mc:AlternateContent xmlns:mc="http://schemas.openxmlformats.org/markup-compatibility/2006" xmlns:p14="http://schemas.microsoft.com/office/powerpoint/2010/main">
+    <mc:Choice Requires="p14">
+      <p:transition spd="slow" p14:dur="2000"/>
+    </mc:Choice>
+    <mc:Fallback xmlns="">
+      <p:transition spd="slow"/>
+    </mc:Fallback>
+  </mc:AlternateContent>
+  <p:timing>
+    <p:tnLst>
+      <p:par>
+        <p:cTn id="1" dur="indefinite" restart="never" nodeType="tmRoot"/>
+      </p:par>
+    </p:tnLst>
+  </p:timing>
+</p:sld>
+</file>
+
+<file path=ppt/slides/slide11.xml><?xml version="1.0" encoding="utf-8"?>
+<p:sld xmlns:a="http://schemas.openxmlformats.org/drawingml/2006/main" xmlns:r="http://schemas.openxmlformats.org/officeDocument/2006/relationships" xmlns:p="http://schemas.openxmlformats.org/presentationml/2006/main">
+  <p:cSld>
+    <p:spTree>
+      <p:nvGrpSpPr>
+        <p:cNvPr id="1" name=""/>
+        <p:cNvGrpSpPr/>
+        <p:nvPr/>
+      </p:nvGrpSpPr>
+      <p:grpSpPr>
+        <a:xfrm>
+          <a:off x="0" y="0"/>
+          <a:ext cx="0" cy="0"/>
+          <a:chOff x="0" y="0"/>
+          <a:chExt cx="0" cy="0"/>
+        </a:xfrm>
+      </p:grpSpPr>
+      <p:sp>
+        <p:nvSpPr>
+          <p:cNvPr id="2" name="Title 1"/>
+          <p:cNvSpPr>
+            <a:spLocks noGrp="1"/>
+          </p:cNvSpPr>
+          <p:nvPr>
+            <p:ph type="title"/>
+          </p:nvPr>
+        </p:nvSpPr>
+        <p:spPr/>
+        <p:txBody>
+          <a:bodyPr/>
+          <a:lstStyle/>
+          <a:p>
+            <a:r>
+              <a:rPr lang="hu-HU" smtClean="0"/>
+              <a:t>#</a:t>
+            </a:r>
+            <a:r>
+              <a:rPr lang="en-US" smtClean="0"/>
+              <a:t>3</a:t>
+            </a:r>
+            <a:r>
+              <a:rPr lang="hu-HU" smtClean="0"/>
+              <a:t> </a:t>
+            </a:r>
+            <a:r>
+              <a:rPr lang="hu-HU" smtClean="0"/>
+              <a:t>– </a:t>
+            </a:r>
+            <a:r>
+              <a:rPr lang="en-US" smtClean="0"/>
+              <a:t>Hypermedia controls</a:t>
+            </a:r>
+            <a:endParaRPr lang="en-US"/>
+          </a:p>
+        </p:txBody>
+      </p:sp>
+      <p:pic>
+        <p:nvPicPr>
+          <p:cNvPr id="4" name="Picture 3"/>
+          <p:cNvPicPr>
+            <a:picLocks noChangeAspect="1"/>
+          </p:cNvPicPr>
+          <p:nvPr/>
+        </p:nvPicPr>
+        <p:blipFill>
+          <a:blip r:embed="rId2" cstate="print">
+            <a:extLst>
+              <a:ext uri="{28A0092B-C50C-407E-A947-70E740481C1C}">
+                <a14:useLocalDpi xmlns:a14="http://schemas.microsoft.com/office/drawing/2010/main" val="0"/>
+              </a:ext>
+            </a:extLst>
+          </a:blip>
+          <a:stretch>
+            <a:fillRect/>
+          </a:stretch>
+        </p:blipFill>
+        <p:spPr>
+          <a:xfrm>
+            <a:off x="6876256" y="603053"/>
+            <a:ext cx="1440160" cy="480150"/>
+          </a:xfrm>
+          <a:prstGeom prst="rect">
+            <a:avLst/>
+          </a:prstGeom>
+        </p:spPr>
+      </p:pic>
+      <p:sp>
+        <p:nvSpPr>
+          <p:cNvPr id="5" name="Content Placeholder 2"/>
+          <p:cNvSpPr txBox="1">
+            <a:spLocks/>
+          </p:cNvSpPr>
+          <p:nvPr/>
+        </p:nvSpPr>
+        <p:spPr>
+          <a:xfrm>
+            <a:off x="609600" y="1752600"/>
+            <a:ext cx="7620000" cy="4800600"/>
+          </a:xfrm>
+          <a:prstGeom prst="rect">
+            <a:avLst/>
+          </a:prstGeom>
+        </p:spPr>
+        <p:txBody>
+          <a:bodyPr vert="horz" lIns="91440" tIns="45720" rIns="91440" bIns="45720" rtlCol="0">
+            <a:normAutofit/>
+          </a:bodyPr>
+          <a:lstStyle>
+            <a:lvl1pPr marL="342900" indent="-228600" algn="l" defTabSz="914400" rtl="0" eaLnBrk="1" latinLnBrk="0" hangingPunct="1">
+              <a:spcBef>
+                <a:spcPct val="20000"/>
+              </a:spcBef>
+              <a:buClr>
+                <a:schemeClr val="accent1"/>
+              </a:buClr>
+              <a:buFont typeface="Arial" pitchFamily="34" charset="0"/>
+              <a:buChar char="•"/>
+              <a:defRPr sz="2200" kern="1200">
+                <a:solidFill>
+                  <a:schemeClr val="tx1"/>
+                </a:solidFill>
+                <a:latin typeface="+mn-lt"/>
+                <a:ea typeface="+mn-ea"/>
+                <a:cs typeface="+mn-cs"/>
+              </a:defRPr>
+            </a:lvl1pPr>
+            <a:lvl2pPr marL="640080" indent="-228600" algn="l" defTabSz="914400" rtl="0" eaLnBrk="1" latinLnBrk="0" hangingPunct="1">
+              <a:spcBef>
+                <a:spcPct val="20000"/>
+              </a:spcBef>
+              <a:buClr>
+                <a:schemeClr val="accent2"/>
+              </a:buClr>
+              <a:buFont typeface="Arial" pitchFamily="34" charset="0"/>
+              <a:buChar char="•"/>
+              <a:defRPr sz="2000" kern="1200">
+                <a:solidFill>
+                  <a:schemeClr val="tx1"/>
+                </a:solidFill>
+                <a:latin typeface="+mn-lt"/>
+                <a:ea typeface="+mn-ea"/>
+                <a:cs typeface="+mn-cs"/>
+              </a:defRPr>
+            </a:lvl2pPr>
+            <a:lvl3pPr marL="1005840" indent="-228600" algn="l" defTabSz="914400" rtl="0" eaLnBrk="1" latinLnBrk="0" hangingPunct="1">
+              <a:spcBef>
+                <a:spcPct val="20000"/>
+              </a:spcBef>
+              <a:buClr>
+                <a:schemeClr val="accent3"/>
+              </a:buClr>
+              <a:buFont typeface="Arial" pitchFamily="34" charset="0"/>
+              <a:buChar char="•"/>
+              <a:defRPr sz="1800" kern="1200">
+                <a:solidFill>
+                  <a:schemeClr val="tx1"/>
+                </a:solidFill>
+                <a:latin typeface="+mn-lt"/>
+                <a:ea typeface="+mn-ea"/>
+                <a:cs typeface="+mn-cs"/>
+              </a:defRPr>
+            </a:lvl3pPr>
+            <a:lvl4pPr marL="1280160" indent="-228600" algn="l" defTabSz="914400" rtl="0" eaLnBrk="1" latinLnBrk="0" hangingPunct="1">
+              <a:spcBef>
+                <a:spcPct val="20000"/>
+              </a:spcBef>
+              <a:buClr>
+                <a:schemeClr val="accent4"/>
+              </a:buClr>
+              <a:buFont typeface="Arial" pitchFamily="34" charset="0"/>
+              <a:buChar char="•"/>
+              <a:defRPr sz="1600" kern="1200">
+                <a:solidFill>
+                  <a:schemeClr val="tx1"/>
+                </a:solidFill>
+                <a:latin typeface="+mn-lt"/>
+                <a:ea typeface="+mn-ea"/>
+                <a:cs typeface="+mn-cs"/>
+              </a:defRPr>
+            </a:lvl4pPr>
+            <a:lvl5pPr marL="1554480" indent="-228600" algn="l" defTabSz="914400" rtl="0" eaLnBrk="1" latinLnBrk="0" hangingPunct="1">
+              <a:spcBef>
+                <a:spcPct val="20000"/>
+              </a:spcBef>
+              <a:buClr>
+                <a:schemeClr val="accent5"/>
+              </a:buClr>
+              <a:buFont typeface="Arial" pitchFamily="34" charset="0"/>
+              <a:buChar char="•"/>
+              <a:defRPr sz="1400" kern="1200" baseline="0">
+                <a:solidFill>
+                  <a:schemeClr val="tx1"/>
+                </a:solidFill>
+                <a:latin typeface="+mn-lt"/>
+                <a:ea typeface="+mn-ea"/>
+                <a:cs typeface="+mn-cs"/>
+              </a:defRPr>
+            </a:lvl5pPr>
+            <a:lvl6pPr marL="1737360" indent="-182880" algn="l" defTabSz="914400" rtl="0" eaLnBrk="1" latinLnBrk="0" hangingPunct="1">
+              <a:spcBef>
+                <a:spcPct val="20000"/>
+              </a:spcBef>
+              <a:buClr>
+                <a:schemeClr val="accent1"/>
+              </a:buClr>
+              <a:buFont typeface="Arial" pitchFamily="34" charset="0"/>
+              <a:buChar char="•"/>
+              <a:defRPr sz="1400" kern="1200" baseline="0">
+                <a:solidFill>
+                  <a:schemeClr val="tx1"/>
+                </a:solidFill>
+                <a:latin typeface="+mn-lt"/>
+                <a:ea typeface="+mn-ea"/>
+                <a:cs typeface="+mn-cs"/>
+              </a:defRPr>
+            </a:lvl6pPr>
+            <a:lvl7pPr marL="1920240" indent="-182880" algn="l" defTabSz="914400" rtl="0" eaLnBrk="1" latinLnBrk="0" hangingPunct="1">
+              <a:spcBef>
+                <a:spcPct val="20000"/>
+              </a:spcBef>
+              <a:buClr>
+                <a:schemeClr val="accent2"/>
+              </a:buClr>
+              <a:buFont typeface="Arial" pitchFamily="34" charset="0"/>
+              <a:buChar char="•"/>
+              <a:defRPr sz="1400" kern="1200">
+                <a:solidFill>
+                  <a:schemeClr val="tx1"/>
+                </a:solidFill>
+                <a:latin typeface="+mn-lt"/>
+                <a:ea typeface="+mn-ea"/>
+                <a:cs typeface="+mn-cs"/>
+              </a:defRPr>
+            </a:lvl7pPr>
+            <a:lvl8pPr marL="2103120" indent="-182880" algn="l" defTabSz="914400" rtl="0" eaLnBrk="1" latinLnBrk="0" hangingPunct="1">
+              <a:spcBef>
+                <a:spcPct val="20000"/>
+              </a:spcBef>
+              <a:buClr>
+                <a:schemeClr val="accent3"/>
+              </a:buClr>
+              <a:buFont typeface="Arial" pitchFamily="34" charset="0"/>
+              <a:buChar char="•"/>
+              <a:defRPr sz="1400" kern="1200">
+                <a:solidFill>
+                  <a:schemeClr val="tx1"/>
+                </a:solidFill>
+                <a:latin typeface="+mn-lt"/>
+                <a:ea typeface="+mn-ea"/>
+                <a:cs typeface="+mn-cs"/>
+              </a:defRPr>
+            </a:lvl8pPr>
+            <a:lvl9pPr marL="2286000" indent="-182880" algn="l" defTabSz="914400" rtl="0" eaLnBrk="1" latinLnBrk="0" hangingPunct="1">
+              <a:spcBef>
+                <a:spcPct val="20000"/>
+              </a:spcBef>
+              <a:buClr>
+                <a:schemeClr val="accent4"/>
+              </a:buClr>
+              <a:buFont typeface="Arial" pitchFamily="34" charset="0"/>
+              <a:buChar char="•"/>
+              <a:defRPr sz="1400" kern="1200">
+                <a:solidFill>
+                  <a:schemeClr val="tx1"/>
+                </a:solidFill>
+                <a:latin typeface="+mn-lt"/>
+                <a:ea typeface="+mn-ea"/>
+                <a:cs typeface="+mn-cs"/>
+              </a:defRPr>
+            </a:lvl9pPr>
+          </a:lstStyle>
+          <a:p>
+            <a:endParaRPr lang="hu-HU" smtClean="0"/>
+          </a:p>
+          <a:p>
+            <a:pPr marL="114300" indent="0">
+              <a:buFont typeface="Arial" pitchFamily="34" charset="0"/>
+              <a:buNone/>
+            </a:pPr>
+            <a:endParaRPr lang="en-US"/>
+          </a:p>
+        </p:txBody>
+      </p:sp>
       <p:sp>
         <p:nvSpPr>
           <p:cNvPr id="6" name="Content Placeholder 5"/>
@@ -3571,9 +4086,803 @@
           <a:lstStyle/>
           <a:p>
             <a:r>
+              <a:rPr lang="en-US" b="1" smtClean="0"/>
+              <a:t>HATEOAS</a:t>
+            </a:r>
+          </a:p>
+          <a:p>
+            <a:pPr lvl="1"/>
+            <a:r>
+              <a:rPr lang="en-US" b="1" smtClean="0"/>
+              <a:t>Hypermedia As The Engine Of Application State</a:t>
+            </a:r>
+          </a:p>
+          <a:p>
+            <a:pPr lvl="1"/>
+            <a:endParaRPr lang="en-US"/>
+          </a:p>
+          <a:p>
+            <a:r>
+              <a:rPr lang="en-US" smtClean="0"/>
+              <a:t>The client does not know have built-in knowledge of how to navigate/manipulate the model</a:t>
+            </a:r>
+          </a:p>
+          <a:p>
+            <a:r>
+              <a:rPr lang="en-US" smtClean="0"/>
+              <a:t>Instead server provides that dynamically</a:t>
+            </a:r>
+          </a:p>
+          <a:p>
+            <a:r>
+              <a:rPr lang="en-US" smtClean="0"/>
+              <a:t>Media types and Link Rel</a:t>
+            </a:r>
+            <a:r>
               <a:rPr lang="hu-HU" smtClean="0"/>
-              <a:t>...</a:t>
-            </a:r>
+              <a:t>a</a:t>
+            </a:r>
+            <a:r>
+              <a:rPr lang="en-US" smtClean="0"/>
+              <a:t>tions</a:t>
+            </a:r>
+          </a:p>
+          <a:p>
+            <a:pPr lvl="1"/>
+            <a:r>
+              <a:rPr lang="en-US" smtClean="0"/>
+              <a:t>Client descrtibe what it wants to have with </a:t>
+            </a:r>
+            <a:r>
+              <a:rPr lang="en-US" i="1" smtClean="0"/>
+              <a:t>Accept</a:t>
+            </a:r>
+            <a:r>
+              <a:rPr lang="en-US" smtClean="0"/>
+              <a:t> header</a:t>
+            </a:r>
+          </a:p>
+          <a:p>
+            <a:pPr lvl="1"/>
+            <a:r>
+              <a:rPr lang="en-US" smtClean="0"/>
+              <a:t>Server (and client during PUT, POST) describes what is in the body with </a:t>
+            </a:r>
+            <a:r>
+              <a:rPr lang="en-US" i="1" smtClean="0"/>
+              <a:t>Content-Type</a:t>
+            </a:r>
+            <a:r>
+              <a:rPr lang="en-US" smtClean="0"/>
+              <a:t> header</a:t>
+            </a:r>
+          </a:p>
+          <a:p>
+            <a:pPr lvl="1"/>
+            <a:endParaRPr lang="en-US" dirty="0" smtClean="0"/>
+          </a:p>
+          <a:p>
+            <a:pPr lvl="2"/>
+            <a:endParaRPr lang="en-US" dirty="0" smtClean="0"/>
+          </a:p>
+          <a:p>
+            <a:pPr lvl="2"/>
+            <a:endParaRPr lang="en-US" dirty="0" smtClean="0"/>
+          </a:p>
+        </p:txBody>
+      </p:sp>
+    </p:spTree>
+    <p:extLst>
+      <p:ext uri="{BB962C8B-B14F-4D97-AF65-F5344CB8AC3E}">
+        <p14:creationId xmlns:p14="http://schemas.microsoft.com/office/powerpoint/2010/main" val="1807565866"/>
+      </p:ext>
+    </p:extLst>
+  </p:cSld>
+  <p:clrMapOvr>
+    <a:masterClrMapping/>
+  </p:clrMapOvr>
+  <mc:AlternateContent xmlns:mc="http://schemas.openxmlformats.org/markup-compatibility/2006" xmlns:p14="http://schemas.microsoft.com/office/powerpoint/2010/main">
+    <mc:Choice Requires="p14">
+      <p:transition spd="slow" p14:dur="2000"/>
+    </mc:Choice>
+    <mc:Fallback xmlns="">
+      <p:transition spd="slow"/>
+    </mc:Fallback>
+  </mc:AlternateContent>
+  <p:timing>
+    <p:tnLst>
+      <p:par>
+        <p:cTn id="1" dur="indefinite" restart="never" nodeType="tmRoot"/>
+      </p:par>
+    </p:tnLst>
+  </p:timing>
+</p:sld>
+</file>
+
+<file path=ppt/slides/slide12.xml><?xml version="1.0" encoding="utf-8"?>
+<p:sld xmlns:a="http://schemas.openxmlformats.org/drawingml/2006/main" xmlns:r="http://schemas.openxmlformats.org/officeDocument/2006/relationships" xmlns:p="http://schemas.openxmlformats.org/presentationml/2006/main">
+  <p:cSld>
+    <p:spTree>
+      <p:nvGrpSpPr>
+        <p:cNvPr id="1" name=""/>
+        <p:cNvGrpSpPr/>
+        <p:nvPr/>
+      </p:nvGrpSpPr>
+      <p:grpSpPr>
+        <a:xfrm>
+          <a:off x="0" y="0"/>
+          <a:ext cx="0" cy="0"/>
+          <a:chOff x="0" y="0"/>
+          <a:chExt cx="0" cy="0"/>
+        </a:xfrm>
+      </p:grpSpPr>
+      <p:sp>
+        <p:nvSpPr>
+          <p:cNvPr id="2" name="Title 1"/>
+          <p:cNvSpPr>
+            <a:spLocks noGrp="1"/>
+          </p:cNvSpPr>
+          <p:nvPr>
+            <p:ph type="title"/>
+          </p:nvPr>
+        </p:nvSpPr>
+        <p:spPr/>
+        <p:txBody>
+          <a:bodyPr/>
+          <a:lstStyle/>
+          <a:p>
+            <a:r>
+              <a:rPr lang="hu-HU" smtClean="0"/>
+              <a:t>#</a:t>
+            </a:r>
+            <a:r>
+              <a:rPr lang="en-US" smtClean="0"/>
+              <a:t>3</a:t>
+            </a:r>
+            <a:r>
+              <a:rPr lang="hu-HU" smtClean="0"/>
+              <a:t> </a:t>
+            </a:r>
+            <a:r>
+              <a:rPr lang="hu-HU" smtClean="0"/>
+              <a:t>– </a:t>
+            </a:r>
+            <a:r>
+              <a:rPr lang="en-US" smtClean="0"/>
+              <a:t>Hypermedia controls</a:t>
+            </a:r>
+            <a:endParaRPr lang="en-US"/>
+          </a:p>
+        </p:txBody>
+      </p:sp>
+      <p:pic>
+        <p:nvPicPr>
+          <p:cNvPr id="4" name="Picture 3"/>
+          <p:cNvPicPr>
+            <a:picLocks noChangeAspect="1"/>
+          </p:cNvPicPr>
+          <p:nvPr/>
+        </p:nvPicPr>
+        <p:blipFill>
+          <a:blip r:embed="rId2" cstate="print">
+            <a:extLst>
+              <a:ext uri="{28A0092B-C50C-407E-A947-70E740481C1C}">
+                <a14:useLocalDpi xmlns:a14="http://schemas.microsoft.com/office/drawing/2010/main" val="0"/>
+              </a:ext>
+            </a:extLst>
+          </a:blip>
+          <a:stretch>
+            <a:fillRect/>
+          </a:stretch>
+        </p:blipFill>
+        <p:spPr>
+          <a:xfrm>
+            <a:off x="6876256" y="603053"/>
+            <a:ext cx="1440160" cy="480150"/>
+          </a:xfrm>
+          <a:prstGeom prst="rect">
+            <a:avLst/>
+          </a:prstGeom>
+        </p:spPr>
+      </p:pic>
+      <p:sp>
+        <p:nvSpPr>
+          <p:cNvPr id="5" name="Content Placeholder 2"/>
+          <p:cNvSpPr txBox="1">
+            <a:spLocks/>
+          </p:cNvSpPr>
+          <p:nvPr/>
+        </p:nvSpPr>
+        <p:spPr>
+          <a:xfrm>
+            <a:off x="609600" y="1752600"/>
+            <a:ext cx="7620000" cy="4800600"/>
+          </a:xfrm>
+          <a:prstGeom prst="rect">
+            <a:avLst/>
+          </a:prstGeom>
+        </p:spPr>
+        <p:txBody>
+          <a:bodyPr vert="horz" lIns="91440" tIns="45720" rIns="91440" bIns="45720" rtlCol="0">
+            <a:normAutofit/>
+          </a:bodyPr>
+          <a:lstStyle>
+            <a:lvl1pPr marL="342900" indent="-228600" algn="l" defTabSz="914400" rtl="0" eaLnBrk="1" latinLnBrk="0" hangingPunct="1">
+              <a:spcBef>
+                <a:spcPct val="20000"/>
+              </a:spcBef>
+              <a:buClr>
+                <a:schemeClr val="accent1"/>
+              </a:buClr>
+              <a:buFont typeface="Arial" pitchFamily="34" charset="0"/>
+              <a:buChar char="•"/>
+              <a:defRPr sz="2200" kern="1200">
+                <a:solidFill>
+                  <a:schemeClr val="tx1"/>
+                </a:solidFill>
+                <a:latin typeface="+mn-lt"/>
+                <a:ea typeface="+mn-ea"/>
+                <a:cs typeface="+mn-cs"/>
+              </a:defRPr>
+            </a:lvl1pPr>
+            <a:lvl2pPr marL="640080" indent="-228600" algn="l" defTabSz="914400" rtl="0" eaLnBrk="1" latinLnBrk="0" hangingPunct="1">
+              <a:spcBef>
+                <a:spcPct val="20000"/>
+              </a:spcBef>
+              <a:buClr>
+                <a:schemeClr val="accent2"/>
+              </a:buClr>
+              <a:buFont typeface="Arial" pitchFamily="34" charset="0"/>
+              <a:buChar char="•"/>
+              <a:defRPr sz="2000" kern="1200">
+                <a:solidFill>
+                  <a:schemeClr val="tx1"/>
+                </a:solidFill>
+                <a:latin typeface="+mn-lt"/>
+                <a:ea typeface="+mn-ea"/>
+                <a:cs typeface="+mn-cs"/>
+              </a:defRPr>
+            </a:lvl2pPr>
+            <a:lvl3pPr marL="1005840" indent="-228600" algn="l" defTabSz="914400" rtl="0" eaLnBrk="1" latinLnBrk="0" hangingPunct="1">
+              <a:spcBef>
+                <a:spcPct val="20000"/>
+              </a:spcBef>
+              <a:buClr>
+                <a:schemeClr val="accent3"/>
+              </a:buClr>
+              <a:buFont typeface="Arial" pitchFamily="34" charset="0"/>
+              <a:buChar char="•"/>
+              <a:defRPr sz="1800" kern="1200">
+                <a:solidFill>
+                  <a:schemeClr val="tx1"/>
+                </a:solidFill>
+                <a:latin typeface="+mn-lt"/>
+                <a:ea typeface="+mn-ea"/>
+                <a:cs typeface="+mn-cs"/>
+              </a:defRPr>
+            </a:lvl3pPr>
+            <a:lvl4pPr marL="1280160" indent="-228600" algn="l" defTabSz="914400" rtl="0" eaLnBrk="1" latinLnBrk="0" hangingPunct="1">
+              <a:spcBef>
+                <a:spcPct val="20000"/>
+              </a:spcBef>
+              <a:buClr>
+                <a:schemeClr val="accent4"/>
+              </a:buClr>
+              <a:buFont typeface="Arial" pitchFamily="34" charset="0"/>
+              <a:buChar char="•"/>
+              <a:defRPr sz="1600" kern="1200">
+                <a:solidFill>
+                  <a:schemeClr val="tx1"/>
+                </a:solidFill>
+                <a:latin typeface="+mn-lt"/>
+                <a:ea typeface="+mn-ea"/>
+                <a:cs typeface="+mn-cs"/>
+              </a:defRPr>
+            </a:lvl4pPr>
+            <a:lvl5pPr marL="1554480" indent="-228600" algn="l" defTabSz="914400" rtl="0" eaLnBrk="1" latinLnBrk="0" hangingPunct="1">
+              <a:spcBef>
+                <a:spcPct val="20000"/>
+              </a:spcBef>
+              <a:buClr>
+                <a:schemeClr val="accent5"/>
+              </a:buClr>
+              <a:buFont typeface="Arial" pitchFamily="34" charset="0"/>
+              <a:buChar char="•"/>
+              <a:defRPr sz="1400" kern="1200" baseline="0">
+                <a:solidFill>
+                  <a:schemeClr val="tx1"/>
+                </a:solidFill>
+                <a:latin typeface="+mn-lt"/>
+                <a:ea typeface="+mn-ea"/>
+                <a:cs typeface="+mn-cs"/>
+              </a:defRPr>
+            </a:lvl5pPr>
+            <a:lvl6pPr marL="1737360" indent="-182880" algn="l" defTabSz="914400" rtl="0" eaLnBrk="1" latinLnBrk="0" hangingPunct="1">
+              <a:spcBef>
+                <a:spcPct val="20000"/>
+              </a:spcBef>
+              <a:buClr>
+                <a:schemeClr val="accent1"/>
+              </a:buClr>
+              <a:buFont typeface="Arial" pitchFamily="34" charset="0"/>
+              <a:buChar char="•"/>
+              <a:defRPr sz="1400" kern="1200" baseline="0">
+                <a:solidFill>
+                  <a:schemeClr val="tx1"/>
+                </a:solidFill>
+                <a:latin typeface="+mn-lt"/>
+                <a:ea typeface="+mn-ea"/>
+                <a:cs typeface="+mn-cs"/>
+              </a:defRPr>
+            </a:lvl6pPr>
+            <a:lvl7pPr marL="1920240" indent="-182880" algn="l" defTabSz="914400" rtl="0" eaLnBrk="1" latinLnBrk="0" hangingPunct="1">
+              <a:spcBef>
+                <a:spcPct val="20000"/>
+              </a:spcBef>
+              <a:buClr>
+                <a:schemeClr val="accent2"/>
+              </a:buClr>
+              <a:buFont typeface="Arial" pitchFamily="34" charset="0"/>
+              <a:buChar char="•"/>
+              <a:defRPr sz="1400" kern="1200">
+                <a:solidFill>
+                  <a:schemeClr val="tx1"/>
+                </a:solidFill>
+                <a:latin typeface="+mn-lt"/>
+                <a:ea typeface="+mn-ea"/>
+                <a:cs typeface="+mn-cs"/>
+              </a:defRPr>
+            </a:lvl7pPr>
+            <a:lvl8pPr marL="2103120" indent="-182880" algn="l" defTabSz="914400" rtl="0" eaLnBrk="1" latinLnBrk="0" hangingPunct="1">
+              <a:spcBef>
+                <a:spcPct val="20000"/>
+              </a:spcBef>
+              <a:buClr>
+                <a:schemeClr val="accent3"/>
+              </a:buClr>
+              <a:buFont typeface="Arial" pitchFamily="34" charset="0"/>
+              <a:buChar char="•"/>
+              <a:defRPr sz="1400" kern="1200">
+                <a:solidFill>
+                  <a:schemeClr val="tx1"/>
+                </a:solidFill>
+                <a:latin typeface="+mn-lt"/>
+                <a:ea typeface="+mn-ea"/>
+                <a:cs typeface="+mn-cs"/>
+              </a:defRPr>
+            </a:lvl8pPr>
+            <a:lvl9pPr marL="2286000" indent="-182880" algn="l" defTabSz="914400" rtl="0" eaLnBrk="1" latinLnBrk="0" hangingPunct="1">
+              <a:spcBef>
+                <a:spcPct val="20000"/>
+              </a:spcBef>
+              <a:buClr>
+                <a:schemeClr val="accent4"/>
+              </a:buClr>
+              <a:buFont typeface="Arial" pitchFamily="34" charset="0"/>
+              <a:buChar char="•"/>
+              <a:defRPr sz="1400" kern="1200">
+                <a:solidFill>
+                  <a:schemeClr val="tx1"/>
+                </a:solidFill>
+                <a:latin typeface="+mn-lt"/>
+                <a:ea typeface="+mn-ea"/>
+                <a:cs typeface="+mn-cs"/>
+              </a:defRPr>
+            </a:lvl9pPr>
+          </a:lstStyle>
+          <a:p>
+            <a:endParaRPr lang="hu-HU" smtClean="0"/>
+          </a:p>
+          <a:p>
+            <a:pPr marL="114300" indent="0">
+              <a:buFont typeface="Arial" pitchFamily="34" charset="0"/>
+              <a:buNone/>
+            </a:pPr>
+            <a:endParaRPr lang="en-US"/>
+          </a:p>
+        </p:txBody>
+      </p:sp>
+      <p:sp>
+        <p:nvSpPr>
+          <p:cNvPr id="6" name="Content Placeholder 5"/>
+          <p:cNvSpPr>
+            <a:spLocks noGrp="1"/>
+          </p:cNvSpPr>
+          <p:nvPr>
+            <p:ph idx="1"/>
+          </p:nvPr>
+        </p:nvSpPr>
+        <p:spPr/>
+        <p:txBody>
+          <a:bodyPr>
+            <a:normAutofit/>
+          </a:bodyPr>
+          <a:lstStyle/>
+          <a:p>
+            <a:endParaRPr lang="en-US" smtClean="0"/>
+          </a:p>
+          <a:p>
+            <a:pPr lvl="1"/>
+            <a:endParaRPr lang="en-US" dirty="0" smtClean="0"/>
+          </a:p>
+          <a:p>
+            <a:pPr lvl="2"/>
+            <a:endParaRPr lang="en-US" dirty="0" smtClean="0"/>
+          </a:p>
+          <a:p>
+            <a:pPr lvl="2"/>
+            <a:endParaRPr lang="en-US" dirty="0" smtClean="0"/>
+          </a:p>
+        </p:txBody>
+      </p:sp>
+    </p:spTree>
+    <p:extLst>
+      <p:ext uri="{BB962C8B-B14F-4D97-AF65-F5344CB8AC3E}">
+        <p14:creationId xmlns:p14="http://schemas.microsoft.com/office/powerpoint/2010/main" val="1517171302"/>
+      </p:ext>
+    </p:extLst>
+  </p:cSld>
+  <p:clrMapOvr>
+    <a:masterClrMapping/>
+  </p:clrMapOvr>
+  <mc:AlternateContent xmlns:mc="http://schemas.openxmlformats.org/markup-compatibility/2006" xmlns:p14="http://schemas.microsoft.com/office/powerpoint/2010/main">
+    <mc:Choice Requires="p14">
+      <p:transition spd="slow" p14:dur="2000"/>
+    </mc:Choice>
+    <mc:Fallback xmlns="">
+      <p:transition spd="slow"/>
+    </mc:Fallback>
+  </mc:AlternateContent>
+  <p:timing>
+    <p:tnLst>
+      <p:par>
+        <p:cTn id="1" dur="indefinite" restart="never" nodeType="tmRoot"/>
+      </p:par>
+    </p:tnLst>
+  </p:timing>
+</p:sld>
+</file>
+
+<file path=ppt/slides/slide13.xml><?xml version="1.0" encoding="utf-8"?>
+<p:sld xmlns:a="http://schemas.openxmlformats.org/drawingml/2006/main" xmlns:r="http://schemas.openxmlformats.org/officeDocument/2006/relationships" xmlns:p="http://schemas.openxmlformats.org/presentationml/2006/main">
+  <p:cSld>
+    <p:spTree>
+      <p:nvGrpSpPr>
+        <p:cNvPr id="1" name=""/>
+        <p:cNvGrpSpPr/>
+        <p:nvPr/>
+      </p:nvGrpSpPr>
+      <p:grpSpPr>
+        <a:xfrm>
+          <a:off x="0" y="0"/>
+          <a:ext cx="0" cy="0"/>
+          <a:chOff x="0" y="0"/>
+          <a:chExt cx="0" cy="0"/>
+        </a:xfrm>
+      </p:grpSpPr>
+      <p:sp>
+        <p:nvSpPr>
+          <p:cNvPr id="2" name="Title 1"/>
+          <p:cNvSpPr>
+            <a:spLocks noGrp="1"/>
+          </p:cNvSpPr>
+          <p:nvPr>
+            <p:ph type="title"/>
+          </p:nvPr>
+        </p:nvSpPr>
+        <p:spPr/>
+        <p:txBody>
+          <a:bodyPr/>
+          <a:lstStyle/>
+          <a:p>
+            <a:r>
+              <a:rPr lang="en-US" smtClean="0"/>
+              <a:t>References</a:t>
+            </a:r>
+            <a:endParaRPr lang="en-US"/>
+          </a:p>
+        </p:txBody>
+      </p:sp>
+      <p:pic>
+        <p:nvPicPr>
+          <p:cNvPr id="4" name="Picture 3"/>
+          <p:cNvPicPr>
+            <a:picLocks noChangeAspect="1"/>
+          </p:cNvPicPr>
+          <p:nvPr/>
+        </p:nvPicPr>
+        <p:blipFill>
+          <a:blip r:embed="rId2" cstate="print">
+            <a:extLst>
+              <a:ext uri="{28A0092B-C50C-407E-A947-70E740481C1C}">
+                <a14:useLocalDpi xmlns:a14="http://schemas.microsoft.com/office/drawing/2010/main" val="0"/>
+              </a:ext>
+            </a:extLst>
+          </a:blip>
+          <a:stretch>
+            <a:fillRect/>
+          </a:stretch>
+        </p:blipFill>
+        <p:spPr>
+          <a:xfrm>
+            <a:off x="6876256" y="603053"/>
+            <a:ext cx="1440160" cy="480150"/>
+          </a:xfrm>
+          <a:prstGeom prst="rect">
+            <a:avLst/>
+          </a:prstGeom>
+        </p:spPr>
+      </p:pic>
+      <p:sp>
+        <p:nvSpPr>
+          <p:cNvPr id="5" name="Content Placeholder 2"/>
+          <p:cNvSpPr txBox="1">
+            <a:spLocks/>
+          </p:cNvSpPr>
+          <p:nvPr/>
+        </p:nvSpPr>
+        <p:spPr>
+          <a:xfrm>
+            <a:off x="609600" y="1752600"/>
+            <a:ext cx="7620000" cy="4800600"/>
+          </a:xfrm>
+          <a:prstGeom prst="rect">
+            <a:avLst/>
+          </a:prstGeom>
+        </p:spPr>
+        <p:txBody>
+          <a:bodyPr vert="horz" lIns="91440" tIns="45720" rIns="91440" bIns="45720" rtlCol="0">
+            <a:normAutofit/>
+          </a:bodyPr>
+          <a:lstStyle>
+            <a:lvl1pPr marL="342900" indent="-228600" algn="l" defTabSz="914400" rtl="0" eaLnBrk="1" latinLnBrk="0" hangingPunct="1">
+              <a:spcBef>
+                <a:spcPct val="20000"/>
+              </a:spcBef>
+              <a:buClr>
+                <a:schemeClr val="accent1"/>
+              </a:buClr>
+              <a:buFont typeface="Arial" pitchFamily="34" charset="0"/>
+              <a:buChar char="•"/>
+              <a:defRPr sz="2200" kern="1200">
+                <a:solidFill>
+                  <a:schemeClr val="tx1"/>
+                </a:solidFill>
+                <a:latin typeface="+mn-lt"/>
+                <a:ea typeface="+mn-ea"/>
+                <a:cs typeface="+mn-cs"/>
+              </a:defRPr>
+            </a:lvl1pPr>
+            <a:lvl2pPr marL="640080" indent="-228600" algn="l" defTabSz="914400" rtl="0" eaLnBrk="1" latinLnBrk="0" hangingPunct="1">
+              <a:spcBef>
+                <a:spcPct val="20000"/>
+              </a:spcBef>
+              <a:buClr>
+                <a:schemeClr val="accent2"/>
+              </a:buClr>
+              <a:buFont typeface="Arial" pitchFamily="34" charset="0"/>
+              <a:buChar char="•"/>
+              <a:defRPr sz="2000" kern="1200">
+                <a:solidFill>
+                  <a:schemeClr val="tx1"/>
+                </a:solidFill>
+                <a:latin typeface="+mn-lt"/>
+                <a:ea typeface="+mn-ea"/>
+                <a:cs typeface="+mn-cs"/>
+              </a:defRPr>
+            </a:lvl2pPr>
+            <a:lvl3pPr marL="1005840" indent="-228600" algn="l" defTabSz="914400" rtl="0" eaLnBrk="1" latinLnBrk="0" hangingPunct="1">
+              <a:spcBef>
+                <a:spcPct val="20000"/>
+              </a:spcBef>
+              <a:buClr>
+                <a:schemeClr val="accent3"/>
+              </a:buClr>
+              <a:buFont typeface="Arial" pitchFamily="34" charset="0"/>
+              <a:buChar char="•"/>
+              <a:defRPr sz="1800" kern="1200">
+                <a:solidFill>
+                  <a:schemeClr val="tx1"/>
+                </a:solidFill>
+                <a:latin typeface="+mn-lt"/>
+                <a:ea typeface="+mn-ea"/>
+                <a:cs typeface="+mn-cs"/>
+              </a:defRPr>
+            </a:lvl3pPr>
+            <a:lvl4pPr marL="1280160" indent="-228600" algn="l" defTabSz="914400" rtl="0" eaLnBrk="1" latinLnBrk="0" hangingPunct="1">
+              <a:spcBef>
+                <a:spcPct val="20000"/>
+              </a:spcBef>
+              <a:buClr>
+                <a:schemeClr val="accent4"/>
+              </a:buClr>
+              <a:buFont typeface="Arial" pitchFamily="34" charset="0"/>
+              <a:buChar char="•"/>
+              <a:defRPr sz="1600" kern="1200">
+                <a:solidFill>
+                  <a:schemeClr val="tx1"/>
+                </a:solidFill>
+                <a:latin typeface="+mn-lt"/>
+                <a:ea typeface="+mn-ea"/>
+                <a:cs typeface="+mn-cs"/>
+              </a:defRPr>
+            </a:lvl4pPr>
+            <a:lvl5pPr marL="1554480" indent="-228600" algn="l" defTabSz="914400" rtl="0" eaLnBrk="1" latinLnBrk="0" hangingPunct="1">
+              <a:spcBef>
+                <a:spcPct val="20000"/>
+              </a:spcBef>
+              <a:buClr>
+                <a:schemeClr val="accent5"/>
+              </a:buClr>
+              <a:buFont typeface="Arial" pitchFamily="34" charset="0"/>
+              <a:buChar char="•"/>
+              <a:defRPr sz="1400" kern="1200" baseline="0">
+                <a:solidFill>
+                  <a:schemeClr val="tx1"/>
+                </a:solidFill>
+                <a:latin typeface="+mn-lt"/>
+                <a:ea typeface="+mn-ea"/>
+                <a:cs typeface="+mn-cs"/>
+              </a:defRPr>
+            </a:lvl5pPr>
+            <a:lvl6pPr marL="1737360" indent="-182880" algn="l" defTabSz="914400" rtl="0" eaLnBrk="1" latinLnBrk="0" hangingPunct="1">
+              <a:spcBef>
+                <a:spcPct val="20000"/>
+              </a:spcBef>
+              <a:buClr>
+                <a:schemeClr val="accent1"/>
+              </a:buClr>
+              <a:buFont typeface="Arial" pitchFamily="34" charset="0"/>
+              <a:buChar char="•"/>
+              <a:defRPr sz="1400" kern="1200" baseline="0">
+                <a:solidFill>
+                  <a:schemeClr val="tx1"/>
+                </a:solidFill>
+                <a:latin typeface="+mn-lt"/>
+                <a:ea typeface="+mn-ea"/>
+                <a:cs typeface="+mn-cs"/>
+              </a:defRPr>
+            </a:lvl6pPr>
+            <a:lvl7pPr marL="1920240" indent="-182880" algn="l" defTabSz="914400" rtl="0" eaLnBrk="1" latinLnBrk="0" hangingPunct="1">
+              <a:spcBef>
+                <a:spcPct val="20000"/>
+              </a:spcBef>
+              <a:buClr>
+                <a:schemeClr val="accent2"/>
+              </a:buClr>
+              <a:buFont typeface="Arial" pitchFamily="34" charset="0"/>
+              <a:buChar char="•"/>
+              <a:defRPr sz="1400" kern="1200">
+                <a:solidFill>
+                  <a:schemeClr val="tx1"/>
+                </a:solidFill>
+                <a:latin typeface="+mn-lt"/>
+                <a:ea typeface="+mn-ea"/>
+                <a:cs typeface="+mn-cs"/>
+              </a:defRPr>
+            </a:lvl7pPr>
+            <a:lvl8pPr marL="2103120" indent="-182880" algn="l" defTabSz="914400" rtl="0" eaLnBrk="1" latinLnBrk="0" hangingPunct="1">
+              <a:spcBef>
+                <a:spcPct val="20000"/>
+              </a:spcBef>
+              <a:buClr>
+                <a:schemeClr val="accent3"/>
+              </a:buClr>
+              <a:buFont typeface="Arial" pitchFamily="34" charset="0"/>
+              <a:buChar char="•"/>
+              <a:defRPr sz="1400" kern="1200">
+                <a:solidFill>
+                  <a:schemeClr val="tx1"/>
+                </a:solidFill>
+                <a:latin typeface="+mn-lt"/>
+                <a:ea typeface="+mn-ea"/>
+                <a:cs typeface="+mn-cs"/>
+              </a:defRPr>
+            </a:lvl8pPr>
+            <a:lvl9pPr marL="2286000" indent="-182880" algn="l" defTabSz="914400" rtl="0" eaLnBrk="1" latinLnBrk="0" hangingPunct="1">
+              <a:spcBef>
+                <a:spcPct val="20000"/>
+              </a:spcBef>
+              <a:buClr>
+                <a:schemeClr val="accent4"/>
+              </a:buClr>
+              <a:buFont typeface="Arial" pitchFamily="34" charset="0"/>
+              <a:buChar char="•"/>
+              <a:defRPr sz="1400" kern="1200">
+                <a:solidFill>
+                  <a:schemeClr val="tx1"/>
+                </a:solidFill>
+                <a:latin typeface="+mn-lt"/>
+                <a:ea typeface="+mn-ea"/>
+                <a:cs typeface="+mn-cs"/>
+              </a:defRPr>
+            </a:lvl9pPr>
+          </a:lstStyle>
+          <a:p>
+            <a:endParaRPr lang="hu-HU" smtClean="0"/>
+          </a:p>
+          <a:p>
+            <a:pPr marL="114300" indent="0">
+              <a:buFont typeface="Arial" pitchFamily="34" charset="0"/>
+              <a:buNone/>
+            </a:pPr>
+            <a:endParaRPr lang="en-US"/>
+          </a:p>
+        </p:txBody>
+      </p:sp>
+      <p:sp>
+        <p:nvSpPr>
+          <p:cNvPr id="6" name="Content Placeholder 5"/>
+          <p:cNvSpPr>
+            <a:spLocks noGrp="1"/>
+          </p:cNvSpPr>
+          <p:nvPr>
+            <p:ph idx="1"/>
+          </p:nvPr>
+        </p:nvSpPr>
+        <p:spPr/>
+        <p:txBody>
+          <a:bodyPr>
+            <a:normAutofit/>
+          </a:bodyPr>
+          <a:lstStyle/>
+          <a:p>
+            <a:r>
+              <a:rPr lang="en-US"/>
+              <a:t>Github</a:t>
+            </a:r>
+          </a:p>
+          <a:p>
+            <a:pPr lvl="1"/>
+            <a:r>
+              <a:rPr lang="en-US">
+                <a:hlinkClick r:id="rId3"/>
+              </a:rPr>
+              <a:t>https://github.com/istibekesi/my-restful-api</a:t>
+            </a:r>
+            <a:endParaRPr lang="en-US"/>
+          </a:p>
+          <a:p>
+            <a:r>
+              <a:rPr lang="en-US" smtClean="0"/>
+              <a:t>Various Spring modules</a:t>
+            </a:r>
+          </a:p>
+          <a:p>
+            <a:pPr lvl="1"/>
+            <a:r>
+              <a:rPr lang="en-US" smtClean="0"/>
+              <a:t>Spring MVC</a:t>
+            </a:r>
+          </a:p>
+          <a:p>
+            <a:pPr lvl="1"/>
+            <a:r>
+              <a:rPr lang="en-US" smtClean="0"/>
+              <a:t>Spring HATEOAS</a:t>
+            </a:r>
+          </a:p>
+          <a:p>
+            <a:pPr lvl="1"/>
+            <a:r>
+              <a:rPr lang="en-US" smtClean="0"/>
+              <a:t>Spring Boot</a:t>
+            </a:r>
+          </a:p>
+          <a:p>
+            <a:pPr lvl="1"/>
+            <a:r>
+              <a:rPr lang="en-US" smtClean="0"/>
+              <a:t>Spring Loaded</a:t>
+            </a:r>
+          </a:p>
+          <a:p>
+            <a:r>
+              <a:rPr lang="en-US" smtClean="0"/>
+              <a:t>POSTman – REST plugin for Chrome</a:t>
+            </a:r>
+          </a:p>
+          <a:p>
             <a:endParaRPr lang="en-US" dirty="0" smtClean="0"/>
           </a:p>
         </p:txBody>
@@ -3582,6 +4891,543 @@
     <p:extLst>
       <p:ext uri="{BB962C8B-B14F-4D97-AF65-F5344CB8AC3E}">
         <p14:creationId xmlns:p14="http://schemas.microsoft.com/office/powerpoint/2010/main" val="2506917633"/>
+      </p:ext>
+    </p:extLst>
+  </p:cSld>
+  <p:clrMapOvr>
+    <a:masterClrMapping/>
+  </p:clrMapOvr>
+  <mc:AlternateContent xmlns:mc="http://schemas.openxmlformats.org/markup-compatibility/2006" xmlns:p14="http://schemas.microsoft.com/office/powerpoint/2010/main">
+    <mc:Choice Requires="p14">
+      <p:transition spd="slow" p14:dur="2000"/>
+    </mc:Choice>
+    <mc:Fallback xmlns="">
+      <p:transition spd="slow"/>
+    </mc:Fallback>
+  </mc:AlternateContent>
+  <p:timing>
+    <p:tnLst>
+      <p:par>
+        <p:cTn id="1" dur="indefinite" restart="never" nodeType="tmRoot"/>
+      </p:par>
+    </p:tnLst>
+  </p:timing>
+</p:sld>
+</file>
+
+<file path=ppt/slides/slide14.xml><?xml version="1.0" encoding="utf-8"?>
+<p:sld xmlns:a="http://schemas.openxmlformats.org/drawingml/2006/main" xmlns:r="http://schemas.openxmlformats.org/officeDocument/2006/relationships" xmlns:p="http://schemas.openxmlformats.org/presentationml/2006/main">
+  <p:cSld>
+    <p:spTree>
+      <p:nvGrpSpPr>
+        <p:cNvPr id="1" name=""/>
+        <p:cNvGrpSpPr/>
+        <p:nvPr/>
+      </p:nvGrpSpPr>
+      <p:grpSpPr>
+        <a:xfrm>
+          <a:off x="0" y="0"/>
+          <a:ext cx="0" cy="0"/>
+          <a:chOff x="0" y="0"/>
+          <a:chExt cx="0" cy="0"/>
+        </a:xfrm>
+      </p:grpSpPr>
+      <p:sp>
+        <p:nvSpPr>
+          <p:cNvPr id="2" name="Title 1"/>
+          <p:cNvSpPr>
+            <a:spLocks noGrp="1"/>
+          </p:cNvSpPr>
+          <p:nvPr>
+            <p:ph type="title"/>
+          </p:nvPr>
+        </p:nvSpPr>
+        <p:spPr/>
+        <p:txBody>
+          <a:bodyPr/>
+          <a:lstStyle/>
+          <a:p>
+            <a:r>
+              <a:rPr lang="hu-HU" smtClean="0"/>
+              <a:t>References</a:t>
+            </a:r>
+            <a:endParaRPr lang="en-US"/>
+          </a:p>
+        </p:txBody>
+      </p:sp>
+      <p:pic>
+        <p:nvPicPr>
+          <p:cNvPr id="4" name="Picture 3"/>
+          <p:cNvPicPr>
+            <a:picLocks noChangeAspect="1"/>
+          </p:cNvPicPr>
+          <p:nvPr/>
+        </p:nvPicPr>
+        <p:blipFill>
+          <a:blip r:embed="rId2" cstate="print">
+            <a:extLst>
+              <a:ext uri="{28A0092B-C50C-407E-A947-70E740481C1C}">
+                <a14:useLocalDpi xmlns:a14="http://schemas.microsoft.com/office/drawing/2010/main" val="0"/>
+              </a:ext>
+            </a:extLst>
+          </a:blip>
+          <a:stretch>
+            <a:fillRect/>
+          </a:stretch>
+        </p:blipFill>
+        <p:spPr>
+          <a:xfrm>
+            <a:off x="6876256" y="603053"/>
+            <a:ext cx="1440160" cy="480150"/>
+          </a:xfrm>
+          <a:prstGeom prst="rect">
+            <a:avLst/>
+          </a:prstGeom>
+        </p:spPr>
+      </p:pic>
+      <p:sp>
+        <p:nvSpPr>
+          <p:cNvPr id="5" name="Content Placeholder 2"/>
+          <p:cNvSpPr txBox="1">
+            <a:spLocks/>
+          </p:cNvSpPr>
+          <p:nvPr/>
+        </p:nvSpPr>
+        <p:spPr>
+          <a:xfrm>
+            <a:off x="609600" y="1752600"/>
+            <a:ext cx="7620000" cy="4800600"/>
+          </a:xfrm>
+          <a:prstGeom prst="rect">
+            <a:avLst/>
+          </a:prstGeom>
+        </p:spPr>
+        <p:txBody>
+          <a:bodyPr vert="horz" lIns="91440" tIns="45720" rIns="91440" bIns="45720" rtlCol="0">
+            <a:normAutofit/>
+          </a:bodyPr>
+          <a:lstStyle>
+            <a:lvl1pPr marL="342900" indent="-228600" algn="l" defTabSz="914400" rtl="0" eaLnBrk="1" latinLnBrk="0" hangingPunct="1">
+              <a:spcBef>
+                <a:spcPct val="20000"/>
+              </a:spcBef>
+              <a:buClr>
+                <a:schemeClr val="accent1"/>
+              </a:buClr>
+              <a:buFont typeface="Arial" pitchFamily="34" charset="0"/>
+              <a:buChar char="•"/>
+              <a:defRPr sz="2200" kern="1200">
+                <a:solidFill>
+                  <a:schemeClr val="tx1"/>
+                </a:solidFill>
+                <a:latin typeface="+mn-lt"/>
+                <a:ea typeface="+mn-ea"/>
+                <a:cs typeface="+mn-cs"/>
+              </a:defRPr>
+            </a:lvl1pPr>
+            <a:lvl2pPr marL="640080" indent="-228600" algn="l" defTabSz="914400" rtl="0" eaLnBrk="1" latinLnBrk="0" hangingPunct="1">
+              <a:spcBef>
+                <a:spcPct val="20000"/>
+              </a:spcBef>
+              <a:buClr>
+                <a:schemeClr val="accent2"/>
+              </a:buClr>
+              <a:buFont typeface="Arial" pitchFamily="34" charset="0"/>
+              <a:buChar char="•"/>
+              <a:defRPr sz="2000" kern="1200">
+                <a:solidFill>
+                  <a:schemeClr val="tx1"/>
+                </a:solidFill>
+                <a:latin typeface="+mn-lt"/>
+                <a:ea typeface="+mn-ea"/>
+                <a:cs typeface="+mn-cs"/>
+              </a:defRPr>
+            </a:lvl2pPr>
+            <a:lvl3pPr marL="1005840" indent="-228600" algn="l" defTabSz="914400" rtl="0" eaLnBrk="1" latinLnBrk="0" hangingPunct="1">
+              <a:spcBef>
+                <a:spcPct val="20000"/>
+              </a:spcBef>
+              <a:buClr>
+                <a:schemeClr val="accent3"/>
+              </a:buClr>
+              <a:buFont typeface="Arial" pitchFamily="34" charset="0"/>
+              <a:buChar char="•"/>
+              <a:defRPr sz="1800" kern="1200">
+                <a:solidFill>
+                  <a:schemeClr val="tx1"/>
+                </a:solidFill>
+                <a:latin typeface="+mn-lt"/>
+                <a:ea typeface="+mn-ea"/>
+                <a:cs typeface="+mn-cs"/>
+              </a:defRPr>
+            </a:lvl3pPr>
+            <a:lvl4pPr marL="1280160" indent="-228600" algn="l" defTabSz="914400" rtl="0" eaLnBrk="1" latinLnBrk="0" hangingPunct="1">
+              <a:spcBef>
+                <a:spcPct val="20000"/>
+              </a:spcBef>
+              <a:buClr>
+                <a:schemeClr val="accent4"/>
+              </a:buClr>
+              <a:buFont typeface="Arial" pitchFamily="34" charset="0"/>
+              <a:buChar char="•"/>
+              <a:defRPr sz="1600" kern="1200">
+                <a:solidFill>
+                  <a:schemeClr val="tx1"/>
+                </a:solidFill>
+                <a:latin typeface="+mn-lt"/>
+                <a:ea typeface="+mn-ea"/>
+                <a:cs typeface="+mn-cs"/>
+              </a:defRPr>
+            </a:lvl4pPr>
+            <a:lvl5pPr marL="1554480" indent="-228600" algn="l" defTabSz="914400" rtl="0" eaLnBrk="1" latinLnBrk="0" hangingPunct="1">
+              <a:spcBef>
+                <a:spcPct val="20000"/>
+              </a:spcBef>
+              <a:buClr>
+                <a:schemeClr val="accent5"/>
+              </a:buClr>
+              <a:buFont typeface="Arial" pitchFamily="34" charset="0"/>
+              <a:buChar char="•"/>
+              <a:defRPr sz="1400" kern="1200" baseline="0">
+                <a:solidFill>
+                  <a:schemeClr val="tx1"/>
+                </a:solidFill>
+                <a:latin typeface="+mn-lt"/>
+                <a:ea typeface="+mn-ea"/>
+                <a:cs typeface="+mn-cs"/>
+              </a:defRPr>
+            </a:lvl5pPr>
+            <a:lvl6pPr marL="1737360" indent="-182880" algn="l" defTabSz="914400" rtl="0" eaLnBrk="1" latinLnBrk="0" hangingPunct="1">
+              <a:spcBef>
+                <a:spcPct val="20000"/>
+              </a:spcBef>
+              <a:buClr>
+                <a:schemeClr val="accent1"/>
+              </a:buClr>
+              <a:buFont typeface="Arial" pitchFamily="34" charset="0"/>
+              <a:buChar char="•"/>
+              <a:defRPr sz="1400" kern="1200" baseline="0">
+                <a:solidFill>
+                  <a:schemeClr val="tx1"/>
+                </a:solidFill>
+                <a:latin typeface="+mn-lt"/>
+                <a:ea typeface="+mn-ea"/>
+                <a:cs typeface="+mn-cs"/>
+              </a:defRPr>
+            </a:lvl6pPr>
+            <a:lvl7pPr marL="1920240" indent="-182880" algn="l" defTabSz="914400" rtl="0" eaLnBrk="1" latinLnBrk="0" hangingPunct="1">
+              <a:spcBef>
+                <a:spcPct val="20000"/>
+              </a:spcBef>
+              <a:buClr>
+                <a:schemeClr val="accent2"/>
+              </a:buClr>
+              <a:buFont typeface="Arial" pitchFamily="34" charset="0"/>
+              <a:buChar char="•"/>
+              <a:defRPr sz="1400" kern="1200">
+                <a:solidFill>
+                  <a:schemeClr val="tx1"/>
+                </a:solidFill>
+                <a:latin typeface="+mn-lt"/>
+                <a:ea typeface="+mn-ea"/>
+                <a:cs typeface="+mn-cs"/>
+              </a:defRPr>
+            </a:lvl7pPr>
+            <a:lvl8pPr marL="2103120" indent="-182880" algn="l" defTabSz="914400" rtl="0" eaLnBrk="1" latinLnBrk="0" hangingPunct="1">
+              <a:spcBef>
+                <a:spcPct val="20000"/>
+              </a:spcBef>
+              <a:buClr>
+                <a:schemeClr val="accent3"/>
+              </a:buClr>
+              <a:buFont typeface="Arial" pitchFamily="34" charset="0"/>
+              <a:buChar char="•"/>
+              <a:defRPr sz="1400" kern="1200">
+                <a:solidFill>
+                  <a:schemeClr val="tx1"/>
+                </a:solidFill>
+                <a:latin typeface="+mn-lt"/>
+                <a:ea typeface="+mn-ea"/>
+                <a:cs typeface="+mn-cs"/>
+              </a:defRPr>
+            </a:lvl8pPr>
+            <a:lvl9pPr marL="2286000" indent="-182880" algn="l" defTabSz="914400" rtl="0" eaLnBrk="1" latinLnBrk="0" hangingPunct="1">
+              <a:spcBef>
+                <a:spcPct val="20000"/>
+              </a:spcBef>
+              <a:buClr>
+                <a:schemeClr val="accent4"/>
+              </a:buClr>
+              <a:buFont typeface="Arial" pitchFamily="34" charset="0"/>
+              <a:buChar char="•"/>
+              <a:defRPr sz="1400" kern="1200">
+                <a:solidFill>
+                  <a:schemeClr val="tx1"/>
+                </a:solidFill>
+                <a:latin typeface="+mn-lt"/>
+                <a:ea typeface="+mn-ea"/>
+                <a:cs typeface="+mn-cs"/>
+              </a:defRPr>
+            </a:lvl9pPr>
+          </a:lstStyle>
+          <a:p>
+            <a:endParaRPr lang="hu-HU" smtClean="0"/>
+          </a:p>
+          <a:p>
+            <a:pPr marL="114300" indent="0">
+              <a:buFont typeface="Arial" pitchFamily="34" charset="0"/>
+              <a:buNone/>
+            </a:pPr>
+            <a:endParaRPr lang="en-US"/>
+          </a:p>
+        </p:txBody>
+      </p:sp>
+      <p:sp>
+        <p:nvSpPr>
+          <p:cNvPr id="6" name="Content Placeholder 5"/>
+          <p:cNvSpPr>
+            <a:spLocks noGrp="1"/>
+          </p:cNvSpPr>
+          <p:nvPr>
+            <p:ph idx="1"/>
+          </p:nvPr>
+        </p:nvSpPr>
+        <p:spPr/>
+        <p:txBody>
+          <a:bodyPr>
+            <a:normAutofit/>
+          </a:bodyPr>
+          <a:lstStyle/>
+          <a:p>
+            <a:r>
+              <a:rPr lang="hu-HU" smtClean="0"/>
+              <a:t>Books:</a:t>
+            </a:r>
+          </a:p>
+          <a:p>
+            <a:pPr lvl="1"/>
+            <a:r>
+              <a:rPr lang="hu-HU" smtClean="0"/>
+              <a:t>RESTful </a:t>
+            </a:r>
+            <a:r>
+              <a:rPr lang="hu-HU"/>
+              <a:t>Web</a:t>
+            </a:r>
+            <a:r>
+              <a:rPr lang="hu-HU" smtClean="0"/>
+              <a:t> Apps</a:t>
+            </a:r>
+            <a:br>
+              <a:rPr lang="hu-HU" smtClean="0"/>
+            </a:br>
+            <a:r>
+              <a:rPr lang="en-US" sz="1600" i="1" smtClean="0"/>
+              <a:t>Leonard </a:t>
+            </a:r>
+            <a:r>
+              <a:rPr lang="en-US" sz="1600" i="1"/>
+              <a:t>Richardson and </a:t>
+            </a:r>
+            <a:r>
+              <a:rPr lang="en-US" sz="1600" i="1"/>
+              <a:t>Mike </a:t>
+            </a:r>
+            <a:r>
+              <a:rPr lang="en-US" sz="1600" i="1" smtClean="0"/>
+              <a:t>Amundsen</a:t>
+            </a:r>
+            <a:endParaRPr lang="hu-HU" i="1"/>
+          </a:p>
+          <a:p>
+            <a:pPr lvl="1"/>
+            <a:r>
+              <a:rPr lang="en-US"/>
+              <a:t>RESTful Web </a:t>
+            </a:r>
+            <a:r>
+              <a:rPr lang="en-US"/>
+              <a:t>Services </a:t>
+            </a:r>
+            <a:r>
+              <a:rPr lang="en-US" smtClean="0"/>
+              <a:t>Cookbook</a:t>
+            </a:r>
+            <a:r>
+              <a:rPr lang="hu-HU" smtClean="0"/>
+              <a:t/>
+            </a:r>
+            <a:br>
+              <a:rPr lang="hu-HU" smtClean="0"/>
+            </a:br>
+            <a:r>
+              <a:rPr lang="en-US" sz="1600" i="1"/>
+              <a:t>Subbu </a:t>
+            </a:r>
+            <a:r>
+              <a:rPr lang="en-US" sz="1600" i="1" smtClean="0"/>
+              <a:t>Allamaraju</a:t>
+            </a:r>
+            <a:endParaRPr lang="hu-HU" sz="1600" i="1" smtClean="0"/>
+          </a:p>
+          <a:p>
+            <a:r>
+              <a:rPr lang="hu-HU"/>
+              <a:t>Recommended </a:t>
+            </a:r>
+            <a:r>
+              <a:rPr lang="hu-HU" smtClean="0"/>
+              <a:t>lesson</a:t>
+            </a:r>
+            <a:endParaRPr lang="hu-HU"/>
+          </a:p>
+          <a:p>
+            <a:pPr lvl="1"/>
+            <a:r>
+              <a:rPr lang="hu-HU" smtClean="0"/>
+              <a:t>REST-ful API Design </a:t>
+            </a:r>
+            <a:r>
+              <a:rPr lang="en-US" smtClean="0"/>
+              <a:t>with Spring – presented by Ben Hale</a:t>
+            </a:r>
+          </a:p>
+          <a:p>
+            <a:pPr lvl="1"/>
+            <a:r>
+              <a:rPr lang="en-US">
+                <a:hlinkClick r:id="rId3"/>
+              </a:rPr>
+              <a:t>http</a:t>
+            </a:r>
+            <a:r>
+              <a:rPr lang="en-US">
+                <a:hlinkClick r:id="rId3"/>
+              </a:rPr>
+              <a:t>://</a:t>
+            </a:r>
+            <a:r>
+              <a:rPr lang="en-US" smtClean="0">
+                <a:hlinkClick r:id="rId3"/>
+              </a:rPr>
+              <a:t>youtu.be/oG2rotiGr90</a:t>
+            </a:r>
+            <a:endParaRPr lang="en-US" smtClean="0"/>
+          </a:p>
+        </p:txBody>
+      </p:sp>
+      <p:pic>
+        <p:nvPicPr>
+          <p:cNvPr id="7" name="Picture 2"/>
+          <p:cNvPicPr>
+            <a:picLocks noChangeAspect="1" noChangeArrowheads="1"/>
+          </p:cNvPicPr>
+          <p:nvPr/>
+        </p:nvPicPr>
+        <p:blipFill>
+          <a:blip r:embed="rId4" cstate="print">
+            <a:extLst>
+              <a:ext uri="{28A0092B-C50C-407E-A947-70E740481C1C}">
+                <a14:useLocalDpi xmlns:a14="http://schemas.microsoft.com/office/drawing/2010/main" val="0"/>
+              </a:ext>
+            </a:extLst>
+          </a:blip>
+          <a:srcRect/>
+          <a:stretch>
+            <a:fillRect/>
+          </a:stretch>
+        </p:blipFill>
+        <p:spPr bwMode="auto">
+          <a:xfrm>
+            <a:off x="6372200" y="1844824"/>
+            <a:ext cx="1030370" cy="1354459"/>
+          </a:xfrm>
+          <a:prstGeom prst="rect">
+            <a:avLst/>
+          </a:prstGeom>
+          <a:noFill/>
+          <a:ln>
+            <a:noFill/>
+          </a:ln>
+          <a:extLst>
+            <a:ext uri="{909E8E84-426E-40DD-AFC4-6F175D3DCCD1}">
+              <a14:hiddenFill xmlns:a14="http://schemas.microsoft.com/office/drawing/2010/main">
+                <a:solidFill>
+                  <a:schemeClr val="accent1"/>
+                </a:solidFill>
+              </a14:hiddenFill>
+            </a:ext>
+            <a:ext uri="{91240B29-F687-4F45-9708-019B960494DF}">
+              <a14:hiddenLine xmlns:a14="http://schemas.microsoft.com/office/drawing/2010/main" w="9525">
+                <a:solidFill>
+                  <a:schemeClr val="tx1"/>
+                </a:solidFill>
+                <a:miter lim="800000"/>
+                <a:headEnd/>
+                <a:tailEnd/>
+              </a14:hiddenLine>
+            </a:ext>
+          </a:extLst>
+        </p:spPr>
+      </p:pic>
+      <p:pic>
+        <p:nvPicPr>
+          <p:cNvPr id="1028" name="Picture 4"/>
+          <p:cNvPicPr>
+            <a:picLocks noChangeAspect="1" noChangeArrowheads="1"/>
+          </p:cNvPicPr>
+          <p:nvPr/>
+        </p:nvPicPr>
+        <p:blipFill>
+          <a:blip r:embed="rId5" cstate="print">
+            <a:extLst>
+              <a:ext uri="{28A0092B-C50C-407E-A947-70E740481C1C}">
+                <a14:useLocalDpi xmlns:a14="http://schemas.microsoft.com/office/drawing/2010/main" val="0"/>
+              </a:ext>
+            </a:extLst>
+          </a:blip>
+          <a:srcRect/>
+          <a:stretch>
+            <a:fillRect/>
+          </a:stretch>
+        </p:blipFill>
+        <p:spPr bwMode="auto">
+          <a:xfrm>
+            <a:off x="5220072" y="1844824"/>
+            <a:ext cx="1040331" cy="1370192"/>
+          </a:xfrm>
+          <a:prstGeom prst="rect">
+            <a:avLst/>
+          </a:prstGeom>
+          <a:noFill/>
+          <a:ln>
+            <a:noFill/>
+          </a:ln>
+          <a:extLst>
+            <a:ext uri="{909E8E84-426E-40DD-AFC4-6F175D3DCCD1}">
+              <a14:hiddenFill xmlns:a14="http://schemas.microsoft.com/office/drawing/2010/main">
+                <a:solidFill>
+                  <a:schemeClr val="accent1"/>
+                </a:solidFill>
+              </a14:hiddenFill>
+            </a:ext>
+            <a:ext uri="{91240B29-F687-4F45-9708-019B960494DF}">
+              <a14:hiddenLine xmlns:a14="http://schemas.microsoft.com/office/drawing/2010/main" w="9525">
+                <a:solidFill>
+                  <a:schemeClr val="tx1"/>
+                </a:solidFill>
+                <a:miter lim="800000"/>
+                <a:headEnd/>
+                <a:tailEnd/>
+              </a14:hiddenLine>
+            </a:ext>
+          </a:extLst>
+        </p:spPr>
+      </p:pic>
+    </p:spTree>
+    <p:extLst>
+      <p:ext uri="{BB962C8B-B14F-4D97-AF65-F5344CB8AC3E}">
+        <p14:creationId xmlns:p14="http://schemas.microsoft.com/office/powerpoint/2010/main" val="254316419"/>
       </p:ext>
     </p:extLst>
   </p:cSld>
@@ -6211,8 +8057,8 @@
           <a:lstStyle/>
           <a:p>
             <a:r>
-              <a:rPr lang="en-US" dirty="0" smtClean="0"/>
-              <a:t>Demo Scenario </a:t>
+              <a:rPr lang="hu-HU" smtClean="0"/>
+              <a:t>#1 – Resources</a:t>
             </a:r>
             <a:endParaRPr lang="en-US" dirty="0"/>
           </a:p>
@@ -6248,450 +8094,285 @@
           </a:prstGeom>
         </p:spPr>
       </p:pic>
-      <p:pic>
-        <p:nvPicPr>
-          <p:cNvPr id="9" name="Picture 8"/>
-          <p:cNvPicPr>
-            <a:picLocks noChangeAspect="1"/>
-          </p:cNvPicPr>
+      <p:sp>
+        <p:nvSpPr>
+          <p:cNvPr id="5" name="Content Placeholder 2"/>
+          <p:cNvSpPr txBox="1">
+            <a:spLocks/>
+          </p:cNvSpPr>
           <p:nvPr/>
-        </p:nvPicPr>
-        <p:blipFill>
-          <a:blip r:embed="rId3">
-            <a:extLst>
-              <a:ext uri="{28A0092B-C50C-407E-A947-70E740481C1C}">
-                <a14:useLocalDpi xmlns:a14="http://schemas.microsoft.com/office/drawing/2010/main" val="0"/>
-              </a:ext>
-            </a:extLst>
-          </a:blip>
-          <a:stretch>
-            <a:fillRect/>
-          </a:stretch>
-        </p:blipFill>
+        </p:nvSpPr>
         <p:spPr>
           <a:xfrm>
-            <a:off x="659721" y="1517888"/>
-            <a:ext cx="2184087" cy="1407056"/>
+            <a:off x="609600" y="1752600"/>
+            <a:ext cx="7620000" cy="4800600"/>
           </a:xfrm>
           <a:prstGeom prst="rect">
             <a:avLst/>
           </a:prstGeom>
         </p:spPr>
-      </p:pic>
-      <p:pic>
-        <p:nvPicPr>
-          <p:cNvPr id="10" name="Picture 9"/>
-          <p:cNvPicPr>
-            <a:picLocks noChangeAspect="1"/>
-          </p:cNvPicPr>
-          <p:nvPr/>
-        </p:nvPicPr>
-        <p:blipFill>
-          <a:blip r:embed="rId4" cstate="print">
-            <a:extLst>
-              <a:ext uri="{28A0092B-C50C-407E-A947-70E740481C1C}">
-                <a14:useLocalDpi xmlns:a14="http://schemas.microsoft.com/office/drawing/2010/main" val="0"/>
-              </a:ext>
-            </a:extLst>
-          </a:blip>
-          <a:stretch>
-            <a:fillRect/>
-          </a:stretch>
-        </p:blipFill>
-        <p:spPr>
-          <a:xfrm>
-            <a:off x="5800506" y="1517888"/>
-            <a:ext cx="2371894" cy="1407056"/>
-          </a:xfrm>
-          <a:prstGeom prst="rect">
-            <a:avLst/>
-          </a:prstGeom>
-        </p:spPr>
-      </p:pic>
-      <p:pic>
-        <p:nvPicPr>
-          <p:cNvPr id="11" name="Picture 10"/>
-          <p:cNvPicPr>
-            <a:picLocks noChangeAspect="1"/>
-          </p:cNvPicPr>
-          <p:nvPr/>
-        </p:nvPicPr>
-        <p:blipFill>
-          <a:blip r:embed="rId5" cstate="print">
-            <a:extLst>
-              <a:ext uri="{28A0092B-C50C-407E-A947-70E740481C1C}">
-                <a14:useLocalDpi xmlns:a14="http://schemas.microsoft.com/office/drawing/2010/main" val="0"/>
-              </a:ext>
-            </a:extLst>
-          </a:blip>
-          <a:stretch>
-            <a:fillRect/>
-          </a:stretch>
-        </p:blipFill>
-        <p:spPr>
-          <a:xfrm>
-            <a:off x="3268759" y="1529085"/>
-            <a:ext cx="2239345" cy="1395859"/>
-          </a:xfrm>
-          <a:prstGeom prst="rect">
-            <a:avLst/>
-          </a:prstGeom>
-        </p:spPr>
-      </p:pic>
-      <p:pic>
-        <p:nvPicPr>
-          <p:cNvPr id="14" name="Picture 13"/>
-          <p:cNvPicPr>
-            <a:picLocks noChangeAspect="1"/>
-          </p:cNvPicPr>
-          <p:nvPr/>
-        </p:nvPicPr>
-        <p:blipFill>
-          <a:blip r:embed="rId6" cstate="print">
-            <a:extLst>
-              <a:ext uri="{28A0092B-C50C-407E-A947-70E740481C1C}">
-                <a14:useLocalDpi xmlns:a14="http://schemas.microsoft.com/office/drawing/2010/main" val="0"/>
-              </a:ext>
-            </a:extLst>
-          </a:blip>
-          <a:stretch>
-            <a:fillRect/>
-          </a:stretch>
-        </p:blipFill>
-        <p:spPr>
-          <a:xfrm>
-            <a:off x="35496" y="3771548"/>
-            <a:ext cx="1008111" cy="1701187"/>
-          </a:xfrm>
-          <a:prstGeom prst="rect">
-            <a:avLst/>
-          </a:prstGeom>
-        </p:spPr>
-      </p:pic>
-      <p:pic>
-        <p:nvPicPr>
-          <p:cNvPr id="16" name="Picture 15"/>
-          <p:cNvPicPr>
-            <a:picLocks noChangeAspect="1"/>
-          </p:cNvPicPr>
-          <p:nvPr/>
-        </p:nvPicPr>
-        <p:blipFill rotWithShape="1">
-          <a:blip r:embed="rId7">
-            <a:extLst>
-              <a:ext uri="{28A0092B-C50C-407E-A947-70E740481C1C}">
-                <a14:useLocalDpi xmlns:a14="http://schemas.microsoft.com/office/drawing/2010/main" val="0"/>
-              </a:ext>
-            </a:extLst>
-          </a:blip>
-          <a:srcRect l="15237" r="7599"/>
-          <a:stretch/>
-        </p:blipFill>
-        <p:spPr>
-          <a:xfrm>
-            <a:off x="7308304" y="3772654"/>
-            <a:ext cx="1012371" cy="1700083"/>
-          </a:xfrm>
-          <a:prstGeom prst="rect">
-            <a:avLst/>
-          </a:prstGeom>
-        </p:spPr>
-      </p:pic>
-      <p:pic>
-        <p:nvPicPr>
-          <p:cNvPr id="19" name="Picture 18"/>
-          <p:cNvPicPr>
-            <a:picLocks noChangeAspect="1"/>
-          </p:cNvPicPr>
-          <p:nvPr/>
-        </p:nvPicPr>
-        <p:blipFill rotWithShape="1">
-          <a:blip r:embed="rId8">
-            <a:extLst>
-              <a:ext uri="{28A0092B-C50C-407E-A947-70E740481C1C}">
-                <a14:useLocalDpi xmlns:a14="http://schemas.microsoft.com/office/drawing/2010/main" val="0"/>
-              </a:ext>
-            </a:extLst>
-          </a:blip>
-          <a:srcRect l="10912" r="16779"/>
-          <a:stretch/>
-        </p:blipFill>
-        <p:spPr>
-          <a:xfrm>
-            <a:off x="6498770" y="3771549"/>
-            <a:ext cx="949291" cy="1701188"/>
-          </a:xfrm>
-          <a:prstGeom prst="rect">
-            <a:avLst/>
-          </a:prstGeom>
-        </p:spPr>
-      </p:pic>
-      <p:pic>
-        <p:nvPicPr>
-          <p:cNvPr id="20" name="Picture 19"/>
-          <p:cNvPicPr>
-            <a:picLocks noChangeAspect="1"/>
-          </p:cNvPicPr>
-          <p:nvPr/>
-        </p:nvPicPr>
-        <p:blipFill>
-          <a:blip r:embed="rId9" cstate="print">
-            <a:extLst>
-              <a:ext uri="{28A0092B-C50C-407E-A947-70E740481C1C}">
-                <a14:useLocalDpi xmlns:a14="http://schemas.microsoft.com/office/drawing/2010/main" val="0"/>
-              </a:ext>
-            </a:extLst>
-          </a:blip>
-          <a:stretch>
-            <a:fillRect/>
-          </a:stretch>
-        </p:blipFill>
-        <p:spPr>
-          <a:xfrm>
-            <a:off x="3708438" y="3771547"/>
-            <a:ext cx="1439466" cy="1701187"/>
-          </a:xfrm>
-          <a:prstGeom prst="rect">
-            <a:avLst/>
-          </a:prstGeom>
-        </p:spPr>
-      </p:pic>
-      <p:pic>
-        <p:nvPicPr>
-          <p:cNvPr id="13" name="Picture 12"/>
-          <p:cNvPicPr>
-            <a:picLocks noChangeAspect="1"/>
-          </p:cNvPicPr>
-          <p:nvPr/>
-        </p:nvPicPr>
-        <p:blipFill>
-          <a:blip r:embed="rId10" cstate="print">
-            <a:extLst>
-              <a:ext uri="{28A0092B-C50C-407E-A947-70E740481C1C}">
-                <a14:useLocalDpi xmlns:a14="http://schemas.microsoft.com/office/drawing/2010/main" val="0"/>
-              </a:ext>
-            </a:extLst>
-          </a:blip>
-          <a:stretch>
-            <a:fillRect/>
-          </a:stretch>
-        </p:blipFill>
-        <p:spPr>
-          <a:xfrm>
-            <a:off x="827584" y="3771548"/>
-            <a:ext cx="1008111" cy="1701187"/>
-          </a:xfrm>
-          <a:prstGeom prst="rect">
-            <a:avLst/>
-          </a:prstGeom>
-        </p:spPr>
-      </p:pic>
-      <p:pic>
-        <p:nvPicPr>
-          <p:cNvPr id="15" name="Picture 14"/>
-          <p:cNvPicPr>
-            <a:picLocks noChangeAspect="1"/>
-          </p:cNvPicPr>
-          <p:nvPr/>
-        </p:nvPicPr>
-        <p:blipFill>
-          <a:blip r:embed="rId11" cstate="print">
-            <a:extLst>
-              <a:ext uri="{28A0092B-C50C-407E-A947-70E740481C1C}">
-                <a14:useLocalDpi xmlns:a14="http://schemas.microsoft.com/office/drawing/2010/main" val="0"/>
-              </a:ext>
-            </a:extLst>
-          </a:blip>
-          <a:stretch>
-            <a:fillRect/>
-          </a:stretch>
-        </p:blipFill>
-        <p:spPr>
-          <a:xfrm>
-            <a:off x="1403647" y="3771548"/>
-            <a:ext cx="1008111" cy="1701187"/>
-          </a:xfrm>
-          <a:prstGeom prst="rect">
-            <a:avLst/>
-          </a:prstGeom>
-        </p:spPr>
-      </p:pic>
-      <p:pic>
-        <p:nvPicPr>
-          <p:cNvPr id="12" name="Picture 11"/>
-          <p:cNvPicPr>
-            <a:picLocks noChangeAspect="1"/>
-          </p:cNvPicPr>
-          <p:nvPr/>
-        </p:nvPicPr>
-        <p:blipFill>
-          <a:blip r:embed="rId12" cstate="print">
-            <a:extLst>
-              <a:ext uri="{28A0092B-C50C-407E-A947-70E740481C1C}">
-                <a14:useLocalDpi xmlns:a14="http://schemas.microsoft.com/office/drawing/2010/main" val="0"/>
-              </a:ext>
-            </a:extLst>
-          </a:blip>
-          <a:stretch>
-            <a:fillRect/>
-          </a:stretch>
-        </p:blipFill>
-        <p:spPr>
-          <a:xfrm flipH="1">
-            <a:off x="1835695" y="3771548"/>
-            <a:ext cx="1008111" cy="1701187"/>
-          </a:xfrm>
-          <a:prstGeom prst="rect">
-            <a:avLst/>
-          </a:prstGeom>
-        </p:spPr>
-      </p:pic>
-      <p:pic>
-        <p:nvPicPr>
-          <p:cNvPr id="17" name="Picture 16"/>
-          <p:cNvPicPr>
-            <a:picLocks noChangeAspect="1"/>
-          </p:cNvPicPr>
-          <p:nvPr/>
-        </p:nvPicPr>
-        <p:blipFill>
-          <a:blip r:embed="rId13" cstate="print">
-            <a:extLst>
-              <a:ext uri="{28A0092B-C50C-407E-A947-70E740481C1C}">
-                <a14:useLocalDpi xmlns:a14="http://schemas.microsoft.com/office/drawing/2010/main" val="0"/>
-              </a:ext>
-            </a:extLst>
-          </a:blip>
-          <a:stretch>
-            <a:fillRect/>
-          </a:stretch>
-        </p:blipFill>
-        <p:spPr>
-          <a:xfrm>
-            <a:off x="3131840" y="3772655"/>
-            <a:ext cx="1440000" cy="1701819"/>
-          </a:xfrm>
-          <a:prstGeom prst="rect">
-            <a:avLst/>
-          </a:prstGeom>
-        </p:spPr>
-      </p:pic>
-      <p:cxnSp>
-        <p:nvCxnSpPr>
-          <p:cNvPr id="21" name="Elbow Connector 20"/>
-          <p:cNvCxnSpPr>
-            <a:stCxn id="11" idx="2"/>
-            <a:endCxn id="3" idx="0"/>
-          </p:cNvCxnSpPr>
-          <p:nvPr/>
-        </p:nvCxnSpPr>
-        <p:spPr>
-          <a:xfrm rot="16200000" flipH="1">
-            <a:off x="4596141" y="2717234"/>
-            <a:ext cx="849451" cy="1264869"/>
-          </a:xfrm>
-          <a:prstGeom prst="bentConnector3">
-            <a:avLst>
-              <a:gd name="adj1" fmla="val 50000"/>
-            </a:avLst>
-          </a:prstGeom>
-          <a:ln w="12700">
-            <a:solidFill>
-              <a:schemeClr val="tx2"/>
-            </a:solidFill>
-            <a:prstDash val="dash"/>
-          </a:ln>
-        </p:spPr>
-        <p:style>
-          <a:lnRef idx="1">
-            <a:schemeClr val="accent5"/>
-          </a:lnRef>
-          <a:fillRef idx="2">
-            <a:schemeClr val="accent5"/>
-          </a:fillRef>
-          <a:effectRef idx="1">
-            <a:schemeClr val="accent5"/>
-          </a:effectRef>
-          <a:fontRef idx="minor">
-            <a:schemeClr val="dk1"/>
-          </a:fontRef>
-        </p:style>
-      </p:cxnSp>
-      <p:cxnSp>
-        <p:nvCxnSpPr>
-          <p:cNvPr id="24" name="Elbow Connector 23"/>
-          <p:cNvCxnSpPr>
-            <a:stCxn id="10" idx="2"/>
-            <a:endCxn id="3" idx="0"/>
-          </p:cNvCxnSpPr>
-          <p:nvPr/>
-        </p:nvCxnSpPr>
-        <p:spPr>
-          <a:xfrm rot="5400000">
-            <a:off x="5895152" y="2683093"/>
-            <a:ext cx="849451" cy="1333152"/>
-          </a:xfrm>
-          <a:prstGeom prst="bentConnector3">
-            <a:avLst>
-              <a:gd name="adj1" fmla="val 50000"/>
-            </a:avLst>
-          </a:prstGeom>
-          <a:ln w="12700">
-            <a:solidFill>
-              <a:schemeClr val="tx2"/>
-            </a:solidFill>
-            <a:prstDash val="dash"/>
-          </a:ln>
-        </p:spPr>
-        <p:style>
-          <a:lnRef idx="1">
-            <a:schemeClr val="accent5"/>
-          </a:lnRef>
-          <a:fillRef idx="2">
-            <a:schemeClr val="accent5"/>
-          </a:fillRef>
-          <a:effectRef idx="1">
-            <a:schemeClr val="accent5"/>
-          </a:effectRef>
-          <a:fontRef idx="minor">
-            <a:schemeClr val="dk1"/>
-          </a:fontRef>
-        </p:style>
-      </p:cxnSp>
-      <p:pic>
-        <p:nvPicPr>
-          <p:cNvPr id="3" name="Picture 2"/>
-          <p:cNvPicPr>
-            <a:picLocks noChangeAspect="1"/>
-          </p:cNvPicPr>
-          <p:nvPr/>
-        </p:nvPicPr>
-        <p:blipFill>
-          <a:blip r:embed="rId14" cstate="print">
-            <a:extLst>
-              <a:ext uri="{28A0092B-C50C-407E-A947-70E740481C1C}">
-                <a14:useLocalDpi xmlns:a14="http://schemas.microsoft.com/office/drawing/2010/main" val="0"/>
-              </a:ext>
-            </a:extLst>
-          </a:blip>
-          <a:stretch>
-            <a:fillRect/>
-          </a:stretch>
-        </p:blipFill>
-        <p:spPr>
-          <a:xfrm>
-            <a:off x="5076056" y="3774395"/>
-            <a:ext cx="1154490" cy="1700079"/>
-          </a:xfrm>
-          <a:prstGeom prst="rect">
-            <a:avLst/>
-          </a:prstGeom>
-        </p:spPr>
-      </p:pic>
+        <p:txBody>
+          <a:bodyPr vert="horz" lIns="91440" tIns="45720" rIns="91440" bIns="45720" rtlCol="0">
+            <a:normAutofit/>
+          </a:bodyPr>
+          <a:lstStyle>
+            <a:lvl1pPr marL="342900" indent="-228600" algn="l" defTabSz="914400" rtl="0" eaLnBrk="1" latinLnBrk="0" hangingPunct="1">
+              <a:spcBef>
+                <a:spcPct val="20000"/>
+              </a:spcBef>
+              <a:buClr>
+                <a:schemeClr val="accent1"/>
+              </a:buClr>
+              <a:buFont typeface="Arial" pitchFamily="34" charset="0"/>
+              <a:buChar char="•"/>
+              <a:defRPr sz="2200" kern="1200">
+                <a:solidFill>
+                  <a:schemeClr val="tx1"/>
+                </a:solidFill>
+                <a:latin typeface="+mn-lt"/>
+                <a:ea typeface="+mn-ea"/>
+                <a:cs typeface="+mn-cs"/>
+              </a:defRPr>
+            </a:lvl1pPr>
+            <a:lvl2pPr marL="640080" indent="-228600" algn="l" defTabSz="914400" rtl="0" eaLnBrk="1" latinLnBrk="0" hangingPunct="1">
+              <a:spcBef>
+                <a:spcPct val="20000"/>
+              </a:spcBef>
+              <a:buClr>
+                <a:schemeClr val="accent2"/>
+              </a:buClr>
+              <a:buFont typeface="Arial" pitchFamily="34" charset="0"/>
+              <a:buChar char="•"/>
+              <a:defRPr sz="2000" kern="1200">
+                <a:solidFill>
+                  <a:schemeClr val="tx1"/>
+                </a:solidFill>
+                <a:latin typeface="+mn-lt"/>
+                <a:ea typeface="+mn-ea"/>
+                <a:cs typeface="+mn-cs"/>
+              </a:defRPr>
+            </a:lvl2pPr>
+            <a:lvl3pPr marL="1005840" indent="-228600" algn="l" defTabSz="914400" rtl="0" eaLnBrk="1" latinLnBrk="0" hangingPunct="1">
+              <a:spcBef>
+                <a:spcPct val="20000"/>
+              </a:spcBef>
+              <a:buClr>
+                <a:schemeClr val="accent3"/>
+              </a:buClr>
+              <a:buFont typeface="Arial" pitchFamily="34" charset="0"/>
+              <a:buChar char="•"/>
+              <a:defRPr sz="1800" kern="1200">
+                <a:solidFill>
+                  <a:schemeClr val="tx1"/>
+                </a:solidFill>
+                <a:latin typeface="+mn-lt"/>
+                <a:ea typeface="+mn-ea"/>
+                <a:cs typeface="+mn-cs"/>
+              </a:defRPr>
+            </a:lvl3pPr>
+            <a:lvl4pPr marL="1280160" indent="-228600" algn="l" defTabSz="914400" rtl="0" eaLnBrk="1" latinLnBrk="0" hangingPunct="1">
+              <a:spcBef>
+                <a:spcPct val="20000"/>
+              </a:spcBef>
+              <a:buClr>
+                <a:schemeClr val="accent4"/>
+              </a:buClr>
+              <a:buFont typeface="Arial" pitchFamily="34" charset="0"/>
+              <a:buChar char="•"/>
+              <a:defRPr sz="1600" kern="1200">
+                <a:solidFill>
+                  <a:schemeClr val="tx1"/>
+                </a:solidFill>
+                <a:latin typeface="+mn-lt"/>
+                <a:ea typeface="+mn-ea"/>
+                <a:cs typeface="+mn-cs"/>
+              </a:defRPr>
+            </a:lvl4pPr>
+            <a:lvl5pPr marL="1554480" indent="-228600" algn="l" defTabSz="914400" rtl="0" eaLnBrk="1" latinLnBrk="0" hangingPunct="1">
+              <a:spcBef>
+                <a:spcPct val="20000"/>
+              </a:spcBef>
+              <a:buClr>
+                <a:schemeClr val="accent5"/>
+              </a:buClr>
+              <a:buFont typeface="Arial" pitchFamily="34" charset="0"/>
+              <a:buChar char="•"/>
+              <a:defRPr sz="1400" kern="1200" baseline="0">
+                <a:solidFill>
+                  <a:schemeClr val="tx1"/>
+                </a:solidFill>
+                <a:latin typeface="+mn-lt"/>
+                <a:ea typeface="+mn-ea"/>
+                <a:cs typeface="+mn-cs"/>
+              </a:defRPr>
+            </a:lvl5pPr>
+            <a:lvl6pPr marL="1737360" indent="-182880" algn="l" defTabSz="914400" rtl="0" eaLnBrk="1" latinLnBrk="0" hangingPunct="1">
+              <a:spcBef>
+                <a:spcPct val="20000"/>
+              </a:spcBef>
+              <a:buClr>
+                <a:schemeClr val="accent1"/>
+              </a:buClr>
+              <a:buFont typeface="Arial" pitchFamily="34" charset="0"/>
+              <a:buChar char="•"/>
+              <a:defRPr sz="1400" kern="1200" baseline="0">
+                <a:solidFill>
+                  <a:schemeClr val="tx1"/>
+                </a:solidFill>
+                <a:latin typeface="+mn-lt"/>
+                <a:ea typeface="+mn-ea"/>
+                <a:cs typeface="+mn-cs"/>
+              </a:defRPr>
+            </a:lvl6pPr>
+            <a:lvl7pPr marL="1920240" indent="-182880" algn="l" defTabSz="914400" rtl="0" eaLnBrk="1" latinLnBrk="0" hangingPunct="1">
+              <a:spcBef>
+                <a:spcPct val="20000"/>
+              </a:spcBef>
+              <a:buClr>
+                <a:schemeClr val="accent2"/>
+              </a:buClr>
+              <a:buFont typeface="Arial" pitchFamily="34" charset="0"/>
+              <a:buChar char="•"/>
+              <a:defRPr sz="1400" kern="1200">
+                <a:solidFill>
+                  <a:schemeClr val="tx1"/>
+                </a:solidFill>
+                <a:latin typeface="+mn-lt"/>
+                <a:ea typeface="+mn-ea"/>
+                <a:cs typeface="+mn-cs"/>
+              </a:defRPr>
+            </a:lvl7pPr>
+            <a:lvl8pPr marL="2103120" indent="-182880" algn="l" defTabSz="914400" rtl="0" eaLnBrk="1" latinLnBrk="0" hangingPunct="1">
+              <a:spcBef>
+                <a:spcPct val="20000"/>
+              </a:spcBef>
+              <a:buClr>
+                <a:schemeClr val="accent3"/>
+              </a:buClr>
+              <a:buFont typeface="Arial" pitchFamily="34" charset="0"/>
+              <a:buChar char="•"/>
+              <a:defRPr sz="1400" kern="1200">
+                <a:solidFill>
+                  <a:schemeClr val="tx1"/>
+                </a:solidFill>
+                <a:latin typeface="+mn-lt"/>
+                <a:ea typeface="+mn-ea"/>
+                <a:cs typeface="+mn-cs"/>
+              </a:defRPr>
+            </a:lvl8pPr>
+            <a:lvl9pPr marL="2286000" indent="-182880" algn="l" defTabSz="914400" rtl="0" eaLnBrk="1" latinLnBrk="0" hangingPunct="1">
+              <a:spcBef>
+                <a:spcPct val="20000"/>
+              </a:spcBef>
+              <a:buClr>
+                <a:schemeClr val="accent4"/>
+              </a:buClr>
+              <a:buFont typeface="Arial" pitchFamily="34" charset="0"/>
+              <a:buChar char="•"/>
+              <a:defRPr sz="1400" kern="1200">
+                <a:solidFill>
+                  <a:schemeClr val="tx1"/>
+                </a:solidFill>
+                <a:latin typeface="+mn-lt"/>
+                <a:ea typeface="+mn-ea"/>
+                <a:cs typeface="+mn-cs"/>
+              </a:defRPr>
+            </a:lvl9pPr>
+          </a:lstStyle>
+          <a:p>
+            <a:endParaRPr lang="hu-HU" smtClean="0"/>
+          </a:p>
+          <a:p>
+            <a:pPr marL="114300" indent="0">
+              <a:buFont typeface="Arial" pitchFamily="34" charset="0"/>
+              <a:buNone/>
+            </a:pPr>
+            <a:endParaRPr lang="en-US" dirty="0"/>
+          </a:p>
+        </p:txBody>
+      </p:sp>
+      <p:sp>
+        <p:nvSpPr>
+          <p:cNvPr id="6" name="Content Placeholder 5"/>
+          <p:cNvSpPr>
+            <a:spLocks noGrp="1"/>
+          </p:cNvSpPr>
+          <p:nvPr>
+            <p:ph idx="1"/>
+          </p:nvPr>
+        </p:nvSpPr>
+        <p:spPr/>
+        <p:txBody>
+          <a:bodyPr/>
+          <a:lstStyle/>
+          <a:p>
+            <a:r>
+              <a:rPr lang="en-US" dirty="0" smtClean="0"/>
+              <a:t>REST level 1: Resources</a:t>
+            </a:r>
+          </a:p>
+          <a:p>
+            <a:endParaRPr lang="en-US" dirty="0" smtClean="0"/>
+          </a:p>
+          <a:p>
+            <a:r>
+              <a:rPr lang="en-US" dirty="0" smtClean="0"/>
+              <a:t>Examples:</a:t>
+            </a:r>
+          </a:p>
+          <a:p>
+            <a:pPr lvl="1"/>
+            <a:r>
+              <a:rPr lang="en-US" dirty="0" err="1" smtClean="0"/>
+              <a:t>myrest</a:t>
+            </a:r>
+            <a:r>
+              <a:rPr lang="en-US" smtClean="0"/>
+              <a:t>/1/managers</a:t>
+            </a:r>
+          </a:p>
+          <a:p>
+            <a:pPr lvl="1"/>
+            <a:r>
+              <a:rPr lang="en-US" err="1" smtClean="0"/>
+              <a:t>myrest</a:t>
+            </a:r>
+            <a:r>
+              <a:rPr lang="en-US" smtClean="0"/>
+              <a:t>/1/assistants</a:t>
+            </a:r>
+          </a:p>
+          <a:p>
+            <a:pPr lvl="1"/>
+            <a:r>
+              <a:rPr lang="en-US" err="1" smtClean="0"/>
+              <a:t>myrest</a:t>
+            </a:r>
+            <a:r>
+              <a:rPr lang="en-US" smtClean="0"/>
+              <a:t>/1/manager/2</a:t>
+            </a:r>
+          </a:p>
+          <a:p>
+            <a:pPr lvl="1"/>
+            <a:r>
+              <a:rPr lang="en-US" err="1" smtClean="0"/>
+              <a:t>myrest</a:t>
+            </a:r>
+            <a:r>
+              <a:rPr lang="en-US" smtClean="0"/>
+              <a:t>/1/assistant/5</a:t>
+            </a:r>
+          </a:p>
+          <a:p>
+            <a:endParaRPr lang="en-US"/>
+          </a:p>
+        </p:txBody>
+      </p:sp>
     </p:spTree>
     <p:extLst>
       <p:ext uri="{BB962C8B-B14F-4D97-AF65-F5344CB8AC3E}">
-        <p14:creationId xmlns:p14="http://schemas.microsoft.com/office/powerpoint/2010/main" val="1333647771"/>
+        <p14:creationId xmlns:p14="http://schemas.microsoft.com/office/powerpoint/2010/main" val="516913282"/>
       </p:ext>
     </p:extLst>
   </p:cSld>
@@ -6749,8 +8430,8 @@
           <a:lstStyle/>
           <a:p>
             <a:r>
-              <a:rPr lang="hu-HU" smtClean="0"/>
-              <a:t>#1 – Resources</a:t>
+              <a:rPr lang="en-US" dirty="0" smtClean="0"/>
+              <a:t>Demo Scenario </a:t>
             </a:r>
             <a:endParaRPr lang="en-US" dirty="0"/>
           </a:p>
@@ -6786,285 +8467,450 @@
           </a:prstGeom>
         </p:spPr>
       </p:pic>
-      <p:sp>
-        <p:nvSpPr>
-          <p:cNvPr id="5" name="Content Placeholder 2"/>
-          <p:cNvSpPr txBox="1">
-            <a:spLocks/>
-          </p:cNvSpPr>
+      <p:pic>
+        <p:nvPicPr>
+          <p:cNvPr id="9" name="Picture 8"/>
+          <p:cNvPicPr>
+            <a:picLocks noChangeAspect="1"/>
+          </p:cNvPicPr>
           <p:nvPr/>
-        </p:nvSpPr>
+        </p:nvPicPr>
+        <p:blipFill>
+          <a:blip r:embed="rId3">
+            <a:extLst>
+              <a:ext uri="{28A0092B-C50C-407E-A947-70E740481C1C}">
+                <a14:useLocalDpi xmlns:a14="http://schemas.microsoft.com/office/drawing/2010/main" val="0"/>
+              </a:ext>
+            </a:extLst>
+          </a:blip>
+          <a:stretch>
+            <a:fillRect/>
+          </a:stretch>
+        </p:blipFill>
         <p:spPr>
           <a:xfrm>
-            <a:off x="609600" y="1752600"/>
-            <a:ext cx="7620000" cy="4800600"/>
+            <a:off x="659721" y="1517888"/>
+            <a:ext cx="2184087" cy="1407056"/>
           </a:xfrm>
           <a:prstGeom prst="rect">
             <a:avLst/>
           </a:prstGeom>
         </p:spPr>
-        <p:txBody>
-          <a:bodyPr vert="horz" lIns="91440" tIns="45720" rIns="91440" bIns="45720" rtlCol="0">
-            <a:normAutofit/>
-          </a:bodyPr>
-          <a:lstStyle>
-            <a:lvl1pPr marL="342900" indent="-228600" algn="l" defTabSz="914400" rtl="0" eaLnBrk="1" latinLnBrk="0" hangingPunct="1">
-              <a:spcBef>
-                <a:spcPct val="20000"/>
-              </a:spcBef>
-              <a:buClr>
-                <a:schemeClr val="accent1"/>
-              </a:buClr>
-              <a:buFont typeface="Arial" pitchFamily="34" charset="0"/>
-              <a:buChar char="•"/>
-              <a:defRPr sz="2200" kern="1200">
-                <a:solidFill>
-                  <a:schemeClr val="tx1"/>
-                </a:solidFill>
-                <a:latin typeface="+mn-lt"/>
-                <a:ea typeface="+mn-ea"/>
-                <a:cs typeface="+mn-cs"/>
-              </a:defRPr>
-            </a:lvl1pPr>
-            <a:lvl2pPr marL="640080" indent="-228600" algn="l" defTabSz="914400" rtl="0" eaLnBrk="1" latinLnBrk="0" hangingPunct="1">
-              <a:spcBef>
-                <a:spcPct val="20000"/>
-              </a:spcBef>
-              <a:buClr>
-                <a:schemeClr val="accent2"/>
-              </a:buClr>
-              <a:buFont typeface="Arial" pitchFamily="34" charset="0"/>
-              <a:buChar char="•"/>
-              <a:defRPr sz="2000" kern="1200">
-                <a:solidFill>
-                  <a:schemeClr val="tx1"/>
-                </a:solidFill>
-                <a:latin typeface="+mn-lt"/>
-                <a:ea typeface="+mn-ea"/>
-                <a:cs typeface="+mn-cs"/>
-              </a:defRPr>
-            </a:lvl2pPr>
-            <a:lvl3pPr marL="1005840" indent="-228600" algn="l" defTabSz="914400" rtl="0" eaLnBrk="1" latinLnBrk="0" hangingPunct="1">
-              <a:spcBef>
-                <a:spcPct val="20000"/>
-              </a:spcBef>
-              <a:buClr>
-                <a:schemeClr val="accent3"/>
-              </a:buClr>
-              <a:buFont typeface="Arial" pitchFamily="34" charset="0"/>
-              <a:buChar char="•"/>
-              <a:defRPr sz="1800" kern="1200">
-                <a:solidFill>
-                  <a:schemeClr val="tx1"/>
-                </a:solidFill>
-                <a:latin typeface="+mn-lt"/>
-                <a:ea typeface="+mn-ea"/>
-                <a:cs typeface="+mn-cs"/>
-              </a:defRPr>
-            </a:lvl3pPr>
-            <a:lvl4pPr marL="1280160" indent="-228600" algn="l" defTabSz="914400" rtl="0" eaLnBrk="1" latinLnBrk="0" hangingPunct="1">
-              <a:spcBef>
-                <a:spcPct val="20000"/>
-              </a:spcBef>
-              <a:buClr>
-                <a:schemeClr val="accent4"/>
-              </a:buClr>
-              <a:buFont typeface="Arial" pitchFamily="34" charset="0"/>
-              <a:buChar char="•"/>
-              <a:defRPr sz="1600" kern="1200">
-                <a:solidFill>
-                  <a:schemeClr val="tx1"/>
-                </a:solidFill>
-                <a:latin typeface="+mn-lt"/>
-                <a:ea typeface="+mn-ea"/>
-                <a:cs typeface="+mn-cs"/>
-              </a:defRPr>
-            </a:lvl4pPr>
-            <a:lvl5pPr marL="1554480" indent="-228600" algn="l" defTabSz="914400" rtl="0" eaLnBrk="1" latinLnBrk="0" hangingPunct="1">
-              <a:spcBef>
-                <a:spcPct val="20000"/>
-              </a:spcBef>
-              <a:buClr>
-                <a:schemeClr val="accent5"/>
-              </a:buClr>
-              <a:buFont typeface="Arial" pitchFamily="34" charset="0"/>
-              <a:buChar char="•"/>
-              <a:defRPr sz="1400" kern="1200" baseline="0">
-                <a:solidFill>
-                  <a:schemeClr val="tx1"/>
-                </a:solidFill>
-                <a:latin typeface="+mn-lt"/>
-                <a:ea typeface="+mn-ea"/>
-                <a:cs typeface="+mn-cs"/>
-              </a:defRPr>
-            </a:lvl5pPr>
-            <a:lvl6pPr marL="1737360" indent="-182880" algn="l" defTabSz="914400" rtl="0" eaLnBrk="1" latinLnBrk="0" hangingPunct="1">
-              <a:spcBef>
-                <a:spcPct val="20000"/>
-              </a:spcBef>
-              <a:buClr>
-                <a:schemeClr val="accent1"/>
-              </a:buClr>
-              <a:buFont typeface="Arial" pitchFamily="34" charset="0"/>
-              <a:buChar char="•"/>
-              <a:defRPr sz="1400" kern="1200" baseline="0">
-                <a:solidFill>
-                  <a:schemeClr val="tx1"/>
-                </a:solidFill>
-                <a:latin typeface="+mn-lt"/>
-                <a:ea typeface="+mn-ea"/>
-                <a:cs typeface="+mn-cs"/>
-              </a:defRPr>
-            </a:lvl6pPr>
-            <a:lvl7pPr marL="1920240" indent="-182880" algn="l" defTabSz="914400" rtl="0" eaLnBrk="1" latinLnBrk="0" hangingPunct="1">
-              <a:spcBef>
-                <a:spcPct val="20000"/>
-              </a:spcBef>
-              <a:buClr>
-                <a:schemeClr val="accent2"/>
-              </a:buClr>
-              <a:buFont typeface="Arial" pitchFamily="34" charset="0"/>
-              <a:buChar char="•"/>
-              <a:defRPr sz="1400" kern="1200">
-                <a:solidFill>
-                  <a:schemeClr val="tx1"/>
-                </a:solidFill>
-                <a:latin typeface="+mn-lt"/>
-                <a:ea typeface="+mn-ea"/>
-                <a:cs typeface="+mn-cs"/>
-              </a:defRPr>
-            </a:lvl7pPr>
-            <a:lvl8pPr marL="2103120" indent="-182880" algn="l" defTabSz="914400" rtl="0" eaLnBrk="1" latinLnBrk="0" hangingPunct="1">
-              <a:spcBef>
-                <a:spcPct val="20000"/>
-              </a:spcBef>
-              <a:buClr>
-                <a:schemeClr val="accent3"/>
-              </a:buClr>
-              <a:buFont typeface="Arial" pitchFamily="34" charset="0"/>
-              <a:buChar char="•"/>
-              <a:defRPr sz="1400" kern="1200">
-                <a:solidFill>
-                  <a:schemeClr val="tx1"/>
-                </a:solidFill>
-                <a:latin typeface="+mn-lt"/>
-                <a:ea typeface="+mn-ea"/>
-                <a:cs typeface="+mn-cs"/>
-              </a:defRPr>
-            </a:lvl8pPr>
-            <a:lvl9pPr marL="2286000" indent="-182880" algn="l" defTabSz="914400" rtl="0" eaLnBrk="1" latinLnBrk="0" hangingPunct="1">
-              <a:spcBef>
-                <a:spcPct val="20000"/>
-              </a:spcBef>
-              <a:buClr>
-                <a:schemeClr val="accent4"/>
-              </a:buClr>
-              <a:buFont typeface="Arial" pitchFamily="34" charset="0"/>
-              <a:buChar char="•"/>
-              <a:defRPr sz="1400" kern="1200">
-                <a:solidFill>
-                  <a:schemeClr val="tx1"/>
-                </a:solidFill>
-                <a:latin typeface="+mn-lt"/>
-                <a:ea typeface="+mn-ea"/>
-                <a:cs typeface="+mn-cs"/>
-              </a:defRPr>
-            </a:lvl9pPr>
-          </a:lstStyle>
-          <a:p>
-            <a:endParaRPr lang="hu-HU" smtClean="0"/>
-          </a:p>
-          <a:p>
-            <a:pPr marL="114300" indent="0">
-              <a:buFont typeface="Arial" pitchFamily="34" charset="0"/>
-              <a:buNone/>
-            </a:pPr>
-            <a:endParaRPr lang="en-US" dirty="0"/>
-          </a:p>
-        </p:txBody>
-      </p:sp>
-      <p:sp>
-        <p:nvSpPr>
-          <p:cNvPr id="6" name="Content Placeholder 5"/>
-          <p:cNvSpPr>
-            <a:spLocks noGrp="1"/>
-          </p:cNvSpPr>
-          <p:nvPr>
-            <p:ph idx="1"/>
-          </p:nvPr>
-        </p:nvSpPr>
-        <p:spPr/>
-        <p:txBody>
-          <a:bodyPr/>
-          <a:lstStyle/>
-          <a:p>
-            <a:r>
-              <a:rPr lang="en-US" dirty="0" smtClean="0"/>
-              <a:t>REST level 1: Resources</a:t>
-            </a:r>
-          </a:p>
-          <a:p>
-            <a:endParaRPr lang="en-US" dirty="0" smtClean="0"/>
-          </a:p>
-          <a:p>
-            <a:r>
-              <a:rPr lang="en-US" dirty="0" smtClean="0"/>
-              <a:t>Examples:</a:t>
-            </a:r>
-          </a:p>
-          <a:p>
-            <a:pPr lvl="1"/>
-            <a:r>
-              <a:rPr lang="en-US" dirty="0" err="1" smtClean="0"/>
-              <a:t>myrest</a:t>
-            </a:r>
-            <a:r>
-              <a:rPr lang="en-US" smtClean="0"/>
-              <a:t>/1/managers</a:t>
-            </a:r>
-          </a:p>
-          <a:p>
-            <a:pPr lvl="1"/>
-            <a:r>
-              <a:rPr lang="en-US" err="1" smtClean="0"/>
-              <a:t>myrest</a:t>
-            </a:r>
-            <a:r>
-              <a:rPr lang="en-US" smtClean="0"/>
-              <a:t>/1/assistants</a:t>
-            </a:r>
-          </a:p>
-          <a:p>
-            <a:pPr lvl="1"/>
-            <a:r>
-              <a:rPr lang="en-US" err="1" smtClean="0"/>
-              <a:t>myrest</a:t>
-            </a:r>
-            <a:r>
-              <a:rPr lang="en-US" smtClean="0"/>
-              <a:t>/1/manager/2</a:t>
-            </a:r>
-          </a:p>
-          <a:p>
-            <a:pPr lvl="1"/>
-            <a:r>
-              <a:rPr lang="en-US" err="1" smtClean="0"/>
-              <a:t>myrest</a:t>
-            </a:r>
-            <a:r>
-              <a:rPr lang="en-US" smtClean="0"/>
-              <a:t>/1/assistant/5</a:t>
-            </a:r>
-          </a:p>
-          <a:p>
-            <a:endParaRPr lang="en-US"/>
-          </a:p>
-        </p:txBody>
-      </p:sp>
+      </p:pic>
+      <p:pic>
+        <p:nvPicPr>
+          <p:cNvPr id="10" name="Picture 9"/>
+          <p:cNvPicPr>
+            <a:picLocks noChangeAspect="1"/>
+          </p:cNvPicPr>
+          <p:nvPr/>
+        </p:nvPicPr>
+        <p:blipFill>
+          <a:blip r:embed="rId4" cstate="print">
+            <a:extLst>
+              <a:ext uri="{28A0092B-C50C-407E-A947-70E740481C1C}">
+                <a14:useLocalDpi xmlns:a14="http://schemas.microsoft.com/office/drawing/2010/main" val="0"/>
+              </a:ext>
+            </a:extLst>
+          </a:blip>
+          <a:stretch>
+            <a:fillRect/>
+          </a:stretch>
+        </p:blipFill>
+        <p:spPr>
+          <a:xfrm>
+            <a:off x="5800506" y="1517888"/>
+            <a:ext cx="2371894" cy="1407056"/>
+          </a:xfrm>
+          <a:prstGeom prst="rect">
+            <a:avLst/>
+          </a:prstGeom>
+        </p:spPr>
+      </p:pic>
+      <p:pic>
+        <p:nvPicPr>
+          <p:cNvPr id="11" name="Picture 10"/>
+          <p:cNvPicPr>
+            <a:picLocks noChangeAspect="1"/>
+          </p:cNvPicPr>
+          <p:nvPr/>
+        </p:nvPicPr>
+        <p:blipFill>
+          <a:blip r:embed="rId5" cstate="print">
+            <a:extLst>
+              <a:ext uri="{28A0092B-C50C-407E-A947-70E740481C1C}">
+                <a14:useLocalDpi xmlns:a14="http://schemas.microsoft.com/office/drawing/2010/main" val="0"/>
+              </a:ext>
+            </a:extLst>
+          </a:blip>
+          <a:stretch>
+            <a:fillRect/>
+          </a:stretch>
+        </p:blipFill>
+        <p:spPr>
+          <a:xfrm>
+            <a:off x="3268759" y="1529085"/>
+            <a:ext cx="2239345" cy="1395859"/>
+          </a:xfrm>
+          <a:prstGeom prst="rect">
+            <a:avLst/>
+          </a:prstGeom>
+        </p:spPr>
+      </p:pic>
+      <p:pic>
+        <p:nvPicPr>
+          <p:cNvPr id="14" name="Picture 13"/>
+          <p:cNvPicPr>
+            <a:picLocks noChangeAspect="1"/>
+          </p:cNvPicPr>
+          <p:nvPr/>
+        </p:nvPicPr>
+        <p:blipFill>
+          <a:blip r:embed="rId6" cstate="print">
+            <a:extLst>
+              <a:ext uri="{28A0092B-C50C-407E-A947-70E740481C1C}">
+                <a14:useLocalDpi xmlns:a14="http://schemas.microsoft.com/office/drawing/2010/main" val="0"/>
+              </a:ext>
+            </a:extLst>
+          </a:blip>
+          <a:stretch>
+            <a:fillRect/>
+          </a:stretch>
+        </p:blipFill>
+        <p:spPr>
+          <a:xfrm>
+            <a:off x="35496" y="3771548"/>
+            <a:ext cx="1008111" cy="1701187"/>
+          </a:xfrm>
+          <a:prstGeom prst="rect">
+            <a:avLst/>
+          </a:prstGeom>
+        </p:spPr>
+      </p:pic>
+      <p:pic>
+        <p:nvPicPr>
+          <p:cNvPr id="16" name="Picture 15"/>
+          <p:cNvPicPr>
+            <a:picLocks noChangeAspect="1"/>
+          </p:cNvPicPr>
+          <p:nvPr/>
+        </p:nvPicPr>
+        <p:blipFill rotWithShape="1">
+          <a:blip r:embed="rId7">
+            <a:extLst>
+              <a:ext uri="{28A0092B-C50C-407E-A947-70E740481C1C}">
+                <a14:useLocalDpi xmlns:a14="http://schemas.microsoft.com/office/drawing/2010/main" val="0"/>
+              </a:ext>
+            </a:extLst>
+          </a:blip>
+          <a:srcRect l="15237" r="7599"/>
+          <a:stretch/>
+        </p:blipFill>
+        <p:spPr>
+          <a:xfrm>
+            <a:off x="7308304" y="3772654"/>
+            <a:ext cx="1012371" cy="1700083"/>
+          </a:xfrm>
+          <a:prstGeom prst="rect">
+            <a:avLst/>
+          </a:prstGeom>
+        </p:spPr>
+      </p:pic>
+      <p:pic>
+        <p:nvPicPr>
+          <p:cNvPr id="19" name="Picture 18"/>
+          <p:cNvPicPr>
+            <a:picLocks noChangeAspect="1"/>
+          </p:cNvPicPr>
+          <p:nvPr/>
+        </p:nvPicPr>
+        <p:blipFill rotWithShape="1">
+          <a:blip r:embed="rId8">
+            <a:extLst>
+              <a:ext uri="{28A0092B-C50C-407E-A947-70E740481C1C}">
+                <a14:useLocalDpi xmlns:a14="http://schemas.microsoft.com/office/drawing/2010/main" val="0"/>
+              </a:ext>
+            </a:extLst>
+          </a:blip>
+          <a:srcRect l="10912" r="16779"/>
+          <a:stretch/>
+        </p:blipFill>
+        <p:spPr>
+          <a:xfrm>
+            <a:off x="6498770" y="3771549"/>
+            <a:ext cx="949291" cy="1701188"/>
+          </a:xfrm>
+          <a:prstGeom prst="rect">
+            <a:avLst/>
+          </a:prstGeom>
+        </p:spPr>
+      </p:pic>
+      <p:pic>
+        <p:nvPicPr>
+          <p:cNvPr id="20" name="Picture 19"/>
+          <p:cNvPicPr>
+            <a:picLocks noChangeAspect="1"/>
+          </p:cNvPicPr>
+          <p:nvPr/>
+        </p:nvPicPr>
+        <p:blipFill>
+          <a:blip r:embed="rId9" cstate="print">
+            <a:extLst>
+              <a:ext uri="{28A0092B-C50C-407E-A947-70E740481C1C}">
+                <a14:useLocalDpi xmlns:a14="http://schemas.microsoft.com/office/drawing/2010/main" val="0"/>
+              </a:ext>
+            </a:extLst>
+          </a:blip>
+          <a:stretch>
+            <a:fillRect/>
+          </a:stretch>
+        </p:blipFill>
+        <p:spPr>
+          <a:xfrm>
+            <a:off x="3708438" y="3771547"/>
+            <a:ext cx="1439466" cy="1701187"/>
+          </a:xfrm>
+          <a:prstGeom prst="rect">
+            <a:avLst/>
+          </a:prstGeom>
+        </p:spPr>
+      </p:pic>
+      <p:pic>
+        <p:nvPicPr>
+          <p:cNvPr id="13" name="Picture 12"/>
+          <p:cNvPicPr>
+            <a:picLocks noChangeAspect="1"/>
+          </p:cNvPicPr>
+          <p:nvPr/>
+        </p:nvPicPr>
+        <p:blipFill>
+          <a:blip r:embed="rId10" cstate="print">
+            <a:extLst>
+              <a:ext uri="{28A0092B-C50C-407E-A947-70E740481C1C}">
+                <a14:useLocalDpi xmlns:a14="http://schemas.microsoft.com/office/drawing/2010/main" val="0"/>
+              </a:ext>
+            </a:extLst>
+          </a:blip>
+          <a:stretch>
+            <a:fillRect/>
+          </a:stretch>
+        </p:blipFill>
+        <p:spPr>
+          <a:xfrm>
+            <a:off x="827584" y="3771548"/>
+            <a:ext cx="1008111" cy="1701187"/>
+          </a:xfrm>
+          <a:prstGeom prst="rect">
+            <a:avLst/>
+          </a:prstGeom>
+        </p:spPr>
+      </p:pic>
+      <p:pic>
+        <p:nvPicPr>
+          <p:cNvPr id="15" name="Picture 14"/>
+          <p:cNvPicPr>
+            <a:picLocks noChangeAspect="1"/>
+          </p:cNvPicPr>
+          <p:nvPr/>
+        </p:nvPicPr>
+        <p:blipFill>
+          <a:blip r:embed="rId11" cstate="print">
+            <a:extLst>
+              <a:ext uri="{28A0092B-C50C-407E-A947-70E740481C1C}">
+                <a14:useLocalDpi xmlns:a14="http://schemas.microsoft.com/office/drawing/2010/main" val="0"/>
+              </a:ext>
+            </a:extLst>
+          </a:blip>
+          <a:stretch>
+            <a:fillRect/>
+          </a:stretch>
+        </p:blipFill>
+        <p:spPr>
+          <a:xfrm>
+            <a:off x="1403647" y="3771548"/>
+            <a:ext cx="1008111" cy="1701187"/>
+          </a:xfrm>
+          <a:prstGeom prst="rect">
+            <a:avLst/>
+          </a:prstGeom>
+        </p:spPr>
+      </p:pic>
+      <p:pic>
+        <p:nvPicPr>
+          <p:cNvPr id="12" name="Picture 11"/>
+          <p:cNvPicPr>
+            <a:picLocks noChangeAspect="1"/>
+          </p:cNvPicPr>
+          <p:nvPr/>
+        </p:nvPicPr>
+        <p:blipFill>
+          <a:blip r:embed="rId12" cstate="print">
+            <a:extLst>
+              <a:ext uri="{28A0092B-C50C-407E-A947-70E740481C1C}">
+                <a14:useLocalDpi xmlns:a14="http://schemas.microsoft.com/office/drawing/2010/main" val="0"/>
+              </a:ext>
+            </a:extLst>
+          </a:blip>
+          <a:stretch>
+            <a:fillRect/>
+          </a:stretch>
+        </p:blipFill>
+        <p:spPr>
+          <a:xfrm flipH="1">
+            <a:off x="1835695" y="3771548"/>
+            <a:ext cx="1008111" cy="1701187"/>
+          </a:xfrm>
+          <a:prstGeom prst="rect">
+            <a:avLst/>
+          </a:prstGeom>
+        </p:spPr>
+      </p:pic>
+      <p:pic>
+        <p:nvPicPr>
+          <p:cNvPr id="17" name="Picture 16"/>
+          <p:cNvPicPr>
+            <a:picLocks noChangeAspect="1"/>
+          </p:cNvPicPr>
+          <p:nvPr/>
+        </p:nvPicPr>
+        <p:blipFill>
+          <a:blip r:embed="rId13" cstate="print">
+            <a:extLst>
+              <a:ext uri="{28A0092B-C50C-407E-A947-70E740481C1C}">
+                <a14:useLocalDpi xmlns:a14="http://schemas.microsoft.com/office/drawing/2010/main" val="0"/>
+              </a:ext>
+            </a:extLst>
+          </a:blip>
+          <a:stretch>
+            <a:fillRect/>
+          </a:stretch>
+        </p:blipFill>
+        <p:spPr>
+          <a:xfrm>
+            <a:off x="3131840" y="3772655"/>
+            <a:ext cx="1440000" cy="1701819"/>
+          </a:xfrm>
+          <a:prstGeom prst="rect">
+            <a:avLst/>
+          </a:prstGeom>
+        </p:spPr>
+      </p:pic>
+      <p:cxnSp>
+        <p:nvCxnSpPr>
+          <p:cNvPr id="21" name="Elbow Connector 20"/>
+          <p:cNvCxnSpPr>
+            <a:stCxn id="11" idx="2"/>
+            <a:endCxn id="3" idx="0"/>
+          </p:cNvCxnSpPr>
+          <p:nvPr/>
+        </p:nvCxnSpPr>
+        <p:spPr>
+          <a:xfrm rot="16200000" flipH="1">
+            <a:off x="4596141" y="2717234"/>
+            <a:ext cx="849451" cy="1264869"/>
+          </a:xfrm>
+          <a:prstGeom prst="bentConnector3">
+            <a:avLst>
+              <a:gd name="adj1" fmla="val 50000"/>
+            </a:avLst>
+          </a:prstGeom>
+          <a:ln w="12700">
+            <a:solidFill>
+              <a:schemeClr val="tx2"/>
+            </a:solidFill>
+            <a:prstDash val="dash"/>
+          </a:ln>
+        </p:spPr>
+        <p:style>
+          <a:lnRef idx="1">
+            <a:schemeClr val="accent5"/>
+          </a:lnRef>
+          <a:fillRef idx="2">
+            <a:schemeClr val="accent5"/>
+          </a:fillRef>
+          <a:effectRef idx="1">
+            <a:schemeClr val="accent5"/>
+          </a:effectRef>
+          <a:fontRef idx="minor">
+            <a:schemeClr val="dk1"/>
+          </a:fontRef>
+        </p:style>
+      </p:cxnSp>
+      <p:cxnSp>
+        <p:nvCxnSpPr>
+          <p:cNvPr id="24" name="Elbow Connector 23"/>
+          <p:cNvCxnSpPr>
+            <a:stCxn id="10" idx="2"/>
+            <a:endCxn id="3" idx="0"/>
+          </p:cNvCxnSpPr>
+          <p:nvPr/>
+        </p:nvCxnSpPr>
+        <p:spPr>
+          <a:xfrm rot="5400000">
+            <a:off x="5895152" y="2683093"/>
+            <a:ext cx="849451" cy="1333152"/>
+          </a:xfrm>
+          <a:prstGeom prst="bentConnector3">
+            <a:avLst>
+              <a:gd name="adj1" fmla="val 50000"/>
+            </a:avLst>
+          </a:prstGeom>
+          <a:ln w="12700">
+            <a:solidFill>
+              <a:schemeClr val="tx2"/>
+            </a:solidFill>
+            <a:prstDash val="dash"/>
+          </a:ln>
+        </p:spPr>
+        <p:style>
+          <a:lnRef idx="1">
+            <a:schemeClr val="accent5"/>
+          </a:lnRef>
+          <a:fillRef idx="2">
+            <a:schemeClr val="accent5"/>
+          </a:fillRef>
+          <a:effectRef idx="1">
+            <a:schemeClr val="accent5"/>
+          </a:effectRef>
+          <a:fontRef idx="minor">
+            <a:schemeClr val="dk1"/>
+          </a:fontRef>
+        </p:style>
+      </p:cxnSp>
+      <p:pic>
+        <p:nvPicPr>
+          <p:cNvPr id="3" name="Picture 2"/>
+          <p:cNvPicPr>
+            <a:picLocks noChangeAspect="1"/>
+          </p:cNvPicPr>
+          <p:nvPr/>
+        </p:nvPicPr>
+        <p:blipFill>
+          <a:blip r:embed="rId14" cstate="print">
+            <a:extLst>
+              <a:ext uri="{28A0092B-C50C-407E-A947-70E740481C1C}">
+                <a14:useLocalDpi xmlns:a14="http://schemas.microsoft.com/office/drawing/2010/main" val="0"/>
+              </a:ext>
+            </a:extLst>
+          </a:blip>
+          <a:stretch>
+            <a:fillRect/>
+          </a:stretch>
+        </p:blipFill>
+        <p:spPr>
+          <a:xfrm>
+            <a:off x="5076056" y="3774395"/>
+            <a:ext cx="1154490" cy="1700079"/>
+          </a:xfrm>
+          <a:prstGeom prst="rect">
+            <a:avLst/>
+          </a:prstGeom>
+        </p:spPr>
+      </p:pic>
     </p:spTree>
     <p:extLst>
       <p:ext uri="{BB962C8B-B14F-4D97-AF65-F5344CB8AC3E}">
-        <p14:creationId xmlns:p14="http://schemas.microsoft.com/office/powerpoint/2010/main" val="516913282"/>
+        <p14:creationId xmlns:p14="http://schemas.microsoft.com/office/powerpoint/2010/main" val="1333647771"/>
       </p:ext>
     </p:extLst>
   </p:cSld>
@@ -7405,51 +9251,756 @@
               <a:rPr lang="en-US" smtClean="0"/>
               <a:t>DELETE</a:t>
             </a:r>
+            <a:endParaRPr lang="en-US" smtClean="0"/>
+          </a:p>
+          <a:p>
+            <a:r>
+              <a:rPr lang="en-US" smtClean="0"/>
+              <a:t>Other useful operations</a:t>
+            </a:r>
           </a:p>
           <a:p>
             <a:pPr lvl="1"/>
+            <a:r>
+              <a:rPr lang="en-US" smtClean="0"/>
+              <a:t>PATCH (partial update)</a:t>
+            </a:r>
+          </a:p>
+          <a:p>
+            <a:pPr lvl="1"/>
+            <a:r>
+              <a:rPr lang="en-US" smtClean="0"/>
+              <a:t>HEAD</a:t>
+            </a:r>
+          </a:p>
+          <a:p>
+            <a:pPr lvl="1"/>
+            <a:r>
+              <a:rPr lang="en-US" smtClean="0"/>
+              <a:t>OPTIONS</a:t>
+            </a:r>
             <a:endParaRPr lang="en-US" smtClean="0"/>
           </a:p>
           <a:p>
             <a:r>
               <a:rPr lang="en-US" smtClean="0"/>
-              <a:t>Other useful operations</a:t>
-            </a:r>
-          </a:p>
-          <a:p>
-            <a:pPr lvl="1"/>
-            <a:r>
-              <a:rPr lang="en-US" smtClean="0"/>
-              <a:t>PATCH (partial update)</a:t>
-            </a:r>
-          </a:p>
-          <a:p>
-            <a:pPr lvl="1"/>
-            <a:r>
-              <a:rPr lang="en-US" smtClean="0"/>
-              <a:t>HEAD</a:t>
-            </a:r>
-          </a:p>
-          <a:p>
-            <a:pPr lvl="1"/>
-            <a:r>
-              <a:rPr lang="en-US" smtClean="0"/>
-              <a:t>OPTIONS</a:t>
-            </a:r>
-          </a:p>
-          <a:p>
-            <a:pPr lvl="1"/>
-            <a:endParaRPr lang="en-US" smtClean="0"/>
-          </a:p>
-          <a:p>
-            <a:r>
-              <a:rPr lang="en-US" smtClean="0"/>
-              <a:t>Concept: Safe operation / Idempotent operation</a:t>
+              <a:t>Safe operations </a:t>
+            </a:r>
+            <a:r>
+              <a:rPr lang="en-US" smtClean="0"/>
+              <a:t>/ Idempotent </a:t>
+            </a:r>
+            <a:r>
+              <a:rPr lang="en-US" smtClean="0"/>
+              <a:t>operations</a:t>
             </a:r>
             <a:endParaRPr lang="en-US"/>
           </a:p>
         </p:txBody>
       </p:sp>
+      <p:graphicFrame>
+        <p:nvGraphicFramePr>
+          <p:cNvPr id="3" name="Table 2"/>
+          <p:cNvGraphicFramePr>
+            <a:graphicFrameLocks noGrp="1"/>
+          </p:cNvGraphicFramePr>
+          <p:nvPr>
+            <p:extLst>
+              <p:ext uri="{D42A27DB-BD31-4B8C-83A1-F6EECF244321}">
+                <p14:modId xmlns:p14="http://schemas.microsoft.com/office/powerpoint/2010/main" val="2669025743"/>
+              </p:ext>
+            </p:extLst>
+          </p:nvPr>
+        </p:nvGraphicFramePr>
+        <p:xfrm>
+          <a:off x="1043608" y="5466928"/>
+          <a:ext cx="5903914" cy="914400"/>
+        </p:xfrm>
+        <a:graphic>
+          <a:graphicData uri="http://schemas.openxmlformats.org/drawingml/2006/table">
+            <a:tbl>
+              <a:tblPr firstRow="1" bandRow="1">
+                <a:tableStyleId>{5940675A-B579-460E-94D1-54222C63F5DA}</a:tableStyleId>
+              </a:tblPr>
+              <a:tblGrid>
+                <a:gridCol w="1334008"/>
+                <a:gridCol w="509905"/>
+                <a:gridCol w="599186"/>
+                <a:gridCol w="516255"/>
+                <a:gridCol w="755968"/>
+                <a:gridCol w="680911"/>
+                <a:gridCol w="631825"/>
+                <a:gridCol w="875856"/>
+              </a:tblGrid>
+              <a:tr h="144016">
+                <a:tc>
+                  <a:txBody>
+                    <a:bodyPr/>
+                    <a:lstStyle/>
+                    <a:p>
+                      <a:r>
+                        <a:rPr lang="en-US" sz="1400" smtClean="0"/>
+                        <a:t>Operation</a:t>
+                      </a:r>
+                      <a:endParaRPr lang="en-US" sz="1400"/>
+                    </a:p>
+                  </a:txBody>
+                  <a:tcPr/>
+                </a:tc>
+                <a:tc>
+                  <a:txBody>
+                    <a:bodyPr/>
+                    <a:lstStyle/>
+                    <a:p>
+                      <a:r>
+                        <a:rPr lang="en-US" sz="1400" smtClean="0"/>
+                        <a:t>GET</a:t>
+                      </a:r>
+                      <a:endParaRPr lang="en-US" sz="1400"/>
+                    </a:p>
+                  </a:txBody>
+                  <a:tcPr/>
+                </a:tc>
+                <a:tc>
+                  <a:txBody>
+                    <a:bodyPr/>
+                    <a:lstStyle/>
+                    <a:p>
+                      <a:r>
+                        <a:rPr lang="en-US" sz="1400" smtClean="0"/>
+                        <a:t>POST</a:t>
+                      </a:r>
+                      <a:endParaRPr lang="en-US" sz="1400"/>
+                    </a:p>
+                  </a:txBody>
+                  <a:tcPr/>
+                </a:tc>
+                <a:tc>
+                  <a:txBody>
+                    <a:bodyPr/>
+                    <a:lstStyle/>
+                    <a:p>
+                      <a:pPr marL="0" algn="l" defTabSz="914400" rtl="0" eaLnBrk="1" latinLnBrk="0" hangingPunct="1"/>
+                      <a:r>
+                        <a:rPr lang="en-US" sz="1400" kern="1200" smtClean="0">
+                          <a:solidFill>
+                            <a:schemeClr val="tx1"/>
+                          </a:solidFill>
+                          <a:latin typeface="+mn-lt"/>
+                          <a:ea typeface="+mn-ea"/>
+                          <a:cs typeface="+mn-cs"/>
+                        </a:rPr>
+                        <a:t>PUT</a:t>
+                      </a:r>
+                      <a:endParaRPr lang="en-US" sz="1400" kern="1200">
+                        <a:solidFill>
+                          <a:schemeClr val="tx1"/>
+                        </a:solidFill>
+                        <a:latin typeface="+mn-lt"/>
+                        <a:ea typeface="+mn-ea"/>
+                        <a:cs typeface="+mn-cs"/>
+                      </a:endParaRPr>
+                    </a:p>
+                  </a:txBody>
+                  <a:tcPr/>
+                </a:tc>
+                <a:tc>
+                  <a:txBody>
+                    <a:bodyPr/>
+                    <a:lstStyle/>
+                    <a:p>
+                      <a:r>
+                        <a:rPr lang="en-US" sz="1400" smtClean="0"/>
+                        <a:t>DELETE</a:t>
+                      </a:r>
+                      <a:endParaRPr lang="en-US" sz="1400"/>
+                    </a:p>
+                  </a:txBody>
+                  <a:tcPr/>
+                </a:tc>
+                <a:tc>
+                  <a:txBody>
+                    <a:bodyPr/>
+                    <a:lstStyle/>
+                    <a:p>
+                      <a:r>
+                        <a:rPr lang="en-US" sz="1400" smtClean="0"/>
+                        <a:t>PATCH</a:t>
+                      </a:r>
+                      <a:endParaRPr lang="en-US" sz="1400"/>
+                    </a:p>
+                  </a:txBody>
+                  <a:tcPr/>
+                </a:tc>
+                <a:tc>
+                  <a:txBody>
+                    <a:bodyPr/>
+                    <a:lstStyle/>
+                    <a:p>
+                      <a:r>
+                        <a:rPr lang="en-US" sz="1400" smtClean="0"/>
+                        <a:t>HEAD</a:t>
+                      </a:r>
+                      <a:endParaRPr lang="en-US" sz="1400"/>
+                    </a:p>
+                  </a:txBody>
+                  <a:tcPr/>
+                </a:tc>
+                <a:tc>
+                  <a:txBody>
+                    <a:bodyPr/>
+                    <a:lstStyle/>
+                    <a:p>
+                      <a:r>
+                        <a:rPr lang="en-US" sz="1400" smtClean="0"/>
+                        <a:t>OPTIONS</a:t>
+                      </a:r>
+                      <a:endParaRPr lang="en-US" sz="1400"/>
+                    </a:p>
+                  </a:txBody>
+                  <a:tcPr/>
+                </a:tc>
+              </a:tr>
+              <a:tr h="127248">
+                <a:tc>
+                  <a:txBody>
+                    <a:bodyPr/>
+                    <a:lstStyle/>
+                    <a:p>
+                      <a:r>
+                        <a:rPr lang="en-US" sz="1400" smtClean="0"/>
+                        <a:t>Safe</a:t>
+                      </a:r>
+                      <a:endParaRPr lang="en-US" sz="1400"/>
+                    </a:p>
+                  </a:txBody>
+                  <a:tcPr/>
+                </a:tc>
+                <a:tc>
+                  <a:txBody>
+                    <a:bodyPr/>
+                    <a:lstStyle/>
+                    <a:p>
+                      <a:pPr algn="ctr"/>
+                      <a:r>
+                        <a:rPr lang="en-US" sz="1400" smtClean="0">
+                          <a:solidFill>
+                            <a:srgbClr val="00B050"/>
+                          </a:solidFill>
+                          <a:sym typeface="Wingdings"/>
+                        </a:rPr>
+                        <a:t></a:t>
+                      </a:r>
+                      <a:endParaRPr lang="en-US" sz="1400">
+                        <a:solidFill>
+                          <a:srgbClr val="00B050"/>
+                        </a:solidFill>
+                      </a:endParaRPr>
+                    </a:p>
+                  </a:txBody>
+                  <a:tcPr/>
+                </a:tc>
+                <a:tc>
+                  <a:txBody>
+                    <a:bodyPr/>
+                    <a:lstStyle/>
+                    <a:p>
+                      <a:pPr algn="ctr"/>
+                      <a:r>
+                        <a:rPr lang="en-US" sz="1400" smtClean="0">
+                          <a:solidFill>
+                            <a:srgbClr val="FF0000"/>
+                          </a:solidFill>
+                          <a:sym typeface="Wingdings"/>
+                        </a:rPr>
+                        <a:t></a:t>
+                      </a:r>
+                      <a:endParaRPr lang="en-US" sz="1400">
+                        <a:solidFill>
+                          <a:srgbClr val="FF0000"/>
+                        </a:solidFill>
+                      </a:endParaRPr>
+                    </a:p>
+                  </a:txBody>
+                  <a:tcPr/>
+                </a:tc>
+                <a:tc>
+                  <a:txBody>
+                    <a:bodyPr/>
+                    <a:lstStyle/>
+                    <a:p>
+                      <a:pPr marL="0" algn="ctr" defTabSz="914400" rtl="0" eaLnBrk="1" latinLnBrk="0" hangingPunct="1"/>
+                      <a:r>
+                        <a:rPr lang="en-US" sz="1400" kern="1200" smtClean="0">
+                          <a:solidFill>
+                            <a:srgbClr val="FF0000"/>
+                          </a:solidFill>
+                          <a:latin typeface="+mn-lt"/>
+                          <a:ea typeface="+mn-ea"/>
+                          <a:cs typeface="+mn-cs"/>
+                          <a:sym typeface="Wingdings"/>
+                        </a:rPr>
+                        <a:t></a:t>
+                      </a:r>
+                      <a:endParaRPr lang="en-US" sz="1400" kern="1200">
+                        <a:solidFill>
+                          <a:srgbClr val="FF0000"/>
+                        </a:solidFill>
+                        <a:latin typeface="+mn-lt"/>
+                        <a:ea typeface="+mn-ea"/>
+                        <a:cs typeface="+mn-cs"/>
+                      </a:endParaRPr>
+                    </a:p>
+                  </a:txBody>
+                  <a:tcPr/>
+                </a:tc>
+                <a:tc>
+                  <a:txBody>
+                    <a:bodyPr/>
+                    <a:lstStyle/>
+                    <a:p>
+                      <a:pPr marL="0" algn="ctr" defTabSz="914400" rtl="0" eaLnBrk="1" latinLnBrk="0" hangingPunct="1"/>
+                      <a:r>
+                        <a:rPr lang="en-US" sz="1400" kern="1200" smtClean="0">
+                          <a:solidFill>
+                            <a:srgbClr val="FF0000"/>
+                          </a:solidFill>
+                          <a:latin typeface="+mn-lt"/>
+                          <a:ea typeface="+mn-ea"/>
+                          <a:cs typeface="+mn-cs"/>
+                          <a:sym typeface="Wingdings"/>
+                        </a:rPr>
+                        <a:t></a:t>
+                      </a:r>
+                      <a:endParaRPr lang="en-US" sz="1400" kern="1200">
+                        <a:solidFill>
+                          <a:srgbClr val="FF0000"/>
+                        </a:solidFill>
+                        <a:latin typeface="+mn-lt"/>
+                        <a:ea typeface="+mn-ea"/>
+                        <a:cs typeface="+mn-cs"/>
+                      </a:endParaRPr>
+                    </a:p>
+                  </a:txBody>
+                  <a:tcPr/>
+                </a:tc>
+                <a:tc>
+                  <a:txBody>
+                    <a:bodyPr/>
+                    <a:lstStyle/>
+                    <a:p>
+                      <a:pPr marL="0" algn="ctr" defTabSz="914400" rtl="0" eaLnBrk="1" latinLnBrk="0" hangingPunct="1"/>
+                      <a:r>
+                        <a:rPr lang="en-US" sz="1400" kern="1200" smtClean="0">
+                          <a:solidFill>
+                            <a:srgbClr val="FF0000"/>
+                          </a:solidFill>
+                          <a:latin typeface="+mn-lt"/>
+                          <a:ea typeface="+mn-ea"/>
+                          <a:cs typeface="+mn-cs"/>
+                          <a:sym typeface="Wingdings"/>
+                        </a:rPr>
+                        <a:t></a:t>
+                      </a:r>
+                      <a:endParaRPr lang="en-US" sz="1400" kern="1200">
+                        <a:solidFill>
+                          <a:srgbClr val="FF0000"/>
+                        </a:solidFill>
+                        <a:latin typeface="+mn-lt"/>
+                        <a:ea typeface="+mn-ea"/>
+                        <a:cs typeface="+mn-cs"/>
+                      </a:endParaRPr>
+                    </a:p>
+                  </a:txBody>
+                  <a:tcPr/>
+                </a:tc>
+                <a:tc>
+                  <a:txBody>
+                    <a:bodyPr/>
+                    <a:lstStyle/>
+                    <a:p>
+                      <a:pPr algn="ctr"/>
+                      <a:r>
+                        <a:rPr lang="en-US" sz="1400" kern="1200" smtClean="0">
+                          <a:solidFill>
+                            <a:srgbClr val="00B050"/>
+                          </a:solidFill>
+                          <a:latin typeface="+mn-lt"/>
+                          <a:ea typeface="+mn-ea"/>
+                          <a:cs typeface="+mn-cs"/>
+                          <a:sym typeface="Wingdings"/>
+                        </a:rPr>
+                        <a:t></a:t>
+                      </a:r>
+                      <a:endParaRPr lang="en-US" sz="1400" kern="1200">
+                        <a:solidFill>
+                          <a:srgbClr val="00B050"/>
+                        </a:solidFill>
+                        <a:latin typeface="+mn-lt"/>
+                        <a:ea typeface="+mn-ea"/>
+                        <a:cs typeface="+mn-cs"/>
+                      </a:endParaRPr>
+                    </a:p>
+                  </a:txBody>
+                  <a:tcPr/>
+                </a:tc>
+                <a:tc>
+                  <a:txBody>
+                    <a:bodyPr/>
+                    <a:lstStyle/>
+                    <a:p>
+                      <a:pPr algn="ctr"/>
+                      <a:r>
+                        <a:rPr lang="en-US" sz="1400" kern="1200" smtClean="0">
+                          <a:solidFill>
+                            <a:srgbClr val="00B050"/>
+                          </a:solidFill>
+                          <a:latin typeface="+mn-lt"/>
+                          <a:ea typeface="+mn-ea"/>
+                          <a:cs typeface="+mn-cs"/>
+                          <a:sym typeface="Wingdings"/>
+                        </a:rPr>
+                        <a:t></a:t>
+                      </a:r>
+                      <a:endParaRPr lang="en-US" sz="1400" kern="1200">
+                        <a:solidFill>
+                          <a:srgbClr val="00B050"/>
+                        </a:solidFill>
+                        <a:latin typeface="+mn-lt"/>
+                        <a:ea typeface="+mn-ea"/>
+                        <a:cs typeface="+mn-cs"/>
+                      </a:endParaRPr>
+                    </a:p>
+                  </a:txBody>
+                  <a:tcPr/>
+                </a:tc>
+              </a:tr>
+              <a:tr h="0">
+                <a:tc>
+                  <a:txBody>
+                    <a:bodyPr/>
+                    <a:lstStyle/>
+                    <a:p>
+                      <a:r>
+                        <a:rPr lang="en-US" sz="1400" smtClean="0"/>
+                        <a:t>Idempotent</a:t>
+                      </a:r>
+                      <a:endParaRPr lang="en-US" sz="1400"/>
+                    </a:p>
+                  </a:txBody>
+                  <a:tcPr/>
+                </a:tc>
+                <a:tc>
+                  <a:txBody>
+                    <a:bodyPr/>
+                    <a:lstStyle/>
+                    <a:p>
+                      <a:pPr marL="0" marR="0" indent="0" algn="ctr" defTabSz="914400" rtl="0" eaLnBrk="1" fontAlgn="auto" latinLnBrk="0" hangingPunct="1">
+                        <a:lnSpc>
+                          <a:spcPct val="100000"/>
+                        </a:lnSpc>
+                        <a:spcBef>
+                          <a:spcPts val="0"/>
+                        </a:spcBef>
+                        <a:spcAft>
+                          <a:spcPts val="0"/>
+                        </a:spcAft>
+                        <a:buClrTx/>
+                        <a:buSzTx/>
+                        <a:buFontTx/>
+                        <a:buNone/>
+                        <a:tabLst/>
+                        <a:defRPr/>
+                      </a:pPr>
+                      <a:r>
+                        <a:rPr lang="en-US" sz="1400" kern="1200" smtClean="0">
+                          <a:solidFill>
+                            <a:srgbClr val="00B050"/>
+                          </a:solidFill>
+                          <a:latin typeface="+mn-lt"/>
+                          <a:ea typeface="+mn-ea"/>
+                          <a:cs typeface="+mn-cs"/>
+                          <a:sym typeface="Wingdings"/>
+                        </a:rPr>
+                        <a:t></a:t>
+                      </a:r>
+                      <a:endParaRPr lang="en-US" sz="1400" kern="1200">
+                        <a:solidFill>
+                          <a:srgbClr val="00B050"/>
+                        </a:solidFill>
+                        <a:latin typeface="+mn-lt"/>
+                        <a:ea typeface="+mn-ea"/>
+                        <a:cs typeface="+mn-cs"/>
+                      </a:endParaRPr>
+                    </a:p>
+                  </a:txBody>
+                  <a:tcPr/>
+                </a:tc>
+                <a:tc>
+                  <a:txBody>
+                    <a:bodyPr/>
+                    <a:lstStyle/>
+                    <a:p>
+                      <a:pPr marL="0" algn="ctr" defTabSz="914400" rtl="0" eaLnBrk="1" latinLnBrk="0" hangingPunct="1"/>
+                      <a:r>
+                        <a:rPr lang="en-US" sz="1400" kern="1200" smtClean="0">
+                          <a:solidFill>
+                            <a:srgbClr val="FF0000"/>
+                          </a:solidFill>
+                          <a:latin typeface="+mn-lt"/>
+                          <a:ea typeface="+mn-ea"/>
+                          <a:cs typeface="+mn-cs"/>
+                          <a:sym typeface="Wingdings"/>
+                        </a:rPr>
+                        <a:t></a:t>
+                      </a:r>
+                      <a:endParaRPr lang="en-US" sz="1400" kern="1200">
+                        <a:solidFill>
+                          <a:srgbClr val="FF0000"/>
+                        </a:solidFill>
+                        <a:latin typeface="+mn-lt"/>
+                        <a:ea typeface="+mn-ea"/>
+                        <a:cs typeface="+mn-cs"/>
+                      </a:endParaRPr>
+                    </a:p>
+                  </a:txBody>
+                  <a:tcPr/>
+                </a:tc>
+                <a:tc>
+                  <a:txBody>
+                    <a:bodyPr/>
+                    <a:lstStyle/>
+                    <a:p>
+                      <a:pPr marL="0" marR="0" indent="0" algn="ctr" defTabSz="914400" rtl="0" eaLnBrk="1" fontAlgn="auto" latinLnBrk="0" hangingPunct="1">
+                        <a:lnSpc>
+                          <a:spcPct val="100000"/>
+                        </a:lnSpc>
+                        <a:spcBef>
+                          <a:spcPts val="0"/>
+                        </a:spcBef>
+                        <a:spcAft>
+                          <a:spcPts val="0"/>
+                        </a:spcAft>
+                        <a:buClrTx/>
+                        <a:buSzTx/>
+                        <a:buFontTx/>
+                        <a:buNone/>
+                        <a:tabLst/>
+                        <a:defRPr/>
+                      </a:pPr>
+                      <a:r>
+                        <a:rPr lang="en-US" sz="1400" kern="1200" smtClean="0">
+                          <a:solidFill>
+                            <a:srgbClr val="00B050"/>
+                          </a:solidFill>
+                          <a:latin typeface="+mn-lt"/>
+                          <a:ea typeface="+mn-ea"/>
+                          <a:cs typeface="+mn-cs"/>
+                          <a:sym typeface="Wingdings"/>
+                        </a:rPr>
+                        <a:t></a:t>
+                      </a:r>
+                      <a:endParaRPr lang="en-US" sz="1400" kern="1200" smtClean="0">
+                        <a:solidFill>
+                          <a:srgbClr val="00B050"/>
+                        </a:solidFill>
+                        <a:latin typeface="+mn-lt"/>
+                        <a:ea typeface="+mn-ea"/>
+                        <a:cs typeface="+mn-cs"/>
+                      </a:endParaRPr>
+                    </a:p>
+                  </a:txBody>
+                  <a:tcPr/>
+                </a:tc>
+                <a:tc>
+                  <a:txBody>
+                    <a:bodyPr/>
+                    <a:lstStyle/>
+                    <a:p>
+                      <a:pPr marL="0" marR="0" indent="0" algn="ctr" defTabSz="914400" rtl="0" eaLnBrk="1" fontAlgn="auto" latinLnBrk="0" hangingPunct="1">
+                        <a:lnSpc>
+                          <a:spcPct val="100000"/>
+                        </a:lnSpc>
+                        <a:spcBef>
+                          <a:spcPts val="0"/>
+                        </a:spcBef>
+                        <a:spcAft>
+                          <a:spcPts val="0"/>
+                        </a:spcAft>
+                        <a:buClrTx/>
+                        <a:buSzTx/>
+                        <a:buFontTx/>
+                        <a:buNone/>
+                        <a:tabLst/>
+                        <a:defRPr/>
+                      </a:pPr>
+                      <a:r>
+                        <a:rPr lang="en-US" sz="1400" kern="1200" smtClean="0">
+                          <a:solidFill>
+                            <a:srgbClr val="00B050"/>
+                          </a:solidFill>
+                          <a:latin typeface="+mn-lt"/>
+                          <a:ea typeface="+mn-ea"/>
+                          <a:cs typeface="+mn-cs"/>
+                          <a:sym typeface="Wingdings"/>
+                        </a:rPr>
+                        <a:t></a:t>
+                      </a:r>
+                      <a:endParaRPr lang="en-US" sz="1400" kern="1200">
+                        <a:solidFill>
+                          <a:srgbClr val="00B050"/>
+                        </a:solidFill>
+                        <a:latin typeface="+mn-lt"/>
+                        <a:ea typeface="+mn-ea"/>
+                        <a:cs typeface="+mn-cs"/>
+                      </a:endParaRPr>
+                    </a:p>
+                  </a:txBody>
+                  <a:tcPr/>
+                </a:tc>
+                <a:tc>
+                  <a:txBody>
+                    <a:bodyPr/>
+                    <a:lstStyle/>
+                    <a:p>
+                      <a:pPr marL="0" marR="0" indent="0" algn="ctr" defTabSz="914400" rtl="0" eaLnBrk="1" fontAlgn="auto" latinLnBrk="0" hangingPunct="1">
+                        <a:lnSpc>
+                          <a:spcPct val="100000"/>
+                        </a:lnSpc>
+                        <a:spcBef>
+                          <a:spcPts val="0"/>
+                        </a:spcBef>
+                        <a:spcAft>
+                          <a:spcPts val="0"/>
+                        </a:spcAft>
+                        <a:buClrTx/>
+                        <a:buSzTx/>
+                        <a:buFontTx/>
+                        <a:buNone/>
+                        <a:tabLst/>
+                        <a:defRPr/>
+                      </a:pPr>
+                      <a:r>
+                        <a:rPr lang="en-US" sz="1400" kern="1200" smtClean="0">
+                          <a:solidFill>
+                            <a:srgbClr val="00B050"/>
+                          </a:solidFill>
+                          <a:latin typeface="+mn-lt"/>
+                          <a:ea typeface="+mn-ea"/>
+                          <a:cs typeface="+mn-cs"/>
+                          <a:sym typeface="Wingdings"/>
+                        </a:rPr>
+                        <a:t></a:t>
+                      </a:r>
+                      <a:endParaRPr lang="en-US" sz="1400" kern="1200">
+                        <a:solidFill>
+                          <a:srgbClr val="00B050"/>
+                        </a:solidFill>
+                        <a:latin typeface="+mn-lt"/>
+                        <a:ea typeface="+mn-ea"/>
+                        <a:cs typeface="+mn-cs"/>
+                      </a:endParaRPr>
+                    </a:p>
+                  </a:txBody>
+                  <a:tcPr/>
+                </a:tc>
+                <a:tc>
+                  <a:txBody>
+                    <a:bodyPr/>
+                    <a:lstStyle/>
+                    <a:p>
+                      <a:pPr marL="0" marR="0" indent="0" algn="ctr" defTabSz="914400" rtl="0" eaLnBrk="1" fontAlgn="auto" latinLnBrk="0" hangingPunct="1">
+                        <a:lnSpc>
+                          <a:spcPct val="100000"/>
+                        </a:lnSpc>
+                        <a:spcBef>
+                          <a:spcPts val="0"/>
+                        </a:spcBef>
+                        <a:spcAft>
+                          <a:spcPts val="0"/>
+                        </a:spcAft>
+                        <a:buClrTx/>
+                        <a:buSzTx/>
+                        <a:buFontTx/>
+                        <a:buNone/>
+                        <a:tabLst/>
+                        <a:defRPr/>
+                      </a:pPr>
+                      <a:r>
+                        <a:rPr lang="en-US" sz="1400" kern="1200" smtClean="0">
+                          <a:solidFill>
+                            <a:srgbClr val="00B050"/>
+                          </a:solidFill>
+                          <a:latin typeface="+mn-lt"/>
+                          <a:ea typeface="+mn-ea"/>
+                          <a:cs typeface="+mn-cs"/>
+                          <a:sym typeface="Wingdings"/>
+                        </a:rPr>
+                        <a:t></a:t>
+                      </a:r>
+                      <a:endParaRPr lang="en-US" sz="1400" kern="1200">
+                        <a:solidFill>
+                          <a:srgbClr val="00B050"/>
+                        </a:solidFill>
+                        <a:latin typeface="+mn-lt"/>
+                        <a:ea typeface="+mn-ea"/>
+                        <a:cs typeface="+mn-cs"/>
+                      </a:endParaRPr>
+                    </a:p>
+                  </a:txBody>
+                  <a:tcPr/>
+                </a:tc>
+                <a:tc>
+                  <a:txBody>
+                    <a:bodyPr/>
+                    <a:lstStyle/>
+                    <a:p>
+                      <a:pPr marL="0" marR="0" indent="0" algn="ctr" defTabSz="914400" rtl="0" eaLnBrk="1" fontAlgn="auto" latinLnBrk="0" hangingPunct="1">
+                        <a:lnSpc>
+                          <a:spcPct val="100000"/>
+                        </a:lnSpc>
+                        <a:spcBef>
+                          <a:spcPts val="0"/>
+                        </a:spcBef>
+                        <a:spcAft>
+                          <a:spcPts val="0"/>
+                        </a:spcAft>
+                        <a:buClrTx/>
+                        <a:buSzTx/>
+                        <a:buFontTx/>
+                        <a:buNone/>
+                        <a:tabLst/>
+                        <a:defRPr/>
+                      </a:pPr>
+                      <a:r>
+                        <a:rPr lang="en-US" sz="1400" kern="1200" smtClean="0">
+                          <a:solidFill>
+                            <a:srgbClr val="00B050"/>
+                          </a:solidFill>
+                          <a:latin typeface="+mn-lt"/>
+                          <a:ea typeface="+mn-ea"/>
+                          <a:cs typeface="+mn-cs"/>
+                          <a:sym typeface="Wingdings"/>
+                        </a:rPr>
+                        <a:t></a:t>
+                      </a:r>
+                      <a:endParaRPr lang="en-US" sz="1400" kern="1200">
+                        <a:solidFill>
+                          <a:srgbClr val="00B050"/>
+                        </a:solidFill>
+                        <a:latin typeface="+mn-lt"/>
+                        <a:ea typeface="+mn-ea"/>
+                        <a:cs typeface="+mn-cs"/>
+                      </a:endParaRPr>
+                    </a:p>
+                  </a:txBody>
+                  <a:tcPr/>
+                </a:tc>
+              </a:tr>
+            </a:tbl>
+          </a:graphicData>
+        </a:graphic>
+      </p:graphicFrame>
     </p:spTree>
     <p:extLst>
       <p:ext uri="{BB962C8B-B14F-4D97-AF65-F5344CB8AC3E}">
@@ -7780,7 +10331,6 @@
               <a:rPr lang="hu-HU" smtClean="0"/>
               <a:t>Accept : application/json</a:t>
             </a:r>
-            <a:endParaRPr lang="hu-HU" smtClean="0"/>
           </a:p>
           <a:p>
             <a:r>

--- a/doc/RESTful API Design.pptx
+++ b/doc/RESTful API Design.pptx
@@ -16,9 +16,11 @@
     <p:sldId id="266" r:id="rId10"/>
     <p:sldId id="270" r:id="rId11"/>
     <p:sldId id="269" r:id="rId12"/>
-    <p:sldId id="271" r:id="rId13"/>
-    <p:sldId id="267" r:id="rId14"/>
-    <p:sldId id="268" r:id="rId15"/>
+    <p:sldId id="272" r:id="rId13"/>
+    <p:sldId id="273" r:id="rId14"/>
+    <p:sldId id="271" r:id="rId15"/>
+    <p:sldId id="267" r:id="rId16"/>
+    <p:sldId id="268" r:id="rId17"/>
   </p:sldIdLst>
   <p:sldSz cx="9144000" cy="6858000" type="screen4x3"/>
   <p:notesSz cx="6858000" cy="9144000"/>
@@ -314,7 +316,7 @@
           <a:p>
             <a:fld id="{8F790D7D-CD7D-4D5E-9011-97B269F6C972}" type="datetimeFigureOut">
               <a:rPr lang="en-US" smtClean="0"/>
-              <a:t>12/1/2014</a:t>
+              <a:t>12/2/2014</a:t>
             </a:fld>
             <a:endParaRPr lang="en-US"/>
           </a:p>
@@ -479,7 +481,7 @@
           <a:p>
             <a:fld id="{8F790D7D-CD7D-4D5E-9011-97B269F6C972}" type="datetimeFigureOut">
               <a:rPr lang="en-US" smtClean="0"/>
-              <a:t>12/1/2014</a:t>
+              <a:t>12/2/2014</a:t>
             </a:fld>
             <a:endParaRPr lang="en-US"/>
           </a:p>
@@ -654,7 +656,7 @@
           <a:p>
             <a:fld id="{8F790D7D-CD7D-4D5E-9011-97B269F6C972}" type="datetimeFigureOut">
               <a:rPr lang="en-US" smtClean="0"/>
-              <a:t>12/1/2014</a:t>
+              <a:t>12/2/2014</a:t>
             </a:fld>
             <a:endParaRPr lang="en-US"/>
           </a:p>
@@ -819,7 +821,7 @@
           <a:p>
             <a:fld id="{8F790D7D-CD7D-4D5E-9011-97B269F6C972}" type="datetimeFigureOut">
               <a:rPr lang="en-US" smtClean="0"/>
-              <a:t>12/1/2014</a:t>
+              <a:t>12/2/2014</a:t>
             </a:fld>
             <a:endParaRPr lang="en-US"/>
           </a:p>
@@ -1060,7 +1062,7 @@
           <a:p>
             <a:fld id="{8F790D7D-CD7D-4D5E-9011-97B269F6C972}" type="datetimeFigureOut">
               <a:rPr lang="en-US" smtClean="0"/>
-              <a:t>12/1/2014</a:t>
+              <a:t>12/2/2014</a:t>
             </a:fld>
             <a:endParaRPr lang="en-US"/>
           </a:p>
@@ -1343,7 +1345,7 @@
           <a:p>
             <a:fld id="{8F790D7D-CD7D-4D5E-9011-97B269F6C972}" type="datetimeFigureOut">
               <a:rPr lang="en-US" smtClean="0"/>
-              <a:t>12/1/2014</a:t>
+              <a:t>12/2/2014</a:t>
             </a:fld>
             <a:endParaRPr lang="en-US"/>
           </a:p>
@@ -1772,7 +1774,7 @@
           <a:p>
             <a:fld id="{8F790D7D-CD7D-4D5E-9011-97B269F6C972}" type="datetimeFigureOut">
               <a:rPr lang="en-US" smtClean="0"/>
-              <a:t>12/1/2014</a:t>
+              <a:t>12/2/2014</a:t>
             </a:fld>
             <a:endParaRPr lang="en-US"/>
           </a:p>
@@ -1885,7 +1887,7 @@
           <a:p>
             <a:fld id="{8F790D7D-CD7D-4D5E-9011-97B269F6C972}" type="datetimeFigureOut">
               <a:rPr lang="en-US" smtClean="0"/>
-              <a:t>12/1/2014</a:t>
+              <a:t>12/2/2014</a:t>
             </a:fld>
             <a:endParaRPr lang="en-US"/>
           </a:p>
@@ -1975,7 +1977,7 @@
           <a:p>
             <a:fld id="{8F790D7D-CD7D-4D5E-9011-97B269F6C972}" type="datetimeFigureOut">
               <a:rPr lang="en-US" smtClean="0"/>
-              <a:t>12/1/2014</a:t>
+              <a:t>12/2/2014</a:t>
             </a:fld>
             <a:endParaRPr lang="en-US"/>
           </a:p>
@@ -2164,7 +2166,7 @@
           <a:p>
             <a:fld id="{8F790D7D-CD7D-4D5E-9011-97B269F6C972}" type="datetimeFigureOut">
               <a:rPr lang="en-US" smtClean="0"/>
-              <a:t>12/1/2014</a:t>
+              <a:t>12/2/2014</a:t>
             </a:fld>
             <a:endParaRPr lang="en-US"/>
           </a:p>
@@ -2482,7 +2484,7 @@
           <a:p>
             <a:fld id="{8F790D7D-CD7D-4D5E-9011-97B269F6C972}" type="datetimeFigureOut">
               <a:rPr lang="en-US" smtClean="0"/>
-              <a:t>12/1/2014</a:t>
+              <a:t>12/2/2014</a:t>
             </a:fld>
             <a:endParaRPr lang="en-US"/>
           </a:p>
@@ -2861,7 +2863,7 @@
           <a:p>
             <a:fld id="{8F790D7D-CD7D-4D5E-9011-97B269F6C972}" type="datetimeFigureOut">
               <a:rPr lang="en-US" smtClean="0"/>
-              <a:t>12/1/2014</a:t>
+              <a:t>12/2/2014</a:t>
             </a:fld>
             <a:endParaRPr lang="en-US"/>
           </a:p>
@@ -3454,8 +3456,13 @@
           <a:p>
             <a:r>
               <a:rPr lang="hu-HU" sz="1600" smtClean="0"/>
-              <a:t>Level 2 solution </a:t>
-            </a:r>
+              <a:t>Level 2 </a:t>
+            </a:r>
+            <a:r>
+              <a:rPr lang="hu-HU" sz="1600" smtClean="0"/>
+              <a:t>answers:</a:t>
+            </a:r>
+            <a:endParaRPr lang="hu-HU" sz="1600" smtClean="0"/>
           </a:p>
           <a:p>
             <a:pPr lvl="1"/>
@@ -3468,8 +3475,20 @@
             <a:pPr lvl="1"/>
             <a:r>
               <a:rPr lang="hu-HU" sz="1200" smtClean="0"/>
-              <a:t>WADL (SOAP-WSDL style architecture)</a:t>
-            </a:r>
+              <a:t>WADL (SOAP-WSDL style architecture</a:t>
+            </a:r>
+            <a:r>
+              <a:rPr lang="hu-HU" sz="1200" smtClean="0"/>
+              <a:t>)</a:t>
+            </a:r>
+          </a:p>
+          <a:p>
+            <a:pPr lvl="1"/>
+            <a:r>
+              <a:rPr lang="hu-HU" sz="1200" smtClean="0"/>
+              <a:t>...</a:t>
+            </a:r>
+            <a:endParaRPr lang="hu-HU" sz="1200" smtClean="0"/>
           </a:p>
           <a:p>
             <a:endParaRPr lang="en-US" sz="1600"/>
@@ -3827,11 +3846,7 @@
             </a:r>
             <a:r>
               <a:rPr lang="hu-HU" smtClean="0"/>
-              <a:t> </a:t>
-            </a:r>
-            <a:r>
-              <a:rPr lang="hu-HU" smtClean="0"/>
-              <a:t>– </a:t>
+              <a:t> – </a:t>
             </a:r>
             <a:r>
               <a:rPr lang="en-US" smtClean="0"/>
@@ -4241,11 +4256,7 @@
             </a:r>
             <a:r>
               <a:rPr lang="hu-HU" smtClean="0"/>
-              <a:t> </a:t>
-            </a:r>
-            <a:r>
-              <a:rPr lang="hu-HU" smtClean="0"/>
-              <a:t>– </a:t>
+              <a:t> – </a:t>
             </a:r>
             <a:r>
               <a:rPr lang="en-US" smtClean="0"/>
@@ -4499,7 +4510,77 @@
           </a:bodyPr>
           <a:lstStyle/>
           <a:p>
-            <a:endParaRPr lang="en-US" smtClean="0"/>
+            <a:r>
+              <a:rPr lang="en-US" b="1" smtClean="0"/>
+              <a:t>HATEOAS</a:t>
+            </a:r>
+          </a:p>
+          <a:p>
+            <a:pPr lvl="1"/>
+            <a:r>
+              <a:rPr lang="en-US" b="1" smtClean="0"/>
+              <a:t>Hypermedia As The Engine Of Application State</a:t>
+            </a:r>
+          </a:p>
+          <a:p>
+            <a:pPr lvl="1"/>
+            <a:endParaRPr lang="en-US"/>
+          </a:p>
+          <a:p>
+            <a:r>
+              <a:rPr lang="en-US" smtClean="0"/>
+              <a:t>The client does not know have built-in knowledge of how to navigate/manipulate the model</a:t>
+            </a:r>
+          </a:p>
+          <a:p>
+            <a:r>
+              <a:rPr lang="en-US" smtClean="0"/>
+              <a:t>Instead server provides that dynamically</a:t>
+            </a:r>
+          </a:p>
+          <a:p>
+            <a:r>
+              <a:rPr lang="en-US" smtClean="0"/>
+              <a:t>Media types and Link Rel</a:t>
+            </a:r>
+            <a:r>
+              <a:rPr lang="hu-HU" smtClean="0"/>
+              <a:t>a</a:t>
+            </a:r>
+            <a:r>
+              <a:rPr lang="en-US" smtClean="0"/>
+              <a:t>tions</a:t>
+            </a:r>
+          </a:p>
+          <a:p>
+            <a:pPr lvl="1"/>
+            <a:r>
+              <a:rPr lang="en-US" smtClean="0"/>
+              <a:t>Client descrtibe what it wants to have with </a:t>
+            </a:r>
+            <a:r>
+              <a:rPr lang="en-US" i="1" smtClean="0"/>
+              <a:t>Accept</a:t>
+            </a:r>
+            <a:r>
+              <a:rPr lang="en-US" smtClean="0"/>
+              <a:t> header</a:t>
+            </a:r>
+          </a:p>
+          <a:p>
+            <a:pPr lvl="1"/>
+            <a:r>
+              <a:rPr lang="en-US" smtClean="0"/>
+              <a:t>Server (and client during PUT, POST) describes what is in the body with </a:t>
+            </a:r>
+            <a:r>
+              <a:rPr lang="en-US" i="1" smtClean="0"/>
+              <a:t>Content-Type</a:t>
+            </a:r>
+            <a:r>
+              <a:rPr lang="en-US" smtClean="0"/>
+              <a:t> header</a:t>
+            </a:r>
           </a:p>
           <a:p>
             <a:pPr lvl="1"/>
@@ -4518,7 +4599,7 @@
     </p:spTree>
     <p:extLst>
       <p:ext uri="{BB962C8B-B14F-4D97-AF65-F5344CB8AC3E}">
-        <p14:creationId xmlns:p14="http://schemas.microsoft.com/office/powerpoint/2010/main" val="1517171302"/>
+        <p14:creationId xmlns:p14="http://schemas.microsoft.com/office/powerpoint/2010/main" val="2651483712"/>
       </p:ext>
     </p:extLst>
   </p:cSld>
@@ -4576,8 +4657,20 @@
           <a:lstStyle/>
           <a:p>
             <a:r>
-              <a:rPr lang="en-US" smtClean="0"/>
-              <a:t>References</a:t>
+              <a:rPr lang="hu-HU" smtClean="0"/>
+              <a:t>#</a:t>
+            </a:r>
+            <a:r>
+              <a:rPr lang="en-US" smtClean="0"/>
+              <a:t>3</a:t>
+            </a:r>
+            <a:r>
+              <a:rPr lang="hu-HU" smtClean="0"/>
+              <a:t> – </a:t>
+            </a:r>
+            <a:r>
+              <a:rPr lang="en-US" smtClean="0"/>
+              <a:t>Hypermedia controls</a:t>
             </a:r>
             <a:endParaRPr lang="en-US"/>
           </a:p>
@@ -4828,69 +4921,88 @@
           <a:lstStyle/>
           <a:p>
             <a:r>
-              <a:rPr lang="en-US"/>
-              <a:t>Github</a:t>
-            </a:r>
-          </a:p>
-          <a:p>
-            <a:pPr lvl="1"/>
-            <a:r>
-              <a:rPr lang="en-US">
+              <a:rPr lang="hu-HU" smtClean="0"/>
+              <a:t>Demonstrate HATEOAS link relations using </a:t>
+            </a:r>
+            <a:r>
+              <a:rPr lang="hu-HU" smtClean="0">
                 <a:hlinkClick r:id="rId3"/>
               </a:rPr>
-              <a:t>https://github.com/istibekesi/my-restful-api</a:t>
-            </a:r>
-            <a:endParaRPr lang="en-US"/>
-          </a:p>
-          <a:p>
-            <a:r>
-              <a:rPr lang="en-US" smtClean="0"/>
-              <a:t>Various Spring modules</a:t>
-            </a:r>
-          </a:p>
-          <a:p>
-            <a:pPr lvl="1"/>
-            <a:r>
-              <a:rPr lang="en-US" smtClean="0"/>
-              <a:t>Spring MVC</a:t>
-            </a:r>
-          </a:p>
-          <a:p>
-            <a:pPr lvl="1"/>
-            <a:r>
-              <a:rPr lang="en-US" smtClean="0"/>
-              <a:t>Spring HATEOAS</a:t>
-            </a:r>
-          </a:p>
-          <a:p>
-            <a:pPr lvl="1"/>
-            <a:r>
-              <a:rPr lang="en-US" smtClean="0"/>
-              <a:t>Spring Boot</a:t>
-            </a:r>
-          </a:p>
-          <a:p>
-            <a:pPr lvl="1"/>
-            <a:r>
-              <a:rPr lang="en-US" smtClean="0"/>
-              <a:t>Spring Loaded</a:t>
-            </a:r>
-          </a:p>
-          <a:p>
-            <a:r>
-              <a:rPr lang="en-US" smtClean="0"/>
-              <a:t>POSTman – REST plugin for Chrome</a:t>
-            </a:r>
+              <a:t>rest-shell</a:t>
+            </a:r>
+            <a:endParaRPr lang="hu-HU"/>
           </a:p>
           <a:p>
             <a:endParaRPr lang="en-US" dirty="0" smtClean="0"/>
           </a:p>
-        </p:txBody>
-      </p:sp>
+          <a:p>
+            <a:pPr lvl="2"/>
+            <a:endParaRPr lang="en-US" dirty="0" smtClean="0"/>
+          </a:p>
+          <a:p>
+            <a:pPr lvl="2"/>
+            <a:endParaRPr lang="en-US" dirty="0" smtClean="0"/>
+          </a:p>
+        </p:txBody>
+      </p:sp>
+      <p:pic>
+        <p:nvPicPr>
+          <p:cNvPr id="1026" name="Picture 2"/>
+          <p:cNvPicPr>
+            <a:picLocks noChangeAspect="1" noChangeArrowheads="1"/>
+          </p:cNvPicPr>
+          <p:nvPr/>
+        </p:nvPicPr>
+        <p:blipFill>
+          <a:blip r:embed="rId4">
+            <a:extLst>
+              <a:ext uri="{28A0092B-C50C-407E-A947-70E740481C1C}">
+                <a14:useLocalDpi xmlns:a14="http://schemas.microsoft.com/office/drawing/2010/main" val="0"/>
+              </a:ext>
+            </a:extLst>
+          </a:blip>
+          <a:srcRect/>
+          <a:stretch>
+            <a:fillRect/>
+          </a:stretch>
+        </p:blipFill>
+        <p:spPr bwMode="auto">
+          <a:xfrm>
+            <a:off x="600065" y="2060848"/>
+            <a:ext cx="6987977" cy="4430983"/>
+          </a:xfrm>
+          <a:prstGeom prst="rect">
+            <a:avLst/>
+          </a:prstGeom>
+          <a:noFill/>
+          <a:ln>
+            <a:noFill/>
+          </a:ln>
+          <a:extLst>
+            <a:ext uri="{909E8E84-426E-40DD-AFC4-6F175D3DCCD1}">
+              <a14:hiddenFill xmlns:a14="http://schemas.microsoft.com/office/drawing/2010/main">
+                <a:solidFill>
+                  <a:schemeClr val="accent1"/>
+                </a:solidFill>
+              </a14:hiddenFill>
+            </a:ext>
+            <a:ext uri="{91240B29-F687-4F45-9708-019B960494DF}">
+              <a14:hiddenLine xmlns:a14="http://schemas.microsoft.com/office/drawing/2010/main" w="9525">
+                <a:solidFill>
+                  <a:schemeClr val="tx1"/>
+                </a:solidFill>
+                <a:miter lim="800000"/>
+                <a:headEnd/>
+                <a:tailEnd/>
+              </a14:hiddenLine>
+            </a:ext>
+          </a:extLst>
+        </p:spPr>
+      </p:pic>
     </p:spTree>
     <p:extLst>
       <p:ext uri="{BB962C8B-B14F-4D97-AF65-F5344CB8AC3E}">
-        <p14:creationId xmlns:p14="http://schemas.microsoft.com/office/powerpoint/2010/main" val="2506917633"/>
+        <p14:creationId xmlns:p14="http://schemas.microsoft.com/office/powerpoint/2010/main" val="3227465804"/>
       </p:ext>
     </p:extLst>
   </p:cSld>
@@ -4949,7 +5061,19 @@
           <a:p>
             <a:r>
               <a:rPr lang="hu-HU" smtClean="0"/>
-              <a:t>References</a:t>
+              <a:t>#</a:t>
+            </a:r>
+            <a:r>
+              <a:rPr lang="en-US" smtClean="0"/>
+              <a:t>3</a:t>
+            </a:r>
+            <a:r>
+              <a:rPr lang="hu-HU" smtClean="0"/>
+              <a:t> – </a:t>
+            </a:r>
+            <a:r>
+              <a:rPr lang="en-US" smtClean="0"/>
+              <a:t>Hypermedia controls</a:t>
             </a:r>
             <a:endParaRPr lang="en-US"/>
           </a:p>
@@ -4987,6 +5111,309 @@
       </p:pic>
       <p:sp>
         <p:nvSpPr>
+          <p:cNvPr id="7" name="Content Placeholder 5"/>
+          <p:cNvSpPr>
+            <a:spLocks noGrp="1"/>
+          </p:cNvSpPr>
+          <p:nvPr>
+            <p:ph idx="1"/>
+          </p:nvPr>
+        </p:nvSpPr>
+        <p:spPr>
+          <a:xfrm>
+            <a:off x="457200" y="1600200"/>
+            <a:ext cx="7620000" cy="4800600"/>
+          </a:xfrm>
+        </p:spPr>
+        <p:txBody>
+          <a:bodyPr>
+            <a:normAutofit/>
+          </a:bodyPr>
+          <a:lstStyle/>
+          <a:p>
+            <a:r>
+              <a:rPr lang="en-US"/>
+              <a:t>Roy Thomas </a:t>
+            </a:r>
+            <a:r>
+              <a:rPr lang="en-US"/>
+              <a:t>Fielding</a:t>
+            </a:r>
+            <a:r>
+              <a:rPr lang="hu-HU" smtClean="0"/>
+              <a:t> („founder of REST”)</a:t>
+            </a:r>
+            <a:endParaRPr lang="en-US" smtClean="0"/>
+          </a:p>
+          <a:p>
+            <a:pPr lvl="1"/>
+            <a:r>
+              <a:rPr lang="hu-HU" sz="1800" smtClean="0"/>
+              <a:t>„</a:t>
+            </a:r>
+            <a:r>
+              <a:rPr lang="en-US" sz="1800" smtClean="0"/>
+              <a:t>I am getting frustrated by the number of people calling any HTTP-based interface a REST API.</a:t>
+            </a:r>
+            <a:r>
+              <a:rPr lang="hu-HU" sz="1800" smtClean="0"/>
+              <a:t> </a:t>
+            </a:r>
+            <a:r>
+              <a:rPr lang="en-US" sz="1800"/>
+              <a:t>REST APIs must be </a:t>
+            </a:r>
+            <a:r>
+              <a:rPr lang="en-US" sz="1800"/>
+              <a:t>hypertext-driven</a:t>
+            </a:r>
+            <a:r>
+              <a:rPr lang="hu-HU" sz="1800" smtClean="0"/>
+              <a:t>”</a:t>
+            </a:r>
+          </a:p>
+          <a:p>
+            <a:pPr lvl="1"/>
+            <a:r>
+              <a:rPr lang="hu-HU" sz="1800" smtClean="0"/>
+              <a:t>„</a:t>
+            </a:r>
+            <a:r>
+              <a:rPr lang="en-US" sz="1800" smtClean="0"/>
+              <a:t>A </a:t>
+            </a:r>
+            <a:r>
+              <a:rPr lang="en-US" sz="1800"/>
+              <a:t>REST API should never have “typed” resources that are significant to the </a:t>
+            </a:r>
+            <a:r>
+              <a:rPr lang="en-US" sz="1800"/>
+              <a:t>client</a:t>
+            </a:r>
+            <a:r>
+              <a:rPr lang="en-US" sz="1800" smtClean="0"/>
+              <a:t>.</a:t>
+            </a:r>
+            <a:r>
+              <a:rPr lang="hu-HU" sz="1800" smtClean="0"/>
+              <a:t> </a:t>
+            </a:r>
+            <a:r>
+              <a:rPr lang="en-US" sz="1800"/>
+              <a:t>The only types that are significant to a client are the current representation’s media type and standardized relation </a:t>
+            </a:r>
+            <a:r>
+              <a:rPr lang="en-US" sz="1800"/>
+              <a:t>names</a:t>
+            </a:r>
+            <a:r>
+              <a:rPr lang="en-US" sz="1800" smtClean="0"/>
+              <a:t>.</a:t>
+            </a:r>
+            <a:r>
+              <a:rPr lang="hu-HU" sz="1800" smtClean="0"/>
+              <a:t>”</a:t>
+            </a:r>
+          </a:p>
+          <a:p>
+            <a:pPr lvl="1"/>
+            <a:r>
+              <a:rPr lang="en-US" sz="1800"/>
+              <a:t>“A REST API must not define fixed resource names or hierarchies (an obvious coupling of client and server). Servers must have the freedom to control their own </a:t>
+            </a:r>
+            <a:r>
+              <a:rPr lang="en-US" sz="1800"/>
+              <a:t>namespace</a:t>
+            </a:r>
+            <a:r>
+              <a:rPr lang="en-US" sz="1800" smtClean="0"/>
+              <a:t>.”</a:t>
+            </a:r>
+            <a:endParaRPr lang="hu-HU" sz="1800" smtClean="0"/>
+          </a:p>
+          <a:p>
+            <a:pPr lvl="1"/>
+            <a:r>
+              <a:rPr lang="en-US" sz="1800"/>
+              <a:t>The client should know about only one URI, the entry point (bookmark) URI. All other navigation should be discovered while interacting with the API. Navigation information is well conveyed using link entities, like this in XML</a:t>
+            </a:r>
+            <a:r>
+              <a:rPr lang="en-US" sz="1800"/>
+              <a:t>: </a:t>
+            </a:r>
+            <a:r>
+              <a:rPr lang="hu-HU" sz="1800" smtClean="0"/>
+              <a:t/>
+            </a:r>
+            <a:br>
+              <a:rPr lang="hu-HU" sz="1800" smtClean="0"/>
+            </a:br>
+            <a:r>
+              <a:rPr lang="hu-HU" sz="1800" smtClean="0"/>
+              <a:t>	</a:t>
+            </a:r>
+            <a:r>
+              <a:rPr lang="en-US" sz="1800" smtClean="0"/>
+              <a:t>&lt;</a:t>
+            </a:r>
+            <a:r>
+              <a:rPr lang="en-US" sz="1800"/>
+              <a:t>link rel ="users" href="http://127.0.0.1:8080/users" </a:t>
+            </a:r>
+            <a:r>
+              <a:rPr lang="en-US" sz="1800"/>
+              <a:t>/&gt; </a:t>
+            </a:r>
+            <a:r>
+              <a:rPr lang="hu-HU" sz="1800" smtClean="0"/>
+              <a:t/>
+            </a:r>
+            <a:br>
+              <a:rPr lang="hu-HU" sz="1800" smtClean="0"/>
+            </a:br>
+            <a:r>
+              <a:rPr lang="en-US" sz="1800" smtClean="0"/>
+              <a:t>or </a:t>
+            </a:r>
+            <a:r>
+              <a:rPr lang="en-US" sz="1800"/>
+              <a:t>this in JSON</a:t>
+            </a:r>
+            <a:r>
+              <a:rPr lang="en-US" sz="1800"/>
+              <a:t>: </a:t>
+            </a:r>
+            <a:r>
+              <a:rPr lang="hu-HU" sz="1800" smtClean="0"/>
+              <a:t/>
+            </a:r>
+            <a:br>
+              <a:rPr lang="hu-HU" sz="1800" smtClean="0"/>
+            </a:br>
+            <a:r>
+              <a:rPr lang="hu-HU" sz="1800" smtClean="0"/>
+              <a:t>	</a:t>
+            </a:r>
+            <a:r>
+              <a:rPr lang="en-US" sz="1800" smtClean="0"/>
+              <a:t>{ </a:t>
+            </a:r>
+            <a:r>
+              <a:rPr lang="en-US" sz="1800"/>
+              <a:t>"rel" : "users", "href" : "http://127.0.0.1:8080/users" }.</a:t>
+            </a:r>
+            <a:endParaRPr lang="hu-HU" sz="1800" smtClean="0"/>
+          </a:p>
+          <a:p>
+            <a:pPr lvl="1"/>
+            <a:endParaRPr lang="hu-HU" smtClean="0"/>
+          </a:p>
+          <a:p>
+            <a:pPr lvl="1"/>
+            <a:endParaRPr lang="en-US" smtClean="0"/>
+          </a:p>
+        </p:txBody>
+      </p:sp>
+    </p:spTree>
+    <p:extLst>
+      <p:ext uri="{BB962C8B-B14F-4D97-AF65-F5344CB8AC3E}">
+        <p14:creationId xmlns:p14="http://schemas.microsoft.com/office/powerpoint/2010/main" val="1517171302"/>
+      </p:ext>
+    </p:extLst>
+  </p:cSld>
+  <p:clrMapOvr>
+    <a:masterClrMapping/>
+  </p:clrMapOvr>
+  <mc:AlternateContent xmlns:mc="http://schemas.openxmlformats.org/markup-compatibility/2006" xmlns:p14="http://schemas.microsoft.com/office/powerpoint/2010/main">
+    <mc:Choice Requires="p14">
+      <p:transition spd="slow" p14:dur="2000"/>
+    </mc:Choice>
+    <mc:Fallback xmlns="">
+      <p:transition spd="slow"/>
+    </mc:Fallback>
+  </mc:AlternateContent>
+  <p:timing>
+    <p:tnLst>
+      <p:par>
+        <p:cTn id="1" dur="indefinite" restart="never" nodeType="tmRoot"/>
+      </p:par>
+    </p:tnLst>
+  </p:timing>
+</p:sld>
+</file>
+
+<file path=ppt/slides/slide15.xml><?xml version="1.0" encoding="utf-8"?>
+<p:sld xmlns:a="http://schemas.openxmlformats.org/drawingml/2006/main" xmlns:r="http://schemas.openxmlformats.org/officeDocument/2006/relationships" xmlns:p="http://schemas.openxmlformats.org/presentationml/2006/main">
+  <p:cSld>
+    <p:spTree>
+      <p:nvGrpSpPr>
+        <p:cNvPr id="1" name=""/>
+        <p:cNvGrpSpPr/>
+        <p:nvPr/>
+      </p:nvGrpSpPr>
+      <p:grpSpPr>
+        <a:xfrm>
+          <a:off x="0" y="0"/>
+          <a:ext cx="0" cy="0"/>
+          <a:chOff x="0" y="0"/>
+          <a:chExt cx="0" cy="0"/>
+        </a:xfrm>
+      </p:grpSpPr>
+      <p:sp>
+        <p:nvSpPr>
+          <p:cNvPr id="2" name="Title 1"/>
+          <p:cNvSpPr>
+            <a:spLocks noGrp="1"/>
+          </p:cNvSpPr>
+          <p:nvPr>
+            <p:ph type="title"/>
+          </p:nvPr>
+        </p:nvSpPr>
+        <p:spPr/>
+        <p:txBody>
+          <a:bodyPr/>
+          <a:lstStyle/>
+          <a:p>
+            <a:r>
+              <a:rPr lang="en-US" smtClean="0"/>
+              <a:t>References</a:t>
+            </a:r>
+            <a:endParaRPr lang="en-US"/>
+          </a:p>
+        </p:txBody>
+      </p:sp>
+      <p:pic>
+        <p:nvPicPr>
+          <p:cNvPr id="4" name="Picture 3"/>
+          <p:cNvPicPr>
+            <a:picLocks noChangeAspect="1"/>
+          </p:cNvPicPr>
+          <p:nvPr/>
+        </p:nvPicPr>
+        <p:blipFill>
+          <a:blip r:embed="rId2" cstate="print">
+            <a:extLst>
+              <a:ext uri="{28A0092B-C50C-407E-A947-70E740481C1C}">
+                <a14:useLocalDpi xmlns:a14="http://schemas.microsoft.com/office/drawing/2010/main" val="0"/>
+              </a:ext>
+            </a:extLst>
+          </a:blip>
+          <a:stretch>
+            <a:fillRect/>
+          </a:stretch>
+        </p:blipFill>
+        <p:spPr>
+          <a:xfrm>
+            <a:off x="6876256" y="603053"/>
+            <a:ext cx="1440160" cy="480150"/>
+          </a:xfrm>
+          <a:prstGeom prst="rect">
+            <a:avLst/>
+          </a:prstGeom>
+        </p:spPr>
+      </p:pic>
+      <p:sp>
+        <p:nvSpPr>
           <p:cNvPr id="5" name="Content Placeholder 2"/>
           <p:cNvSpPr txBox="1">
             <a:spLocks/>
@@ -5200,6 +5627,411 @@
           <a:lstStyle/>
           <a:p>
             <a:r>
+              <a:rPr lang="en-US"/>
+              <a:t>Github</a:t>
+            </a:r>
+          </a:p>
+          <a:p>
+            <a:pPr lvl="1"/>
+            <a:r>
+              <a:rPr lang="en-US">
+                <a:hlinkClick r:id="rId3"/>
+              </a:rPr>
+              <a:t>https://github.com/istibekesi/my-restful-api</a:t>
+            </a:r>
+            <a:endParaRPr lang="en-US"/>
+          </a:p>
+          <a:p>
+            <a:r>
+              <a:rPr lang="en-US" smtClean="0"/>
+              <a:t>Various Spring modules</a:t>
+            </a:r>
+          </a:p>
+          <a:p>
+            <a:pPr lvl="1"/>
+            <a:r>
+              <a:rPr lang="en-US" smtClean="0"/>
+              <a:t>Spring MVC</a:t>
+            </a:r>
+          </a:p>
+          <a:p>
+            <a:pPr lvl="1"/>
+            <a:r>
+              <a:rPr lang="en-US" smtClean="0"/>
+              <a:t>Spring HATEOAS</a:t>
+            </a:r>
+          </a:p>
+          <a:p>
+            <a:pPr lvl="1"/>
+            <a:r>
+              <a:rPr lang="en-US" smtClean="0"/>
+              <a:t>Spring Boot</a:t>
+            </a:r>
+          </a:p>
+          <a:p>
+            <a:pPr lvl="1"/>
+            <a:r>
+              <a:rPr lang="en-US" smtClean="0"/>
+              <a:t>Spring Loaded</a:t>
+            </a:r>
+          </a:p>
+          <a:p>
+            <a:r>
+              <a:rPr lang="en-US" smtClean="0"/>
+              <a:t>POSTman – REST plugin for </a:t>
+            </a:r>
+            <a:r>
+              <a:rPr lang="en-US" smtClean="0"/>
+              <a:t>Chrome</a:t>
+            </a:r>
+            <a:endParaRPr lang="hu-HU" smtClean="0"/>
+          </a:p>
+          <a:p>
+            <a:r>
+              <a:rPr lang="hu-HU"/>
+              <a:t>Rest-shell: </a:t>
+            </a:r>
+            <a:r>
+              <a:rPr lang="hu-HU">
+                <a:hlinkClick r:id="rId4"/>
+              </a:rPr>
+              <a:t>https</a:t>
+            </a:r>
+            <a:r>
+              <a:rPr lang="hu-HU">
+                <a:hlinkClick r:id="rId4"/>
+              </a:rPr>
+              <a:t>://</a:t>
+            </a:r>
+            <a:r>
+              <a:rPr lang="hu-HU" smtClean="0">
+                <a:hlinkClick r:id="rId4"/>
+              </a:rPr>
+              <a:t>github.com/spring-projects/rest-shell</a:t>
+            </a:r>
+            <a:endParaRPr lang="hu-HU" smtClean="0"/>
+          </a:p>
+          <a:p>
+            <a:endParaRPr lang="en-US" smtClean="0"/>
+          </a:p>
+          <a:p>
+            <a:endParaRPr lang="en-US" dirty="0" smtClean="0"/>
+          </a:p>
+        </p:txBody>
+      </p:sp>
+    </p:spTree>
+    <p:extLst>
+      <p:ext uri="{BB962C8B-B14F-4D97-AF65-F5344CB8AC3E}">
+        <p14:creationId xmlns:p14="http://schemas.microsoft.com/office/powerpoint/2010/main" val="2506917633"/>
+      </p:ext>
+    </p:extLst>
+  </p:cSld>
+  <p:clrMapOvr>
+    <a:masterClrMapping/>
+  </p:clrMapOvr>
+  <mc:AlternateContent xmlns:mc="http://schemas.openxmlformats.org/markup-compatibility/2006" xmlns:p14="http://schemas.microsoft.com/office/powerpoint/2010/main">
+    <mc:Choice Requires="p14">
+      <p:transition spd="slow" p14:dur="2000"/>
+    </mc:Choice>
+    <mc:Fallback xmlns="">
+      <p:transition spd="slow"/>
+    </mc:Fallback>
+  </mc:AlternateContent>
+  <p:timing>
+    <p:tnLst>
+      <p:par>
+        <p:cTn id="1" dur="indefinite" restart="never" nodeType="tmRoot"/>
+      </p:par>
+    </p:tnLst>
+  </p:timing>
+</p:sld>
+</file>
+
+<file path=ppt/slides/slide16.xml><?xml version="1.0" encoding="utf-8"?>
+<p:sld xmlns:a="http://schemas.openxmlformats.org/drawingml/2006/main" xmlns:r="http://schemas.openxmlformats.org/officeDocument/2006/relationships" xmlns:p="http://schemas.openxmlformats.org/presentationml/2006/main">
+  <p:cSld>
+    <p:spTree>
+      <p:nvGrpSpPr>
+        <p:cNvPr id="1" name=""/>
+        <p:cNvGrpSpPr/>
+        <p:nvPr/>
+      </p:nvGrpSpPr>
+      <p:grpSpPr>
+        <a:xfrm>
+          <a:off x="0" y="0"/>
+          <a:ext cx="0" cy="0"/>
+          <a:chOff x="0" y="0"/>
+          <a:chExt cx="0" cy="0"/>
+        </a:xfrm>
+      </p:grpSpPr>
+      <p:sp>
+        <p:nvSpPr>
+          <p:cNvPr id="2" name="Title 1"/>
+          <p:cNvSpPr>
+            <a:spLocks noGrp="1"/>
+          </p:cNvSpPr>
+          <p:nvPr>
+            <p:ph type="title"/>
+          </p:nvPr>
+        </p:nvSpPr>
+        <p:spPr/>
+        <p:txBody>
+          <a:bodyPr/>
+          <a:lstStyle/>
+          <a:p>
+            <a:r>
+              <a:rPr lang="hu-HU" smtClean="0"/>
+              <a:t>References</a:t>
+            </a:r>
+            <a:endParaRPr lang="en-US"/>
+          </a:p>
+        </p:txBody>
+      </p:sp>
+      <p:pic>
+        <p:nvPicPr>
+          <p:cNvPr id="4" name="Picture 3"/>
+          <p:cNvPicPr>
+            <a:picLocks noChangeAspect="1"/>
+          </p:cNvPicPr>
+          <p:nvPr/>
+        </p:nvPicPr>
+        <p:blipFill>
+          <a:blip r:embed="rId2" cstate="print">
+            <a:extLst>
+              <a:ext uri="{28A0092B-C50C-407E-A947-70E740481C1C}">
+                <a14:useLocalDpi xmlns:a14="http://schemas.microsoft.com/office/drawing/2010/main" val="0"/>
+              </a:ext>
+            </a:extLst>
+          </a:blip>
+          <a:stretch>
+            <a:fillRect/>
+          </a:stretch>
+        </p:blipFill>
+        <p:spPr>
+          <a:xfrm>
+            <a:off x="6876256" y="603053"/>
+            <a:ext cx="1440160" cy="480150"/>
+          </a:xfrm>
+          <a:prstGeom prst="rect">
+            <a:avLst/>
+          </a:prstGeom>
+        </p:spPr>
+      </p:pic>
+      <p:sp>
+        <p:nvSpPr>
+          <p:cNvPr id="5" name="Content Placeholder 2"/>
+          <p:cNvSpPr txBox="1">
+            <a:spLocks/>
+          </p:cNvSpPr>
+          <p:nvPr/>
+        </p:nvSpPr>
+        <p:spPr>
+          <a:xfrm>
+            <a:off x="609600" y="1752600"/>
+            <a:ext cx="7620000" cy="4800600"/>
+          </a:xfrm>
+          <a:prstGeom prst="rect">
+            <a:avLst/>
+          </a:prstGeom>
+        </p:spPr>
+        <p:txBody>
+          <a:bodyPr vert="horz" lIns="91440" tIns="45720" rIns="91440" bIns="45720" rtlCol="0">
+            <a:normAutofit/>
+          </a:bodyPr>
+          <a:lstStyle>
+            <a:lvl1pPr marL="342900" indent="-228600" algn="l" defTabSz="914400" rtl="0" eaLnBrk="1" latinLnBrk="0" hangingPunct="1">
+              <a:spcBef>
+                <a:spcPct val="20000"/>
+              </a:spcBef>
+              <a:buClr>
+                <a:schemeClr val="accent1"/>
+              </a:buClr>
+              <a:buFont typeface="Arial" pitchFamily="34" charset="0"/>
+              <a:buChar char="•"/>
+              <a:defRPr sz="2200" kern="1200">
+                <a:solidFill>
+                  <a:schemeClr val="tx1"/>
+                </a:solidFill>
+                <a:latin typeface="+mn-lt"/>
+                <a:ea typeface="+mn-ea"/>
+                <a:cs typeface="+mn-cs"/>
+              </a:defRPr>
+            </a:lvl1pPr>
+            <a:lvl2pPr marL="640080" indent="-228600" algn="l" defTabSz="914400" rtl="0" eaLnBrk="1" latinLnBrk="0" hangingPunct="1">
+              <a:spcBef>
+                <a:spcPct val="20000"/>
+              </a:spcBef>
+              <a:buClr>
+                <a:schemeClr val="accent2"/>
+              </a:buClr>
+              <a:buFont typeface="Arial" pitchFamily="34" charset="0"/>
+              <a:buChar char="•"/>
+              <a:defRPr sz="2000" kern="1200">
+                <a:solidFill>
+                  <a:schemeClr val="tx1"/>
+                </a:solidFill>
+                <a:latin typeface="+mn-lt"/>
+                <a:ea typeface="+mn-ea"/>
+                <a:cs typeface="+mn-cs"/>
+              </a:defRPr>
+            </a:lvl2pPr>
+            <a:lvl3pPr marL="1005840" indent="-228600" algn="l" defTabSz="914400" rtl="0" eaLnBrk="1" latinLnBrk="0" hangingPunct="1">
+              <a:spcBef>
+                <a:spcPct val="20000"/>
+              </a:spcBef>
+              <a:buClr>
+                <a:schemeClr val="accent3"/>
+              </a:buClr>
+              <a:buFont typeface="Arial" pitchFamily="34" charset="0"/>
+              <a:buChar char="•"/>
+              <a:defRPr sz="1800" kern="1200">
+                <a:solidFill>
+                  <a:schemeClr val="tx1"/>
+                </a:solidFill>
+                <a:latin typeface="+mn-lt"/>
+                <a:ea typeface="+mn-ea"/>
+                <a:cs typeface="+mn-cs"/>
+              </a:defRPr>
+            </a:lvl3pPr>
+            <a:lvl4pPr marL="1280160" indent="-228600" algn="l" defTabSz="914400" rtl="0" eaLnBrk="1" latinLnBrk="0" hangingPunct="1">
+              <a:spcBef>
+                <a:spcPct val="20000"/>
+              </a:spcBef>
+              <a:buClr>
+                <a:schemeClr val="accent4"/>
+              </a:buClr>
+              <a:buFont typeface="Arial" pitchFamily="34" charset="0"/>
+              <a:buChar char="•"/>
+              <a:defRPr sz="1600" kern="1200">
+                <a:solidFill>
+                  <a:schemeClr val="tx1"/>
+                </a:solidFill>
+                <a:latin typeface="+mn-lt"/>
+                <a:ea typeface="+mn-ea"/>
+                <a:cs typeface="+mn-cs"/>
+              </a:defRPr>
+            </a:lvl4pPr>
+            <a:lvl5pPr marL="1554480" indent="-228600" algn="l" defTabSz="914400" rtl="0" eaLnBrk="1" latinLnBrk="0" hangingPunct="1">
+              <a:spcBef>
+                <a:spcPct val="20000"/>
+              </a:spcBef>
+              <a:buClr>
+                <a:schemeClr val="accent5"/>
+              </a:buClr>
+              <a:buFont typeface="Arial" pitchFamily="34" charset="0"/>
+              <a:buChar char="•"/>
+              <a:defRPr sz="1400" kern="1200" baseline="0">
+                <a:solidFill>
+                  <a:schemeClr val="tx1"/>
+                </a:solidFill>
+                <a:latin typeface="+mn-lt"/>
+                <a:ea typeface="+mn-ea"/>
+                <a:cs typeface="+mn-cs"/>
+              </a:defRPr>
+            </a:lvl5pPr>
+            <a:lvl6pPr marL="1737360" indent="-182880" algn="l" defTabSz="914400" rtl="0" eaLnBrk="1" latinLnBrk="0" hangingPunct="1">
+              <a:spcBef>
+                <a:spcPct val="20000"/>
+              </a:spcBef>
+              <a:buClr>
+                <a:schemeClr val="accent1"/>
+              </a:buClr>
+              <a:buFont typeface="Arial" pitchFamily="34" charset="0"/>
+              <a:buChar char="•"/>
+              <a:defRPr sz="1400" kern="1200" baseline="0">
+                <a:solidFill>
+                  <a:schemeClr val="tx1"/>
+                </a:solidFill>
+                <a:latin typeface="+mn-lt"/>
+                <a:ea typeface="+mn-ea"/>
+                <a:cs typeface="+mn-cs"/>
+              </a:defRPr>
+            </a:lvl6pPr>
+            <a:lvl7pPr marL="1920240" indent="-182880" algn="l" defTabSz="914400" rtl="0" eaLnBrk="1" latinLnBrk="0" hangingPunct="1">
+              <a:spcBef>
+                <a:spcPct val="20000"/>
+              </a:spcBef>
+              <a:buClr>
+                <a:schemeClr val="accent2"/>
+              </a:buClr>
+              <a:buFont typeface="Arial" pitchFamily="34" charset="0"/>
+              <a:buChar char="•"/>
+              <a:defRPr sz="1400" kern="1200">
+                <a:solidFill>
+                  <a:schemeClr val="tx1"/>
+                </a:solidFill>
+                <a:latin typeface="+mn-lt"/>
+                <a:ea typeface="+mn-ea"/>
+                <a:cs typeface="+mn-cs"/>
+              </a:defRPr>
+            </a:lvl7pPr>
+            <a:lvl8pPr marL="2103120" indent="-182880" algn="l" defTabSz="914400" rtl="0" eaLnBrk="1" latinLnBrk="0" hangingPunct="1">
+              <a:spcBef>
+                <a:spcPct val="20000"/>
+              </a:spcBef>
+              <a:buClr>
+                <a:schemeClr val="accent3"/>
+              </a:buClr>
+              <a:buFont typeface="Arial" pitchFamily="34" charset="0"/>
+              <a:buChar char="•"/>
+              <a:defRPr sz="1400" kern="1200">
+                <a:solidFill>
+                  <a:schemeClr val="tx1"/>
+                </a:solidFill>
+                <a:latin typeface="+mn-lt"/>
+                <a:ea typeface="+mn-ea"/>
+                <a:cs typeface="+mn-cs"/>
+              </a:defRPr>
+            </a:lvl8pPr>
+            <a:lvl9pPr marL="2286000" indent="-182880" algn="l" defTabSz="914400" rtl="0" eaLnBrk="1" latinLnBrk="0" hangingPunct="1">
+              <a:spcBef>
+                <a:spcPct val="20000"/>
+              </a:spcBef>
+              <a:buClr>
+                <a:schemeClr val="accent4"/>
+              </a:buClr>
+              <a:buFont typeface="Arial" pitchFamily="34" charset="0"/>
+              <a:buChar char="•"/>
+              <a:defRPr sz="1400" kern="1200">
+                <a:solidFill>
+                  <a:schemeClr val="tx1"/>
+                </a:solidFill>
+                <a:latin typeface="+mn-lt"/>
+                <a:ea typeface="+mn-ea"/>
+                <a:cs typeface="+mn-cs"/>
+              </a:defRPr>
+            </a:lvl9pPr>
+          </a:lstStyle>
+          <a:p>
+            <a:endParaRPr lang="hu-HU" smtClean="0"/>
+          </a:p>
+          <a:p>
+            <a:pPr marL="114300" indent="0">
+              <a:buFont typeface="Arial" pitchFamily="34" charset="0"/>
+              <a:buNone/>
+            </a:pPr>
+            <a:endParaRPr lang="en-US"/>
+          </a:p>
+        </p:txBody>
+      </p:sp>
+      <p:sp>
+        <p:nvSpPr>
+          <p:cNvPr id="6" name="Content Placeholder 5"/>
+          <p:cNvSpPr>
+            <a:spLocks noGrp="1"/>
+          </p:cNvSpPr>
+          <p:nvPr>
+            <p:ph idx="1"/>
+          </p:nvPr>
+        </p:nvSpPr>
+        <p:spPr/>
+        <p:txBody>
+          <a:bodyPr>
+            <a:normAutofit/>
+          </a:bodyPr>
+          <a:lstStyle/>
+          <a:p>
+            <a:r>
               <a:rPr lang="hu-HU" smtClean="0"/>
               <a:t>Books:</a:t>
             </a:r>
@@ -5227,11 +6059,7 @@
             </a:r>
             <a:r>
               <a:rPr lang="en-US" sz="1600" i="1"/>
-              <a:t>Richardson and </a:t>
-            </a:r>
-            <a:r>
-              <a:rPr lang="en-US" sz="1600" i="1"/>
-              <a:t>Mike </a:t>
+              <a:t>Richardson and Mike </a:t>
             </a:r>
             <a:r>
               <a:rPr lang="en-US" sz="1600" i="1" smtClean="0"/>
@@ -5243,11 +6071,7 @@
             <a:pPr lvl="1"/>
             <a:r>
               <a:rPr lang="en-US"/>
-              <a:t>RESTful Web </a:t>
-            </a:r>
-            <a:r>
-              <a:rPr lang="en-US"/>
-              <a:t>Services </a:t>
+              <a:t>RESTful Web Services </a:t>
             </a:r>
             <a:r>
               <a:rPr lang="en-US" smtClean="0"/>
@@ -5272,12 +6096,46 @@
           </a:p>
           <a:p>
             <a:r>
-              <a:rPr lang="hu-HU"/>
-              <a:t>Recommended </a:t>
-            </a:r>
-            <a:r>
               <a:rPr lang="hu-HU" smtClean="0"/>
-              <a:t>lesson</a:t>
+              <a:t>Usefull Links</a:t>
+            </a:r>
+          </a:p>
+          <a:p>
+            <a:pPr lvl="1"/>
+            <a:r>
+              <a:rPr lang="hu-HU">
+                <a:hlinkClick r:id="rId3"/>
+              </a:rPr>
+              <a:t>http://</a:t>
+            </a:r>
+            <a:r>
+              <a:rPr lang="hu-HU" smtClean="0">
+                <a:hlinkClick r:id="rId3"/>
+              </a:rPr>
+              <a:t>martinfowler.com/articles/richardsonMaturityModel.html</a:t>
+            </a:r>
+            <a:endParaRPr lang="hu-HU" smtClean="0"/>
+          </a:p>
+          <a:p>
+            <a:pPr lvl="1"/>
+            <a:r>
+              <a:rPr lang="hu-HU">
+                <a:hlinkClick r:id="rId4"/>
+              </a:rPr>
+              <a:t>https://blog.safaribooksonline.com/2013/09/30/rest-hypermedia</a:t>
+            </a:r>
+            <a:r>
+              <a:rPr lang="hu-HU" smtClean="0">
+                <a:hlinkClick r:id="rId4"/>
+              </a:rPr>
+              <a:t>/</a:t>
+            </a:r>
+            <a:endParaRPr lang="hu-HU"/>
+          </a:p>
+          <a:p>
+            <a:r>
+              <a:rPr lang="hu-HU" smtClean="0"/>
+              <a:t>Recommended lesson</a:t>
             </a:r>
             <a:endParaRPr lang="hu-HU"/>
           </a:p>
@@ -5296,19 +6154,13 @@
             <a:pPr lvl="1"/>
             <a:r>
               <a:rPr lang="en-US">
-                <a:hlinkClick r:id="rId3"/>
+                <a:hlinkClick r:id="rId5"/>
               </a:rPr>
-              <a:t>http</a:t>
-            </a:r>
-            <a:r>
-              <a:rPr lang="en-US">
-                <a:hlinkClick r:id="rId3"/>
-              </a:rPr>
-              <a:t>://</a:t>
+              <a:t>http://</a:t>
             </a:r>
             <a:r>
               <a:rPr lang="en-US" smtClean="0">
-                <a:hlinkClick r:id="rId3"/>
+                <a:hlinkClick r:id="rId5"/>
               </a:rPr>
               <a:t>youtu.be/oG2rotiGr90</a:t>
             </a:r>
@@ -5325,7 +6177,7 @@
           <p:nvPr/>
         </p:nvPicPr>
         <p:blipFill>
-          <a:blip r:embed="rId4" cstate="print">
+          <a:blip r:embed="rId6" cstate="print">
             <a:extLst>
               <a:ext uri="{28A0092B-C50C-407E-A947-70E740481C1C}">
                 <a14:useLocalDpi xmlns:a14="http://schemas.microsoft.com/office/drawing/2010/main" val="0"/>
@@ -5379,7 +6231,7 @@
           <p:nvPr/>
         </p:nvPicPr>
         <p:blipFill>
-          <a:blip r:embed="rId5" cstate="print">
+          <a:blip r:embed="rId7" cstate="print">
             <a:extLst>
               <a:ext uri="{28A0092B-C50C-407E-A947-70E740481C1C}">
                 <a14:useLocalDpi xmlns:a14="http://schemas.microsoft.com/office/drawing/2010/main" val="0"/>
@@ -7479,6 +8331,92 @@
           </a:p>
         </p:txBody>
       </p:sp>
+      <p:cxnSp>
+        <p:nvCxnSpPr>
+          <p:cNvPr id="32" name="Elbow Connector 31"/>
+          <p:cNvCxnSpPr>
+            <a:stCxn id="51" idx="2"/>
+            <a:endCxn id="65" idx="2"/>
+          </p:cNvCxnSpPr>
+          <p:nvPr/>
+        </p:nvCxnSpPr>
+        <p:spPr>
+          <a:xfrm rot="16200000" flipH="1">
+            <a:off x="2033150" y="2798362"/>
+            <a:ext cx="2665432" cy="4356484"/>
+          </a:xfrm>
+          <a:prstGeom prst="bentConnector3">
+            <a:avLst>
+              <a:gd name="adj1" fmla="val 112672"/>
+            </a:avLst>
+          </a:prstGeom>
+          <a:ln w="22225">
+            <a:solidFill>
+              <a:srgbClr val="FF0000"/>
+            </a:solidFill>
+            <a:prstDash val="sysDash"/>
+          </a:ln>
+        </p:spPr>
+        <p:style>
+          <a:lnRef idx="1">
+            <a:schemeClr val="accent5"/>
+          </a:lnRef>
+          <a:fillRef idx="2">
+            <a:schemeClr val="accent5"/>
+          </a:fillRef>
+          <a:effectRef idx="1">
+            <a:schemeClr val="accent5"/>
+          </a:effectRef>
+          <a:fontRef idx="minor">
+            <a:schemeClr val="dk1"/>
+          </a:fontRef>
+        </p:style>
+      </p:cxnSp>
+      <p:sp>
+        <p:nvSpPr>
+          <p:cNvPr id="5" name="&quot;No&quot; Symbol 4"/>
+          <p:cNvSpPr/>
+          <p:nvPr/>
+        </p:nvSpPr>
+        <p:spPr>
+          <a:xfrm>
+            <a:off x="971600" y="5229200"/>
+            <a:ext cx="432048" cy="432048"/>
+          </a:xfrm>
+          <a:prstGeom prst="noSmoking">
+            <a:avLst/>
+          </a:prstGeom>
+          <a:solidFill>
+            <a:srgbClr val="FF0000"/>
+          </a:solidFill>
+        </p:spPr>
+        <p:style>
+          <a:lnRef idx="1">
+            <a:schemeClr val="dk1"/>
+          </a:lnRef>
+          <a:fillRef idx="2">
+            <a:schemeClr val="dk1"/>
+          </a:fillRef>
+          <a:effectRef idx="1">
+            <a:schemeClr val="dk1"/>
+          </a:effectRef>
+          <a:fontRef idx="minor">
+            <a:schemeClr val="dk1"/>
+          </a:fontRef>
+        </p:style>
+        <p:txBody>
+          <a:bodyPr rtlCol="0" anchor="ctr"/>
+          <a:lstStyle/>
+          <a:p>
+            <a:pPr algn="ctr"/>
+            <a:endParaRPr lang="en-US">
+              <a:solidFill>
+                <a:schemeClr val="tx1"/>
+              </a:solidFill>
+            </a:endParaRPr>
+          </a:p>
+        </p:txBody>
+      </p:sp>
     </p:spTree>
     <p:extLst>
       <p:ext uri="{BB962C8B-B14F-4D97-AF65-F5344CB8AC3E}">
@@ -7500,9 +8438,123 @@
   <p:timing>
     <p:tnLst>
       <p:par>
-        <p:cTn id="1" dur="indefinite" restart="never" nodeType="tmRoot"/>
+        <p:cTn id="1" dur="indefinite" restart="never" nodeType="tmRoot">
+          <p:childTnLst>
+            <p:seq concurrent="1" nextAc="seek">
+              <p:cTn id="2" dur="indefinite" nodeType="mainSeq">
+                <p:childTnLst>
+                  <p:par>
+                    <p:cTn id="3" fill="hold">
+                      <p:stCondLst>
+                        <p:cond delay="indefinite"/>
+                      </p:stCondLst>
+                      <p:childTnLst>
+                        <p:par>
+                          <p:cTn id="4" fill="hold">
+                            <p:stCondLst>
+                              <p:cond delay="0"/>
+                            </p:stCondLst>
+                            <p:childTnLst>
+                              <p:par>
+                                <p:cTn id="5" presetID="10" presetClass="entr" presetSubtype="0" fill="hold" nodeType="clickEffect">
+                                  <p:stCondLst>
+                                    <p:cond delay="0"/>
+                                  </p:stCondLst>
+                                  <p:childTnLst>
+                                    <p:set>
+                                      <p:cBhvr>
+                                        <p:cTn id="6" dur="1" fill="hold">
+                                          <p:stCondLst>
+                                            <p:cond delay="0"/>
+                                          </p:stCondLst>
+                                        </p:cTn>
+                                        <p:tgtEl>
+                                          <p:spTgt spid="32"/>
+                                        </p:tgtEl>
+                                        <p:attrNameLst>
+                                          <p:attrName>style.visibility</p:attrName>
+                                        </p:attrNameLst>
+                                      </p:cBhvr>
+                                      <p:to>
+                                        <p:strVal val="visible"/>
+                                      </p:to>
+                                    </p:set>
+                                    <p:animEffect transition="in" filter="fade">
+                                      <p:cBhvr>
+                                        <p:cTn id="7" dur="500"/>
+                                        <p:tgtEl>
+                                          <p:spTgt spid="32"/>
+                                        </p:tgtEl>
+                                      </p:cBhvr>
+                                    </p:animEffect>
+                                  </p:childTnLst>
+                                </p:cTn>
+                              </p:par>
+                              <p:par>
+                                <p:cTn id="8" presetID="10" presetClass="entr" presetSubtype="0" fill="hold" grpId="0" nodeType="withEffect">
+                                  <p:stCondLst>
+                                    <p:cond delay="0"/>
+                                  </p:stCondLst>
+                                  <p:childTnLst>
+                                    <p:set>
+                                      <p:cBhvr>
+                                        <p:cTn id="9" dur="1" fill="hold">
+                                          <p:stCondLst>
+                                            <p:cond delay="0"/>
+                                          </p:stCondLst>
+                                        </p:cTn>
+                                        <p:tgtEl>
+                                          <p:spTgt spid="5"/>
+                                        </p:tgtEl>
+                                        <p:attrNameLst>
+                                          <p:attrName>style.visibility</p:attrName>
+                                        </p:attrNameLst>
+                                      </p:cBhvr>
+                                      <p:to>
+                                        <p:strVal val="visible"/>
+                                      </p:to>
+                                    </p:set>
+                                    <p:animEffect transition="in" filter="fade">
+                                      <p:cBhvr>
+                                        <p:cTn id="10" dur="500"/>
+                                        <p:tgtEl>
+                                          <p:spTgt spid="5"/>
+                                        </p:tgtEl>
+                                      </p:cBhvr>
+                                    </p:animEffect>
+                                  </p:childTnLst>
+                                </p:cTn>
+                              </p:par>
+                            </p:childTnLst>
+                          </p:cTn>
+                        </p:par>
+                      </p:childTnLst>
+                    </p:cTn>
+                  </p:par>
+                </p:childTnLst>
+              </p:cTn>
+              <p:prevCondLst>
+                <p:cond evt="onPrev" delay="0">
+                  <p:tgtEl>
+                    <p:sldTgt/>
+                  </p:tgtEl>
+                </p:cond>
+              </p:prevCondLst>
+              <p:nextCondLst>
+                <p:cond evt="onNext" delay="0">
+                  <p:tgtEl>
+                    <p:sldTgt/>
+                  </p:tgtEl>
+                </p:cond>
+              </p:nextCondLst>
+            </p:seq>
+          </p:childTnLst>
+        </p:cTn>
       </p:par>
     </p:tnLst>
+    <p:bldLst>
+      <p:bldP spid="5" grpId="0" animBg="1"/>
+    </p:bldLst>
   </p:timing>
 </p:sld>
 </file>
@@ -9230,69 +10282,90 @@
               <a:rPr lang="en-US" smtClean="0"/>
               <a:t>GET</a:t>
             </a:r>
+            <a:r>
+              <a:rPr lang="hu-HU" smtClean="0"/>
+              <a:t>, </a:t>
+            </a:r>
+            <a:r>
+              <a:rPr lang="en-US" smtClean="0"/>
+              <a:t>POST</a:t>
+            </a:r>
+            <a:r>
+              <a:rPr lang="hu-HU" smtClean="0"/>
+              <a:t>, </a:t>
+            </a:r>
+            <a:r>
+              <a:rPr lang="en-US" smtClean="0"/>
+              <a:t>PUT</a:t>
+            </a:r>
+            <a:r>
+              <a:rPr lang="hu-HU" smtClean="0"/>
+              <a:t>, </a:t>
+            </a:r>
+            <a:r>
+              <a:rPr lang="en-US" smtClean="0"/>
+              <a:t>DELETE</a:t>
+            </a:r>
+            <a:endParaRPr lang="en-US" smtClean="0"/>
+          </a:p>
+          <a:p>
+            <a:endParaRPr lang="hu-HU" smtClean="0"/>
+          </a:p>
+          <a:p>
+            <a:r>
+              <a:rPr lang="en-US" smtClean="0"/>
+              <a:t>Other </a:t>
+            </a:r>
+            <a:r>
+              <a:rPr lang="en-US" smtClean="0"/>
+              <a:t>useful operations</a:t>
+            </a:r>
           </a:p>
           <a:p>
             <a:pPr lvl="1"/>
             <a:r>
               <a:rPr lang="en-US" smtClean="0"/>
-              <a:t>POST</a:t>
+              <a:t>PATCH (partial update)</a:t>
             </a:r>
           </a:p>
           <a:p>
             <a:pPr lvl="1"/>
             <a:r>
               <a:rPr lang="en-US" smtClean="0"/>
-              <a:t>PUT</a:t>
-            </a:r>
+              <a:t>HEAD</a:t>
+            </a:r>
+            <a:r>
+              <a:rPr lang="hu-HU" smtClean="0"/>
+              <a:t> (get without body)</a:t>
+            </a:r>
+            <a:endParaRPr lang="en-US" smtClean="0"/>
           </a:p>
           <a:p>
             <a:pPr lvl="1"/>
             <a:r>
               <a:rPr lang="en-US" smtClean="0"/>
-              <a:t>DELETE</a:t>
-            </a:r>
+              <a:t>OPTIONS</a:t>
+            </a:r>
+            <a:r>
+              <a:rPr lang="hu-HU" smtClean="0"/>
+              <a:t> (what are the accapted verbs?)</a:t>
+            </a:r>
+          </a:p>
+          <a:p>
+            <a:pPr lvl="1"/>
+            <a:r>
+              <a:rPr lang="hu-HU" smtClean="0"/>
+              <a:t>LINK, UNLINK</a:t>
+            </a:r>
+          </a:p>
+          <a:p>
+            <a:pPr lvl="1"/>
             <a:endParaRPr lang="en-US" smtClean="0"/>
           </a:p>
           <a:p>
             <a:r>
               <a:rPr lang="en-US" smtClean="0"/>
-              <a:t>Other useful operations</a:t>
-            </a:r>
-          </a:p>
-          <a:p>
-            <a:pPr lvl="1"/>
-            <a:r>
-              <a:rPr lang="en-US" smtClean="0"/>
-              <a:t>PATCH (partial update)</a:t>
-            </a:r>
-          </a:p>
-          <a:p>
-            <a:pPr lvl="1"/>
-            <a:r>
-              <a:rPr lang="en-US" smtClean="0"/>
-              <a:t>HEAD</a:t>
-            </a:r>
-          </a:p>
-          <a:p>
-            <a:pPr lvl="1"/>
-            <a:r>
-              <a:rPr lang="en-US" smtClean="0"/>
-              <a:t>OPTIONS</a:t>
-            </a:r>
-            <a:endParaRPr lang="en-US" smtClean="0"/>
-          </a:p>
-          <a:p>
-            <a:r>
-              <a:rPr lang="en-US" smtClean="0"/>
-              <a:t>Safe operations </a:t>
-            </a:r>
-            <a:r>
-              <a:rPr lang="en-US" smtClean="0"/>
-              <a:t>/ Idempotent </a:t>
-            </a:r>
-            <a:r>
-              <a:rPr lang="en-US" smtClean="0"/>
-              <a:t>operations</a:t>
+              <a:t>Safe operations / Idempotent operations</a:t>
             </a:r>
             <a:endParaRPr lang="en-US"/>
           </a:p>

--- a/doc/RESTful API Design.pptx
+++ b/doc/RESTful API Design.pptx
@@ -17,10 +17,11 @@
     <p:sldId id="270" r:id="rId11"/>
     <p:sldId id="269" r:id="rId12"/>
     <p:sldId id="272" r:id="rId13"/>
-    <p:sldId id="273" r:id="rId14"/>
-    <p:sldId id="271" r:id="rId15"/>
-    <p:sldId id="267" r:id="rId16"/>
-    <p:sldId id="268" r:id="rId17"/>
+    <p:sldId id="271" r:id="rId14"/>
+    <p:sldId id="273" r:id="rId15"/>
+    <p:sldId id="274" r:id="rId16"/>
+    <p:sldId id="267" r:id="rId17"/>
+    <p:sldId id="268" r:id="rId18"/>
   </p:sldIdLst>
   <p:sldSz cx="9144000" cy="6858000" type="screen4x3"/>
   <p:notesSz cx="6858000" cy="9144000"/>
@@ -3456,13 +3457,8 @@
           <a:p>
             <a:r>
               <a:rPr lang="hu-HU" sz="1600" smtClean="0"/>
-              <a:t>Level 2 </a:t>
-            </a:r>
-            <a:r>
-              <a:rPr lang="hu-HU" sz="1600" smtClean="0"/>
-              <a:t>answers:</a:t>
-            </a:r>
-            <a:endParaRPr lang="hu-HU" sz="1600" smtClean="0"/>
+              <a:t>Level 2 answers:</a:t>
+            </a:r>
           </a:p>
           <a:p>
             <a:pPr lvl="1"/>
@@ -3475,11 +3471,7 @@
             <a:pPr lvl="1"/>
             <a:r>
               <a:rPr lang="hu-HU" sz="1200" smtClean="0"/>
-              <a:t>WADL (SOAP-WSDL style architecture</a:t>
-            </a:r>
-            <a:r>
-              <a:rPr lang="hu-HU" sz="1200" smtClean="0"/>
-              <a:t>)</a:t>
+              <a:t>WADL (SOAP-WSDL style architecture)</a:t>
             </a:r>
           </a:p>
           <a:p>
@@ -3488,7 +3480,6 @@
               <a:rPr lang="hu-HU" sz="1200" smtClean="0"/>
               <a:t>...</a:t>
             </a:r>
-            <a:endParaRPr lang="hu-HU" sz="1200" smtClean="0"/>
           </a:p>
           <a:p>
             <a:endParaRPr lang="en-US" sz="1600"/>
@@ -4708,204 +4699,7 @@
       </p:pic>
       <p:sp>
         <p:nvSpPr>
-          <p:cNvPr id="5" name="Content Placeholder 2"/>
-          <p:cNvSpPr txBox="1">
-            <a:spLocks/>
-          </p:cNvSpPr>
-          <p:nvPr/>
-        </p:nvSpPr>
-        <p:spPr>
-          <a:xfrm>
-            <a:off x="609600" y="1752600"/>
-            <a:ext cx="7620000" cy="4800600"/>
-          </a:xfrm>
-          <a:prstGeom prst="rect">
-            <a:avLst/>
-          </a:prstGeom>
-        </p:spPr>
-        <p:txBody>
-          <a:bodyPr vert="horz" lIns="91440" tIns="45720" rIns="91440" bIns="45720" rtlCol="0">
-            <a:normAutofit/>
-          </a:bodyPr>
-          <a:lstStyle>
-            <a:lvl1pPr marL="342900" indent="-228600" algn="l" defTabSz="914400" rtl="0" eaLnBrk="1" latinLnBrk="0" hangingPunct="1">
-              <a:spcBef>
-                <a:spcPct val="20000"/>
-              </a:spcBef>
-              <a:buClr>
-                <a:schemeClr val="accent1"/>
-              </a:buClr>
-              <a:buFont typeface="Arial" pitchFamily="34" charset="0"/>
-              <a:buChar char="•"/>
-              <a:defRPr sz="2200" kern="1200">
-                <a:solidFill>
-                  <a:schemeClr val="tx1"/>
-                </a:solidFill>
-                <a:latin typeface="+mn-lt"/>
-                <a:ea typeface="+mn-ea"/>
-                <a:cs typeface="+mn-cs"/>
-              </a:defRPr>
-            </a:lvl1pPr>
-            <a:lvl2pPr marL="640080" indent="-228600" algn="l" defTabSz="914400" rtl="0" eaLnBrk="1" latinLnBrk="0" hangingPunct="1">
-              <a:spcBef>
-                <a:spcPct val="20000"/>
-              </a:spcBef>
-              <a:buClr>
-                <a:schemeClr val="accent2"/>
-              </a:buClr>
-              <a:buFont typeface="Arial" pitchFamily="34" charset="0"/>
-              <a:buChar char="•"/>
-              <a:defRPr sz="2000" kern="1200">
-                <a:solidFill>
-                  <a:schemeClr val="tx1"/>
-                </a:solidFill>
-                <a:latin typeface="+mn-lt"/>
-                <a:ea typeface="+mn-ea"/>
-                <a:cs typeface="+mn-cs"/>
-              </a:defRPr>
-            </a:lvl2pPr>
-            <a:lvl3pPr marL="1005840" indent="-228600" algn="l" defTabSz="914400" rtl="0" eaLnBrk="1" latinLnBrk="0" hangingPunct="1">
-              <a:spcBef>
-                <a:spcPct val="20000"/>
-              </a:spcBef>
-              <a:buClr>
-                <a:schemeClr val="accent3"/>
-              </a:buClr>
-              <a:buFont typeface="Arial" pitchFamily="34" charset="0"/>
-              <a:buChar char="•"/>
-              <a:defRPr sz="1800" kern="1200">
-                <a:solidFill>
-                  <a:schemeClr val="tx1"/>
-                </a:solidFill>
-                <a:latin typeface="+mn-lt"/>
-                <a:ea typeface="+mn-ea"/>
-                <a:cs typeface="+mn-cs"/>
-              </a:defRPr>
-            </a:lvl3pPr>
-            <a:lvl4pPr marL="1280160" indent="-228600" algn="l" defTabSz="914400" rtl="0" eaLnBrk="1" latinLnBrk="0" hangingPunct="1">
-              <a:spcBef>
-                <a:spcPct val="20000"/>
-              </a:spcBef>
-              <a:buClr>
-                <a:schemeClr val="accent4"/>
-              </a:buClr>
-              <a:buFont typeface="Arial" pitchFamily="34" charset="0"/>
-              <a:buChar char="•"/>
-              <a:defRPr sz="1600" kern="1200">
-                <a:solidFill>
-                  <a:schemeClr val="tx1"/>
-                </a:solidFill>
-                <a:latin typeface="+mn-lt"/>
-                <a:ea typeface="+mn-ea"/>
-                <a:cs typeface="+mn-cs"/>
-              </a:defRPr>
-            </a:lvl4pPr>
-            <a:lvl5pPr marL="1554480" indent="-228600" algn="l" defTabSz="914400" rtl="0" eaLnBrk="1" latinLnBrk="0" hangingPunct="1">
-              <a:spcBef>
-                <a:spcPct val="20000"/>
-              </a:spcBef>
-              <a:buClr>
-                <a:schemeClr val="accent5"/>
-              </a:buClr>
-              <a:buFont typeface="Arial" pitchFamily="34" charset="0"/>
-              <a:buChar char="•"/>
-              <a:defRPr sz="1400" kern="1200" baseline="0">
-                <a:solidFill>
-                  <a:schemeClr val="tx1"/>
-                </a:solidFill>
-                <a:latin typeface="+mn-lt"/>
-                <a:ea typeface="+mn-ea"/>
-                <a:cs typeface="+mn-cs"/>
-              </a:defRPr>
-            </a:lvl5pPr>
-            <a:lvl6pPr marL="1737360" indent="-182880" algn="l" defTabSz="914400" rtl="0" eaLnBrk="1" latinLnBrk="0" hangingPunct="1">
-              <a:spcBef>
-                <a:spcPct val="20000"/>
-              </a:spcBef>
-              <a:buClr>
-                <a:schemeClr val="accent1"/>
-              </a:buClr>
-              <a:buFont typeface="Arial" pitchFamily="34" charset="0"/>
-              <a:buChar char="•"/>
-              <a:defRPr sz="1400" kern="1200" baseline="0">
-                <a:solidFill>
-                  <a:schemeClr val="tx1"/>
-                </a:solidFill>
-                <a:latin typeface="+mn-lt"/>
-                <a:ea typeface="+mn-ea"/>
-                <a:cs typeface="+mn-cs"/>
-              </a:defRPr>
-            </a:lvl6pPr>
-            <a:lvl7pPr marL="1920240" indent="-182880" algn="l" defTabSz="914400" rtl="0" eaLnBrk="1" latinLnBrk="0" hangingPunct="1">
-              <a:spcBef>
-                <a:spcPct val="20000"/>
-              </a:spcBef>
-              <a:buClr>
-                <a:schemeClr val="accent2"/>
-              </a:buClr>
-              <a:buFont typeface="Arial" pitchFamily="34" charset="0"/>
-              <a:buChar char="•"/>
-              <a:defRPr sz="1400" kern="1200">
-                <a:solidFill>
-                  <a:schemeClr val="tx1"/>
-                </a:solidFill>
-                <a:latin typeface="+mn-lt"/>
-                <a:ea typeface="+mn-ea"/>
-                <a:cs typeface="+mn-cs"/>
-              </a:defRPr>
-            </a:lvl7pPr>
-            <a:lvl8pPr marL="2103120" indent="-182880" algn="l" defTabSz="914400" rtl="0" eaLnBrk="1" latinLnBrk="0" hangingPunct="1">
-              <a:spcBef>
-                <a:spcPct val="20000"/>
-              </a:spcBef>
-              <a:buClr>
-                <a:schemeClr val="accent3"/>
-              </a:buClr>
-              <a:buFont typeface="Arial" pitchFamily="34" charset="0"/>
-              <a:buChar char="•"/>
-              <a:defRPr sz="1400" kern="1200">
-                <a:solidFill>
-                  <a:schemeClr val="tx1"/>
-                </a:solidFill>
-                <a:latin typeface="+mn-lt"/>
-                <a:ea typeface="+mn-ea"/>
-                <a:cs typeface="+mn-cs"/>
-              </a:defRPr>
-            </a:lvl8pPr>
-            <a:lvl9pPr marL="2286000" indent="-182880" algn="l" defTabSz="914400" rtl="0" eaLnBrk="1" latinLnBrk="0" hangingPunct="1">
-              <a:spcBef>
-                <a:spcPct val="20000"/>
-              </a:spcBef>
-              <a:buClr>
-                <a:schemeClr val="accent4"/>
-              </a:buClr>
-              <a:buFont typeface="Arial" pitchFamily="34" charset="0"/>
-              <a:buChar char="•"/>
-              <a:defRPr sz="1400" kern="1200">
-                <a:solidFill>
-                  <a:schemeClr val="tx1"/>
-                </a:solidFill>
-                <a:latin typeface="+mn-lt"/>
-                <a:ea typeface="+mn-ea"/>
-                <a:cs typeface="+mn-cs"/>
-              </a:defRPr>
-            </a:lvl9pPr>
-          </a:lstStyle>
-          <a:p>
-            <a:endParaRPr lang="hu-HU" smtClean="0"/>
-          </a:p>
-          <a:p>
-            <a:pPr marL="114300" indent="0">
-              <a:buFont typeface="Arial" pitchFamily="34" charset="0"/>
-              <a:buNone/>
-            </a:pPr>
-            <a:endParaRPr lang="en-US"/>
-          </a:p>
-        </p:txBody>
-      </p:sp>
-      <p:sp>
-        <p:nvSpPr>
-          <p:cNvPr id="6" name="Content Placeholder 5"/>
+          <p:cNvPr id="7" name="Content Placeholder 5"/>
           <p:cNvSpPr>
             <a:spLocks noGrp="1"/>
           </p:cNvSpPr>
@@ -4913,7 +4707,12 @@
             <p:ph idx="1"/>
           </p:nvPr>
         </p:nvSpPr>
-        <p:spPr/>
+        <p:spPr>
+          <a:xfrm>
+            <a:off x="457200" y="1600200"/>
+            <a:ext cx="7620000" cy="4800600"/>
+          </a:xfrm>
+        </p:spPr>
         <p:txBody>
           <a:bodyPr>
             <a:normAutofit/>
@@ -4921,88 +4720,188 @@
           <a:lstStyle/>
           <a:p>
             <a:r>
+              <a:rPr lang="en-US"/>
+              <a:t>Roy Thomas Fielding</a:t>
+            </a:r>
+            <a:r>
               <a:rPr lang="hu-HU" smtClean="0"/>
-              <a:t>Demonstrate HATEOAS link relations using </a:t>
-            </a:r>
-            <a:r>
-              <a:rPr lang="hu-HU" smtClean="0">
-                <a:hlinkClick r:id="rId3"/>
-              </a:rPr>
-              <a:t>rest-shell</a:t>
-            </a:r>
-            <a:endParaRPr lang="hu-HU"/>
-          </a:p>
-          <a:p>
-            <a:endParaRPr lang="en-US" dirty="0" smtClean="0"/>
-          </a:p>
-          <a:p>
-            <a:pPr lvl="2"/>
-            <a:endParaRPr lang="en-US" dirty="0" smtClean="0"/>
-          </a:p>
-          <a:p>
-            <a:pPr lvl="2"/>
-            <a:endParaRPr lang="en-US" dirty="0" smtClean="0"/>
-          </a:p>
-        </p:txBody>
-      </p:sp>
-      <p:pic>
-        <p:nvPicPr>
-          <p:cNvPr id="1026" name="Picture 2"/>
-          <p:cNvPicPr>
-            <a:picLocks noChangeAspect="1" noChangeArrowheads="1"/>
-          </p:cNvPicPr>
-          <p:nvPr/>
-        </p:nvPicPr>
-        <p:blipFill>
-          <a:blip r:embed="rId4">
-            <a:extLst>
-              <a:ext uri="{28A0092B-C50C-407E-A947-70E740481C1C}">
-                <a14:useLocalDpi xmlns:a14="http://schemas.microsoft.com/office/drawing/2010/main" val="0"/>
-              </a:ext>
-            </a:extLst>
-          </a:blip>
-          <a:srcRect/>
-          <a:stretch>
-            <a:fillRect/>
-          </a:stretch>
-        </p:blipFill>
-        <p:spPr bwMode="auto">
-          <a:xfrm>
-            <a:off x="600065" y="2060848"/>
-            <a:ext cx="6987977" cy="4430983"/>
-          </a:xfrm>
-          <a:prstGeom prst="rect">
-            <a:avLst/>
-          </a:prstGeom>
-          <a:noFill/>
-          <a:ln>
-            <a:noFill/>
-          </a:ln>
-          <a:extLst>
-            <a:ext uri="{909E8E84-426E-40DD-AFC4-6F175D3DCCD1}">
-              <a14:hiddenFill xmlns:a14="http://schemas.microsoft.com/office/drawing/2010/main">
-                <a:solidFill>
-                  <a:schemeClr val="accent1"/>
-                </a:solidFill>
-              </a14:hiddenFill>
-            </a:ext>
-            <a:ext uri="{91240B29-F687-4F45-9708-019B960494DF}">
-              <a14:hiddenLine xmlns:a14="http://schemas.microsoft.com/office/drawing/2010/main" w="9525">
-                <a:solidFill>
-                  <a:schemeClr val="tx1"/>
-                </a:solidFill>
-                <a:miter lim="800000"/>
-                <a:headEnd/>
-                <a:tailEnd/>
-              </a14:hiddenLine>
-            </a:ext>
-          </a:extLst>
-        </p:spPr>
-      </p:pic>
+              <a:t> („founder of REST”)</a:t>
+            </a:r>
+            <a:endParaRPr lang="en-US" smtClean="0"/>
+          </a:p>
+          <a:p>
+            <a:pPr lvl="1"/>
+            <a:r>
+              <a:rPr lang="hu-HU" sz="1800" smtClean="0"/>
+              <a:t>„</a:t>
+            </a:r>
+            <a:r>
+              <a:rPr lang="en-US" sz="1800" smtClean="0"/>
+              <a:t>I am getting frustrated by the number of people calling any HTTP-based interface a REST API.</a:t>
+            </a:r>
+            <a:r>
+              <a:rPr lang="hu-HU" sz="1800" smtClean="0"/>
+              <a:t> </a:t>
+            </a:r>
+            <a:r>
+              <a:rPr lang="en-US" sz="1800" b="1"/>
+              <a:t>REST APIs must be hypertext-driven</a:t>
+            </a:r>
+            <a:r>
+              <a:rPr lang="hu-HU" sz="1800" smtClean="0"/>
+              <a:t>”</a:t>
+            </a:r>
+          </a:p>
+          <a:p>
+            <a:pPr lvl="1"/>
+            <a:r>
+              <a:rPr lang="hu-HU" sz="1800" smtClean="0"/>
+              <a:t>„</a:t>
+            </a:r>
+            <a:r>
+              <a:rPr lang="en-US" sz="1800" smtClean="0"/>
+              <a:t>A </a:t>
+            </a:r>
+            <a:r>
+              <a:rPr lang="en-US" sz="1800"/>
+              <a:t>REST API should </a:t>
+            </a:r>
+            <a:r>
+              <a:rPr lang="en-US" sz="1800" b="1"/>
+              <a:t>never have “typed” resources </a:t>
+            </a:r>
+            <a:r>
+              <a:rPr lang="en-US" sz="1800"/>
+              <a:t>that are significant to the client</a:t>
+            </a:r>
+            <a:r>
+              <a:rPr lang="en-US" sz="1800" smtClean="0"/>
+              <a:t>.</a:t>
+            </a:r>
+            <a:r>
+              <a:rPr lang="hu-HU" sz="1800" smtClean="0"/>
+              <a:t> </a:t>
+            </a:r>
+            <a:r>
+              <a:rPr lang="en-US" sz="1800"/>
+              <a:t>The only types that are significant to a client are the current representation’s media type and standardized relation names</a:t>
+            </a:r>
+            <a:r>
+              <a:rPr lang="en-US" sz="1800" smtClean="0"/>
+              <a:t>.</a:t>
+            </a:r>
+            <a:r>
+              <a:rPr lang="hu-HU" sz="1800" smtClean="0"/>
+              <a:t>”</a:t>
+            </a:r>
+          </a:p>
+          <a:p>
+            <a:pPr lvl="1"/>
+            <a:r>
+              <a:rPr lang="en-US" sz="1800"/>
+              <a:t>“A REST API </a:t>
+            </a:r>
+            <a:r>
+              <a:rPr lang="en-US" sz="1800" b="1"/>
+              <a:t>must not define fixed resource names or hierarchies </a:t>
+            </a:r>
+            <a:r>
+              <a:rPr lang="en-US" sz="1800"/>
+              <a:t>(an obvious coupling of client and server). Servers must have the freedom to control their own namespace</a:t>
+            </a:r>
+            <a:r>
+              <a:rPr lang="en-US" sz="1800" smtClean="0"/>
+              <a:t>.”</a:t>
+            </a:r>
+            <a:endParaRPr lang="hu-HU" sz="1800" smtClean="0"/>
+          </a:p>
+          <a:p>
+            <a:pPr lvl="1"/>
+            <a:r>
+              <a:rPr lang="en-US" sz="1800" b="1"/>
+              <a:t>The client should know about only one URI</a:t>
+            </a:r>
+            <a:r>
+              <a:rPr lang="en-US" sz="1800"/>
+              <a:t>, the entry point (bookmark) URI. </a:t>
+            </a:r>
+            <a:r>
+              <a:rPr lang="en-US" sz="1800" b="1"/>
+              <a:t>All other navigation should be discovered while interacting with the API</a:t>
+            </a:r>
+            <a:r>
+              <a:rPr lang="en-US" sz="1800"/>
+              <a:t>. Navigation information is well conveyed using link entities, like this in XML: </a:t>
+            </a:r>
+            <a:r>
+              <a:rPr lang="hu-HU" sz="1800" smtClean="0"/>
+              <a:t/>
+            </a:r>
+            <a:br>
+              <a:rPr lang="hu-HU" sz="1800" smtClean="0"/>
+            </a:br>
+            <a:r>
+              <a:rPr lang="hu-HU" sz="1800" smtClean="0"/>
+              <a:t>	</a:t>
+            </a:r>
+            <a:r>
+              <a:rPr lang="en-US" sz="1800" smtClean="0"/>
+              <a:t>&lt;</a:t>
+            </a:r>
+            <a:r>
+              <a:rPr lang="en-US" sz="1800"/>
+              <a:t>link rel ="users" href="http://127.0.0.1:8080/users" /&gt; </a:t>
+            </a:r>
+            <a:r>
+              <a:rPr lang="hu-HU" sz="1800" smtClean="0"/>
+              <a:t/>
+            </a:r>
+            <a:br>
+              <a:rPr lang="hu-HU" sz="1800" smtClean="0"/>
+            </a:br>
+            <a:r>
+              <a:rPr lang="en-US" sz="1800" smtClean="0"/>
+              <a:t>or </a:t>
+            </a:r>
+            <a:r>
+              <a:rPr lang="en-US" sz="1800"/>
+              <a:t>this in JSON: </a:t>
+            </a:r>
+            <a:r>
+              <a:rPr lang="hu-HU" sz="1800" smtClean="0"/>
+              <a:t/>
+            </a:r>
+            <a:br>
+              <a:rPr lang="hu-HU" sz="1800" smtClean="0"/>
+            </a:br>
+            <a:r>
+              <a:rPr lang="hu-HU" sz="1800" smtClean="0"/>
+              <a:t>	</a:t>
+            </a:r>
+            <a:r>
+              <a:rPr lang="en-US" sz="1800" smtClean="0"/>
+              <a:t>{ </a:t>
+            </a:r>
+            <a:r>
+              <a:rPr lang="en-US" sz="1800"/>
+              <a:t>"rel" : "users", "href" : "http://127.0.0.1:8080/users" }.</a:t>
+            </a:r>
+            <a:endParaRPr lang="hu-HU" sz="1800" smtClean="0"/>
+          </a:p>
+          <a:p>
+            <a:pPr lvl="1"/>
+            <a:endParaRPr lang="hu-HU" smtClean="0"/>
+          </a:p>
+          <a:p>
+            <a:pPr lvl="1"/>
+            <a:endParaRPr lang="en-US" smtClean="0"/>
+          </a:p>
+        </p:txBody>
+      </p:sp>
     </p:spTree>
     <p:extLst>
       <p:ext uri="{BB962C8B-B14F-4D97-AF65-F5344CB8AC3E}">
-        <p14:creationId xmlns:p14="http://schemas.microsoft.com/office/powerpoint/2010/main" val="3227465804"/>
+        <p14:creationId xmlns:p14="http://schemas.microsoft.com/office/powerpoint/2010/main" val="1517171302"/>
       </p:ext>
     </p:extLst>
   </p:cSld>
@@ -5111,7 +5010,204 @@
       </p:pic>
       <p:sp>
         <p:nvSpPr>
-          <p:cNvPr id="7" name="Content Placeholder 5"/>
+          <p:cNvPr id="5" name="Content Placeholder 2"/>
+          <p:cNvSpPr txBox="1">
+            <a:spLocks/>
+          </p:cNvSpPr>
+          <p:nvPr/>
+        </p:nvSpPr>
+        <p:spPr>
+          <a:xfrm>
+            <a:off x="609600" y="1752600"/>
+            <a:ext cx="7620000" cy="4800600"/>
+          </a:xfrm>
+          <a:prstGeom prst="rect">
+            <a:avLst/>
+          </a:prstGeom>
+        </p:spPr>
+        <p:txBody>
+          <a:bodyPr vert="horz" lIns="91440" tIns="45720" rIns="91440" bIns="45720" rtlCol="0">
+            <a:normAutofit/>
+          </a:bodyPr>
+          <a:lstStyle>
+            <a:lvl1pPr marL="342900" indent="-228600" algn="l" defTabSz="914400" rtl="0" eaLnBrk="1" latinLnBrk="0" hangingPunct="1">
+              <a:spcBef>
+                <a:spcPct val="20000"/>
+              </a:spcBef>
+              <a:buClr>
+                <a:schemeClr val="accent1"/>
+              </a:buClr>
+              <a:buFont typeface="Arial" pitchFamily="34" charset="0"/>
+              <a:buChar char="•"/>
+              <a:defRPr sz="2200" kern="1200">
+                <a:solidFill>
+                  <a:schemeClr val="tx1"/>
+                </a:solidFill>
+                <a:latin typeface="+mn-lt"/>
+                <a:ea typeface="+mn-ea"/>
+                <a:cs typeface="+mn-cs"/>
+              </a:defRPr>
+            </a:lvl1pPr>
+            <a:lvl2pPr marL="640080" indent="-228600" algn="l" defTabSz="914400" rtl="0" eaLnBrk="1" latinLnBrk="0" hangingPunct="1">
+              <a:spcBef>
+                <a:spcPct val="20000"/>
+              </a:spcBef>
+              <a:buClr>
+                <a:schemeClr val="accent2"/>
+              </a:buClr>
+              <a:buFont typeface="Arial" pitchFamily="34" charset="0"/>
+              <a:buChar char="•"/>
+              <a:defRPr sz="2000" kern="1200">
+                <a:solidFill>
+                  <a:schemeClr val="tx1"/>
+                </a:solidFill>
+                <a:latin typeface="+mn-lt"/>
+                <a:ea typeface="+mn-ea"/>
+                <a:cs typeface="+mn-cs"/>
+              </a:defRPr>
+            </a:lvl2pPr>
+            <a:lvl3pPr marL="1005840" indent="-228600" algn="l" defTabSz="914400" rtl="0" eaLnBrk="1" latinLnBrk="0" hangingPunct="1">
+              <a:spcBef>
+                <a:spcPct val="20000"/>
+              </a:spcBef>
+              <a:buClr>
+                <a:schemeClr val="accent3"/>
+              </a:buClr>
+              <a:buFont typeface="Arial" pitchFamily="34" charset="0"/>
+              <a:buChar char="•"/>
+              <a:defRPr sz="1800" kern="1200">
+                <a:solidFill>
+                  <a:schemeClr val="tx1"/>
+                </a:solidFill>
+                <a:latin typeface="+mn-lt"/>
+                <a:ea typeface="+mn-ea"/>
+                <a:cs typeface="+mn-cs"/>
+              </a:defRPr>
+            </a:lvl3pPr>
+            <a:lvl4pPr marL="1280160" indent="-228600" algn="l" defTabSz="914400" rtl="0" eaLnBrk="1" latinLnBrk="0" hangingPunct="1">
+              <a:spcBef>
+                <a:spcPct val="20000"/>
+              </a:spcBef>
+              <a:buClr>
+                <a:schemeClr val="accent4"/>
+              </a:buClr>
+              <a:buFont typeface="Arial" pitchFamily="34" charset="0"/>
+              <a:buChar char="•"/>
+              <a:defRPr sz="1600" kern="1200">
+                <a:solidFill>
+                  <a:schemeClr val="tx1"/>
+                </a:solidFill>
+                <a:latin typeface="+mn-lt"/>
+                <a:ea typeface="+mn-ea"/>
+                <a:cs typeface="+mn-cs"/>
+              </a:defRPr>
+            </a:lvl4pPr>
+            <a:lvl5pPr marL="1554480" indent="-228600" algn="l" defTabSz="914400" rtl="0" eaLnBrk="1" latinLnBrk="0" hangingPunct="1">
+              <a:spcBef>
+                <a:spcPct val="20000"/>
+              </a:spcBef>
+              <a:buClr>
+                <a:schemeClr val="accent5"/>
+              </a:buClr>
+              <a:buFont typeface="Arial" pitchFamily="34" charset="0"/>
+              <a:buChar char="•"/>
+              <a:defRPr sz="1400" kern="1200" baseline="0">
+                <a:solidFill>
+                  <a:schemeClr val="tx1"/>
+                </a:solidFill>
+                <a:latin typeface="+mn-lt"/>
+                <a:ea typeface="+mn-ea"/>
+                <a:cs typeface="+mn-cs"/>
+              </a:defRPr>
+            </a:lvl5pPr>
+            <a:lvl6pPr marL="1737360" indent="-182880" algn="l" defTabSz="914400" rtl="0" eaLnBrk="1" latinLnBrk="0" hangingPunct="1">
+              <a:spcBef>
+                <a:spcPct val="20000"/>
+              </a:spcBef>
+              <a:buClr>
+                <a:schemeClr val="accent1"/>
+              </a:buClr>
+              <a:buFont typeface="Arial" pitchFamily="34" charset="0"/>
+              <a:buChar char="•"/>
+              <a:defRPr sz="1400" kern="1200" baseline="0">
+                <a:solidFill>
+                  <a:schemeClr val="tx1"/>
+                </a:solidFill>
+                <a:latin typeface="+mn-lt"/>
+                <a:ea typeface="+mn-ea"/>
+                <a:cs typeface="+mn-cs"/>
+              </a:defRPr>
+            </a:lvl6pPr>
+            <a:lvl7pPr marL="1920240" indent="-182880" algn="l" defTabSz="914400" rtl="0" eaLnBrk="1" latinLnBrk="0" hangingPunct="1">
+              <a:spcBef>
+                <a:spcPct val="20000"/>
+              </a:spcBef>
+              <a:buClr>
+                <a:schemeClr val="accent2"/>
+              </a:buClr>
+              <a:buFont typeface="Arial" pitchFamily="34" charset="0"/>
+              <a:buChar char="•"/>
+              <a:defRPr sz="1400" kern="1200">
+                <a:solidFill>
+                  <a:schemeClr val="tx1"/>
+                </a:solidFill>
+                <a:latin typeface="+mn-lt"/>
+                <a:ea typeface="+mn-ea"/>
+                <a:cs typeface="+mn-cs"/>
+              </a:defRPr>
+            </a:lvl7pPr>
+            <a:lvl8pPr marL="2103120" indent="-182880" algn="l" defTabSz="914400" rtl="0" eaLnBrk="1" latinLnBrk="0" hangingPunct="1">
+              <a:spcBef>
+                <a:spcPct val="20000"/>
+              </a:spcBef>
+              <a:buClr>
+                <a:schemeClr val="accent3"/>
+              </a:buClr>
+              <a:buFont typeface="Arial" pitchFamily="34" charset="0"/>
+              <a:buChar char="•"/>
+              <a:defRPr sz="1400" kern="1200">
+                <a:solidFill>
+                  <a:schemeClr val="tx1"/>
+                </a:solidFill>
+                <a:latin typeface="+mn-lt"/>
+                <a:ea typeface="+mn-ea"/>
+                <a:cs typeface="+mn-cs"/>
+              </a:defRPr>
+            </a:lvl8pPr>
+            <a:lvl9pPr marL="2286000" indent="-182880" algn="l" defTabSz="914400" rtl="0" eaLnBrk="1" latinLnBrk="0" hangingPunct="1">
+              <a:spcBef>
+                <a:spcPct val="20000"/>
+              </a:spcBef>
+              <a:buClr>
+                <a:schemeClr val="accent4"/>
+              </a:buClr>
+              <a:buFont typeface="Arial" pitchFamily="34" charset="0"/>
+              <a:buChar char="•"/>
+              <a:defRPr sz="1400" kern="1200">
+                <a:solidFill>
+                  <a:schemeClr val="tx1"/>
+                </a:solidFill>
+                <a:latin typeface="+mn-lt"/>
+                <a:ea typeface="+mn-ea"/>
+                <a:cs typeface="+mn-cs"/>
+              </a:defRPr>
+            </a:lvl9pPr>
+          </a:lstStyle>
+          <a:p>
+            <a:endParaRPr lang="hu-HU" smtClean="0"/>
+          </a:p>
+          <a:p>
+            <a:pPr marL="114300" indent="0">
+              <a:buFont typeface="Arial" pitchFamily="34" charset="0"/>
+              <a:buNone/>
+            </a:pPr>
+            <a:endParaRPr lang="en-US"/>
+          </a:p>
+        </p:txBody>
+      </p:sp>
+      <p:sp>
+        <p:nvSpPr>
+          <p:cNvPr id="6" name="Content Placeholder 5"/>
           <p:cNvSpPr>
             <a:spLocks noGrp="1"/>
           </p:cNvSpPr>
@@ -5119,12 +5215,7 @@
             <p:ph idx="1"/>
           </p:nvPr>
         </p:nvSpPr>
-        <p:spPr>
-          <a:xfrm>
-            <a:off x="457200" y="1600200"/>
-            <a:ext cx="7620000" cy="4800600"/>
-          </a:xfrm>
-        </p:spPr>
+        <p:spPr/>
         <p:txBody>
           <a:bodyPr>
             <a:normAutofit/>
@@ -5132,192 +5223,88 @@
           <a:lstStyle/>
           <a:p>
             <a:r>
-              <a:rPr lang="en-US"/>
-              <a:t>Roy Thomas </a:t>
-            </a:r>
-            <a:r>
-              <a:rPr lang="en-US"/>
-              <a:t>Fielding</a:t>
-            </a:r>
-            <a:r>
               <a:rPr lang="hu-HU" smtClean="0"/>
-              <a:t> („founder of REST”)</a:t>
-            </a:r>
-            <a:endParaRPr lang="en-US" smtClean="0"/>
-          </a:p>
-          <a:p>
-            <a:pPr lvl="1"/>
-            <a:r>
-              <a:rPr lang="hu-HU" sz="1800" smtClean="0"/>
-              <a:t>„</a:t>
-            </a:r>
-            <a:r>
-              <a:rPr lang="en-US" sz="1800" smtClean="0"/>
-              <a:t>I am getting frustrated by the number of people calling any HTTP-based interface a REST API.</a:t>
-            </a:r>
-            <a:r>
-              <a:rPr lang="hu-HU" sz="1800" smtClean="0"/>
-              <a:t> </a:t>
-            </a:r>
-            <a:r>
-              <a:rPr lang="en-US" sz="1800"/>
-              <a:t>REST APIs must be </a:t>
-            </a:r>
-            <a:r>
-              <a:rPr lang="en-US" sz="1800"/>
-              <a:t>hypertext-driven</a:t>
-            </a:r>
-            <a:r>
-              <a:rPr lang="hu-HU" sz="1800" smtClean="0"/>
-              <a:t>”</a:t>
-            </a:r>
-          </a:p>
-          <a:p>
-            <a:pPr lvl="1"/>
-            <a:r>
-              <a:rPr lang="hu-HU" sz="1800" smtClean="0"/>
-              <a:t>„</a:t>
-            </a:r>
-            <a:r>
-              <a:rPr lang="en-US" sz="1800" smtClean="0"/>
-              <a:t>A </a:t>
-            </a:r>
-            <a:r>
-              <a:rPr lang="en-US" sz="1800"/>
-              <a:t>REST API should never have “typed” resources that are significant to the </a:t>
-            </a:r>
-            <a:r>
-              <a:rPr lang="en-US" sz="1800"/>
-              <a:t>client</a:t>
-            </a:r>
-            <a:r>
-              <a:rPr lang="en-US" sz="1800" smtClean="0"/>
-              <a:t>.</a:t>
-            </a:r>
-            <a:r>
-              <a:rPr lang="hu-HU" sz="1800" smtClean="0"/>
-              <a:t> </a:t>
-            </a:r>
-            <a:r>
-              <a:rPr lang="en-US" sz="1800"/>
-              <a:t>The only types that are significant to a client are the current representation’s media type and standardized relation </a:t>
-            </a:r>
-            <a:r>
-              <a:rPr lang="en-US" sz="1800"/>
-              <a:t>names</a:t>
-            </a:r>
-            <a:r>
-              <a:rPr lang="en-US" sz="1800" smtClean="0"/>
-              <a:t>.</a:t>
-            </a:r>
-            <a:r>
-              <a:rPr lang="hu-HU" sz="1800" smtClean="0"/>
-              <a:t>”</a:t>
-            </a:r>
-          </a:p>
-          <a:p>
-            <a:pPr lvl="1"/>
-            <a:r>
-              <a:rPr lang="en-US" sz="1800"/>
-              <a:t>“A REST API must not define fixed resource names or hierarchies (an obvious coupling of client and server). Servers must have the freedom to control their own </a:t>
-            </a:r>
-            <a:r>
-              <a:rPr lang="en-US" sz="1800"/>
-              <a:t>namespace</a:t>
-            </a:r>
-            <a:r>
-              <a:rPr lang="en-US" sz="1800" smtClean="0"/>
-              <a:t>.”</a:t>
-            </a:r>
-            <a:endParaRPr lang="hu-HU" sz="1800" smtClean="0"/>
-          </a:p>
-          <a:p>
-            <a:pPr lvl="1"/>
-            <a:r>
-              <a:rPr lang="en-US" sz="1800"/>
-              <a:t>The client should know about only one URI, the entry point (bookmark) URI. All other navigation should be discovered while interacting with the API. Navigation information is well conveyed using link entities, like this in XML</a:t>
-            </a:r>
-            <a:r>
-              <a:rPr lang="en-US" sz="1800"/>
-              <a:t>: </a:t>
-            </a:r>
-            <a:r>
-              <a:rPr lang="hu-HU" sz="1800" smtClean="0"/>
-              <a:t/>
-            </a:r>
-            <a:br>
-              <a:rPr lang="hu-HU" sz="1800" smtClean="0"/>
-            </a:br>
-            <a:r>
-              <a:rPr lang="hu-HU" sz="1800" smtClean="0"/>
-              <a:t>	</a:t>
-            </a:r>
-            <a:r>
-              <a:rPr lang="en-US" sz="1800" smtClean="0"/>
-              <a:t>&lt;</a:t>
-            </a:r>
-            <a:r>
-              <a:rPr lang="en-US" sz="1800"/>
-              <a:t>link rel ="users" href="http://127.0.0.1:8080/users" </a:t>
-            </a:r>
-            <a:r>
-              <a:rPr lang="en-US" sz="1800"/>
-              <a:t>/&gt; </a:t>
-            </a:r>
-            <a:r>
-              <a:rPr lang="hu-HU" sz="1800" smtClean="0"/>
-              <a:t/>
-            </a:r>
-            <a:br>
-              <a:rPr lang="hu-HU" sz="1800" smtClean="0"/>
-            </a:br>
-            <a:r>
-              <a:rPr lang="en-US" sz="1800" smtClean="0"/>
-              <a:t>or </a:t>
-            </a:r>
-            <a:r>
-              <a:rPr lang="en-US" sz="1800"/>
-              <a:t>this in JSON</a:t>
-            </a:r>
-            <a:r>
-              <a:rPr lang="en-US" sz="1800"/>
-              <a:t>: </a:t>
-            </a:r>
-            <a:r>
-              <a:rPr lang="hu-HU" sz="1800" smtClean="0"/>
-              <a:t/>
-            </a:r>
-            <a:br>
-              <a:rPr lang="hu-HU" sz="1800" smtClean="0"/>
-            </a:br>
-            <a:r>
-              <a:rPr lang="hu-HU" sz="1800" smtClean="0"/>
-              <a:t>	</a:t>
-            </a:r>
-            <a:r>
-              <a:rPr lang="en-US" sz="1800" smtClean="0"/>
-              <a:t>{ </a:t>
-            </a:r>
-            <a:r>
-              <a:rPr lang="en-US" sz="1800"/>
-              <a:t>"rel" : "users", "href" : "http://127.0.0.1:8080/users" }.</a:t>
-            </a:r>
-            <a:endParaRPr lang="hu-HU" sz="1800" smtClean="0"/>
-          </a:p>
-          <a:p>
-            <a:pPr lvl="1"/>
-            <a:endParaRPr lang="hu-HU" smtClean="0"/>
-          </a:p>
-          <a:p>
-            <a:pPr lvl="1"/>
-            <a:endParaRPr lang="en-US" smtClean="0"/>
-          </a:p>
-        </p:txBody>
-      </p:sp>
+              <a:t>Demonstrate HATEOAS link relations using </a:t>
+            </a:r>
+            <a:r>
+              <a:rPr lang="hu-HU" smtClean="0">
+                <a:hlinkClick r:id="rId3"/>
+              </a:rPr>
+              <a:t>rest-shell</a:t>
+            </a:r>
+            <a:endParaRPr lang="hu-HU"/>
+          </a:p>
+          <a:p>
+            <a:endParaRPr lang="en-US" dirty="0" smtClean="0"/>
+          </a:p>
+          <a:p>
+            <a:pPr lvl="2"/>
+            <a:endParaRPr lang="en-US" dirty="0" smtClean="0"/>
+          </a:p>
+          <a:p>
+            <a:pPr lvl="2"/>
+            <a:endParaRPr lang="en-US" dirty="0" smtClean="0"/>
+          </a:p>
+        </p:txBody>
+      </p:sp>
+      <p:pic>
+        <p:nvPicPr>
+          <p:cNvPr id="1026" name="Picture 2"/>
+          <p:cNvPicPr>
+            <a:picLocks noChangeAspect="1" noChangeArrowheads="1"/>
+          </p:cNvPicPr>
+          <p:nvPr/>
+        </p:nvPicPr>
+        <p:blipFill>
+          <a:blip r:embed="rId4">
+            <a:extLst>
+              <a:ext uri="{28A0092B-C50C-407E-A947-70E740481C1C}">
+                <a14:useLocalDpi xmlns:a14="http://schemas.microsoft.com/office/drawing/2010/main" val="0"/>
+              </a:ext>
+            </a:extLst>
+          </a:blip>
+          <a:srcRect/>
+          <a:stretch>
+            <a:fillRect/>
+          </a:stretch>
+        </p:blipFill>
+        <p:spPr bwMode="auto">
+          <a:xfrm>
+            <a:off x="600065" y="2060848"/>
+            <a:ext cx="6987977" cy="4430983"/>
+          </a:xfrm>
+          <a:prstGeom prst="rect">
+            <a:avLst/>
+          </a:prstGeom>
+          <a:noFill/>
+          <a:ln>
+            <a:noFill/>
+          </a:ln>
+          <a:extLst>
+            <a:ext uri="{909E8E84-426E-40DD-AFC4-6F175D3DCCD1}">
+              <a14:hiddenFill xmlns:a14="http://schemas.microsoft.com/office/drawing/2010/main">
+                <a:solidFill>
+                  <a:schemeClr val="accent1"/>
+                </a:solidFill>
+              </a14:hiddenFill>
+            </a:ext>
+            <a:ext uri="{91240B29-F687-4F45-9708-019B960494DF}">
+              <a14:hiddenLine xmlns:a14="http://schemas.microsoft.com/office/drawing/2010/main" w="9525">
+                <a:solidFill>
+                  <a:schemeClr val="tx1"/>
+                </a:solidFill>
+                <a:miter lim="800000"/>
+                <a:headEnd/>
+                <a:tailEnd/>
+              </a14:hiddenLine>
+            </a:ext>
+          </a:extLst>
+        </p:spPr>
+      </p:pic>
     </p:spTree>
     <p:extLst>
       <p:ext uri="{BB962C8B-B14F-4D97-AF65-F5344CB8AC3E}">
-        <p14:creationId xmlns:p14="http://schemas.microsoft.com/office/powerpoint/2010/main" val="1517171302"/>
+        <p14:creationId xmlns:p14="http://schemas.microsoft.com/office/powerpoint/2010/main" val="3227465804"/>
       </p:ext>
     </p:extLst>
   </p:cSld>
@@ -5375,8 +5362,20 @@
           <a:lstStyle/>
           <a:p>
             <a:r>
-              <a:rPr lang="en-US" smtClean="0"/>
-              <a:t>References</a:t>
+              <a:rPr lang="hu-HU" smtClean="0"/>
+              <a:t>#</a:t>
+            </a:r>
+            <a:r>
+              <a:rPr lang="en-US" smtClean="0"/>
+              <a:t>3</a:t>
+            </a:r>
+            <a:r>
+              <a:rPr lang="hu-HU" smtClean="0"/>
+              <a:t> – </a:t>
+            </a:r>
+            <a:r>
+              <a:rPr lang="en-US" smtClean="0"/>
+              <a:t>Hypermedia controls</a:t>
             </a:r>
             <a:endParaRPr lang="en-US"/>
           </a:p>
@@ -5628,6 +5627,431 @@
           <a:p>
             <a:r>
               <a:rPr lang="en-US"/>
+              <a:t>Central to Spring HATEOAS is the concept of a </a:t>
+            </a:r>
+            <a:r>
+              <a:rPr lang="en-US" i="1"/>
+              <a:t>org.springframework.hateoas.</a:t>
+            </a:r>
+            <a:r>
+              <a:rPr lang="en-US" b="1" i="1"/>
+              <a:t>Resource</a:t>
+            </a:r>
+            <a:r>
+              <a:rPr lang="en-US"/>
+              <a:t> – which is a wrapper for </a:t>
+            </a:r>
+            <a:r>
+              <a:rPr lang="en-US" b="1"/>
+              <a:t>a response payload and navigation links </a:t>
+            </a:r>
+            <a:r>
+              <a:rPr lang="en-US"/>
+              <a:t>that apply to </a:t>
+            </a:r>
+            <a:r>
+              <a:rPr lang="en-US"/>
+              <a:t>that </a:t>
+            </a:r>
+            <a:r>
+              <a:rPr lang="en-US" smtClean="0"/>
+              <a:t>payload</a:t>
+            </a:r>
+            <a:endParaRPr lang="hu-HU" smtClean="0"/>
+          </a:p>
+          <a:p>
+            <a:r>
+              <a:rPr lang="hu-HU" smtClean="0"/>
+              <a:t>C</a:t>
+            </a:r>
+            <a:r>
+              <a:rPr lang="en-US" smtClean="0"/>
+              <a:t>ompeting </a:t>
+            </a:r>
+            <a:r>
+              <a:rPr lang="en-US"/>
+              <a:t>formats for </a:t>
+            </a:r>
+            <a:r>
+              <a:rPr lang="en-US"/>
+              <a:t>resource </a:t>
+            </a:r>
+            <a:r>
+              <a:rPr lang="en-US" smtClean="0"/>
+              <a:t>representation</a:t>
+            </a:r>
+            <a:r>
+              <a:rPr lang="hu-HU" smtClean="0"/>
+              <a:t>:</a:t>
+            </a:r>
+          </a:p>
+          <a:p>
+            <a:pPr lvl="1"/>
+            <a:r>
+              <a:rPr lang="en-US"/>
+              <a:t>Spring </a:t>
+            </a:r>
+            <a:r>
+              <a:rPr lang="en-US" smtClean="0"/>
+              <a:t>HATEOAS</a:t>
+            </a:r>
+            <a:r>
+              <a:rPr lang="hu-HU" smtClean="0"/>
+              <a:t> own representation</a:t>
+            </a:r>
+          </a:p>
+          <a:p>
+            <a:pPr lvl="1"/>
+            <a:r>
+              <a:rPr lang="hu-HU" smtClean="0"/>
+              <a:t>HAL – </a:t>
+            </a:r>
+            <a:r>
+              <a:rPr lang="hu-HU" smtClean="0">
+                <a:hlinkClick r:id="rId3"/>
+              </a:rPr>
+              <a:t>Hypermedia Application Language</a:t>
+            </a:r>
+            <a:endParaRPr lang="hu-HU" smtClean="0"/>
+          </a:p>
+          <a:p>
+            <a:pPr lvl="1"/>
+            <a:r>
+              <a:rPr lang="hu-HU" smtClean="0"/>
+              <a:t>Siren</a:t>
+            </a:r>
+          </a:p>
+          <a:p>
+            <a:pPr lvl="1"/>
+            <a:r>
+              <a:rPr lang="hu-HU" smtClean="0"/>
+              <a:t>Collection+JSON</a:t>
+            </a:r>
+          </a:p>
+          <a:p>
+            <a:pPr lvl="1"/>
+            <a:endParaRPr lang="en-US" dirty="0" smtClean="0"/>
+          </a:p>
+          <a:p>
+            <a:pPr lvl="2"/>
+            <a:endParaRPr lang="en-US" dirty="0" smtClean="0"/>
+          </a:p>
+        </p:txBody>
+      </p:sp>
+    </p:spTree>
+    <p:extLst>
+      <p:ext uri="{BB962C8B-B14F-4D97-AF65-F5344CB8AC3E}">
+        <p14:creationId xmlns:p14="http://schemas.microsoft.com/office/powerpoint/2010/main" val="3024877920"/>
+      </p:ext>
+    </p:extLst>
+  </p:cSld>
+  <p:clrMapOvr>
+    <a:masterClrMapping/>
+  </p:clrMapOvr>
+  <mc:AlternateContent xmlns:mc="http://schemas.openxmlformats.org/markup-compatibility/2006" xmlns:p14="http://schemas.microsoft.com/office/powerpoint/2010/main">
+    <mc:Choice Requires="p14">
+      <p:transition spd="slow" p14:dur="2000"/>
+    </mc:Choice>
+    <mc:Fallback xmlns="">
+      <p:transition spd="slow"/>
+    </mc:Fallback>
+  </mc:AlternateContent>
+  <p:timing>
+    <p:tnLst>
+      <p:par>
+        <p:cTn id="1" dur="indefinite" restart="never" nodeType="tmRoot"/>
+      </p:par>
+    </p:tnLst>
+  </p:timing>
+</p:sld>
+</file>
+
+<file path=ppt/slides/slide16.xml><?xml version="1.0" encoding="utf-8"?>
+<p:sld xmlns:a="http://schemas.openxmlformats.org/drawingml/2006/main" xmlns:r="http://schemas.openxmlformats.org/officeDocument/2006/relationships" xmlns:p="http://schemas.openxmlformats.org/presentationml/2006/main">
+  <p:cSld>
+    <p:spTree>
+      <p:nvGrpSpPr>
+        <p:cNvPr id="1" name=""/>
+        <p:cNvGrpSpPr/>
+        <p:nvPr/>
+      </p:nvGrpSpPr>
+      <p:grpSpPr>
+        <a:xfrm>
+          <a:off x="0" y="0"/>
+          <a:ext cx="0" cy="0"/>
+          <a:chOff x="0" y="0"/>
+          <a:chExt cx="0" cy="0"/>
+        </a:xfrm>
+      </p:grpSpPr>
+      <p:sp>
+        <p:nvSpPr>
+          <p:cNvPr id="2" name="Title 1"/>
+          <p:cNvSpPr>
+            <a:spLocks noGrp="1"/>
+          </p:cNvSpPr>
+          <p:nvPr>
+            <p:ph type="title"/>
+          </p:nvPr>
+        </p:nvSpPr>
+        <p:spPr/>
+        <p:txBody>
+          <a:bodyPr/>
+          <a:lstStyle/>
+          <a:p>
+            <a:r>
+              <a:rPr lang="en-US" smtClean="0"/>
+              <a:t>References</a:t>
+            </a:r>
+            <a:endParaRPr lang="en-US"/>
+          </a:p>
+        </p:txBody>
+      </p:sp>
+      <p:pic>
+        <p:nvPicPr>
+          <p:cNvPr id="4" name="Picture 3"/>
+          <p:cNvPicPr>
+            <a:picLocks noChangeAspect="1"/>
+          </p:cNvPicPr>
+          <p:nvPr/>
+        </p:nvPicPr>
+        <p:blipFill>
+          <a:blip r:embed="rId2" cstate="print">
+            <a:extLst>
+              <a:ext uri="{28A0092B-C50C-407E-A947-70E740481C1C}">
+                <a14:useLocalDpi xmlns:a14="http://schemas.microsoft.com/office/drawing/2010/main" val="0"/>
+              </a:ext>
+            </a:extLst>
+          </a:blip>
+          <a:stretch>
+            <a:fillRect/>
+          </a:stretch>
+        </p:blipFill>
+        <p:spPr>
+          <a:xfrm>
+            <a:off x="6876256" y="603053"/>
+            <a:ext cx="1440160" cy="480150"/>
+          </a:xfrm>
+          <a:prstGeom prst="rect">
+            <a:avLst/>
+          </a:prstGeom>
+        </p:spPr>
+      </p:pic>
+      <p:sp>
+        <p:nvSpPr>
+          <p:cNvPr id="5" name="Content Placeholder 2"/>
+          <p:cNvSpPr txBox="1">
+            <a:spLocks/>
+          </p:cNvSpPr>
+          <p:nvPr/>
+        </p:nvSpPr>
+        <p:spPr>
+          <a:xfrm>
+            <a:off x="609600" y="1752600"/>
+            <a:ext cx="7620000" cy="4800600"/>
+          </a:xfrm>
+          <a:prstGeom prst="rect">
+            <a:avLst/>
+          </a:prstGeom>
+        </p:spPr>
+        <p:txBody>
+          <a:bodyPr vert="horz" lIns="91440" tIns="45720" rIns="91440" bIns="45720" rtlCol="0">
+            <a:normAutofit/>
+          </a:bodyPr>
+          <a:lstStyle>
+            <a:lvl1pPr marL="342900" indent="-228600" algn="l" defTabSz="914400" rtl="0" eaLnBrk="1" latinLnBrk="0" hangingPunct="1">
+              <a:spcBef>
+                <a:spcPct val="20000"/>
+              </a:spcBef>
+              <a:buClr>
+                <a:schemeClr val="accent1"/>
+              </a:buClr>
+              <a:buFont typeface="Arial" pitchFamily="34" charset="0"/>
+              <a:buChar char="•"/>
+              <a:defRPr sz="2200" kern="1200">
+                <a:solidFill>
+                  <a:schemeClr val="tx1"/>
+                </a:solidFill>
+                <a:latin typeface="+mn-lt"/>
+                <a:ea typeface="+mn-ea"/>
+                <a:cs typeface="+mn-cs"/>
+              </a:defRPr>
+            </a:lvl1pPr>
+            <a:lvl2pPr marL="640080" indent="-228600" algn="l" defTabSz="914400" rtl="0" eaLnBrk="1" latinLnBrk="0" hangingPunct="1">
+              <a:spcBef>
+                <a:spcPct val="20000"/>
+              </a:spcBef>
+              <a:buClr>
+                <a:schemeClr val="accent2"/>
+              </a:buClr>
+              <a:buFont typeface="Arial" pitchFamily="34" charset="0"/>
+              <a:buChar char="•"/>
+              <a:defRPr sz="2000" kern="1200">
+                <a:solidFill>
+                  <a:schemeClr val="tx1"/>
+                </a:solidFill>
+                <a:latin typeface="+mn-lt"/>
+                <a:ea typeface="+mn-ea"/>
+                <a:cs typeface="+mn-cs"/>
+              </a:defRPr>
+            </a:lvl2pPr>
+            <a:lvl3pPr marL="1005840" indent="-228600" algn="l" defTabSz="914400" rtl="0" eaLnBrk="1" latinLnBrk="0" hangingPunct="1">
+              <a:spcBef>
+                <a:spcPct val="20000"/>
+              </a:spcBef>
+              <a:buClr>
+                <a:schemeClr val="accent3"/>
+              </a:buClr>
+              <a:buFont typeface="Arial" pitchFamily="34" charset="0"/>
+              <a:buChar char="•"/>
+              <a:defRPr sz="1800" kern="1200">
+                <a:solidFill>
+                  <a:schemeClr val="tx1"/>
+                </a:solidFill>
+                <a:latin typeface="+mn-lt"/>
+                <a:ea typeface="+mn-ea"/>
+                <a:cs typeface="+mn-cs"/>
+              </a:defRPr>
+            </a:lvl3pPr>
+            <a:lvl4pPr marL="1280160" indent="-228600" algn="l" defTabSz="914400" rtl="0" eaLnBrk="1" latinLnBrk="0" hangingPunct="1">
+              <a:spcBef>
+                <a:spcPct val="20000"/>
+              </a:spcBef>
+              <a:buClr>
+                <a:schemeClr val="accent4"/>
+              </a:buClr>
+              <a:buFont typeface="Arial" pitchFamily="34" charset="0"/>
+              <a:buChar char="•"/>
+              <a:defRPr sz="1600" kern="1200">
+                <a:solidFill>
+                  <a:schemeClr val="tx1"/>
+                </a:solidFill>
+                <a:latin typeface="+mn-lt"/>
+                <a:ea typeface="+mn-ea"/>
+                <a:cs typeface="+mn-cs"/>
+              </a:defRPr>
+            </a:lvl4pPr>
+            <a:lvl5pPr marL="1554480" indent="-228600" algn="l" defTabSz="914400" rtl="0" eaLnBrk="1" latinLnBrk="0" hangingPunct="1">
+              <a:spcBef>
+                <a:spcPct val="20000"/>
+              </a:spcBef>
+              <a:buClr>
+                <a:schemeClr val="accent5"/>
+              </a:buClr>
+              <a:buFont typeface="Arial" pitchFamily="34" charset="0"/>
+              <a:buChar char="•"/>
+              <a:defRPr sz="1400" kern="1200" baseline="0">
+                <a:solidFill>
+                  <a:schemeClr val="tx1"/>
+                </a:solidFill>
+                <a:latin typeface="+mn-lt"/>
+                <a:ea typeface="+mn-ea"/>
+                <a:cs typeface="+mn-cs"/>
+              </a:defRPr>
+            </a:lvl5pPr>
+            <a:lvl6pPr marL="1737360" indent="-182880" algn="l" defTabSz="914400" rtl="0" eaLnBrk="1" latinLnBrk="0" hangingPunct="1">
+              <a:spcBef>
+                <a:spcPct val="20000"/>
+              </a:spcBef>
+              <a:buClr>
+                <a:schemeClr val="accent1"/>
+              </a:buClr>
+              <a:buFont typeface="Arial" pitchFamily="34" charset="0"/>
+              <a:buChar char="•"/>
+              <a:defRPr sz="1400" kern="1200" baseline="0">
+                <a:solidFill>
+                  <a:schemeClr val="tx1"/>
+                </a:solidFill>
+                <a:latin typeface="+mn-lt"/>
+                <a:ea typeface="+mn-ea"/>
+                <a:cs typeface="+mn-cs"/>
+              </a:defRPr>
+            </a:lvl6pPr>
+            <a:lvl7pPr marL="1920240" indent="-182880" algn="l" defTabSz="914400" rtl="0" eaLnBrk="1" latinLnBrk="0" hangingPunct="1">
+              <a:spcBef>
+                <a:spcPct val="20000"/>
+              </a:spcBef>
+              <a:buClr>
+                <a:schemeClr val="accent2"/>
+              </a:buClr>
+              <a:buFont typeface="Arial" pitchFamily="34" charset="0"/>
+              <a:buChar char="•"/>
+              <a:defRPr sz="1400" kern="1200">
+                <a:solidFill>
+                  <a:schemeClr val="tx1"/>
+                </a:solidFill>
+                <a:latin typeface="+mn-lt"/>
+                <a:ea typeface="+mn-ea"/>
+                <a:cs typeface="+mn-cs"/>
+              </a:defRPr>
+            </a:lvl7pPr>
+            <a:lvl8pPr marL="2103120" indent="-182880" algn="l" defTabSz="914400" rtl="0" eaLnBrk="1" latinLnBrk="0" hangingPunct="1">
+              <a:spcBef>
+                <a:spcPct val="20000"/>
+              </a:spcBef>
+              <a:buClr>
+                <a:schemeClr val="accent3"/>
+              </a:buClr>
+              <a:buFont typeface="Arial" pitchFamily="34" charset="0"/>
+              <a:buChar char="•"/>
+              <a:defRPr sz="1400" kern="1200">
+                <a:solidFill>
+                  <a:schemeClr val="tx1"/>
+                </a:solidFill>
+                <a:latin typeface="+mn-lt"/>
+                <a:ea typeface="+mn-ea"/>
+                <a:cs typeface="+mn-cs"/>
+              </a:defRPr>
+            </a:lvl8pPr>
+            <a:lvl9pPr marL="2286000" indent="-182880" algn="l" defTabSz="914400" rtl="0" eaLnBrk="1" latinLnBrk="0" hangingPunct="1">
+              <a:spcBef>
+                <a:spcPct val="20000"/>
+              </a:spcBef>
+              <a:buClr>
+                <a:schemeClr val="accent4"/>
+              </a:buClr>
+              <a:buFont typeface="Arial" pitchFamily="34" charset="0"/>
+              <a:buChar char="•"/>
+              <a:defRPr sz="1400" kern="1200">
+                <a:solidFill>
+                  <a:schemeClr val="tx1"/>
+                </a:solidFill>
+                <a:latin typeface="+mn-lt"/>
+                <a:ea typeface="+mn-ea"/>
+                <a:cs typeface="+mn-cs"/>
+              </a:defRPr>
+            </a:lvl9pPr>
+          </a:lstStyle>
+          <a:p>
+            <a:endParaRPr lang="hu-HU" smtClean="0"/>
+          </a:p>
+          <a:p>
+            <a:pPr marL="114300" indent="0">
+              <a:buFont typeface="Arial" pitchFamily="34" charset="0"/>
+              <a:buNone/>
+            </a:pPr>
+            <a:endParaRPr lang="en-US"/>
+          </a:p>
+        </p:txBody>
+      </p:sp>
+      <p:sp>
+        <p:nvSpPr>
+          <p:cNvPr id="6" name="Content Placeholder 5"/>
+          <p:cNvSpPr>
+            <a:spLocks noGrp="1"/>
+          </p:cNvSpPr>
+          <p:nvPr>
+            <p:ph idx="1"/>
+          </p:nvPr>
+        </p:nvSpPr>
+        <p:spPr/>
+        <p:txBody>
+          <a:bodyPr>
+            <a:normAutofit/>
+          </a:bodyPr>
+          <a:lstStyle/>
+          <a:p>
+            <a:r>
+              <a:rPr lang="en-US"/>
               <a:t>Github</a:t>
             </a:r>
           </a:p>
@@ -5678,11 +6102,7 @@
           <a:p>
             <a:r>
               <a:rPr lang="en-US" smtClean="0"/>
-              <a:t>POSTman – REST plugin for </a:t>
-            </a:r>
-            <a:r>
-              <a:rPr lang="en-US" smtClean="0"/>
-              <a:t>Chrome</a:t>
+              <a:t>POSTman – REST plugin for Chrome</a:t>
             </a:r>
             <a:endParaRPr lang="hu-HU" smtClean="0"/>
           </a:p>
@@ -5695,13 +6115,7 @@
               <a:rPr lang="hu-HU">
                 <a:hlinkClick r:id="rId4"/>
               </a:rPr>
-              <a:t>https</a:t>
-            </a:r>
-            <a:r>
-              <a:rPr lang="hu-HU">
-                <a:hlinkClick r:id="rId4"/>
-              </a:rPr>
-              <a:t>://</a:t>
+              <a:t>https://</a:t>
             </a:r>
             <a:r>
               <a:rPr lang="hu-HU" smtClean="0">
@@ -5747,7 +6161,7 @@
 </p:sld>
 </file>
 
-<file path=ppt/slides/slide16.xml><?xml version="1.0" encoding="utf-8"?>
+<file path=ppt/slides/slide17.xml><?xml version="1.0" encoding="utf-8"?>
 <p:sld xmlns:a="http://schemas.openxmlformats.org/drawingml/2006/main" xmlns:r="http://schemas.openxmlformats.org/officeDocument/2006/relationships" xmlns:p="http://schemas.openxmlformats.org/presentationml/2006/main">
   <p:cSld>
     <p:spTree>
@@ -10306,7 +10720,6 @@
               <a:rPr lang="en-US" smtClean="0"/>
               <a:t>DELETE</a:t>
             </a:r>
-            <a:endParaRPr lang="en-US" smtClean="0"/>
           </a:p>
           <a:p>
             <a:endParaRPr lang="hu-HU" smtClean="0"/>
@@ -10314,11 +10727,7 @@
           <a:p>
             <a:r>
               <a:rPr lang="en-US" smtClean="0"/>
-              <a:t>Other </a:t>
-            </a:r>
-            <a:r>
-              <a:rPr lang="en-US" smtClean="0"/>
-              <a:t>useful operations</a:t>
+              <a:t>Other useful operations</a:t>
             </a:r>
           </a:p>
           <a:p>

--- a/doc/RESTful API Design.pptx
+++ b/doc/RESTful API Design.pptx
@@ -16,10 +16,10 @@
     <p:sldId id="266" r:id="rId10"/>
     <p:sldId id="270" r:id="rId11"/>
     <p:sldId id="269" r:id="rId12"/>
-    <p:sldId id="272" r:id="rId13"/>
-    <p:sldId id="271" r:id="rId14"/>
+    <p:sldId id="271" r:id="rId13"/>
+    <p:sldId id="274" r:id="rId14"/>
     <p:sldId id="273" r:id="rId15"/>
-    <p:sldId id="274" r:id="rId16"/>
+    <p:sldId id="275" r:id="rId16"/>
     <p:sldId id="267" r:id="rId17"/>
     <p:sldId id="268" r:id="rId18"/>
   </p:sldIdLst>
@@ -3478,8 +3478,23 @@
             <a:pPr lvl="1"/>
             <a:r>
               <a:rPr lang="hu-HU" sz="1200" smtClean="0"/>
-              <a:t>...</a:t>
-            </a:r>
+              <a:t>Example:</a:t>
+            </a:r>
+          </a:p>
+          <a:p>
+            <a:pPr lvl="2"/>
+            <a:r>
+              <a:rPr lang="hu-HU" sz="1200" smtClean="0"/>
+              <a:t>Cisco UNITY CUPI</a:t>
+            </a:r>
+          </a:p>
+          <a:p>
+            <a:pPr lvl="2"/>
+            <a:r>
+              <a:rPr lang="hu-HU" sz="1200" smtClean="0"/>
+              <a:t>Level 2+ („fake” hypermedia conrols)</a:t>
+            </a:r>
+            <a:endParaRPr lang="hu-HU" sz="1200" smtClean="0"/>
           </a:p>
           <a:p>
             <a:endParaRPr lang="en-US" sz="1600"/>
@@ -4116,8 +4131,17 @@
           <a:p>
             <a:r>
               <a:rPr lang="en-US" smtClean="0"/>
-              <a:t>Instead server provides that dynamically</a:t>
-            </a:r>
+              <a:t>Instead server provides that </a:t>
+            </a:r>
+            <a:r>
+              <a:rPr lang="en-US" smtClean="0"/>
+              <a:t>dynamically</a:t>
+            </a:r>
+            <a:r>
+              <a:rPr lang="hu-HU" smtClean="0"/>
+              <a:t>: as paylod meta-data</a:t>
+            </a:r>
+            <a:endParaRPr lang="en-US" smtClean="0"/>
           </a:p>
           <a:p>
             <a:r>
@@ -4289,204 +4313,7 @@
       </p:pic>
       <p:sp>
         <p:nvSpPr>
-          <p:cNvPr id="5" name="Content Placeholder 2"/>
-          <p:cNvSpPr txBox="1">
-            <a:spLocks/>
-          </p:cNvSpPr>
-          <p:nvPr/>
-        </p:nvSpPr>
-        <p:spPr>
-          <a:xfrm>
-            <a:off x="609600" y="1752600"/>
-            <a:ext cx="7620000" cy="4800600"/>
-          </a:xfrm>
-          <a:prstGeom prst="rect">
-            <a:avLst/>
-          </a:prstGeom>
-        </p:spPr>
-        <p:txBody>
-          <a:bodyPr vert="horz" lIns="91440" tIns="45720" rIns="91440" bIns="45720" rtlCol="0">
-            <a:normAutofit/>
-          </a:bodyPr>
-          <a:lstStyle>
-            <a:lvl1pPr marL="342900" indent="-228600" algn="l" defTabSz="914400" rtl="0" eaLnBrk="1" latinLnBrk="0" hangingPunct="1">
-              <a:spcBef>
-                <a:spcPct val="20000"/>
-              </a:spcBef>
-              <a:buClr>
-                <a:schemeClr val="accent1"/>
-              </a:buClr>
-              <a:buFont typeface="Arial" pitchFamily="34" charset="0"/>
-              <a:buChar char="•"/>
-              <a:defRPr sz="2200" kern="1200">
-                <a:solidFill>
-                  <a:schemeClr val="tx1"/>
-                </a:solidFill>
-                <a:latin typeface="+mn-lt"/>
-                <a:ea typeface="+mn-ea"/>
-                <a:cs typeface="+mn-cs"/>
-              </a:defRPr>
-            </a:lvl1pPr>
-            <a:lvl2pPr marL="640080" indent="-228600" algn="l" defTabSz="914400" rtl="0" eaLnBrk="1" latinLnBrk="0" hangingPunct="1">
-              <a:spcBef>
-                <a:spcPct val="20000"/>
-              </a:spcBef>
-              <a:buClr>
-                <a:schemeClr val="accent2"/>
-              </a:buClr>
-              <a:buFont typeface="Arial" pitchFamily="34" charset="0"/>
-              <a:buChar char="•"/>
-              <a:defRPr sz="2000" kern="1200">
-                <a:solidFill>
-                  <a:schemeClr val="tx1"/>
-                </a:solidFill>
-                <a:latin typeface="+mn-lt"/>
-                <a:ea typeface="+mn-ea"/>
-                <a:cs typeface="+mn-cs"/>
-              </a:defRPr>
-            </a:lvl2pPr>
-            <a:lvl3pPr marL="1005840" indent="-228600" algn="l" defTabSz="914400" rtl="0" eaLnBrk="1" latinLnBrk="0" hangingPunct="1">
-              <a:spcBef>
-                <a:spcPct val="20000"/>
-              </a:spcBef>
-              <a:buClr>
-                <a:schemeClr val="accent3"/>
-              </a:buClr>
-              <a:buFont typeface="Arial" pitchFamily="34" charset="0"/>
-              <a:buChar char="•"/>
-              <a:defRPr sz="1800" kern="1200">
-                <a:solidFill>
-                  <a:schemeClr val="tx1"/>
-                </a:solidFill>
-                <a:latin typeface="+mn-lt"/>
-                <a:ea typeface="+mn-ea"/>
-                <a:cs typeface="+mn-cs"/>
-              </a:defRPr>
-            </a:lvl3pPr>
-            <a:lvl4pPr marL="1280160" indent="-228600" algn="l" defTabSz="914400" rtl="0" eaLnBrk="1" latinLnBrk="0" hangingPunct="1">
-              <a:spcBef>
-                <a:spcPct val="20000"/>
-              </a:spcBef>
-              <a:buClr>
-                <a:schemeClr val="accent4"/>
-              </a:buClr>
-              <a:buFont typeface="Arial" pitchFamily="34" charset="0"/>
-              <a:buChar char="•"/>
-              <a:defRPr sz="1600" kern="1200">
-                <a:solidFill>
-                  <a:schemeClr val="tx1"/>
-                </a:solidFill>
-                <a:latin typeface="+mn-lt"/>
-                <a:ea typeface="+mn-ea"/>
-                <a:cs typeface="+mn-cs"/>
-              </a:defRPr>
-            </a:lvl4pPr>
-            <a:lvl5pPr marL="1554480" indent="-228600" algn="l" defTabSz="914400" rtl="0" eaLnBrk="1" latinLnBrk="0" hangingPunct="1">
-              <a:spcBef>
-                <a:spcPct val="20000"/>
-              </a:spcBef>
-              <a:buClr>
-                <a:schemeClr val="accent5"/>
-              </a:buClr>
-              <a:buFont typeface="Arial" pitchFamily="34" charset="0"/>
-              <a:buChar char="•"/>
-              <a:defRPr sz="1400" kern="1200" baseline="0">
-                <a:solidFill>
-                  <a:schemeClr val="tx1"/>
-                </a:solidFill>
-                <a:latin typeface="+mn-lt"/>
-                <a:ea typeface="+mn-ea"/>
-                <a:cs typeface="+mn-cs"/>
-              </a:defRPr>
-            </a:lvl5pPr>
-            <a:lvl6pPr marL="1737360" indent="-182880" algn="l" defTabSz="914400" rtl="0" eaLnBrk="1" latinLnBrk="0" hangingPunct="1">
-              <a:spcBef>
-                <a:spcPct val="20000"/>
-              </a:spcBef>
-              <a:buClr>
-                <a:schemeClr val="accent1"/>
-              </a:buClr>
-              <a:buFont typeface="Arial" pitchFamily="34" charset="0"/>
-              <a:buChar char="•"/>
-              <a:defRPr sz="1400" kern="1200" baseline="0">
-                <a:solidFill>
-                  <a:schemeClr val="tx1"/>
-                </a:solidFill>
-                <a:latin typeface="+mn-lt"/>
-                <a:ea typeface="+mn-ea"/>
-                <a:cs typeface="+mn-cs"/>
-              </a:defRPr>
-            </a:lvl6pPr>
-            <a:lvl7pPr marL="1920240" indent="-182880" algn="l" defTabSz="914400" rtl="0" eaLnBrk="1" latinLnBrk="0" hangingPunct="1">
-              <a:spcBef>
-                <a:spcPct val="20000"/>
-              </a:spcBef>
-              <a:buClr>
-                <a:schemeClr val="accent2"/>
-              </a:buClr>
-              <a:buFont typeface="Arial" pitchFamily="34" charset="0"/>
-              <a:buChar char="•"/>
-              <a:defRPr sz="1400" kern="1200">
-                <a:solidFill>
-                  <a:schemeClr val="tx1"/>
-                </a:solidFill>
-                <a:latin typeface="+mn-lt"/>
-                <a:ea typeface="+mn-ea"/>
-                <a:cs typeface="+mn-cs"/>
-              </a:defRPr>
-            </a:lvl7pPr>
-            <a:lvl8pPr marL="2103120" indent="-182880" algn="l" defTabSz="914400" rtl="0" eaLnBrk="1" latinLnBrk="0" hangingPunct="1">
-              <a:spcBef>
-                <a:spcPct val="20000"/>
-              </a:spcBef>
-              <a:buClr>
-                <a:schemeClr val="accent3"/>
-              </a:buClr>
-              <a:buFont typeface="Arial" pitchFamily="34" charset="0"/>
-              <a:buChar char="•"/>
-              <a:defRPr sz="1400" kern="1200">
-                <a:solidFill>
-                  <a:schemeClr val="tx1"/>
-                </a:solidFill>
-                <a:latin typeface="+mn-lt"/>
-                <a:ea typeface="+mn-ea"/>
-                <a:cs typeface="+mn-cs"/>
-              </a:defRPr>
-            </a:lvl8pPr>
-            <a:lvl9pPr marL="2286000" indent="-182880" algn="l" defTabSz="914400" rtl="0" eaLnBrk="1" latinLnBrk="0" hangingPunct="1">
-              <a:spcBef>
-                <a:spcPct val="20000"/>
-              </a:spcBef>
-              <a:buClr>
-                <a:schemeClr val="accent4"/>
-              </a:buClr>
-              <a:buFont typeface="Arial" pitchFamily="34" charset="0"/>
-              <a:buChar char="•"/>
-              <a:defRPr sz="1400" kern="1200">
-                <a:solidFill>
-                  <a:schemeClr val="tx1"/>
-                </a:solidFill>
-                <a:latin typeface="+mn-lt"/>
-                <a:ea typeface="+mn-ea"/>
-                <a:cs typeface="+mn-cs"/>
-              </a:defRPr>
-            </a:lvl9pPr>
-          </a:lstStyle>
-          <a:p>
-            <a:endParaRPr lang="hu-HU" smtClean="0"/>
-          </a:p>
-          <a:p>
-            <a:pPr marL="114300" indent="0">
-              <a:buFont typeface="Arial" pitchFamily="34" charset="0"/>
-              <a:buNone/>
-            </a:pPr>
-            <a:endParaRPr lang="en-US"/>
-          </a:p>
-        </p:txBody>
-      </p:sp>
-      <p:sp>
-        <p:nvSpPr>
-          <p:cNvPr id="6" name="Content Placeholder 5"/>
+          <p:cNvPr id="7" name="Content Placeholder 5"/>
           <p:cNvSpPr>
             <a:spLocks noGrp="1"/>
           </p:cNvSpPr>
@@ -4494,7 +4321,12 @@
             <p:ph idx="1"/>
           </p:nvPr>
         </p:nvSpPr>
-        <p:spPr/>
+        <p:spPr>
+          <a:xfrm>
+            <a:off x="457200" y="1600200"/>
+            <a:ext cx="7620000" cy="4800600"/>
+          </a:xfrm>
+        </p:spPr>
         <p:txBody>
           <a:bodyPr>
             <a:normAutofit/>
@@ -4502,95 +4334,188 @@
           <a:lstStyle/>
           <a:p>
             <a:r>
-              <a:rPr lang="en-US" b="1" smtClean="0"/>
-              <a:t>HATEOAS</a:t>
-            </a:r>
+              <a:rPr lang="en-US"/>
+              <a:t>Roy Thomas Fielding</a:t>
+            </a:r>
+            <a:r>
+              <a:rPr lang="hu-HU" smtClean="0"/>
+              <a:t> („founder of REST”)</a:t>
+            </a:r>
+            <a:endParaRPr lang="en-US" smtClean="0"/>
           </a:p>
           <a:p>
             <a:pPr lvl="1"/>
             <a:r>
-              <a:rPr lang="en-US" b="1" smtClean="0"/>
-              <a:t>Hypermedia As The Engine Of Application State</a:t>
+              <a:rPr lang="hu-HU" sz="1800" smtClean="0"/>
+              <a:t>„</a:t>
+            </a:r>
+            <a:r>
+              <a:rPr lang="en-US" sz="1800" smtClean="0"/>
+              <a:t>I am getting frustrated by the number of people calling any HTTP-based interface a REST API.</a:t>
+            </a:r>
+            <a:r>
+              <a:rPr lang="hu-HU" sz="1800" smtClean="0"/>
+              <a:t> </a:t>
+            </a:r>
+            <a:r>
+              <a:rPr lang="en-US" sz="1800" b="1"/>
+              <a:t>REST APIs must be hypertext-driven</a:t>
+            </a:r>
+            <a:r>
+              <a:rPr lang="hu-HU" sz="1800" smtClean="0"/>
+              <a:t>”</a:t>
             </a:r>
           </a:p>
           <a:p>
             <a:pPr lvl="1"/>
-            <a:endParaRPr lang="en-US"/>
-          </a:p>
-          <a:p>
-            <a:r>
-              <a:rPr lang="en-US" smtClean="0"/>
-              <a:t>The client does not know have built-in knowledge of how to navigate/manipulate the model</a:t>
-            </a:r>
-          </a:p>
-          <a:p>
-            <a:r>
-              <a:rPr lang="en-US" smtClean="0"/>
-              <a:t>Instead server provides that dynamically</a:t>
-            </a:r>
-          </a:p>
-          <a:p>
-            <a:r>
-              <a:rPr lang="en-US" smtClean="0"/>
-              <a:t>Media types and Link Rel</a:t>
-            </a:r>
-            <a:r>
-              <a:rPr lang="hu-HU" smtClean="0"/>
-              <a:t>a</a:t>
-            </a:r>
-            <a:r>
-              <a:rPr lang="en-US" smtClean="0"/>
-              <a:t>tions</a:t>
+            <a:r>
+              <a:rPr lang="hu-HU" sz="1800" smtClean="0"/>
+              <a:t>„</a:t>
+            </a:r>
+            <a:r>
+              <a:rPr lang="en-US" sz="1800" smtClean="0"/>
+              <a:t>A </a:t>
+            </a:r>
+            <a:r>
+              <a:rPr lang="en-US" sz="1800"/>
+              <a:t>REST API should </a:t>
+            </a:r>
+            <a:r>
+              <a:rPr lang="en-US" sz="1800" b="1"/>
+              <a:t>never have “typed” resources </a:t>
+            </a:r>
+            <a:r>
+              <a:rPr lang="en-US" sz="1800"/>
+              <a:t>that are significant to the client</a:t>
+            </a:r>
+            <a:r>
+              <a:rPr lang="en-US" sz="1800" smtClean="0"/>
+              <a:t>.</a:t>
+            </a:r>
+            <a:r>
+              <a:rPr lang="hu-HU" sz="1800" smtClean="0"/>
+              <a:t> </a:t>
+            </a:r>
+            <a:r>
+              <a:rPr lang="en-US" sz="1800"/>
+              <a:t>The only types that are significant to a client are the current representation’s media type and standardized relation names</a:t>
+            </a:r>
+            <a:r>
+              <a:rPr lang="en-US" sz="1800" smtClean="0"/>
+              <a:t>.</a:t>
+            </a:r>
+            <a:r>
+              <a:rPr lang="hu-HU" sz="1800" smtClean="0"/>
+              <a:t>”</a:t>
             </a:r>
           </a:p>
           <a:p>
             <a:pPr lvl="1"/>
             <a:r>
-              <a:rPr lang="en-US" smtClean="0"/>
-              <a:t>Client descrtibe what it wants to have with </a:t>
-            </a:r>
-            <a:r>
-              <a:rPr lang="en-US" i="1" smtClean="0"/>
-              <a:t>Accept</a:t>
-            </a:r>
-            <a:r>
-              <a:rPr lang="en-US" smtClean="0"/>
-              <a:t> header</a:t>
-            </a:r>
+              <a:rPr lang="en-US" sz="1800"/>
+              <a:t>“A REST API </a:t>
+            </a:r>
+            <a:r>
+              <a:rPr lang="en-US" sz="1800" b="1"/>
+              <a:t>must not define fixed resource names or hierarchies </a:t>
+            </a:r>
+            <a:r>
+              <a:rPr lang="en-US" sz="1800"/>
+              <a:t>(an obvious coupling of client and server). Servers must have the freedom to control their own namespace</a:t>
+            </a:r>
+            <a:r>
+              <a:rPr lang="en-US" sz="1800" smtClean="0"/>
+              <a:t>.”</a:t>
+            </a:r>
+            <a:endParaRPr lang="hu-HU" sz="1800" smtClean="0"/>
           </a:p>
           <a:p>
             <a:pPr lvl="1"/>
             <a:r>
-              <a:rPr lang="en-US" smtClean="0"/>
-              <a:t>Server (and client during PUT, POST) describes what is in the body with </a:t>
-            </a:r>
-            <a:r>
-              <a:rPr lang="en-US" i="1" smtClean="0"/>
-              <a:t>Content-Type</a:t>
-            </a:r>
-            <a:r>
-              <a:rPr lang="en-US" smtClean="0"/>
-              <a:t> header</a:t>
-            </a:r>
+              <a:rPr lang="en-US" sz="1800" b="1"/>
+              <a:t>The client should know about only one URI</a:t>
+            </a:r>
+            <a:r>
+              <a:rPr lang="en-US" sz="1800"/>
+              <a:t>, the entry point (bookmark) URI. </a:t>
+            </a:r>
+            <a:r>
+              <a:rPr lang="en-US" sz="1800" b="1"/>
+              <a:t>All other navigation should be discovered while interacting with the API</a:t>
+            </a:r>
+            <a:r>
+              <a:rPr lang="en-US" sz="1800"/>
+              <a:t>. Navigation information is well conveyed using link entities, like this in XML: </a:t>
+            </a:r>
+            <a:r>
+              <a:rPr lang="hu-HU" sz="1800" smtClean="0"/>
+              <a:t/>
+            </a:r>
+            <a:br>
+              <a:rPr lang="hu-HU" sz="1800" smtClean="0"/>
+            </a:br>
+            <a:r>
+              <a:rPr lang="hu-HU" sz="1800" smtClean="0"/>
+              <a:t>	</a:t>
+            </a:r>
+            <a:r>
+              <a:rPr lang="en-US" sz="1800" smtClean="0"/>
+              <a:t>&lt;</a:t>
+            </a:r>
+            <a:r>
+              <a:rPr lang="en-US" sz="1800"/>
+              <a:t>link rel ="users" href="http://127.0.0.1:8080/users" /&gt; </a:t>
+            </a:r>
+            <a:r>
+              <a:rPr lang="hu-HU" sz="1800" smtClean="0"/>
+              <a:t/>
+            </a:r>
+            <a:br>
+              <a:rPr lang="hu-HU" sz="1800" smtClean="0"/>
+            </a:br>
+            <a:r>
+              <a:rPr lang="en-US" sz="1800" smtClean="0"/>
+              <a:t>or </a:t>
+            </a:r>
+            <a:r>
+              <a:rPr lang="en-US" sz="1800"/>
+              <a:t>this in JSON: </a:t>
+            </a:r>
+            <a:r>
+              <a:rPr lang="hu-HU" sz="1800" smtClean="0"/>
+              <a:t/>
+            </a:r>
+            <a:br>
+              <a:rPr lang="hu-HU" sz="1800" smtClean="0"/>
+            </a:br>
+            <a:r>
+              <a:rPr lang="hu-HU" sz="1800" smtClean="0"/>
+              <a:t>	</a:t>
+            </a:r>
+            <a:r>
+              <a:rPr lang="en-US" sz="1800" smtClean="0"/>
+              <a:t>{ </a:t>
+            </a:r>
+            <a:r>
+              <a:rPr lang="en-US" sz="1800"/>
+              <a:t>"rel" : "users", "href" : "http://127.0.0.1:8080/users" }.</a:t>
+            </a:r>
+            <a:endParaRPr lang="hu-HU" sz="1800" smtClean="0"/>
           </a:p>
           <a:p>
             <a:pPr lvl="1"/>
-            <a:endParaRPr lang="en-US" dirty="0" smtClean="0"/>
-          </a:p>
-          <a:p>
-            <a:pPr lvl="2"/>
-            <a:endParaRPr lang="en-US" dirty="0" smtClean="0"/>
-          </a:p>
-          <a:p>
-            <a:pPr lvl="2"/>
-            <a:endParaRPr lang="en-US" dirty="0" smtClean="0"/>
+            <a:endParaRPr lang="hu-HU" smtClean="0"/>
+          </a:p>
+          <a:p>
+            <a:pPr lvl="1"/>
+            <a:endParaRPr lang="en-US" smtClean="0"/>
           </a:p>
         </p:txBody>
       </p:sp>
     </p:spTree>
     <p:extLst>
       <p:ext uri="{BB962C8B-B14F-4D97-AF65-F5344CB8AC3E}">
-        <p14:creationId xmlns:p14="http://schemas.microsoft.com/office/powerpoint/2010/main" val="2651483712"/>
+        <p14:creationId xmlns:p14="http://schemas.microsoft.com/office/powerpoint/2010/main" val="1517171302"/>
       </p:ext>
     </p:extLst>
   </p:cSld>
@@ -4699,7 +4624,204 @@
       </p:pic>
       <p:sp>
         <p:nvSpPr>
-          <p:cNvPr id="7" name="Content Placeholder 5"/>
+          <p:cNvPr id="5" name="Content Placeholder 2"/>
+          <p:cNvSpPr txBox="1">
+            <a:spLocks/>
+          </p:cNvSpPr>
+          <p:nvPr/>
+        </p:nvSpPr>
+        <p:spPr>
+          <a:xfrm>
+            <a:off x="609600" y="1752600"/>
+            <a:ext cx="7620000" cy="4800600"/>
+          </a:xfrm>
+          <a:prstGeom prst="rect">
+            <a:avLst/>
+          </a:prstGeom>
+        </p:spPr>
+        <p:txBody>
+          <a:bodyPr vert="horz" lIns="91440" tIns="45720" rIns="91440" bIns="45720" rtlCol="0">
+            <a:normAutofit/>
+          </a:bodyPr>
+          <a:lstStyle>
+            <a:lvl1pPr marL="342900" indent="-228600" algn="l" defTabSz="914400" rtl="0" eaLnBrk="1" latinLnBrk="0" hangingPunct="1">
+              <a:spcBef>
+                <a:spcPct val="20000"/>
+              </a:spcBef>
+              <a:buClr>
+                <a:schemeClr val="accent1"/>
+              </a:buClr>
+              <a:buFont typeface="Arial" pitchFamily="34" charset="0"/>
+              <a:buChar char="•"/>
+              <a:defRPr sz="2200" kern="1200">
+                <a:solidFill>
+                  <a:schemeClr val="tx1"/>
+                </a:solidFill>
+                <a:latin typeface="+mn-lt"/>
+                <a:ea typeface="+mn-ea"/>
+                <a:cs typeface="+mn-cs"/>
+              </a:defRPr>
+            </a:lvl1pPr>
+            <a:lvl2pPr marL="640080" indent="-228600" algn="l" defTabSz="914400" rtl="0" eaLnBrk="1" latinLnBrk="0" hangingPunct="1">
+              <a:spcBef>
+                <a:spcPct val="20000"/>
+              </a:spcBef>
+              <a:buClr>
+                <a:schemeClr val="accent2"/>
+              </a:buClr>
+              <a:buFont typeface="Arial" pitchFamily="34" charset="0"/>
+              <a:buChar char="•"/>
+              <a:defRPr sz="2000" kern="1200">
+                <a:solidFill>
+                  <a:schemeClr val="tx1"/>
+                </a:solidFill>
+                <a:latin typeface="+mn-lt"/>
+                <a:ea typeface="+mn-ea"/>
+                <a:cs typeface="+mn-cs"/>
+              </a:defRPr>
+            </a:lvl2pPr>
+            <a:lvl3pPr marL="1005840" indent="-228600" algn="l" defTabSz="914400" rtl="0" eaLnBrk="1" latinLnBrk="0" hangingPunct="1">
+              <a:spcBef>
+                <a:spcPct val="20000"/>
+              </a:spcBef>
+              <a:buClr>
+                <a:schemeClr val="accent3"/>
+              </a:buClr>
+              <a:buFont typeface="Arial" pitchFamily="34" charset="0"/>
+              <a:buChar char="•"/>
+              <a:defRPr sz="1800" kern="1200">
+                <a:solidFill>
+                  <a:schemeClr val="tx1"/>
+                </a:solidFill>
+                <a:latin typeface="+mn-lt"/>
+                <a:ea typeface="+mn-ea"/>
+                <a:cs typeface="+mn-cs"/>
+              </a:defRPr>
+            </a:lvl3pPr>
+            <a:lvl4pPr marL="1280160" indent="-228600" algn="l" defTabSz="914400" rtl="0" eaLnBrk="1" latinLnBrk="0" hangingPunct="1">
+              <a:spcBef>
+                <a:spcPct val="20000"/>
+              </a:spcBef>
+              <a:buClr>
+                <a:schemeClr val="accent4"/>
+              </a:buClr>
+              <a:buFont typeface="Arial" pitchFamily="34" charset="0"/>
+              <a:buChar char="•"/>
+              <a:defRPr sz="1600" kern="1200">
+                <a:solidFill>
+                  <a:schemeClr val="tx1"/>
+                </a:solidFill>
+                <a:latin typeface="+mn-lt"/>
+                <a:ea typeface="+mn-ea"/>
+                <a:cs typeface="+mn-cs"/>
+              </a:defRPr>
+            </a:lvl4pPr>
+            <a:lvl5pPr marL="1554480" indent="-228600" algn="l" defTabSz="914400" rtl="0" eaLnBrk="1" latinLnBrk="0" hangingPunct="1">
+              <a:spcBef>
+                <a:spcPct val="20000"/>
+              </a:spcBef>
+              <a:buClr>
+                <a:schemeClr val="accent5"/>
+              </a:buClr>
+              <a:buFont typeface="Arial" pitchFamily="34" charset="0"/>
+              <a:buChar char="•"/>
+              <a:defRPr sz="1400" kern="1200" baseline="0">
+                <a:solidFill>
+                  <a:schemeClr val="tx1"/>
+                </a:solidFill>
+                <a:latin typeface="+mn-lt"/>
+                <a:ea typeface="+mn-ea"/>
+                <a:cs typeface="+mn-cs"/>
+              </a:defRPr>
+            </a:lvl5pPr>
+            <a:lvl6pPr marL="1737360" indent="-182880" algn="l" defTabSz="914400" rtl="0" eaLnBrk="1" latinLnBrk="0" hangingPunct="1">
+              <a:spcBef>
+                <a:spcPct val="20000"/>
+              </a:spcBef>
+              <a:buClr>
+                <a:schemeClr val="accent1"/>
+              </a:buClr>
+              <a:buFont typeface="Arial" pitchFamily="34" charset="0"/>
+              <a:buChar char="•"/>
+              <a:defRPr sz="1400" kern="1200" baseline="0">
+                <a:solidFill>
+                  <a:schemeClr val="tx1"/>
+                </a:solidFill>
+                <a:latin typeface="+mn-lt"/>
+                <a:ea typeface="+mn-ea"/>
+                <a:cs typeface="+mn-cs"/>
+              </a:defRPr>
+            </a:lvl6pPr>
+            <a:lvl7pPr marL="1920240" indent="-182880" algn="l" defTabSz="914400" rtl="0" eaLnBrk="1" latinLnBrk="0" hangingPunct="1">
+              <a:spcBef>
+                <a:spcPct val="20000"/>
+              </a:spcBef>
+              <a:buClr>
+                <a:schemeClr val="accent2"/>
+              </a:buClr>
+              <a:buFont typeface="Arial" pitchFamily="34" charset="0"/>
+              <a:buChar char="•"/>
+              <a:defRPr sz="1400" kern="1200">
+                <a:solidFill>
+                  <a:schemeClr val="tx1"/>
+                </a:solidFill>
+                <a:latin typeface="+mn-lt"/>
+                <a:ea typeface="+mn-ea"/>
+                <a:cs typeface="+mn-cs"/>
+              </a:defRPr>
+            </a:lvl7pPr>
+            <a:lvl8pPr marL="2103120" indent="-182880" algn="l" defTabSz="914400" rtl="0" eaLnBrk="1" latinLnBrk="0" hangingPunct="1">
+              <a:spcBef>
+                <a:spcPct val="20000"/>
+              </a:spcBef>
+              <a:buClr>
+                <a:schemeClr val="accent3"/>
+              </a:buClr>
+              <a:buFont typeface="Arial" pitchFamily="34" charset="0"/>
+              <a:buChar char="•"/>
+              <a:defRPr sz="1400" kern="1200">
+                <a:solidFill>
+                  <a:schemeClr val="tx1"/>
+                </a:solidFill>
+                <a:latin typeface="+mn-lt"/>
+                <a:ea typeface="+mn-ea"/>
+                <a:cs typeface="+mn-cs"/>
+              </a:defRPr>
+            </a:lvl8pPr>
+            <a:lvl9pPr marL="2286000" indent="-182880" algn="l" defTabSz="914400" rtl="0" eaLnBrk="1" latinLnBrk="0" hangingPunct="1">
+              <a:spcBef>
+                <a:spcPct val="20000"/>
+              </a:spcBef>
+              <a:buClr>
+                <a:schemeClr val="accent4"/>
+              </a:buClr>
+              <a:buFont typeface="Arial" pitchFamily="34" charset="0"/>
+              <a:buChar char="•"/>
+              <a:defRPr sz="1400" kern="1200">
+                <a:solidFill>
+                  <a:schemeClr val="tx1"/>
+                </a:solidFill>
+                <a:latin typeface="+mn-lt"/>
+                <a:ea typeface="+mn-ea"/>
+                <a:cs typeface="+mn-cs"/>
+              </a:defRPr>
+            </a:lvl9pPr>
+          </a:lstStyle>
+          <a:p>
+            <a:endParaRPr lang="hu-HU" smtClean="0"/>
+          </a:p>
+          <a:p>
+            <a:pPr marL="114300" indent="0">
+              <a:buFont typeface="Arial" pitchFamily="34" charset="0"/>
+              <a:buNone/>
+            </a:pPr>
+            <a:endParaRPr lang="en-US"/>
+          </a:p>
+        </p:txBody>
+      </p:sp>
+      <p:sp>
+        <p:nvSpPr>
+          <p:cNvPr id="6" name="Content Placeholder 5"/>
           <p:cNvSpPr>
             <a:spLocks noGrp="1"/>
           </p:cNvSpPr>
@@ -4707,12 +4829,7 @@
             <p:ph idx="1"/>
           </p:nvPr>
         </p:nvSpPr>
-        <p:spPr>
-          <a:xfrm>
-            <a:off x="457200" y="1600200"/>
-            <a:ext cx="7620000" cy="4800600"/>
-          </a:xfrm>
-        </p:spPr>
+        <p:spPr/>
         <p:txBody>
           <a:bodyPr>
             <a:normAutofit/>
@@ -4721,187 +4838,113 @@
           <a:p>
             <a:r>
               <a:rPr lang="en-US"/>
-              <a:t>Roy Thomas Fielding</a:t>
-            </a:r>
+              <a:t>Central to Spring HATEOAS is the concept of a </a:t>
+            </a:r>
+            <a:r>
+              <a:rPr lang="en-US" i="1"/>
+              <a:t>org.springframework.hateoas.</a:t>
+            </a:r>
+            <a:r>
+              <a:rPr lang="en-US" b="1" i="1"/>
+              <a:t>Resource</a:t>
+            </a:r>
+            <a:r>
+              <a:rPr lang="en-US"/>
+              <a:t> – which is a wrapper for </a:t>
+            </a:r>
+            <a:r>
+              <a:rPr lang="en-US" b="1"/>
+              <a:t>a response payload and navigation links </a:t>
+            </a:r>
+            <a:r>
+              <a:rPr lang="en-US"/>
+              <a:t>that apply to that </a:t>
+            </a:r>
+            <a:r>
+              <a:rPr lang="en-US" smtClean="0"/>
+              <a:t>payload</a:t>
+            </a:r>
+            <a:endParaRPr lang="hu-HU" smtClean="0"/>
+          </a:p>
+          <a:p>
             <a:r>
               <a:rPr lang="hu-HU" smtClean="0"/>
-              <a:t> („founder of REST”)</a:t>
-            </a:r>
-            <a:endParaRPr lang="en-US" smtClean="0"/>
+              <a:t>C</a:t>
+            </a:r>
+            <a:r>
+              <a:rPr lang="en-US" smtClean="0"/>
+              <a:t>ompeting </a:t>
+            </a:r>
+            <a:r>
+              <a:rPr lang="en-US"/>
+              <a:t>formats for resource </a:t>
+            </a:r>
+            <a:r>
+              <a:rPr lang="en-US" smtClean="0"/>
+              <a:t>representation</a:t>
+            </a:r>
+            <a:r>
+              <a:rPr lang="hu-HU" smtClean="0"/>
+              <a:t>:</a:t>
+            </a:r>
           </a:p>
           <a:p>
             <a:pPr lvl="1"/>
             <a:r>
-              <a:rPr lang="hu-HU" sz="1800" smtClean="0"/>
-              <a:t>„</a:t>
-            </a:r>
-            <a:r>
-              <a:rPr lang="en-US" sz="1800" smtClean="0"/>
-              <a:t>I am getting frustrated by the number of people calling any HTTP-based interface a REST API.</a:t>
-            </a:r>
-            <a:r>
-              <a:rPr lang="hu-HU" sz="1800" smtClean="0"/>
-              <a:t> </a:t>
-            </a:r>
-            <a:r>
-              <a:rPr lang="en-US" sz="1800" b="1"/>
-              <a:t>REST APIs must be hypertext-driven</a:t>
-            </a:r>
-            <a:r>
-              <a:rPr lang="hu-HU" sz="1800" smtClean="0"/>
-              <a:t>”</a:t>
+              <a:rPr lang="en-US"/>
+              <a:t>Spring </a:t>
+            </a:r>
+            <a:r>
+              <a:rPr lang="en-US" smtClean="0"/>
+              <a:t>HATEOAS</a:t>
+            </a:r>
+            <a:r>
+              <a:rPr lang="hu-HU" smtClean="0"/>
+              <a:t> own representation</a:t>
             </a:r>
           </a:p>
           <a:p>
             <a:pPr lvl="1"/>
             <a:r>
-              <a:rPr lang="hu-HU" sz="1800" smtClean="0"/>
-              <a:t>„</a:t>
-            </a:r>
-            <a:r>
-              <a:rPr lang="en-US" sz="1800" smtClean="0"/>
-              <a:t>A </a:t>
-            </a:r>
-            <a:r>
-              <a:rPr lang="en-US" sz="1800"/>
-              <a:t>REST API should </a:t>
-            </a:r>
-            <a:r>
-              <a:rPr lang="en-US" sz="1800" b="1"/>
-              <a:t>never have “typed” resources </a:t>
-            </a:r>
-            <a:r>
-              <a:rPr lang="en-US" sz="1800"/>
-              <a:t>that are significant to the client</a:t>
-            </a:r>
-            <a:r>
-              <a:rPr lang="en-US" sz="1800" smtClean="0"/>
-              <a:t>.</a:t>
-            </a:r>
-            <a:r>
-              <a:rPr lang="hu-HU" sz="1800" smtClean="0"/>
-              <a:t> </a:t>
-            </a:r>
-            <a:r>
-              <a:rPr lang="en-US" sz="1800"/>
-              <a:t>The only types that are significant to a client are the current representation’s media type and standardized relation names</a:t>
-            </a:r>
-            <a:r>
-              <a:rPr lang="en-US" sz="1800" smtClean="0"/>
-              <a:t>.</a:t>
-            </a:r>
-            <a:r>
-              <a:rPr lang="hu-HU" sz="1800" smtClean="0"/>
-              <a:t>”</a:t>
-            </a:r>
+              <a:rPr lang="hu-HU" smtClean="0"/>
+              <a:t>HAL – </a:t>
+            </a:r>
+            <a:r>
+              <a:rPr lang="hu-HU" smtClean="0">
+                <a:hlinkClick r:id="rId3"/>
+              </a:rPr>
+              <a:t>Hypermedia Application Language</a:t>
+            </a:r>
+            <a:endParaRPr lang="hu-HU" smtClean="0"/>
           </a:p>
           <a:p>
             <a:pPr lvl="1"/>
             <a:r>
-              <a:rPr lang="en-US" sz="1800"/>
-              <a:t>“A REST API </a:t>
-            </a:r>
-            <a:r>
-              <a:rPr lang="en-US" sz="1800" b="1"/>
-              <a:t>must not define fixed resource names or hierarchies </a:t>
-            </a:r>
-            <a:r>
-              <a:rPr lang="en-US" sz="1800"/>
-              <a:t>(an obvious coupling of client and server). Servers must have the freedom to control their own namespace</a:t>
-            </a:r>
-            <a:r>
-              <a:rPr lang="en-US" sz="1800" smtClean="0"/>
-              <a:t>.”</a:t>
-            </a:r>
-            <a:endParaRPr lang="hu-HU" sz="1800" smtClean="0"/>
+              <a:rPr lang="hu-HU" smtClean="0"/>
+              <a:t>Siren</a:t>
+            </a:r>
           </a:p>
           <a:p>
             <a:pPr lvl="1"/>
             <a:r>
-              <a:rPr lang="en-US" sz="1800" b="1"/>
-              <a:t>The client should know about only one URI</a:t>
-            </a:r>
-            <a:r>
-              <a:rPr lang="en-US" sz="1800"/>
-              <a:t>, the entry point (bookmark) URI. </a:t>
-            </a:r>
-            <a:r>
-              <a:rPr lang="en-US" sz="1800" b="1"/>
-              <a:t>All other navigation should be discovered while interacting with the API</a:t>
-            </a:r>
-            <a:r>
-              <a:rPr lang="en-US" sz="1800"/>
-              <a:t>. Navigation information is well conveyed using link entities, like this in XML: </a:t>
-            </a:r>
-            <a:r>
-              <a:rPr lang="hu-HU" sz="1800" smtClean="0"/>
-              <a:t/>
-            </a:r>
-            <a:br>
-              <a:rPr lang="hu-HU" sz="1800" smtClean="0"/>
-            </a:br>
-            <a:r>
-              <a:rPr lang="hu-HU" sz="1800" smtClean="0"/>
-              <a:t>	</a:t>
-            </a:r>
-            <a:r>
-              <a:rPr lang="en-US" sz="1800" smtClean="0"/>
-              <a:t>&lt;</a:t>
-            </a:r>
-            <a:r>
-              <a:rPr lang="en-US" sz="1800"/>
-              <a:t>link rel ="users" href="http://127.0.0.1:8080/users" /&gt; </a:t>
-            </a:r>
-            <a:r>
-              <a:rPr lang="hu-HU" sz="1800" smtClean="0"/>
-              <a:t/>
-            </a:r>
-            <a:br>
-              <a:rPr lang="hu-HU" sz="1800" smtClean="0"/>
-            </a:br>
-            <a:r>
-              <a:rPr lang="en-US" sz="1800" smtClean="0"/>
-              <a:t>or </a:t>
-            </a:r>
-            <a:r>
-              <a:rPr lang="en-US" sz="1800"/>
-              <a:t>this in JSON: </a:t>
-            </a:r>
-            <a:r>
-              <a:rPr lang="hu-HU" sz="1800" smtClean="0"/>
-              <a:t/>
-            </a:r>
-            <a:br>
-              <a:rPr lang="hu-HU" sz="1800" smtClean="0"/>
-            </a:br>
-            <a:r>
-              <a:rPr lang="hu-HU" sz="1800" smtClean="0"/>
-              <a:t>	</a:t>
-            </a:r>
-            <a:r>
-              <a:rPr lang="en-US" sz="1800" smtClean="0"/>
-              <a:t>{ </a:t>
-            </a:r>
-            <a:r>
-              <a:rPr lang="en-US" sz="1800"/>
-              <a:t>"rel" : "users", "href" : "http://127.0.0.1:8080/users" }.</a:t>
-            </a:r>
-            <a:endParaRPr lang="hu-HU" sz="1800" smtClean="0"/>
+              <a:rPr lang="hu-HU" smtClean="0"/>
+              <a:t>Collection+JSON</a:t>
+            </a:r>
           </a:p>
           <a:p>
             <a:pPr lvl="1"/>
-            <a:endParaRPr lang="hu-HU" smtClean="0"/>
-          </a:p>
-          <a:p>
-            <a:pPr lvl="1"/>
-            <a:endParaRPr lang="en-US" smtClean="0"/>
+            <a:endParaRPr lang="en-US" dirty="0" smtClean="0"/>
+          </a:p>
+          <a:p>
+            <a:pPr lvl="2"/>
+            <a:endParaRPr lang="en-US" dirty="0" smtClean="0"/>
           </a:p>
         </p:txBody>
       </p:sp>
     </p:spTree>
     <p:extLst>
       <p:ext uri="{BB962C8B-B14F-4D97-AF65-F5344CB8AC3E}">
-        <p14:creationId xmlns:p14="http://schemas.microsoft.com/office/powerpoint/2010/main" val="1517171302"/>
+        <p14:creationId xmlns:p14="http://schemas.microsoft.com/office/powerpoint/2010/main" val="3024877920"/>
       </p:ext>
     </p:extLst>
   </p:cSld>
@@ -5374,8 +5417,8 @@
               <a:t> – </a:t>
             </a:r>
             <a:r>
-              <a:rPr lang="en-US" smtClean="0"/>
-              <a:t>Hypermedia controls</a:t>
+              <a:rPr lang="hu-HU" smtClean="0"/>
+              <a:t>HAL specification</a:t>
             </a:r>
             <a:endParaRPr lang="en-US"/>
           </a:p>
@@ -5621,127 +5664,235 @@
         <p:spPr/>
         <p:txBody>
           <a:bodyPr>
-            <a:normAutofit/>
+            <a:normAutofit fontScale="92500" lnSpcReduction="10000"/>
           </a:bodyPr>
           <a:lstStyle/>
           <a:p>
             <a:r>
-              <a:rPr lang="en-US"/>
-              <a:t>Central to Spring HATEOAS is the concept of a </a:t>
-            </a:r>
-            <a:r>
-              <a:rPr lang="en-US" i="1"/>
-              <a:t>org.springframework.hateoas.</a:t>
-            </a:r>
-            <a:r>
-              <a:rPr lang="en-US" b="1" i="1"/>
-              <a:t>Resource</a:t>
-            </a:r>
-            <a:r>
-              <a:rPr lang="en-US"/>
-              <a:t> – which is a wrapper for </a:t>
-            </a:r>
-            <a:r>
-              <a:rPr lang="en-US" b="1"/>
-              <a:t>a response payload and navigation links </a:t>
-            </a:r>
-            <a:r>
-              <a:rPr lang="en-US"/>
-              <a:t>that apply to </a:t>
-            </a:r>
-            <a:r>
-              <a:rPr lang="en-US"/>
-              <a:t>that </a:t>
-            </a:r>
-            <a:r>
-              <a:rPr lang="en-US" smtClean="0"/>
-              <a:t>payload</a:t>
-            </a:r>
-            <a:endParaRPr lang="hu-HU" smtClean="0"/>
-          </a:p>
-          <a:p>
-            <a:r>
               <a:rPr lang="hu-HU" smtClean="0"/>
-              <a:t>C</a:t>
-            </a:r>
-            <a:r>
-              <a:rPr lang="en-US" smtClean="0"/>
-              <a:t>ompeting </a:t>
-            </a:r>
-            <a:r>
-              <a:rPr lang="en-US"/>
-              <a:t>formats for </a:t>
-            </a:r>
-            <a:r>
-              <a:rPr lang="en-US"/>
-              <a:t>resource </a:t>
-            </a:r>
-            <a:r>
-              <a:rPr lang="en-US" smtClean="0"/>
-              <a:t>representation</a:t>
-            </a:r>
-            <a:r>
-              <a:rPr lang="hu-HU" smtClean="0"/>
-              <a:t>:</a:t>
-            </a:r>
-          </a:p>
-          <a:p>
-            <a:pPr lvl="1"/>
-            <a:r>
-              <a:rPr lang="en-US"/>
-              <a:t>Spring </a:t>
-            </a:r>
-            <a:r>
-              <a:rPr lang="en-US" smtClean="0"/>
-              <a:t>HATEOAS</a:t>
-            </a:r>
-            <a:r>
-              <a:rPr lang="hu-HU" smtClean="0"/>
-              <a:t> own representation</a:t>
-            </a:r>
-          </a:p>
-          <a:p>
-            <a:pPr lvl="1"/>
-            <a:r>
-              <a:rPr lang="hu-HU" smtClean="0"/>
-              <a:t>HAL – </a:t>
-            </a:r>
-            <a:r>
-              <a:rPr lang="hu-HU" smtClean="0">
+              <a:t>HAL </a:t>
+            </a:r>
+            <a:r>
+              <a:rPr lang="hu-HU" sz="1800" smtClean="0">
                 <a:hlinkClick r:id="rId3"/>
               </a:rPr>
-              <a:t>Hypermedia Application Language</a:t>
-            </a:r>
+              <a:t>http</a:t>
+            </a:r>
+            <a:r>
+              <a:rPr lang="hu-HU" sz="1800">
+                <a:hlinkClick r:id="rId3"/>
+              </a:rPr>
+              <a:t>://</a:t>
+            </a:r>
+            <a:r>
+              <a:rPr lang="hu-HU" sz="1800" smtClean="0">
+                <a:hlinkClick r:id="rId3"/>
+              </a:rPr>
+              <a:t>stateless.co/hal_specification.html</a:t>
+            </a:r>
+            <a:endParaRPr lang="hu-HU" sz="1800" smtClean="0"/>
+          </a:p>
+          <a:p>
+            <a:pPr lvl="1"/>
+            <a:r>
+              <a:rPr lang="hu-HU" smtClean="0"/>
+              <a:t>Resource + </a:t>
+            </a:r>
+            <a:r>
+              <a:rPr lang="hu-HU" smtClean="0"/>
+              <a:t>Links +</a:t>
+            </a:r>
+            <a:r>
+              <a:rPr lang="hu-HU" smtClean="0"/>
+              <a:t>Embedded resource</a:t>
+            </a:r>
+          </a:p>
+          <a:p>
+            <a:pPr lvl="2"/>
+            <a:r>
+              <a:rPr lang="hu-HU" smtClean="0"/>
+              <a:t> + HAL Browser</a:t>
+            </a:r>
+          </a:p>
+          <a:p>
+            <a:pPr lvl="2"/>
+            <a:r>
+              <a:rPr lang="hu-HU" smtClean="0"/>
+              <a:t> + Minor documentation </a:t>
+            </a:r>
+            <a:r>
+              <a:rPr lang="hu-HU"/>
+              <a:t>support </a:t>
+            </a:r>
+            <a:r>
+              <a:rPr lang="hu-HU" smtClean="0"/>
+              <a:t>(via </a:t>
+            </a:r>
+            <a:r>
+              <a:rPr lang="en-US" smtClean="0"/>
+              <a:t>CURIEs</a:t>
+            </a:r>
+            <a:r>
+              <a:rPr lang="hu-HU" smtClean="0"/>
+              <a:t>)</a:t>
+            </a:r>
+            <a:endParaRPr lang="hu-HU"/>
+          </a:p>
+          <a:p>
+            <a:pPr lvl="1"/>
             <a:endParaRPr lang="hu-HU" smtClean="0"/>
           </a:p>
           <a:p>
             <a:pPr lvl="1"/>
+            <a:endParaRPr lang="hu-HU" smtClean="0"/>
+          </a:p>
+          <a:p>
+            <a:pPr lvl="1"/>
+            <a:endParaRPr lang="hu-HU"/>
+          </a:p>
+          <a:p>
+            <a:pPr lvl="1"/>
+            <a:endParaRPr lang="hu-HU" smtClean="0"/>
+          </a:p>
+          <a:p>
+            <a:pPr lvl="1"/>
+            <a:endParaRPr lang="hu-HU" smtClean="0"/>
+          </a:p>
+          <a:p>
+            <a:pPr lvl="1"/>
+            <a:endParaRPr lang="hu-HU" smtClean="0"/>
+          </a:p>
+          <a:p>
+            <a:pPr lvl="1"/>
+            <a:endParaRPr lang="hu-HU" smtClean="0"/>
+          </a:p>
+          <a:p>
+            <a:pPr lvl="1"/>
             <a:r>
               <a:rPr lang="hu-HU" smtClean="0"/>
-              <a:t>Siren</a:t>
-            </a:r>
-          </a:p>
-          <a:p>
-            <a:pPr lvl="1"/>
+              <a:t>External examples:</a:t>
+            </a:r>
+          </a:p>
+          <a:p>
+            <a:pPr lvl="2"/>
             <a:r>
               <a:rPr lang="hu-HU" smtClean="0"/>
-              <a:t>Collection+JSON</a:t>
-            </a:r>
-          </a:p>
-          <a:p>
-            <a:pPr lvl="1"/>
-            <a:endParaRPr lang="en-US" dirty="0" smtClean="0"/>
+              <a:t>#1 </a:t>
+            </a:r>
+            <a:r>
+              <a:rPr lang="en-US" sz="1400" smtClean="0">
+                <a:hlinkClick r:id="rId4"/>
+              </a:rPr>
+              <a:t>http</a:t>
+            </a:r>
+            <a:r>
+              <a:rPr lang="en-US" sz="1400">
+                <a:hlinkClick r:id="rId4"/>
+              </a:rPr>
+              <a:t>://</a:t>
+            </a:r>
+            <a:r>
+              <a:rPr lang="en-US" sz="1400">
+                <a:hlinkClick r:id="rId4"/>
+              </a:rPr>
+              <a:t>haltalk.herokuapp.com/explorer/browser.html</a:t>
+            </a:r>
+            <a:r>
+              <a:rPr lang="en-US" sz="1400" smtClean="0">
+                <a:hlinkClick r:id="rId4"/>
+              </a:rPr>
+              <a:t>#/</a:t>
+            </a:r>
+            <a:endParaRPr lang="hu-HU" sz="1400" smtClean="0"/>
           </a:p>
           <a:p>
             <a:pPr lvl="2"/>
-            <a:endParaRPr lang="en-US" dirty="0" smtClean="0"/>
-          </a:p>
-        </p:txBody>
-      </p:sp>
+            <a:r>
+              <a:rPr lang="hu-HU"/>
+              <a:t>#2 </a:t>
+            </a:r>
+            <a:r>
+              <a:rPr lang="hu-HU" sz="1400">
+                <a:hlinkClick r:id="rId5"/>
+              </a:rPr>
+              <a:t>https://</a:t>
+            </a:r>
+            <a:r>
+              <a:rPr lang="hu-HU" sz="1400">
+                <a:hlinkClick r:id="rId5"/>
+              </a:rPr>
+              <a:t>api-sandbox.foxycart.com/hal-browser/hal_browser.html</a:t>
+            </a:r>
+            <a:r>
+              <a:rPr lang="hu-HU" sz="1400" smtClean="0">
+                <a:hlinkClick r:id="rId5"/>
+              </a:rPr>
+              <a:t>#/</a:t>
+            </a:r>
+            <a:endParaRPr lang="hu-HU" sz="1400"/>
+          </a:p>
+          <a:p>
+            <a:pPr lvl="2"/>
+            <a:r>
+              <a:rPr lang="hu-HU"/>
+              <a:t>#3 </a:t>
+            </a:r>
+            <a:r>
+              <a:rPr lang="hu-HU" sz="1400">
+                <a:hlinkClick r:id="rId6"/>
+              </a:rPr>
+              <a:t>https</a:t>
+            </a:r>
+            <a:r>
+              <a:rPr lang="hu-HU" sz="1400">
+                <a:hlinkClick r:id="rId6"/>
+              </a:rPr>
+              <a:t>://</a:t>
+            </a:r>
+            <a:r>
+              <a:rPr lang="hu-HU" sz="1400" smtClean="0">
+                <a:hlinkClick r:id="rId6"/>
+              </a:rPr>
+              <a:t>api.clarify.io/docs</a:t>
+            </a:r>
+            <a:endParaRPr lang="hu-HU" sz="1400" smtClean="0"/>
+          </a:p>
+        </p:txBody>
+      </p:sp>
+      <p:pic>
+        <p:nvPicPr>
+          <p:cNvPr id="3" name="Picture 2"/>
+          <p:cNvPicPr>
+            <a:picLocks noChangeAspect="1"/>
+          </p:cNvPicPr>
+          <p:nvPr/>
+        </p:nvPicPr>
+        <p:blipFill>
+          <a:blip r:embed="rId7" cstate="print">
+            <a:extLst>
+              <a:ext uri="{28A0092B-C50C-407E-A947-70E740481C1C}">
+                <a14:useLocalDpi xmlns:a14="http://schemas.microsoft.com/office/drawing/2010/main" val="0"/>
+              </a:ext>
+            </a:extLst>
+          </a:blip>
+          <a:stretch>
+            <a:fillRect/>
+          </a:stretch>
+        </p:blipFill>
+        <p:spPr>
+          <a:xfrm>
+            <a:off x="1979712" y="2780928"/>
+            <a:ext cx="3059832" cy="2294874"/>
+          </a:xfrm>
+          <a:prstGeom prst="rect">
+            <a:avLst/>
+          </a:prstGeom>
+        </p:spPr>
+      </p:pic>
     </p:spTree>
     <p:extLst>
       <p:ext uri="{BB962C8B-B14F-4D97-AF65-F5344CB8AC3E}">
-        <p14:creationId xmlns:p14="http://schemas.microsoft.com/office/powerpoint/2010/main" val="3024877920"/>
+        <p14:creationId xmlns:p14="http://schemas.microsoft.com/office/powerpoint/2010/main" val="2800691613"/>
       </p:ext>
     </p:extLst>
   </p:cSld>
@@ -6122,6 +6273,31 @@
                 <a:hlinkClick r:id="rId4"/>
               </a:rPr>
               <a:t>github.com/spring-projects/rest-shell</a:t>
+            </a:r>
+            <a:endParaRPr lang="hu-HU" smtClean="0"/>
+          </a:p>
+          <a:p>
+            <a:r>
+              <a:rPr lang="hu-HU"/>
+              <a:t>HAL Browser: </a:t>
+            </a:r>
+            <a:r>
+              <a:rPr lang="hu-HU">
+                <a:hlinkClick r:id="rId5"/>
+              </a:rPr>
+              <a:t>https</a:t>
+            </a:r>
+            <a:r>
+              <a:rPr lang="hu-HU">
+                <a:hlinkClick r:id="rId5"/>
+              </a:rPr>
+              <a:t>://</a:t>
+            </a:r>
+            <a:r>
+              <a:rPr lang="hu-HU" smtClean="0">
+                <a:hlinkClick r:id="rId5"/>
+              </a:rPr>
+              <a:t>github.com/mikekelly/hal-browser</a:t>
             </a:r>
             <a:endParaRPr lang="hu-HU" smtClean="0"/>
           </a:p>
@@ -6517,41 +6693,45 @@
           <a:p>
             <a:pPr lvl="1"/>
             <a:r>
-              <a:rPr lang="hu-HU">
+              <a:rPr lang="hu-HU" sz="1600">
                 <a:hlinkClick r:id="rId3"/>
               </a:rPr>
               <a:t>http://</a:t>
             </a:r>
             <a:r>
-              <a:rPr lang="hu-HU" smtClean="0">
+              <a:rPr lang="hu-HU" sz="1600" smtClean="0">
                 <a:hlinkClick r:id="rId3"/>
               </a:rPr>
               <a:t>martinfowler.com/articles/richardsonMaturityModel.html</a:t>
             </a:r>
-            <a:endParaRPr lang="hu-HU" smtClean="0"/>
+            <a:endParaRPr lang="hu-HU" sz="1600" smtClean="0"/>
           </a:p>
           <a:p>
             <a:pPr lvl="1"/>
             <a:r>
-              <a:rPr lang="hu-HU">
+              <a:rPr lang="hu-HU" sz="1600">
                 <a:hlinkClick r:id="rId4"/>
               </a:rPr>
               <a:t>https://blog.safaribooksonline.com/2013/09/30/rest-hypermedia</a:t>
             </a:r>
             <a:r>
-              <a:rPr lang="hu-HU" smtClean="0">
+              <a:rPr lang="hu-HU" sz="1600" smtClean="0">
                 <a:hlinkClick r:id="rId4"/>
               </a:rPr>
               <a:t>/</a:t>
             </a:r>
-            <a:endParaRPr lang="hu-HU"/>
-          </a:p>
-          <a:p>
-            <a:r>
-              <a:rPr lang="hu-HU" smtClean="0"/>
-              <a:t>Recommended lesson</a:t>
-            </a:r>
-            <a:endParaRPr lang="hu-HU"/>
+            <a:endParaRPr lang="hu-HU" sz="1600"/>
+          </a:p>
+          <a:p>
+            <a:r>
+              <a:rPr lang="hu-HU" b="1" smtClean="0"/>
+              <a:t>Recommended </a:t>
+            </a:r>
+            <a:r>
+              <a:rPr lang="hu-HU" b="1" smtClean="0"/>
+              <a:t>youtube presentation</a:t>
+            </a:r>
+            <a:endParaRPr lang="hu-HU" b="1"/>
           </a:p>
           <a:p>
             <a:pPr lvl="1"/>
@@ -10734,8 +10914,13 @@
             <a:pPr lvl="1"/>
             <a:r>
               <a:rPr lang="en-US" smtClean="0"/>
-              <a:t>PATCH (partial update)</a:t>
-            </a:r>
+              <a:t>PATCH (partial update</a:t>
+            </a:r>
+            <a:r>
+              <a:rPr lang="en-US" smtClean="0"/>
+              <a:t>)</a:t>
+            </a:r>
+            <a:endParaRPr lang="en-US" smtClean="0"/>
           </a:p>
           <a:p>
             <a:pPr lvl="1"/>
